--- a/20190123.MessageQueueRPC/91APP-MessageQueueRPC-20190123.pptx
+++ b/20190123.MessageQueueRPC/91APP-MessageQueueRPC-20190123.pptx
@@ -8,19 +8,23 @@
     <p:sldMasterId id="2147483690" r:id="rId4"/>
   </p:sldMasterIdLst>
   <p:notesMasterIdLst>
-    <p:notesMasterId r:id="rId15"/>
+    <p:notesMasterId r:id="rId19"/>
   </p:notesMasterIdLst>
   <p:sldIdLst>
     <p:sldId id="447" r:id="rId5"/>
     <p:sldId id="527" r:id="rId6"/>
     <p:sldId id="449" r:id="rId7"/>
     <p:sldId id="529" r:id="rId8"/>
-    <p:sldId id="528" r:id="rId9"/>
-    <p:sldId id="454" r:id="rId10"/>
-    <p:sldId id="451" r:id="rId11"/>
-    <p:sldId id="487" r:id="rId12"/>
-    <p:sldId id="526" r:id="rId13"/>
-    <p:sldId id="448" r:id="rId14"/>
+    <p:sldId id="454" r:id="rId9"/>
+    <p:sldId id="451" r:id="rId10"/>
+    <p:sldId id="530" r:id="rId11"/>
+    <p:sldId id="533" r:id="rId12"/>
+    <p:sldId id="531" r:id="rId13"/>
+    <p:sldId id="532" r:id="rId14"/>
+    <p:sldId id="534" r:id="rId15"/>
+    <p:sldId id="487" r:id="rId16"/>
+    <p:sldId id="526" r:id="rId17"/>
+    <p:sldId id="448" r:id="rId18"/>
   </p:sldIdLst>
   <p:sldSz cx="9144000" cy="5143500" type="screen16x9"/>
   <p:notesSz cx="6858000" cy="9144000"/>
@@ -950,9 +954,6 @@
           <a:bodyPr/>
           <a:lstStyle/>
           <a:p>
-            <a:pPr marL="139700" indent="0">
-              <a:buNone/>
-            </a:pPr>
             <a:endParaRPr lang="en-US" dirty="0"/>
           </a:p>
         </p:txBody>
@@ -960,7 +961,7 @@
     </p:spTree>
     <p:extLst>
       <p:ext uri="{BB962C8B-B14F-4D97-AF65-F5344CB8AC3E}">
-        <p14:creationId xmlns:p14="http://schemas.microsoft.com/office/powerpoint/2010/main" val="2683030178"/>
+        <p14:creationId xmlns:p14="http://schemas.microsoft.com/office/powerpoint/2010/main" val="1473711199"/>
       </p:ext>
     </p:extLst>
   </p:cSld>
@@ -1019,6 +1020,9 @@
           <a:bodyPr/>
           <a:lstStyle/>
           <a:p>
+            <a:pPr marL="139700" indent="0">
+              <a:buNone/>
+            </a:pPr>
             <a:endParaRPr lang="en-US" dirty="0"/>
           </a:p>
         </p:txBody>
@@ -1026,7 +1030,7 @@
     </p:spTree>
     <p:extLst>
       <p:ext uri="{BB962C8B-B14F-4D97-AF65-F5344CB8AC3E}">
-        <p14:creationId xmlns:p14="http://schemas.microsoft.com/office/powerpoint/2010/main" val="1473711199"/>
+        <p14:creationId xmlns:p14="http://schemas.microsoft.com/office/powerpoint/2010/main" val="4200077931"/>
       </p:ext>
     </p:extLst>
   </p:cSld>
@@ -1089,9 +1093,10 @@
               <a:buNone/>
             </a:pPr>
             <a:r>
-              <a:rPr lang="en-US" dirty="0"/>
-              <a:t>Notes:</a:t>
-            </a:r>
+              <a:rPr lang="zh-TW" altLang="en-US" dirty="0"/>
+              <a:t>除了數量之外，複雜度也隨之升高。</a:t>
+            </a:r>
+            <a:endParaRPr lang="en-US" altLang="zh-TW" dirty="0"/>
           </a:p>
           <a:p>
             <a:pPr marL="139700" indent="0">
@@ -1104,41 +1109,45 @@
               <a:buNone/>
             </a:pPr>
             <a:r>
-              <a:rPr lang="en-US" dirty="0"/>
-              <a:t>Cloud Service / Cloud native  / Container / Microservices ….</a:t>
+              <a:rPr lang="zh-TW" altLang="en-US" dirty="0"/>
+              <a:t>每個服務 </a:t>
+            </a:r>
+            <a:r>
+              <a:rPr lang="en-US" altLang="zh-TW" dirty="0"/>
+              <a:t>(service) </a:t>
+            </a:r>
+            <a:r>
+              <a:rPr lang="zh-TW" altLang="en-US" dirty="0"/>
+              <a:t>及每個個體 </a:t>
+            </a:r>
+            <a:r>
+              <a:rPr lang="en-US" altLang="zh-TW" dirty="0"/>
+              <a:t>(instance) </a:t>
+            </a:r>
+            <a:r>
+              <a:rPr lang="zh-TW" altLang="en-US" dirty="0"/>
+              <a:t>都必須更精準的掌握其他服務的狀態 </a:t>
+            </a:r>
+            <a:r>
+              <a:rPr lang="en-US" altLang="zh-TW" dirty="0"/>
+              <a:t>(availability, </a:t>
+            </a:r>
+            <a:r>
+              <a:rPr lang="en-US" altLang="zh-TW" dirty="0" err="1"/>
+              <a:t>endpoitns</a:t>
+            </a:r>
+            <a:r>
+              <a:rPr lang="en-US" altLang="zh-TW" dirty="0"/>
+              <a:t>)</a:t>
             </a:r>
           </a:p>
           <a:p>
             <a:pPr marL="139700" indent="0">
               <a:buNone/>
             </a:pPr>
-            <a:endParaRPr lang="en-US" dirty="0"/>
-          </a:p>
-          <a:p>
-            <a:pPr marL="139700" indent="0">
-              <a:buNone/>
-            </a:pPr>
             <a:r>
               <a:rPr lang="zh-TW" altLang="en-US" dirty="0"/>
-              <a:t>線上服務的複雜度越來越高，服務數量變多，服務的 </a:t>
-            </a:r>
-            <a:r>
-              <a:rPr lang="en-US" altLang="zh-TW" dirty="0"/>
-              <a:t>instance</a:t>
-            </a:r>
-            <a:r>
-              <a:rPr lang="zh-TW" altLang="en-US" dirty="0"/>
-              <a:t> 也變多</a:t>
-            </a:r>
-            <a:endParaRPr lang="en-US" altLang="zh-TW" dirty="0"/>
-          </a:p>
-          <a:p>
-            <a:pPr marL="139700" indent="0">
-              <a:buNone/>
-            </a:pPr>
-            <a:r>
-              <a:rPr lang="zh-TW" altLang="en-US" dirty="0"/>
-              <a:t>管理的挑戰也變大</a:t>
+              <a:t>服務之間的通訊也越來越複雜</a:t>
             </a:r>
             <a:endParaRPr lang="en-US" dirty="0"/>
           </a:p>
@@ -1147,7 +1156,7 @@
     </p:spTree>
     <p:extLst>
       <p:ext uri="{BB962C8B-B14F-4D97-AF65-F5344CB8AC3E}">
-        <p14:creationId xmlns:p14="http://schemas.microsoft.com/office/powerpoint/2010/main" val="4200077931"/>
+        <p14:creationId xmlns:p14="http://schemas.microsoft.com/office/powerpoint/2010/main" val="33392739"/>
       </p:ext>
     </p:extLst>
   </p:cSld>
@@ -1176,132 +1185,6 @@
       </p:grpSpPr>
       <p:sp>
         <p:nvSpPr>
-          <p:cNvPr id="2" name="投影片圖像版面配置區 1"/>
-          <p:cNvSpPr>
-            <a:spLocks noGrp="1" noRot="1" noChangeAspect="1"/>
-          </p:cNvSpPr>
-          <p:nvPr>
-            <p:ph type="sldImg"/>
-          </p:nvPr>
-        </p:nvSpPr>
-        <p:spPr>
-          <a:xfrm>
-            <a:off x="381000" y="685800"/>
-            <a:ext cx="6096000" cy="3429000"/>
-          </a:xfrm>
-        </p:spPr>
-      </p:sp>
-      <p:sp>
-        <p:nvSpPr>
-          <p:cNvPr id="3" name="備忘稿版面配置區 2"/>
-          <p:cNvSpPr>
-            <a:spLocks noGrp="1"/>
-          </p:cNvSpPr>
-          <p:nvPr>
-            <p:ph type="body" idx="1"/>
-          </p:nvPr>
-        </p:nvSpPr>
-        <p:spPr/>
-        <p:txBody>
-          <a:bodyPr/>
-          <a:lstStyle/>
-          <a:p>
-            <a:pPr marL="139700" indent="0">
-              <a:buNone/>
-            </a:pPr>
-            <a:r>
-              <a:rPr lang="zh-TW" altLang="en-US" dirty="0"/>
-              <a:t>除了數量之外，複雜度也隨之升高。</a:t>
-            </a:r>
-            <a:endParaRPr lang="en-US" altLang="zh-TW" dirty="0"/>
-          </a:p>
-          <a:p>
-            <a:pPr marL="139700" indent="0">
-              <a:buNone/>
-            </a:pPr>
-            <a:endParaRPr lang="en-US" dirty="0"/>
-          </a:p>
-          <a:p>
-            <a:pPr marL="139700" indent="0">
-              <a:buNone/>
-            </a:pPr>
-            <a:r>
-              <a:rPr lang="zh-TW" altLang="en-US" dirty="0"/>
-              <a:t>每個服務 </a:t>
-            </a:r>
-            <a:r>
-              <a:rPr lang="en-US" altLang="zh-TW" dirty="0"/>
-              <a:t>(service) </a:t>
-            </a:r>
-            <a:r>
-              <a:rPr lang="zh-TW" altLang="en-US" dirty="0"/>
-              <a:t>及每個個體 </a:t>
-            </a:r>
-            <a:r>
-              <a:rPr lang="en-US" altLang="zh-TW" dirty="0"/>
-              <a:t>(instance) </a:t>
-            </a:r>
-            <a:r>
-              <a:rPr lang="zh-TW" altLang="en-US" dirty="0"/>
-              <a:t>都必須更精準的掌握其他服務的狀態 </a:t>
-            </a:r>
-            <a:r>
-              <a:rPr lang="en-US" altLang="zh-TW" dirty="0"/>
-              <a:t>(availability, </a:t>
-            </a:r>
-            <a:r>
-              <a:rPr lang="en-US" altLang="zh-TW" dirty="0" err="1"/>
-              <a:t>endpoitns</a:t>
-            </a:r>
-            <a:r>
-              <a:rPr lang="en-US" altLang="zh-TW" dirty="0"/>
-              <a:t>)</a:t>
-            </a:r>
-          </a:p>
-          <a:p>
-            <a:pPr marL="139700" indent="0">
-              <a:buNone/>
-            </a:pPr>
-            <a:r>
-              <a:rPr lang="zh-TW" altLang="en-US" dirty="0"/>
-              <a:t>服務之間的通訊也越來越複雜</a:t>
-            </a:r>
-            <a:endParaRPr lang="en-US" dirty="0"/>
-          </a:p>
-        </p:txBody>
-      </p:sp>
-    </p:spTree>
-    <p:extLst>
-      <p:ext uri="{BB962C8B-B14F-4D97-AF65-F5344CB8AC3E}">
-        <p14:creationId xmlns:p14="http://schemas.microsoft.com/office/powerpoint/2010/main" val="33392739"/>
-      </p:ext>
-    </p:extLst>
-  </p:cSld>
-  <p:clrMapOvr>
-    <a:masterClrMapping/>
-  </p:clrMapOvr>
-</p:notes>
-</file>
-
-<file path=ppt/notesSlides/notesSlide8.xml><?xml version="1.0" encoding="utf-8"?>
-<p:notes xmlns:a="http://schemas.openxmlformats.org/drawingml/2006/main" xmlns:r="http://schemas.openxmlformats.org/officeDocument/2006/relationships" xmlns:p="http://schemas.openxmlformats.org/presentationml/2006/main">
-  <p:cSld>
-    <p:spTree>
-      <p:nvGrpSpPr>
-        <p:cNvPr id="1" name=""/>
-        <p:cNvGrpSpPr/>
-        <p:nvPr/>
-      </p:nvGrpSpPr>
-      <p:grpSpPr>
-        <a:xfrm>
-          <a:off x="0" y="0"/>
-          <a:ext cx="0" cy="0"/>
-          <a:chOff x="0" y="0"/>
-          <a:chExt cx="0" cy="0"/>
-        </a:xfrm>
-      </p:grpSpPr>
-      <p:sp>
-        <p:nvSpPr>
           <p:cNvPr id="2" name="投影片影像版面配置區 1"/>
           <p:cNvSpPr>
             <a:spLocks noGrp="1" noRot="1" noChangeAspect="1"/>
@@ -1349,7 +1232,7 @@
 </p:notes>
 </file>
 
-<file path=ppt/notesSlides/notesSlide9.xml><?xml version="1.0" encoding="utf-8"?>
+<file path=ppt/notesSlides/notesSlide8.xml><?xml version="1.0" encoding="utf-8"?>
 <p:notes xmlns:a="http://schemas.openxmlformats.org/drawingml/2006/main" xmlns:r="http://schemas.openxmlformats.org/officeDocument/2006/relationships" xmlns:p="http://schemas.openxmlformats.org/presentationml/2006/main">
   <p:cSld>
     <p:spTree>
@@ -2083,7 +1966,7 @@
               <a:pPr defTabSz="685800">
                 <a:buClrTx/>
               </a:pPr>
-              <a:t>2019/1/15</a:t>
+              <a:t>2019/1/16</a:t>
             </a:fld>
             <a:endParaRPr lang="zh-TW" altLang="en-US" kern="1200">
               <a:solidFill>
@@ -2431,7 +2314,7 @@
               <a:pPr defTabSz="685800">
                 <a:buClrTx/>
               </a:pPr>
-              <a:t>2019/1/15</a:t>
+              <a:t>2019/1/16</a:t>
             </a:fld>
             <a:endParaRPr lang="zh-TW" altLang="en-US" kern="1200">
               <a:solidFill>
@@ -2689,7 +2572,7 @@
               <a:pPr defTabSz="685800">
                 <a:buClrTx/>
               </a:pPr>
-              <a:t>2019/1/15</a:t>
+              <a:t>2019/1/16</a:t>
             </a:fld>
             <a:endParaRPr lang="zh-TW" altLang="en-US" kern="1200">
               <a:solidFill>
@@ -2957,7 +2840,7 @@
               <a:pPr defTabSz="685800">
                 <a:buClrTx/>
               </a:pPr>
-              <a:t>2019/1/15</a:t>
+              <a:t>2019/1/16</a:t>
             </a:fld>
             <a:endParaRPr lang="zh-TW" altLang="en-US" kern="1200">
               <a:solidFill>
@@ -3237,7 +3120,7 @@
               <a:pPr defTabSz="685800">
                 <a:buClrTx/>
               </a:pPr>
-              <a:t>2019/1/15</a:t>
+              <a:t>2019/1/16</a:t>
             </a:fld>
             <a:endParaRPr lang="zh-TW" altLang="en-US" kern="1200">
               <a:solidFill>
@@ -3495,7 +3378,7 @@
               <a:pPr defTabSz="685800">
                 <a:buClrTx/>
               </a:pPr>
-              <a:t>2019/1/15</a:t>
+              <a:t>2019/1/16</a:t>
             </a:fld>
             <a:endParaRPr lang="zh-TW" altLang="en-US" kern="1200">
               <a:solidFill>
@@ -3830,7 +3713,7 @@
               <a:pPr defTabSz="685800">
                 <a:buClrTx/>
               </a:pPr>
-              <a:t>2019/1/15</a:t>
+              <a:t>2019/1/16</a:t>
             </a:fld>
             <a:endParaRPr lang="zh-TW" altLang="en-US" kern="1200">
               <a:solidFill>
@@ -4155,7 +4038,7 @@
               <a:pPr defTabSz="685800">
                 <a:buClrTx/>
               </a:pPr>
-              <a:t>2019/1/15</a:t>
+              <a:t>2019/1/16</a:t>
             </a:fld>
             <a:endParaRPr lang="zh-TW" altLang="en-US" kern="1200">
               <a:solidFill>
@@ -4627,7 +4510,7 @@
               <a:pPr defTabSz="685800">
                 <a:buClrTx/>
               </a:pPr>
-              <a:t>2019/1/15</a:t>
+              <a:t>2019/1/16</a:t>
             </a:fld>
             <a:endParaRPr lang="zh-TW" altLang="en-US" kern="1200">
               <a:solidFill>
@@ -4828,7 +4711,7 @@
               <a:pPr defTabSz="685800">
                 <a:buClrTx/>
               </a:pPr>
-              <a:t>2019/1/15</a:t>
+              <a:t>2019/1/16</a:t>
             </a:fld>
             <a:endParaRPr lang="zh-TW" altLang="en-US" kern="1200">
               <a:solidFill>
@@ -5400,7 +5283,7 @@
               <a:pPr defTabSz="685800">
                 <a:buClrTx/>
               </a:pPr>
-              <a:t>2019/1/15</a:t>
+              <a:t>2019/1/16</a:t>
             </a:fld>
             <a:endParaRPr lang="zh-TW" altLang="en-US" kern="1200">
               <a:solidFill>
@@ -5771,7 +5654,7 @@
               <a:pPr defTabSz="685800">
                 <a:buClrTx/>
               </a:pPr>
-              <a:t>2019/1/15</a:t>
+              <a:t>2019/1/16</a:t>
             </a:fld>
             <a:endParaRPr lang="zh-TW" altLang="en-US" kern="1200">
               <a:solidFill>
@@ -6119,7 +6002,7 @@
               <a:pPr defTabSz="685800">
                 <a:buClrTx/>
               </a:pPr>
-              <a:t>2019/1/15</a:t>
+              <a:t>2019/1/16</a:t>
             </a:fld>
             <a:endParaRPr lang="zh-TW" altLang="en-US" kern="1200">
               <a:solidFill>
@@ -6377,7 +6260,7 @@
               <a:pPr defTabSz="685800">
                 <a:buClrTx/>
               </a:pPr>
-              <a:t>2019/1/15</a:t>
+              <a:t>2019/1/16</a:t>
             </a:fld>
             <a:endParaRPr lang="zh-TW" altLang="en-US" kern="1200">
               <a:solidFill>
@@ -6645,7 +6528,7 @@
               <a:pPr defTabSz="685800">
                 <a:buClrTx/>
               </a:pPr>
-              <a:t>2019/1/15</a:t>
+              <a:t>2019/1/16</a:t>
             </a:fld>
             <a:endParaRPr lang="zh-TW" altLang="en-US" kern="1200">
               <a:solidFill>
@@ -7514,7 +7397,7 @@
               <a:pPr defTabSz="685800">
                 <a:buClrTx/>
               </a:pPr>
-              <a:t>2019/1/15</a:t>
+              <a:t>2019/1/16</a:t>
             </a:fld>
             <a:endParaRPr lang="zh-TW" altLang="en-US" kern="1200">
               <a:solidFill>
@@ -7772,7 +7655,7 @@
               <a:pPr defTabSz="685800">
                 <a:buClrTx/>
               </a:pPr>
-              <a:t>2019/1/15</a:t>
+              <a:t>2019/1/16</a:t>
             </a:fld>
             <a:endParaRPr lang="zh-TW" altLang="en-US" kern="1200">
               <a:solidFill>
@@ -8107,7 +7990,7 @@
               <a:pPr defTabSz="685800">
                 <a:buClrTx/>
               </a:pPr>
-              <a:t>2019/1/15</a:t>
+              <a:t>2019/1/16</a:t>
             </a:fld>
             <a:endParaRPr lang="zh-TW" altLang="en-US" kern="1200">
               <a:solidFill>
@@ -8432,7 +8315,7 @@
               <a:pPr defTabSz="685800">
                 <a:buClrTx/>
               </a:pPr>
-              <a:t>2019/1/15</a:t>
+              <a:t>2019/1/16</a:t>
             </a:fld>
             <a:endParaRPr lang="zh-TW" altLang="en-US" kern="1200">
               <a:solidFill>
@@ -8904,7 +8787,7 @@
               <a:pPr defTabSz="685800">
                 <a:buClrTx/>
               </a:pPr>
-              <a:t>2019/1/15</a:t>
+              <a:t>2019/1/16</a:t>
             </a:fld>
             <a:endParaRPr lang="zh-TW" altLang="en-US" kern="1200">
               <a:solidFill>
@@ -9105,7 +8988,7 @@
               <a:pPr defTabSz="685800">
                 <a:buClrTx/>
               </a:pPr>
-              <a:t>2019/1/15</a:t>
+              <a:t>2019/1/16</a:t>
             </a:fld>
             <a:endParaRPr lang="zh-TW" altLang="en-US" kern="1200">
               <a:solidFill>
@@ -9278,7 +9161,7 @@
               <a:pPr defTabSz="685800">
                 <a:buClrTx/>
               </a:pPr>
-              <a:t>2019/1/15</a:t>
+              <a:t>2019/1/16</a:t>
             </a:fld>
             <a:endParaRPr lang="zh-TW" altLang="en-US" kern="1200">
               <a:solidFill>
@@ -10865,7 +10748,7 @@
               <a:pPr defTabSz="685800">
                 <a:buClrTx/>
               </a:pPr>
-              <a:t>2019/1/15</a:t>
+              <a:t>2019/1/16</a:t>
             </a:fld>
             <a:endParaRPr lang="zh-TW" altLang="en-US" kern="1200">
               <a:solidFill>
@@ -11493,7 +11376,7 @@
               <a:pPr defTabSz="685800">
                 <a:buClrTx/>
               </a:pPr>
-              <a:t>2019/1/15</a:t>
+              <a:t>2019/1/16</a:t>
             </a:fld>
             <a:endParaRPr lang="zh-TW" altLang="en-US" kern="1200">
               <a:solidFill>
@@ -13541,6 +13424,1755 @@
 <file path=ppt/slides/slide10.xml><?xml version="1.0" encoding="utf-8"?>
 <p:sld xmlns:a="http://schemas.openxmlformats.org/drawingml/2006/main" xmlns:r="http://schemas.openxmlformats.org/officeDocument/2006/relationships" xmlns:p="http://schemas.openxmlformats.org/presentationml/2006/main">
   <p:cSld>
+    <p:spTree>
+      <p:nvGrpSpPr>
+        <p:cNvPr id="1" name=""/>
+        <p:cNvGrpSpPr/>
+        <p:nvPr/>
+      </p:nvGrpSpPr>
+      <p:grpSpPr>
+        <a:xfrm>
+          <a:off x="0" y="0"/>
+          <a:ext cx="0" cy="0"/>
+          <a:chOff x="0" y="0"/>
+          <a:chExt cx="0" cy="0"/>
+        </a:xfrm>
+      </p:grpSpPr>
+      <p:sp>
+        <p:nvSpPr>
+          <p:cNvPr id="4" name="標題 3">
+            <a:extLst>
+              <a:ext uri="{FF2B5EF4-FFF2-40B4-BE49-F238E27FC236}">
+                <a16:creationId xmlns:a16="http://schemas.microsoft.com/office/drawing/2014/main" id="{6D98F28D-FEEC-40F1-A296-234EE77A4338}"/>
+              </a:ext>
+            </a:extLst>
+          </p:cNvPr>
+          <p:cNvSpPr>
+            <a:spLocks noGrp="1"/>
+          </p:cNvSpPr>
+          <p:nvPr>
+            <p:ph type="title"/>
+          </p:nvPr>
+        </p:nvSpPr>
+        <p:spPr/>
+        <p:txBody>
+          <a:bodyPr/>
+          <a:lstStyle/>
+          <a:p>
+            <a:r>
+              <a:rPr lang="en-US" dirty="0"/>
+              <a:t>Design Concept (One-Way Async)</a:t>
+            </a:r>
+          </a:p>
+        </p:txBody>
+      </p:sp>
+      <p:sp>
+        <p:nvSpPr>
+          <p:cNvPr id="6" name="矩形: 圓角 5">
+            <a:extLst>
+              <a:ext uri="{FF2B5EF4-FFF2-40B4-BE49-F238E27FC236}">
+                <a16:creationId xmlns:a16="http://schemas.microsoft.com/office/drawing/2014/main" id="{F453678F-D1FE-4DE1-87D3-45DE5326C76E}"/>
+              </a:ext>
+            </a:extLst>
+          </p:cNvPr>
+          <p:cNvSpPr/>
+          <p:nvPr/>
+        </p:nvSpPr>
+        <p:spPr>
+          <a:xfrm>
+            <a:off x="740780" y="1487347"/>
+            <a:ext cx="2505919" cy="908612"/>
+          </a:xfrm>
+          <a:prstGeom prst="roundRect">
+            <a:avLst/>
+          </a:prstGeom>
+        </p:spPr>
+        <p:style>
+          <a:lnRef idx="2">
+            <a:schemeClr val="accent1"/>
+          </a:lnRef>
+          <a:fillRef idx="1">
+            <a:schemeClr val="lt1"/>
+          </a:fillRef>
+          <a:effectRef idx="0">
+            <a:schemeClr val="accent1"/>
+          </a:effectRef>
+          <a:fontRef idx="minor">
+            <a:schemeClr val="dk1"/>
+          </a:fontRef>
+        </p:style>
+        <p:txBody>
+          <a:bodyPr rtlCol="0" anchor="ctr"/>
+          <a:lstStyle/>
+          <a:p>
+            <a:pPr algn="ctr"/>
+            <a:r>
+              <a:rPr lang="en-US" dirty="0" err="1"/>
+              <a:t>MessageClient</a:t>
+            </a:r>
+            <a:r>
+              <a:rPr lang="en-US" dirty="0"/>
+              <a:t>&lt;Message&gt;</a:t>
+            </a:r>
+          </a:p>
+        </p:txBody>
+      </p:sp>
+      <p:sp>
+        <p:nvSpPr>
+          <p:cNvPr id="7" name="矩形: 圓角 6">
+            <a:extLst>
+              <a:ext uri="{FF2B5EF4-FFF2-40B4-BE49-F238E27FC236}">
+                <a16:creationId xmlns:a16="http://schemas.microsoft.com/office/drawing/2014/main" id="{CA0DA162-FA01-412D-8387-BD903EFBEFD0}"/>
+              </a:ext>
+            </a:extLst>
+          </p:cNvPr>
+          <p:cNvSpPr/>
+          <p:nvPr/>
+        </p:nvSpPr>
+        <p:spPr>
+          <a:xfrm>
+            <a:off x="5677382" y="1487347"/>
+            <a:ext cx="2505919" cy="908612"/>
+          </a:xfrm>
+          <a:prstGeom prst="roundRect">
+            <a:avLst/>
+          </a:prstGeom>
+        </p:spPr>
+        <p:style>
+          <a:lnRef idx="2">
+            <a:schemeClr val="accent1"/>
+          </a:lnRef>
+          <a:fillRef idx="1">
+            <a:schemeClr val="lt1"/>
+          </a:fillRef>
+          <a:effectRef idx="0">
+            <a:schemeClr val="accent1"/>
+          </a:effectRef>
+          <a:fontRef idx="minor">
+            <a:schemeClr val="dk1"/>
+          </a:fontRef>
+        </p:style>
+        <p:txBody>
+          <a:bodyPr rtlCol="0" anchor="ctr"/>
+          <a:lstStyle/>
+          <a:p>
+            <a:pPr algn="ctr"/>
+            <a:r>
+              <a:rPr lang="en-US" dirty="0" err="1"/>
+              <a:t>MessageWorker</a:t>
+            </a:r>
+            <a:r>
+              <a:rPr lang="en-US" dirty="0"/>
+              <a:t>&lt;Message&gt;</a:t>
+            </a:r>
+          </a:p>
+        </p:txBody>
+      </p:sp>
+      <p:sp>
+        <p:nvSpPr>
+          <p:cNvPr id="8" name="矩形 7">
+            <a:extLst>
+              <a:ext uri="{FF2B5EF4-FFF2-40B4-BE49-F238E27FC236}">
+                <a16:creationId xmlns:a16="http://schemas.microsoft.com/office/drawing/2014/main" id="{3B965E30-C17E-4E02-A1B9-03A16EA652B1}"/>
+              </a:ext>
+            </a:extLst>
+          </p:cNvPr>
+          <p:cNvSpPr/>
+          <p:nvPr/>
+        </p:nvSpPr>
+        <p:spPr>
+          <a:xfrm>
+            <a:off x="2286000" y="2896565"/>
+            <a:ext cx="4572000" cy="457200"/>
+          </a:xfrm>
+          <a:prstGeom prst="rect">
+            <a:avLst/>
+          </a:prstGeom>
+        </p:spPr>
+        <p:style>
+          <a:lnRef idx="2">
+            <a:schemeClr val="accent5"/>
+          </a:lnRef>
+          <a:fillRef idx="1">
+            <a:schemeClr val="lt1"/>
+          </a:fillRef>
+          <a:effectRef idx="0">
+            <a:schemeClr val="accent5"/>
+          </a:effectRef>
+          <a:fontRef idx="minor">
+            <a:schemeClr val="dk1"/>
+          </a:fontRef>
+        </p:style>
+        <p:txBody>
+          <a:bodyPr rtlCol="0" anchor="ctr"/>
+          <a:lstStyle/>
+          <a:p>
+            <a:pPr algn="ctr"/>
+            <a:endParaRPr lang="en-US"/>
+          </a:p>
+        </p:txBody>
+      </p:sp>
+      <p:sp>
+        <p:nvSpPr>
+          <p:cNvPr id="13" name="箭號: 上彎 12">
+            <a:extLst>
+              <a:ext uri="{FF2B5EF4-FFF2-40B4-BE49-F238E27FC236}">
+                <a16:creationId xmlns:a16="http://schemas.microsoft.com/office/drawing/2014/main" id="{9C401B9A-425F-450E-859E-763EB60092D6}"/>
+              </a:ext>
+            </a:extLst>
+          </p:cNvPr>
+          <p:cNvSpPr/>
+          <p:nvPr/>
+        </p:nvSpPr>
+        <p:spPr>
+          <a:xfrm>
+            <a:off x="6921661" y="2656386"/>
+            <a:ext cx="457200" cy="509286"/>
+          </a:xfrm>
+          <a:prstGeom prst="bentUpArrow">
+            <a:avLst/>
+          </a:prstGeom>
+        </p:spPr>
+        <p:style>
+          <a:lnRef idx="2">
+            <a:schemeClr val="accent5"/>
+          </a:lnRef>
+          <a:fillRef idx="1">
+            <a:schemeClr val="lt1"/>
+          </a:fillRef>
+          <a:effectRef idx="0">
+            <a:schemeClr val="accent5"/>
+          </a:effectRef>
+          <a:fontRef idx="minor">
+            <a:schemeClr val="dk1"/>
+          </a:fontRef>
+        </p:style>
+        <p:txBody>
+          <a:bodyPr rtlCol="0" anchor="ctr"/>
+          <a:lstStyle/>
+          <a:p>
+            <a:pPr algn="ctr"/>
+            <a:endParaRPr lang="en-US"/>
+          </a:p>
+        </p:txBody>
+      </p:sp>
+      <p:sp>
+        <p:nvSpPr>
+          <p:cNvPr id="14" name="箭號: 上彎 13">
+            <a:extLst>
+              <a:ext uri="{FF2B5EF4-FFF2-40B4-BE49-F238E27FC236}">
+                <a16:creationId xmlns:a16="http://schemas.microsoft.com/office/drawing/2014/main" id="{D5CBD5BF-7188-4490-B469-7935020D753B}"/>
+              </a:ext>
+            </a:extLst>
+          </p:cNvPr>
+          <p:cNvSpPr/>
+          <p:nvPr/>
+        </p:nvSpPr>
+        <p:spPr>
+          <a:xfrm rot="5400000">
+            <a:off x="1687010" y="2721499"/>
+            <a:ext cx="457200" cy="509286"/>
+          </a:xfrm>
+          <a:prstGeom prst="bentUpArrow">
+            <a:avLst/>
+          </a:prstGeom>
+        </p:spPr>
+        <p:style>
+          <a:lnRef idx="2">
+            <a:schemeClr val="accent5"/>
+          </a:lnRef>
+          <a:fillRef idx="1">
+            <a:schemeClr val="lt1"/>
+          </a:fillRef>
+          <a:effectRef idx="0">
+            <a:schemeClr val="accent5"/>
+          </a:effectRef>
+          <a:fontRef idx="minor">
+            <a:schemeClr val="dk1"/>
+          </a:fontRef>
+        </p:style>
+        <p:txBody>
+          <a:bodyPr rtlCol="0" anchor="ctr"/>
+          <a:lstStyle/>
+          <a:p>
+            <a:pPr algn="ctr"/>
+            <a:endParaRPr lang="en-US"/>
+          </a:p>
+        </p:txBody>
+      </p:sp>
+      <p:sp>
+        <p:nvSpPr>
+          <p:cNvPr id="11" name="流程圖: 程序 10">
+            <a:extLst>
+              <a:ext uri="{FF2B5EF4-FFF2-40B4-BE49-F238E27FC236}">
+                <a16:creationId xmlns:a16="http://schemas.microsoft.com/office/drawing/2014/main" id="{874DD24A-132A-4306-8FE7-26FC8BF144BC}"/>
+              </a:ext>
+            </a:extLst>
+          </p:cNvPr>
+          <p:cNvSpPr/>
+          <p:nvPr/>
+        </p:nvSpPr>
+        <p:spPr>
+          <a:xfrm>
+            <a:off x="2222339" y="2911029"/>
+            <a:ext cx="4751408" cy="428265"/>
+          </a:xfrm>
+          <a:prstGeom prst="flowChartProcess">
+            <a:avLst/>
+          </a:prstGeom>
+          <a:solidFill>
+            <a:schemeClr val="bg1"/>
+          </a:solidFill>
+          <a:ln>
+            <a:noFill/>
+          </a:ln>
+        </p:spPr>
+        <p:style>
+          <a:lnRef idx="2">
+            <a:schemeClr val="accent1">
+              <a:shade val="50000"/>
+            </a:schemeClr>
+          </a:lnRef>
+          <a:fillRef idx="1">
+            <a:schemeClr val="accent1"/>
+          </a:fillRef>
+          <a:effectRef idx="0">
+            <a:schemeClr val="accent1"/>
+          </a:effectRef>
+          <a:fontRef idx="minor">
+            <a:schemeClr val="lt1"/>
+          </a:fontRef>
+        </p:style>
+        <p:txBody>
+          <a:bodyPr rtlCol="0" anchor="ctr"/>
+          <a:lstStyle/>
+          <a:p>
+            <a:pPr algn="ctr"/>
+            <a:endParaRPr lang="en-US"/>
+          </a:p>
+        </p:txBody>
+      </p:sp>
+      <p:sp>
+        <p:nvSpPr>
+          <p:cNvPr id="15" name="矩形: 摺角紙張 14">
+            <a:extLst>
+              <a:ext uri="{FF2B5EF4-FFF2-40B4-BE49-F238E27FC236}">
+                <a16:creationId xmlns:a16="http://schemas.microsoft.com/office/drawing/2014/main" id="{C41FFE60-A58A-4EB0-884F-980F6B023F1D}"/>
+              </a:ext>
+            </a:extLst>
+          </p:cNvPr>
+          <p:cNvSpPr/>
+          <p:nvPr/>
+        </p:nvSpPr>
+        <p:spPr>
+          <a:xfrm>
+            <a:off x="2430684" y="2780865"/>
+            <a:ext cx="405114" cy="428265"/>
+          </a:xfrm>
+          <a:prstGeom prst="foldedCorner">
+            <a:avLst/>
+          </a:prstGeom>
+        </p:spPr>
+        <p:style>
+          <a:lnRef idx="2">
+            <a:schemeClr val="accent2"/>
+          </a:lnRef>
+          <a:fillRef idx="1">
+            <a:schemeClr val="lt1"/>
+          </a:fillRef>
+          <a:effectRef idx="0">
+            <a:schemeClr val="accent2"/>
+          </a:effectRef>
+          <a:fontRef idx="minor">
+            <a:schemeClr val="dk1"/>
+          </a:fontRef>
+        </p:style>
+        <p:txBody>
+          <a:bodyPr rtlCol="0" anchor="ctr"/>
+          <a:lstStyle/>
+          <a:p>
+            <a:pPr algn="ctr"/>
+            <a:endParaRPr lang="en-US"/>
+          </a:p>
+        </p:txBody>
+      </p:sp>
+      <p:sp>
+        <p:nvSpPr>
+          <p:cNvPr id="16" name="矩形: 摺角紙張 15">
+            <a:extLst>
+              <a:ext uri="{FF2B5EF4-FFF2-40B4-BE49-F238E27FC236}">
+                <a16:creationId xmlns:a16="http://schemas.microsoft.com/office/drawing/2014/main" id="{C8EE8AE3-E278-4EF4-B90C-3BCD66187168}"/>
+              </a:ext>
+            </a:extLst>
+          </p:cNvPr>
+          <p:cNvSpPr/>
+          <p:nvPr/>
+        </p:nvSpPr>
+        <p:spPr>
+          <a:xfrm>
+            <a:off x="2980482" y="2780865"/>
+            <a:ext cx="405114" cy="428265"/>
+          </a:xfrm>
+          <a:prstGeom prst="foldedCorner">
+            <a:avLst/>
+          </a:prstGeom>
+        </p:spPr>
+        <p:style>
+          <a:lnRef idx="2">
+            <a:schemeClr val="accent2"/>
+          </a:lnRef>
+          <a:fillRef idx="1">
+            <a:schemeClr val="lt1"/>
+          </a:fillRef>
+          <a:effectRef idx="0">
+            <a:schemeClr val="accent2"/>
+          </a:effectRef>
+          <a:fontRef idx="minor">
+            <a:schemeClr val="dk1"/>
+          </a:fontRef>
+        </p:style>
+        <p:txBody>
+          <a:bodyPr rtlCol="0" anchor="ctr"/>
+          <a:lstStyle/>
+          <a:p>
+            <a:pPr algn="ctr"/>
+            <a:endParaRPr lang="en-US"/>
+          </a:p>
+        </p:txBody>
+      </p:sp>
+      <p:sp>
+        <p:nvSpPr>
+          <p:cNvPr id="17" name="矩形: 摺角紙張 16">
+            <a:extLst>
+              <a:ext uri="{FF2B5EF4-FFF2-40B4-BE49-F238E27FC236}">
+                <a16:creationId xmlns:a16="http://schemas.microsoft.com/office/drawing/2014/main" id="{E2664626-4B98-4701-81A6-658091A91594}"/>
+              </a:ext>
+            </a:extLst>
+          </p:cNvPr>
+          <p:cNvSpPr/>
+          <p:nvPr/>
+        </p:nvSpPr>
+        <p:spPr>
+          <a:xfrm>
+            <a:off x="6371863" y="2780865"/>
+            <a:ext cx="405114" cy="428265"/>
+          </a:xfrm>
+          <a:prstGeom prst="foldedCorner">
+            <a:avLst/>
+          </a:prstGeom>
+        </p:spPr>
+        <p:style>
+          <a:lnRef idx="2">
+            <a:schemeClr val="accent2"/>
+          </a:lnRef>
+          <a:fillRef idx="1">
+            <a:schemeClr val="lt1"/>
+          </a:fillRef>
+          <a:effectRef idx="0">
+            <a:schemeClr val="accent2"/>
+          </a:effectRef>
+          <a:fontRef idx="minor">
+            <a:schemeClr val="dk1"/>
+          </a:fontRef>
+        </p:style>
+        <p:txBody>
+          <a:bodyPr rtlCol="0" anchor="ctr"/>
+          <a:lstStyle/>
+          <a:p>
+            <a:pPr algn="ctr"/>
+            <a:endParaRPr lang="en-US"/>
+          </a:p>
+        </p:txBody>
+      </p:sp>
+      <p:sp>
+        <p:nvSpPr>
+          <p:cNvPr id="18" name="矩形: 摺角紙張 17">
+            <a:extLst>
+              <a:ext uri="{FF2B5EF4-FFF2-40B4-BE49-F238E27FC236}">
+                <a16:creationId xmlns:a16="http://schemas.microsoft.com/office/drawing/2014/main" id="{CDB028C6-E484-4E7D-93A3-6660C14E244E}"/>
+              </a:ext>
+            </a:extLst>
+          </p:cNvPr>
+          <p:cNvSpPr/>
+          <p:nvPr/>
+        </p:nvSpPr>
+        <p:spPr>
+          <a:xfrm>
+            <a:off x="3530280" y="2780865"/>
+            <a:ext cx="405114" cy="428265"/>
+          </a:xfrm>
+          <a:prstGeom prst="foldedCorner">
+            <a:avLst/>
+          </a:prstGeom>
+        </p:spPr>
+        <p:style>
+          <a:lnRef idx="2">
+            <a:schemeClr val="accent2"/>
+          </a:lnRef>
+          <a:fillRef idx="1">
+            <a:schemeClr val="lt1"/>
+          </a:fillRef>
+          <a:effectRef idx="0">
+            <a:schemeClr val="accent2"/>
+          </a:effectRef>
+          <a:fontRef idx="minor">
+            <a:schemeClr val="dk1"/>
+          </a:fontRef>
+        </p:style>
+        <p:txBody>
+          <a:bodyPr rtlCol="0" anchor="ctr"/>
+          <a:lstStyle/>
+          <a:p>
+            <a:pPr algn="ctr"/>
+            <a:endParaRPr lang="en-US"/>
+          </a:p>
+        </p:txBody>
+      </p:sp>
+      <p:sp>
+        <p:nvSpPr>
+          <p:cNvPr id="19" name="文字方塊 18">
+            <a:extLst>
+              <a:ext uri="{FF2B5EF4-FFF2-40B4-BE49-F238E27FC236}">
+                <a16:creationId xmlns:a16="http://schemas.microsoft.com/office/drawing/2014/main" id="{0B50861B-F466-495C-87DD-DB3F3471E9A0}"/>
+              </a:ext>
+            </a:extLst>
+          </p:cNvPr>
+          <p:cNvSpPr txBox="1"/>
+          <p:nvPr/>
+        </p:nvSpPr>
+        <p:spPr>
+          <a:xfrm>
+            <a:off x="2355448" y="3379808"/>
+            <a:ext cx="2603598" cy="307777"/>
+          </a:xfrm>
+          <a:prstGeom prst="rect">
+            <a:avLst/>
+          </a:prstGeom>
+          <a:noFill/>
+        </p:spPr>
+        <p:txBody>
+          <a:bodyPr wrap="none" rtlCol="0">
+            <a:spAutoFit/>
+          </a:bodyPr>
+          <a:lstStyle/>
+          <a:p>
+            <a:r>
+              <a:rPr lang="en-US" dirty="0"/>
+              <a:t>Serialization Data Of Message</a:t>
+            </a:r>
+          </a:p>
+        </p:txBody>
+      </p:sp>
+    </p:spTree>
+    <p:extLst>
+      <p:ext uri="{BB962C8B-B14F-4D97-AF65-F5344CB8AC3E}">
+        <p14:creationId xmlns:p14="http://schemas.microsoft.com/office/powerpoint/2010/main" val="700683504"/>
+      </p:ext>
+    </p:extLst>
+  </p:cSld>
+  <p:clrMapOvr>
+    <a:masterClrMapping/>
+  </p:clrMapOvr>
+</p:sld>
+</file>
+
+<file path=ppt/slides/slide11.xml><?xml version="1.0" encoding="utf-8"?>
+<p:sld xmlns:a="http://schemas.openxmlformats.org/drawingml/2006/main" xmlns:r="http://schemas.openxmlformats.org/officeDocument/2006/relationships" xmlns:p="http://schemas.openxmlformats.org/presentationml/2006/main">
+  <p:cSld>
+    <p:spTree>
+      <p:nvGrpSpPr>
+        <p:cNvPr id="1" name=""/>
+        <p:cNvGrpSpPr/>
+        <p:nvPr/>
+      </p:nvGrpSpPr>
+      <p:grpSpPr>
+        <a:xfrm>
+          <a:off x="0" y="0"/>
+          <a:ext cx="0" cy="0"/>
+          <a:chOff x="0" y="0"/>
+          <a:chExt cx="0" cy="0"/>
+        </a:xfrm>
+      </p:grpSpPr>
+      <p:sp>
+        <p:nvSpPr>
+          <p:cNvPr id="4" name="標題 3">
+            <a:extLst>
+              <a:ext uri="{FF2B5EF4-FFF2-40B4-BE49-F238E27FC236}">
+                <a16:creationId xmlns:a16="http://schemas.microsoft.com/office/drawing/2014/main" id="{6D98F28D-FEEC-40F1-A296-234EE77A4338}"/>
+              </a:ext>
+            </a:extLst>
+          </p:cNvPr>
+          <p:cNvSpPr>
+            <a:spLocks noGrp="1"/>
+          </p:cNvSpPr>
+          <p:nvPr>
+            <p:ph type="title"/>
+          </p:nvPr>
+        </p:nvSpPr>
+        <p:spPr/>
+        <p:txBody>
+          <a:bodyPr/>
+          <a:lstStyle/>
+          <a:p>
+            <a:r>
+              <a:rPr lang="en-US" dirty="0"/>
+              <a:t>Design Concept (Two-Way RPC)</a:t>
+            </a:r>
+          </a:p>
+        </p:txBody>
+      </p:sp>
+      <p:sp>
+        <p:nvSpPr>
+          <p:cNvPr id="6" name="矩形: 圓角 5">
+            <a:extLst>
+              <a:ext uri="{FF2B5EF4-FFF2-40B4-BE49-F238E27FC236}">
+                <a16:creationId xmlns:a16="http://schemas.microsoft.com/office/drawing/2014/main" id="{F453678F-D1FE-4DE1-87D3-45DE5326C76E}"/>
+              </a:ext>
+            </a:extLst>
+          </p:cNvPr>
+          <p:cNvSpPr/>
+          <p:nvPr/>
+        </p:nvSpPr>
+        <p:spPr>
+          <a:xfrm>
+            <a:off x="740780" y="1487347"/>
+            <a:ext cx="2789500" cy="908612"/>
+          </a:xfrm>
+          <a:prstGeom prst="roundRect">
+            <a:avLst/>
+          </a:prstGeom>
+        </p:spPr>
+        <p:style>
+          <a:lnRef idx="2">
+            <a:schemeClr val="accent1"/>
+          </a:lnRef>
+          <a:fillRef idx="1">
+            <a:schemeClr val="lt1"/>
+          </a:fillRef>
+          <a:effectRef idx="0">
+            <a:schemeClr val="accent1"/>
+          </a:effectRef>
+          <a:fontRef idx="minor">
+            <a:schemeClr val="dk1"/>
+          </a:fontRef>
+        </p:style>
+        <p:txBody>
+          <a:bodyPr rtlCol="0" anchor="ctr"/>
+          <a:lstStyle/>
+          <a:p>
+            <a:pPr algn="ctr"/>
+            <a:r>
+              <a:rPr lang="en-US" dirty="0" err="1"/>
+              <a:t>MessageClient</a:t>
+            </a:r>
+            <a:r>
+              <a:rPr lang="en-US" dirty="0"/>
+              <a:t>&lt;Input, Output&gt;</a:t>
+            </a:r>
+          </a:p>
+        </p:txBody>
+      </p:sp>
+      <p:sp>
+        <p:nvSpPr>
+          <p:cNvPr id="7" name="矩形: 圓角 6">
+            <a:extLst>
+              <a:ext uri="{FF2B5EF4-FFF2-40B4-BE49-F238E27FC236}">
+                <a16:creationId xmlns:a16="http://schemas.microsoft.com/office/drawing/2014/main" id="{CA0DA162-FA01-412D-8387-BD903EFBEFD0}"/>
+              </a:ext>
+            </a:extLst>
+          </p:cNvPr>
+          <p:cNvSpPr/>
+          <p:nvPr/>
+        </p:nvSpPr>
+        <p:spPr>
+          <a:xfrm>
+            <a:off x="5034988" y="1487347"/>
+            <a:ext cx="3148314" cy="908612"/>
+          </a:xfrm>
+          <a:prstGeom prst="roundRect">
+            <a:avLst/>
+          </a:prstGeom>
+        </p:spPr>
+        <p:style>
+          <a:lnRef idx="2">
+            <a:schemeClr val="accent1"/>
+          </a:lnRef>
+          <a:fillRef idx="1">
+            <a:schemeClr val="lt1"/>
+          </a:fillRef>
+          <a:effectRef idx="0">
+            <a:schemeClr val="accent1"/>
+          </a:effectRef>
+          <a:fontRef idx="minor">
+            <a:schemeClr val="dk1"/>
+          </a:fontRef>
+        </p:style>
+        <p:txBody>
+          <a:bodyPr rtlCol="0" anchor="ctr"/>
+          <a:lstStyle/>
+          <a:p>
+            <a:pPr algn="ctr"/>
+            <a:r>
+              <a:rPr lang="en-US" dirty="0" err="1"/>
+              <a:t>MessageWorker</a:t>
+            </a:r>
+            <a:r>
+              <a:rPr lang="en-US" dirty="0"/>
+              <a:t>&lt;Input, Output&gt;</a:t>
+            </a:r>
+          </a:p>
+        </p:txBody>
+      </p:sp>
+      <p:sp>
+        <p:nvSpPr>
+          <p:cNvPr id="8" name="矩形 7">
+            <a:extLst>
+              <a:ext uri="{FF2B5EF4-FFF2-40B4-BE49-F238E27FC236}">
+                <a16:creationId xmlns:a16="http://schemas.microsoft.com/office/drawing/2014/main" id="{3B965E30-C17E-4E02-A1B9-03A16EA652B1}"/>
+              </a:ext>
+            </a:extLst>
+          </p:cNvPr>
+          <p:cNvSpPr/>
+          <p:nvPr/>
+        </p:nvSpPr>
+        <p:spPr>
+          <a:xfrm>
+            <a:off x="2286000" y="2896565"/>
+            <a:ext cx="4572000" cy="457200"/>
+          </a:xfrm>
+          <a:prstGeom prst="rect">
+            <a:avLst/>
+          </a:prstGeom>
+        </p:spPr>
+        <p:style>
+          <a:lnRef idx="2">
+            <a:schemeClr val="accent5"/>
+          </a:lnRef>
+          <a:fillRef idx="1">
+            <a:schemeClr val="lt1"/>
+          </a:fillRef>
+          <a:effectRef idx="0">
+            <a:schemeClr val="accent5"/>
+          </a:effectRef>
+          <a:fontRef idx="minor">
+            <a:schemeClr val="dk1"/>
+          </a:fontRef>
+        </p:style>
+        <p:txBody>
+          <a:bodyPr rtlCol="0" anchor="ctr"/>
+          <a:lstStyle/>
+          <a:p>
+            <a:pPr algn="ctr"/>
+            <a:endParaRPr lang="en-US"/>
+          </a:p>
+        </p:txBody>
+      </p:sp>
+      <p:sp>
+        <p:nvSpPr>
+          <p:cNvPr id="13" name="箭號: 上彎 12">
+            <a:extLst>
+              <a:ext uri="{FF2B5EF4-FFF2-40B4-BE49-F238E27FC236}">
+                <a16:creationId xmlns:a16="http://schemas.microsoft.com/office/drawing/2014/main" id="{9C401B9A-425F-450E-859E-763EB60092D6}"/>
+              </a:ext>
+            </a:extLst>
+          </p:cNvPr>
+          <p:cNvSpPr/>
+          <p:nvPr/>
+        </p:nvSpPr>
+        <p:spPr>
+          <a:xfrm>
+            <a:off x="6921661" y="2656386"/>
+            <a:ext cx="457200" cy="509286"/>
+          </a:xfrm>
+          <a:prstGeom prst="bentUpArrow">
+            <a:avLst/>
+          </a:prstGeom>
+        </p:spPr>
+        <p:style>
+          <a:lnRef idx="2">
+            <a:schemeClr val="accent5"/>
+          </a:lnRef>
+          <a:fillRef idx="1">
+            <a:schemeClr val="lt1"/>
+          </a:fillRef>
+          <a:effectRef idx="0">
+            <a:schemeClr val="accent5"/>
+          </a:effectRef>
+          <a:fontRef idx="minor">
+            <a:schemeClr val="dk1"/>
+          </a:fontRef>
+        </p:style>
+        <p:txBody>
+          <a:bodyPr rtlCol="0" anchor="ctr"/>
+          <a:lstStyle/>
+          <a:p>
+            <a:pPr algn="ctr"/>
+            <a:endParaRPr lang="en-US"/>
+          </a:p>
+        </p:txBody>
+      </p:sp>
+      <p:sp>
+        <p:nvSpPr>
+          <p:cNvPr id="14" name="箭號: 上彎 13">
+            <a:extLst>
+              <a:ext uri="{FF2B5EF4-FFF2-40B4-BE49-F238E27FC236}">
+                <a16:creationId xmlns:a16="http://schemas.microsoft.com/office/drawing/2014/main" id="{D5CBD5BF-7188-4490-B469-7935020D753B}"/>
+              </a:ext>
+            </a:extLst>
+          </p:cNvPr>
+          <p:cNvSpPr/>
+          <p:nvPr/>
+        </p:nvSpPr>
+        <p:spPr>
+          <a:xfrm rot="5400000">
+            <a:off x="1687010" y="2721499"/>
+            <a:ext cx="457200" cy="509286"/>
+          </a:xfrm>
+          <a:prstGeom prst="bentUpArrow">
+            <a:avLst/>
+          </a:prstGeom>
+        </p:spPr>
+        <p:style>
+          <a:lnRef idx="2">
+            <a:schemeClr val="accent5"/>
+          </a:lnRef>
+          <a:fillRef idx="1">
+            <a:schemeClr val="lt1"/>
+          </a:fillRef>
+          <a:effectRef idx="0">
+            <a:schemeClr val="accent5"/>
+          </a:effectRef>
+          <a:fontRef idx="minor">
+            <a:schemeClr val="dk1"/>
+          </a:fontRef>
+        </p:style>
+        <p:txBody>
+          <a:bodyPr rtlCol="0" anchor="ctr"/>
+          <a:lstStyle/>
+          <a:p>
+            <a:pPr algn="ctr"/>
+            <a:endParaRPr lang="en-US"/>
+          </a:p>
+        </p:txBody>
+      </p:sp>
+      <p:sp>
+        <p:nvSpPr>
+          <p:cNvPr id="11" name="流程圖: 程序 10">
+            <a:extLst>
+              <a:ext uri="{FF2B5EF4-FFF2-40B4-BE49-F238E27FC236}">
+                <a16:creationId xmlns:a16="http://schemas.microsoft.com/office/drawing/2014/main" id="{874DD24A-132A-4306-8FE7-26FC8BF144BC}"/>
+              </a:ext>
+            </a:extLst>
+          </p:cNvPr>
+          <p:cNvSpPr/>
+          <p:nvPr/>
+        </p:nvSpPr>
+        <p:spPr>
+          <a:xfrm>
+            <a:off x="2222339" y="2911029"/>
+            <a:ext cx="4751408" cy="428265"/>
+          </a:xfrm>
+          <a:prstGeom prst="flowChartProcess">
+            <a:avLst/>
+          </a:prstGeom>
+          <a:solidFill>
+            <a:schemeClr val="bg1"/>
+          </a:solidFill>
+          <a:ln>
+            <a:noFill/>
+          </a:ln>
+        </p:spPr>
+        <p:style>
+          <a:lnRef idx="2">
+            <a:schemeClr val="accent1">
+              <a:shade val="50000"/>
+            </a:schemeClr>
+          </a:lnRef>
+          <a:fillRef idx="1">
+            <a:schemeClr val="accent1"/>
+          </a:fillRef>
+          <a:effectRef idx="0">
+            <a:schemeClr val="accent1"/>
+          </a:effectRef>
+          <a:fontRef idx="minor">
+            <a:schemeClr val="lt1"/>
+          </a:fontRef>
+        </p:style>
+        <p:txBody>
+          <a:bodyPr rtlCol="0" anchor="ctr"/>
+          <a:lstStyle/>
+          <a:p>
+            <a:pPr algn="ctr"/>
+            <a:endParaRPr lang="en-US"/>
+          </a:p>
+        </p:txBody>
+      </p:sp>
+      <p:sp>
+        <p:nvSpPr>
+          <p:cNvPr id="15" name="矩形: 摺角紙張 14">
+            <a:extLst>
+              <a:ext uri="{FF2B5EF4-FFF2-40B4-BE49-F238E27FC236}">
+                <a16:creationId xmlns:a16="http://schemas.microsoft.com/office/drawing/2014/main" id="{C41FFE60-A58A-4EB0-884F-980F6B023F1D}"/>
+              </a:ext>
+            </a:extLst>
+          </p:cNvPr>
+          <p:cNvSpPr/>
+          <p:nvPr/>
+        </p:nvSpPr>
+        <p:spPr>
+          <a:xfrm>
+            <a:off x="2430684" y="2780865"/>
+            <a:ext cx="405114" cy="428265"/>
+          </a:xfrm>
+          <a:prstGeom prst="foldedCorner">
+            <a:avLst/>
+          </a:prstGeom>
+        </p:spPr>
+        <p:style>
+          <a:lnRef idx="2">
+            <a:schemeClr val="accent2"/>
+          </a:lnRef>
+          <a:fillRef idx="1">
+            <a:schemeClr val="lt1"/>
+          </a:fillRef>
+          <a:effectRef idx="0">
+            <a:schemeClr val="accent2"/>
+          </a:effectRef>
+          <a:fontRef idx="minor">
+            <a:schemeClr val="dk1"/>
+          </a:fontRef>
+        </p:style>
+        <p:txBody>
+          <a:bodyPr rtlCol="0" anchor="ctr"/>
+          <a:lstStyle/>
+          <a:p>
+            <a:pPr algn="ctr"/>
+            <a:endParaRPr lang="en-US"/>
+          </a:p>
+        </p:txBody>
+      </p:sp>
+      <p:sp>
+        <p:nvSpPr>
+          <p:cNvPr id="16" name="矩形: 摺角紙張 15">
+            <a:extLst>
+              <a:ext uri="{FF2B5EF4-FFF2-40B4-BE49-F238E27FC236}">
+                <a16:creationId xmlns:a16="http://schemas.microsoft.com/office/drawing/2014/main" id="{C8EE8AE3-E278-4EF4-B90C-3BCD66187168}"/>
+              </a:ext>
+            </a:extLst>
+          </p:cNvPr>
+          <p:cNvSpPr/>
+          <p:nvPr/>
+        </p:nvSpPr>
+        <p:spPr>
+          <a:xfrm>
+            <a:off x="2980482" y="2780865"/>
+            <a:ext cx="405114" cy="428265"/>
+          </a:xfrm>
+          <a:prstGeom prst="foldedCorner">
+            <a:avLst/>
+          </a:prstGeom>
+        </p:spPr>
+        <p:style>
+          <a:lnRef idx="2">
+            <a:schemeClr val="accent2"/>
+          </a:lnRef>
+          <a:fillRef idx="1">
+            <a:schemeClr val="lt1"/>
+          </a:fillRef>
+          <a:effectRef idx="0">
+            <a:schemeClr val="accent2"/>
+          </a:effectRef>
+          <a:fontRef idx="minor">
+            <a:schemeClr val="dk1"/>
+          </a:fontRef>
+        </p:style>
+        <p:txBody>
+          <a:bodyPr rtlCol="0" anchor="ctr"/>
+          <a:lstStyle/>
+          <a:p>
+            <a:pPr algn="ctr"/>
+            <a:endParaRPr lang="en-US"/>
+          </a:p>
+        </p:txBody>
+      </p:sp>
+      <p:sp>
+        <p:nvSpPr>
+          <p:cNvPr id="17" name="矩形: 摺角紙張 16">
+            <a:extLst>
+              <a:ext uri="{FF2B5EF4-FFF2-40B4-BE49-F238E27FC236}">
+                <a16:creationId xmlns:a16="http://schemas.microsoft.com/office/drawing/2014/main" id="{E2664626-4B98-4701-81A6-658091A91594}"/>
+              </a:ext>
+            </a:extLst>
+          </p:cNvPr>
+          <p:cNvSpPr/>
+          <p:nvPr/>
+        </p:nvSpPr>
+        <p:spPr>
+          <a:xfrm>
+            <a:off x="6371863" y="2780865"/>
+            <a:ext cx="405114" cy="428265"/>
+          </a:xfrm>
+          <a:prstGeom prst="foldedCorner">
+            <a:avLst/>
+          </a:prstGeom>
+        </p:spPr>
+        <p:style>
+          <a:lnRef idx="2">
+            <a:schemeClr val="accent2"/>
+          </a:lnRef>
+          <a:fillRef idx="1">
+            <a:schemeClr val="lt1"/>
+          </a:fillRef>
+          <a:effectRef idx="0">
+            <a:schemeClr val="accent2"/>
+          </a:effectRef>
+          <a:fontRef idx="minor">
+            <a:schemeClr val="dk1"/>
+          </a:fontRef>
+        </p:style>
+        <p:txBody>
+          <a:bodyPr rtlCol="0" anchor="ctr"/>
+          <a:lstStyle/>
+          <a:p>
+            <a:pPr algn="ctr"/>
+            <a:endParaRPr lang="en-US"/>
+          </a:p>
+        </p:txBody>
+      </p:sp>
+      <p:sp>
+        <p:nvSpPr>
+          <p:cNvPr id="18" name="矩形: 摺角紙張 17">
+            <a:extLst>
+              <a:ext uri="{FF2B5EF4-FFF2-40B4-BE49-F238E27FC236}">
+                <a16:creationId xmlns:a16="http://schemas.microsoft.com/office/drawing/2014/main" id="{CDB028C6-E484-4E7D-93A3-6660C14E244E}"/>
+              </a:ext>
+            </a:extLst>
+          </p:cNvPr>
+          <p:cNvSpPr/>
+          <p:nvPr/>
+        </p:nvSpPr>
+        <p:spPr>
+          <a:xfrm>
+            <a:off x="3530280" y="2780865"/>
+            <a:ext cx="405114" cy="428265"/>
+          </a:xfrm>
+          <a:prstGeom prst="foldedCorner">
+            <a:avLst/>
+          </a:prstGeom>
+        </p:spPr>
+        <p:style>
+          <a:lnRef idx="2">
+            <a:schemeClr val="accent2"/>
+          </a:lnRef>
+          <a:fillRef idx="1">
+            <a:schemeClr val="lt1"/>
+          </a:fillRef>
+          <a:effectRef idx="0">
+            <a:schemeClr val="accent2"/>
+          </a:effectRef>
+          <a:fontRef idx="minor">
+            <a:schemeClr val="dk1"/>
+          </a:fontRef>
+        </p:style>
+        <p:txBody>
+          <a:bodyPr rtlCol="0" anchor="ctr"/>
+          <a:lstStyle/>
+          <a:p>
+            <a:pPr algn="ctr"/>
+            <a:endParaRPr lang="en-US"/>
+          </a:p>
+        </p:txBody>
+      </p:sp>
+      <p:sp>
+        <p:nvSpPr>
+          <p:cNvPr id="19" name="文字方塊 18">
+            <a:extLst>
+              <a:ext uri="{FF2B5EF4-FFF2-40B4-BE49-F238E27FC236}">
+                <a16:creationId xmlns:a16="http://schemas.microsoft.com/office/drawing/2014/main" id="{0B50861B-F466-495C-87DD-DB3F3471E9A0}"/>
+              </a:ext>
+            </a:extLst>
+          </p:cNvPr>
+          <p:cNvSpPr txBox="1"/>
+          <p:nvPr/>
+        </p:nvSpPr>
+        <p:spPr>
+          <a:xfrm>
+            <a:off x="2355448" y="3379808"/>
+            <a:ext cx="3050835" cy="307777"/>
+          </a:xfrm>
+          <a:prstGeom prst="rect">
+            <a:avLst/>
+          </a:prstGeom>
+          <a:noFill/>
+        </p:spPr>
+        <p:txBody>
+          <a:bodyPr wrap="none" rtlCol="0">
+            <a:spAutoFit/>
+          </a:bodyPr>
+          <a:lstStyle/>
+          <a:p>
+            <a:r>
+              <a:rPr lang="en-US" dirty="0"/>
+              <a:t>Serialization Data Of Input Message</a:t>
+            </a:r>
+          </a:p>
+        </p:txBody>
+      </p:sp>
+      <p:sp>
+        <p:nvSpPr>
+          <p:cNvPr id="20" name="矩形 19">
+            <a:extLst>
+              <a:ext uri="{FF2B5EF4-FFF2-40B4-BE49-F238E27FC236}">
+                <a16:creationId xmlns:a16="http://schemas.microsoft.com/office/drawing/2014/main" id="{DE4B3BAE-D793-4AC9-AE9C-2E1EBD39DBD3}"/>
+              </a:ext>
+            </a:extLst>
+          </p:cNvPr>
+          <p:cNvSpPr/>
+          <p:nvPr/>
+        </p:nvSpPr>
+        <p:spPr>
+          <a:xfrm>
+            <a:off x="2286000" y="4015013"/>
+            <a:ext cx="4572000" cy="457200"/>
+          </a:xfrm>
+          <a:prstGeom prst="rect">
+            <a:avLst/>
+          </a:prstGeom>
+        </p:spPr>
+        <p:style>
+          <a:lnRef idx="2">
+            <a:schemeClr val="accent5"/>
+          </a:lnRef>
+          <a:fillRef idx="1">
+            <a:schemeClr val="lt1"/>
+          </a:fillRef>
+          <a:effectRef idx="0">
+            <a:schemeClr val="accent5"/>
+          </a:effectRef>
+          <a:fontRef idx="minor">
+            <a:schemeClr val="dk1"/>
+          </a:fontRef>
+        </p:style>
+        <p:txBody>
+          <a:bodyPr rtlCol="0" anchor="ctr"/>
+          <a:lstStyle/>
+          <a:p>
+            <a:pPr algn="ctr"/>
+            <a:endParaRPr lang="en-US"/>
+          </a:p>
+        </p:txBody>
+      </p:sp>
+      <p:sp>
+        <p:nvSpPr>
+          <p:cNvPr id="23" name="流程圖: 程序 22">
+            <a:extLst>
+              <a:ext uri="{FF2B5EF4-FFF2-40B4-BE49-F238E27FC236}">
+                <a16:creationId xmlns:a16="http://schemas.microsoft.com/office/drawing/2014/main" id="{5735DD59-F26E-4CA6-A769-03C817F4DC96}"/>
+              </a:ext>
+            </a:extLst>
+          </p:cNvPr>
+          <p:cNvSpPr/>
+          <p:nvPr/>
+        </p:nvSpPr>
+        <p:spPr>
+          <a:xfrm>
+            <a:off x="2222339" y="4029477"/>
+            <a:ext cx="4751408" cy="428265"/>
+          </a:xfrm>
+          <a:prstGeom prst="flowChartProcess">
+            <a:avLst/>
+          </a:prstGeom>
+          <a:solidFill>
+            <a:schemeClr val="bg1"/>
+          </a:solidFill>
+          <a:ln>
+            <a:noFill/>
+          </a:ln>
+        </p:spPr>
+        <p:style>
+          <a:lnRef idx="2">
+            <a:schemeClr val="accent1">
+              <a:shade val="50000"/>
+            </a:schemeClr>
+          </a:lnRef>
+          <a:fillRef idx="1">
+            <a:schemeClr val="accent1"/>
+          </a:fillRef>
+          <a:effectRef idx="0">
+            <a:schemeClr val="accent1"/>
+          </a:effectRef>
+          <a:fontRef idx="minor">
+            <a:schemeClr val="lt1"/>
+          </a:fontRef>
+        </p:style>
+        <p:txBody>
+          <a:bodyPr rtlCol="0" anchor="ctr"/>
+          <a:lstStyle/>
+          <a:p>
+            <a:pPr algn="ctr"/>
+            <a:endParaRPr lang="en-US"/>
+          </a:p>
+        </p:txBody>
+      </p:sp>
+      <p:sp>
+        <p:nvSpPr>
+          <p:cNvPr id="24" name="矩形: 摺角紙張 23">
+            <a:extLst>
+              <a:ext uri="{FF2B5EF4-FFF2-40B4-BE49-F238E27FC236}">
+                <a16:creationId xmlns:a16="http://schemas.microsoft.com/office/drawing/2014/main" id="{07C2318C-E252-4E8D-9503-5DC7777ACC84}"/>
+              </a:ext>
+            </a:extLst>
+          </p:cNvPr>
+          <p:cNvSpPr/>
+          <p:nvPr/>
+        </p:nvSpPr>
+        <p:spPr>
+          <a:xfrm>
+            <a:off x="2430684" y="3899313"/>
+            <a:ext cx="405114" cy="428265"/>
+          </a:xfrm>
+          <a:prstGeom prst="foldedCorner">
+            <a:avLst/>
+          </a:prstGeom>
+        </p:spPr>
+        <p:style>
+          <a:lnRef idx="2">
+            <a:schemeClr val="accent2"/>
+          </a:lnRef>
+          <a:fillRef idx="1">
+            <a:schemeClr val="lt1"/>
+          </a:fillRef>
+          <a:effectRef idx="0">
+            <a:schemeClr val="accent2"/>
+          </a:effectRef>
+          <a:fontRef idx="minor">
+            <a:schemeClr val="dk1"/>
+          </a:fontRef>
+        </p:style>
+        <p:txBody>
+          <a:bodyPr rtlCol="0" anchor="ctr"/>
+          <a:lstStyle/>
+          <a:p>
+            <a:pPr algn="ctr"/>
+            <a:endParaRPr lang="en-US"/>
+          </a:p>
+        </p:txBody>
+      </p:sp>
+      <p:sp>
+        <p:nvSpPr>
+          <p:cNvPr id="25" name="矩形: 摺角紙張 24">
+            <a:extLst>
+              <a:ext uri="{FF2B5EF4-FFF2-40B4-BE49-F238E27FC236}">
+                <a16:creationId xmlns:a16="http://schemas.microsoft.com/office/drawing/2014/main" id="{3D8F0145-A0E9-40A0-8DFB-E4AD72DE17C1}"/>
+              </a:ext>
+            </a:extLst>
+          </p:cNvPr>
+          <p:cNvSpPr/>
+          <p:nvPr/>
+        </p:nvSpPr>
+        <p:spPr>
+          <a:xfrm>
+            <a:off x="5237549" y="3899313"/>
+            <a:ext cx="405114" cy="428265"/>
+          </a:xfrm>
+          <a:prstGeom prst="foldedCorner">
+            <a:avLst/>
+          </a:prstGeom>
+        </p:spPr>
+        <p:style>
+          <a:lnRef idx="2">
+            <a:schemeClr val="accent2"/>
+          </a:lnRef>
+          <a:fillRef idx="1">
+            <a:schemeClr val="lt1"/>
+          </a:fillRef>
+          <a:effectRef idx="0">
+            <a:schemeClr val="accent2"/>
+          </a:effectRef>
+          <a:fontRef idx="minor">
+            <a:schemeClr val="dk1"/>
+          </a:fontRef>
+        </p:style>
+        <p:txBody>
+          <a:bodyPr rtlCol="0" anchor="ctr"/>
+          <a:lstStyle/>
+          <a:p>
+            <a:pPr algn="ctr"/>
+            <a:endParaRPr lang="en-US"/>
+          </a:p>
+        </p:txBody>
+      </p:sp>
+      <p:sp>
+        <p:nvSpPr>
+          <p:cNvPr id="26" name="矩形: 摺角紙張 25">
+            <a:extLst>
+              <a:ext uri="{FF2B5EF4-FFF2-40B4-BE49-F238E27FC236}">
+                <a16:creationId xmlns:a16="http://schemas.microsoft.com/office/drawing/2014/main" id="{52F991FA-C3F1-4B8E-9CD9-44DCFF96D074}"/>
+              </a:ext>
+            </a:extLst>
+          </p:cNvPr>
+          <p:cNvSpPr/>
+          <p:nvPr/>
+        </p:nvSpPr>
+        <p:spPr>
+          <a:xfrm>
+            <a:off x="6371863" y="3899313"/>
+            <a:ext cx="405114" cy="428265"/>
+          </a:xfrm>
+          <a:prstGeom prst="foldedCorner">
+            <a:avLst/>
+          </a:prstGeom>
+        </p:spPr>
+        <p:style>
+          <a:lnRef idx="2">
+            <a:schemeClr val="accent2"/>
+          </a:lnRef>
+          <a:fillRef idx="1">
+            <a:schemeClr val="lt1"/>
+          </a:fillRef>
+          <a:effectRef idx="0">
+            <a:schemeClr val="accent2"/>
+          </a:effectRef>
+          <a:fontRef idx="minor">
+            <a:schemeClr val="dk1"/>
+          </a:fontRef>
+        </p:style>
+        <p:txBody>
+          <a:bodyPr rtlCol="0" anchor="ctr"/>
+          <a:lstStyle/>
+          <a:p>
+            <a:pPr algn="ctr"/>
+            <a:endParaRPr lang="en-US"/>
+          </a:p>
+        </p:txBody>
+      </p:sp>
+      <p:sp>
+        <p:nvSpPr>
+          <p:cNvPr id="27" name="矩形: 摺角紙張 26">
+            <a:extLst>
+              <a:ext uri="{FF2B5EF4-FFF2-40B4-BE49-F238E27FC236}">
+                <a16:creationId xmlns:a16="http://schemas.microsoft.com/office/drawing/2014/main" id="{A89067DF-77BC-4590-AC5F-273EAC1FDB01}"/>
+              </a:ext>
+            </a:extLst>
+          </p:cNvPr>
+          <p:cNvSpPr/>
+          <p:nvPr/>
+        </p:nvSpPr>
+        <p:spPr>
+          <a:xfrm>
+            <a:off x="5787347" y="3899313"/>
+            <a:ext cx="405114" cy="428265"/>
+          </a:xfrm>
+          <a:prstGeom prst="foldedCorner">
+            <a:avLst/>
+          </a:prstGeom>
+        </p:spPr>
+        <p:style>
+          <a:lnRef idx="2">
+            <a:schemeClr val="accent2"/>
+          </a:lnRef>
+          <a:fillRef idx="1">
+            <a:schemeClr val="lt1"/>
+          </a:fillRef>
+          <a:effectRef idx="0">
+            <a:schemeClr val="accent2"/>
+          </a:effectRef>
+          <a:fontRef idx="minor">
+            <a:schemeClr val="dk1"/>
+          </a:fontRef>
+        </p:style>
+        <p:txBody>
+          <a:bodyPr rtlCol="0" anchor="ctr"/>
+          <a:lstStyle/>
+          <a:p>
+            <a:pPr algn="ctr"/>
+            <a:endParaRPr lang="en-US"/>
+          </a:p>
+        </p:txBody>
+      </p:sp>
+      <p:sp>
+        <p:nvSpPr>
+          <p:cNvPr id="28" name="文字方塊 27">
+            <a:extLst>
+              <a:ext uri="{FF2B5EF4-FFF2-40B4-BE49-F238E27FC236}">
+                <a16:creationId xmlns:a16="http://schemas.microsoft.com/office/drawing/2014/main" id="{6D7A590E-22D2-4A19-A45C-2D7986355AC1}"/>
+              </a:ext>
+            </a:extLst>
+          </p:cNvPr>
+          <p:cNvSpPr txBox="1"/>
+          <p:nvPr/>
+        </p:nvSpPr>
+        <p:spPr>
+          <a:xfrm>
+            <a:off x="2355448" y="4498256"/>
+            <a:ext cx="3190297" cy="307777"/>
+          </a:xfrm>
+          <a:prstGeom prst="rect">
+            <a:avLst/>
+          </a:prstGeom>
+          <a:noFill/>
+        </p:spPr>
+        <p:txBody>
+          <a:bodyPr wrap="none" rtlCol="0">
+            <a:spAutoFit/>
+          </a:bodyPr>
+          <a:lstStyle/>
+          <a:p>
+            <a:r>
+              <a:rPr lang="en-US" dirty="0"/>
+              <a:t>Serialization Data Of Output Message</a:t>
+            </a:r>
+          </a:p>
+        </p:txBody>
+      </p:sp>
+      <p:sp>
+        <p:nvSpPr>
+          <p:cNvPr id="2" name="箭號: 彎曲 1">
+            <a:extLst>
+              <a:ext uri="{FF2B5EF4-FFF2-40B4-BE49-F238E27FC236}">
+                <a16:creationId xmlns:a16="http://schemas.microsoft.com/office/drawing/2014/main" id="{17D59024-3C0C-4C40-8023-21FB5EAEA90D}"/>
+              </a:ext>
+            </a:extLst>
+          </p:cNvPr>
+          <p:cNvSpPr/>
+          <p:nvPr/>
+        </p:nvSpPr>
+        <p:spPr>
+          <a:xfrm rot="10800000">
+            <a:off x="7037406" y="2656385"/>
+            <a:ext cx="792865" cy="1718181"/>
+          </a:xfrm>
+          <a:prstGeom prst="bentArrow">
+            <a:avLst>
+              <a:gd name="adj1" fmla="val 13586"/>
+              <a:gd name="adj2" fmla="val 18066"/>
+              <a:gd name="adj3" fmla="val 22810"/>
+              <a:gd name="adj4" fmla="val 43750"/>
+            </a:avLst>
+          </a:prstGeom>
+        </p:spPr>
+        <p:style>
+          <a:lnRef idx="2">
+            <a:schemeClr val="accent5"/>
+          </a:lnRef>
+          <a:fillRef idx="1">
+            <a:schemeClr val="lt1"/>
+          </a:fillRef>
+          <a:effectRef idx="0">
+            <a:schemeClr val="accent5"/>
+          </a:effectRef>
+          <a:fontRef idx="minor">
+            <a:schemeClr val="dk1"/>
+          </a:fontRef>
+        </p:style>
+        <p:txBody>
+          <a:bodyPr rtlCol="0" anchor="ctr"/>
+          <a:lstStyle/>
+          <a:p>
+            <a:pPr algn="ctr"/>
+            <a:endParaRPr lang="en-US">
+              <a:solidFill>
+                <a:schemeClr val="tx1"/>
+              </a:solidFill>
+            </a:endParaRPr>
+          </a:p>
+        </p:txBody>
+      </p:sp>
+      <p:sp>
+        <p:nvSpPr>
+          <p:cNvPr id="29" name="箭號: 彎曲 28">
+            <a:extLst>
+              <a:ext uri="{FF2B5EF4-FFF2-40B4-BE49-F238E27FC236}">
+                <a16:creationId xmlns:a16="http://schemas.microsoft.com/office/drawing/2014/main" id="{5F820C0C-2A94-4C57-AB60-8B2BE9E1C887}"/>
+              </a:ext>
+            </a:extLst>
+          </p:cNvPr>
+          <p:cNvSpPr/>
+          <p:nvPr/>
+        </p:nvSpPr>
+        <p:spPr>
+          <a:xfrm rot="16200000">
+            <a:off x="786695" y="3054663"/>
+            <a:ext cx="1627022" cy="1012783"/>
+          </a:xfrm>
+          <a:prstGeom prst="bentArrow">
+            <a:avLst>
+              <a:gd name="adj1" fmla="val 11300"/>
+              <a:gd name="adj2" fmla="val 11857"/>
+              <a:gd name="adj3" fmla="val 21000"/>
+              <a:gd name="adj4" fmla="val 43750"/>
+            </a:avLst>
+          </a:prstGeom>
+        </p:spPr>
+        <p:style>
+          <a:lnRef idx="2">
+            <a:schemeClr val="accent5"/>
+          </a:lnRef>
+          <a:fillRef idx="1">
+            <a:schemeClr val="lt1"/>
+          </a:fillRef>
+          <a:effectRef idx="0">
+            <a:schemeClr val="accent5"/>
+          </a:effectRef>
+          <a:fontRef idx="minor">
+            <a:schemeClr val="dk1"/>
+          </a:fontRef>
+        </p:style>
+        <p:txBody>
+          <a:bodyPr rtlCol="0" anchor="ctr"/>
+          <a:lstStyle/>
+          <a:p>
+            <a:pPr algn="ctr"/>
+            <a:endParaRPr lang="en-US">
+              <a:solidFill>
+                <a:schemeClr val="tx1"/>
+              </a:solidFill>
+            </a:endParaRPr>
+          </a:p>
+        </p:txBody>
+      </p:sp>
+    </p:spTree>
+    <p:extLst>
+      <p:ext uri="{BB962C8B-B14F-4D97-AF65-F5344CB8AC3E}">
+        <p14:creationId xmlns:p14="http://schemas.microsoft.com/office/powerpoint/2010/main" val="3998238563"/>
+      </p:ext>
+    </p:extLst>
+  </p:cSld>
+  <p:clrMapOvr>
+    <a:masterClrMapping/>
+  </p:clrMapOvr>
+</p:sld>
+</file>
+
+<file path=ppt/slides/slide12.xml><?xml version="1.0" encoding="utf-8"?>
+<p:sld xmlns:a="http://schemas.openxmlformats.org/drawingml/2006/main" xmlns:r="http://schemas.openxmlformats.org/officeDocument/2006/relationships" xmlns:p="http://schemas.openxmlformats.org/presentationml/2006/main">
+  <p:cSld>
+    <p:spTree>
+      <p:nvGrpSpPr>
+        <p:cNvPr id="1" name=""/>
+        <p:cNvGrpSpPr/>
+        <p:nvPr/>
+      </p:nvGrpSpPr>
+      <p:grpSpPr>
+        <a:xfrm>
+          <a:off x="0" y="0"/>
+          <a:ext cx="0" cy="0"/>
+          <a:chOff x="0" y="0"/>
+          <a:chExt cx="0" cy="0"/>
+        </a:xfrm>
+      </p:grpSpPr>
+      <p:sp>
+        <p:nvSpPr>
+          <p:cNvPr id="2" name="標題 1">
+            <a:extLst>
+              <a:ext uri="{FF2B5EF4-FFF2-40B4-BE49-F238E27FC236}">
+                <a16:creationId xmlns:a16="http://schemas.microsoft.com/office/drawing/2014/main" id="{0E4C2057-4AD8-4900-A4A5-76DB351F2AEF}"/>
+              </a:ext>
+            </a:extLst>
+          </p:cNvPr>
+          <p:cNvSpPr>
+            <a:spLocks noGrp="1"/>
+          </p:cNvSpPr>
+          <p:nvPr>
+            <p:ph type="title"/>
+          </p:nvPr>
+        </p:nvSpPr>
+        <p:spPr/>
+        <p:txBody>
+          <a:bodyPr/>
+          <a:lstStyle/>
+          <a:p>
+            <a:r>
+              <a:rPr lang="zh-TW" altLang="en-US" dirty="0"/>
+              <a:t>除了這些，其他都抽象化封裝起來</a:t>
+            </a:r>
+            <a:r>
+              <a:rPr lang="en-US" altLang="zh-TW" dirty="0"/>
+              <a:t>…</a:t>
+            </a:r>
+            <a:endParaRPr lang="en-US" dirty="0"/>
+          </a:p>
+        </p:txBody>
+      </p:sp>
+      <p:sp>
+        <p:nvSpPr>
+          <p:cNvPr id="3" name="文字版面配置區 2">
+            <a:extLst>
+              <a:ext uri="{FF2B5EF4-FFF2-40B4-BE49-F238E27FC236}">
+                <a16:creationId xmlns:a16="http://schemas.microsoft.com/office/drawing/2014/main" id="{5306A8B7-87D7-4F7E-B93D-A65DE5EAC45B}"/>
+              </a:ext>
+            </a:extLst>
+          </p:cNvPr>
+          <p:cNvSpPr>
+            <a:spLocks noGrp="1"/>
+          </p:cNvSpPr>
+          <p:nvPr>
+            <p:ph type="body" idx="1"/>
+          </p:nvPr>
+        </p:nvSpPr>
+        <p:spPr/>
+        <p:txBody>
+          <a:bodyPr/>
+          <a:lstStyle/>
+          <a:p>
+            <a:r>
+              <a:rPr lang="en-US" altLang="zh-TW" dirty="0"/>
+              <a:t>Developer Must Know:</a:t>
+            </a:r>
+          </a:p>
+          <a:p>
+            <a:pPr lvl="1"/>
+            <a:r>
+              <a:rPr lang="en-US" dirty="0"/>
+              <a:t>Input Message</a:t>
+            </a:r>
+          </a:p>
+          <a:p>
+            <a:pPr lvl="1"/>
+            <a:r>
+              <a:rPr lang="en-US" dirty="0"/>
+              <a:t>Output Message</a:t>
+            </a:r>
+          </a:p>
+          <a:p>
+            <a:pPr lvl="1"/>
+            <a:r>
+              <a:rPr lang="en-US" dirty="0"/>
+              <a:t>Worker Process</a:t>
+            </a:r>
+          </a:p>
+          <a:p>
+            <a:r>
+              <a:rPr lang="en-US" dirty="0" err="1"/>
+              <a:t>Misc</a:t>
+            </a:r>
+            <a:r>
+              <a:rPr lang="en-US" dirty="0"/>
+              <a:t>:</a:t>
+            </a:r>
+          </a:p>
+          <a:p>
+            <a:pPr lvl="1"/>
+            <a:r>
+              <a:rPr lang="en-US" dirty="0"/>
+              <a:t>Multi-Threads</a:t>
+            </a:r>
+          </a:p>
+          <a:p>
+            <a:pPr lvl="1"/>
+            <a:r>
+              <a:rPr lang="en-US" dirty="0"/>
+              <a:t>Async / Await</a:t>
+            </a:r>
+          </a:p>
+          <a:p>
+            <a:pPr lvl="1"/>
+            <a:r>
+              <a:rPr lang="en-US" dirty="0"/>
+              <a:t>Serialization, </a:t>
+            </a:r>
+            <a:r>
+              <a:rPr lang="en-US" dirty="0" err="1"/>
+              <a:t>TrackContext</a:t>
+            </a:r>
+            <a:r>
+              <a:rPr lang="en-US" dirty="0"/>
+              <a:t> Transform</a:t>
+            </a:r>
+          </a:p>
+          <a:p>
+            <a:pPr lvl="1"/>
+            <a:endParaRPr lang="en-US" dirty="0"/>
+          </a:p>
+        </p:txBody>
+      </p:sp>
+    </p:spTree>
+    <p:extLst>
+      <p:ext uri="{BB962C8B-B14F-4D97-AF65-F5344CB8AC3E}">
+        <p14:creationId xmlns:p14="http://schemas.microsoft.com/office/powerpoint/2010/main" val="3239525781"/>
+      </p:ext>
+    </p:extLst>
+  </p:cSld>
+  <p:clrMapOvr>
+    <a:masterClrMapping/>
+  </p:clrMapOvr>
+</p:sld>
+</file>
+
+<file path=ppt/slides/slide13.xml><?xml version="1.0" encoding="utf-8"?>
+<p:sld xmlns:a="http://schemas.openxmlformats.org/drawingml/2006/main" xmlns:r="http://schemas.openxmlformats.org/officeDocument/2006/relationships" xmlns:p="http://schemas.openxmlformats.org/presentationml/2006/main">
+  <p:cSld>
+    <p:spTree>
+      <p:nvGrpSpPr>
+        <p:cNvPr id="1" name=""/>
+        <p:cNvGrpSpPr/>
+        <p:nvPr/>
+      </p:nvGrpSpPr>
+      <p:grpSpPr>
+        <a:xfrm>
+          <a:off x="0" y="0"/>
+          <a:ext cx="0" cy="0"/>
+          <a:chOff x="0" y="0"/>
+          <a:chExt cx="0" cy="0"/>
+        </a:xfrm>
+      </p:grpSpPr>
+      <p:sp>
+        <p:nvSpPr>
+          <p:cNvPr id="2" name="標題 1"/>
+          <p:cNvSpPr>
+            <a:spLocks noGrp="1"/>
+          </p:cNvSpPr>
+          <p:nvPr>
+            <p:ph type="ctrTitle"/>
+          </p:nvPr>
+        </p:nvSpPr>
+        <p:spPr/>
+        <p:txBody>
+          <a:bodyPr/>
+          <a:lstStyle/>
+          <a:p>
+            <a:br>
+              <a:rPr lang="en-US" dirty="0"/>
+            </a:br>
+            <a:endParaRPr lang="en-US" dirty="0"/>
+          </a:p>
+        </p:txBody>
+      </p:sp>
+      <p:sp>
+        <p:nvSpPr>
+          <p:cNvPr id="3" name="副標題 2"/>
+          <p:cNvSpPr>
+            <a:spLocks noGrp="1"/>
+          </p:cNvSpPr>
+          <p:nvPr>
+            <p:ph type="subTitle" idx="1"/>
+          </p:nvPr>
+        </p:nvSpPr>
+        <p:spPr/>
+        <p:txBody>
+          <a:bodyPr/>
+          <a:lstStyle/>
+          <a:p>
+            <a:endParaRPr lang="en-US"/>
+          </a:p>
+        </p:txBody>
+      </p:sp>
+    </p:spTree>
+    <p:extLst>
+      <p:ext uri="{BB962C8B-B14F-4D97-AF65-F5344CB8AC3E}">
+        <p14:creationId xmlns:p14="http://schemas.microsoft.com/office/powerpoint/2010/main" val="2176435399"/>
+      </p:ext>
+    </p:extLst>
+  </p:cSld>
+  <p:clrMapOvr>
+    <a:masterClrMapping/>
+  </p:clrMapOvr>
+</p:sld>
+</file>
+
+<file path=ppt/slides/slide14.xml><?xml version="1.0" encoding="utf-8"?>
+<p:sld xmlns:a="http://schemas.openxmlformats.org/drawingml/2006/main" xmlns:r="http://schemas.openxmlformats.org/officeDocument/2006/relationships" xmlns:p="http://schemas.openxmlformats.org/presentationml/2006/main">
+  <p:cSld>
     <p:bg>
       <p:bgPr>
         <a:blipFill dpi="0" rotWithShape="1">
@@ -14503,7 +16135,7 @@
 </file>
 
 <file path=ppt/slides/slide4.xml><?xml version="1.0" encoding="utf-8"?>
-<p:sld xmlns:a="http://schemas.openxmlformats.org/drawingml/2006/main" xmlns:r="http://schemas.openxmlformats.org/officeDocument/2006/relationships" xmlns:p="http://schemas.openxmlformats.org/presentationml/2006/main">
+<p:sld xmlns:a="http://schemas.openxmlformats.org/drawingml/2006/main" xmlns:r="http://schemas.openxmlformats.org/officeDocument/2006/relationships" xmlns:p="http://schemas.openxmlformats.org/presentationml/2006/main" show="0">
   <p:cSld>
     <p:spTree>
       <p:nvGrpSpPr>
@@ -14572,49 +16204,37 @@
               <a:rPr lang="en-US" b="1" dirty="0"/>
               <a:t>Web-Queue-Worker architecture style</a:t>
             </a:r>
-            <a:br>
-              <a:rPr lang="en-US" b="1" dirty="0"/>
-            </a:br>
-            <a:endParaRPr lang="en-US" b="1" dirty="0"/>
           </a:p>
           <a:p>
             <a:r>
               <a:rPr lang="en-US" b="1" dirty="0"/>
               <a:t>Messaging patterns</a:t>
             </a:r>
-            <a:br>
+          </a:p>
+          <a:p>
+            <a:r>
               <a:rPr lang="en-US" b="1" dirty="0"/>
-            </a:br>
+              <a:t>Microservices communications. Why you should switch to message queues</a:t>
+            </a:r>
+            <a:r>
+              <a:rPr lang="en-US" dirty="0"/>
+              <a:t>.</a:t>
+            </a:r>
+          </a:p>
+          <a:p>
+            <a:r>
+              <a:rPr lang="en-US" b="1" dirty="0"/>
+              <a:t>Benefits of Message Queues</a:t>
+            </a:r>
+          </a:p>
+          <a:p>
+            <a:r>
+              <a:rPr lang="en-US" b="1" dirty="0"/>
+              <a:t>What is a Message Queue?</a:t>
+            </a:r>
+          </a:p>
+          <a:p>
             <a:endParaRPr lang="en-US" b="1" dirty="0"/>
-          </a:p>
-          <a:p>
-            <a:r>
-              <a:rPr lang="en-US" dirty="0"/>
-              <a:t>Microservices communications. Why you should switch to message queues.</a:t>
-            </a:r>
-            <a:br>
-              <a:rPr lang="en-US" dirty="0"/>
-            </a:br>
-            <a:endParaRPr lang="en-US" dirty="0"/>
-          </a:p>
-          <a:p>
-            <a:r>
-              <a:rPr lang="en-US" dirty="0"/>
-              <a:t>Benefits of Message Queues</a:t>
-            </a:r>
-            <a:br>
-              <a:rPr lang="en-US" dirty="0"/>
-            </a:br>
-            <a:endParaRPr lang="en-US" dirty="0"/>
-          </a:p>
-          <a:p>
-            <a:r>
-              <a:rPr lang="en-US" dirty="0"/>
-              <a:t>What is a Message Queue?</a:t>
-            </a:r>
-          </a:p>
-          <a:p>
-            <a:endParaRPr lang="en-US" dirty="0"/>
           </a:p>
           <a:p>
             <a:endParaRPr lang="en-US" b="1" dirty="0"/>
@@ -14638,8 +16258,8 @@
         </p:nvSpPr>
         <p:spPr>
           <a:xfrm>
-            <a:off x="924739" y="1741714"/>
-            <a:ext cx="7762061" cy="307777"/>
+            <a:off x="1469561" y="1709030"/>
+            <a:ext cx="7762061" cy="523220"/>
           </a:xfrm>
           <a:prstGeom prst="rect">
             <a:avLst/>
@@ -14653,9 +16273,15 @@
           <a:lstStyle/>
           <a:p>
             <a:r>
-              <a:rPr lang="en-US" dirty="0"/>
+              <a:rPr lang="en-US" dirty="0">
+                <a:hlinkClick r:id="rId2"/>
+              </a:rPr>
               <a:t>https://docs.microsoft.com/en-us/azure/architecture/guide/architecture-styles/web-queue-worker</a:t>
             </a:r>
+            <a:endParaRPr lang="en-US" dirty="0"/>
+          </a:p>
+          <a:p>
+            <a:endParaRPr lang="en-US" dirty="0"/>
           </a:p>
         </p:txBody>
       </p:sp>
@@ -14673,8 +16299,8 @@
         </p:nvSpPr>
         <p:spPr>
           <a:xfrm>
-            <a:off x="-278674" y="6226629"/>
-            <a:ext cx="3496470" cy="307777"/>
+            <a:off x="1469561" y="4294695"/>
+            <a:ext cx="3496470" cy="523220"/>
           </a:xfrm>
           <a:prstGeom prst="rect">
             <a:avLst/>
@@ -14688,9 +16314,15 @@
           <a:lstStyle/>
           <a:p>
             <a:r>
-              <a:rPr lang="en-US" dirty="0"/>
+              <a:rPr lang="en-US" dirty="0">
+                <a:hlinkClick r:id="rId3"/>
+              </a:rPr>
               <a:t>https://aws.amazon.com/message-queue/</a:t>
             </a:r>
+            <a:endParaRPr lang="en-US" dirty="0"/>
+          </a:p>
+          <a:p>
+            <a:endParaRPr lang="en-US" dirty="0"/>
           </a:p>
         </p:txBody>
       </p:sp>
@@ -14708,8 +16340,8 @@
         </p:nvSpPr>
         <p:spPr>
           <a:xfrm>
-            <a:off x="-156754" y="5355771"/>
-            <a:ext cx="4172937" cy="307777"/>
+            <a:off x="1469561" y="3753870"/>
+            <a:ext cx="4172937" cy="523220"/>
           </a:xfrm>
           <a:prstGeom prst="rect">
             <a:avLst/>
@@ -14723,9 +16355,15 @@
           <a:lstStyle/>
           <a:p>
             <a:r>
-              <a:rPr lang="en-US" dirty="0"/>
+              <a:rPr lang="en-US" dirty="0">
+                <a:hlinkClick r:id="rId4"/>
+              </a:rPr>
               <a:t>https://aws.amazon.com/message-queue/benefits/</a:t>
             </a:r>
+            <a:endParaRPr lang="en-US" dirty="0"/>
+          </a:p>
+          <a:p>
+            <a:endParaRPr lang="en-US" dirty="0"/>
           </a:p>
         </p:txBody>
       </p:sp>
@@ -14743,8 +16381,8 @@
         </p:nvSpPr>
         <p:spPr>
           <a:xfrm>
-            <a:off x="191589" y="4258491"/>
-            <a:ext cx="8877751" cy="307777"/>
+            <a:off x="1469561" y="3250010"/>
+            <a:ext cx="8877751" cy="523220"/>
           </a:xfrm>
           <a:prstGeom prst="rect">
             <a:avLst/>
@@ -14758,9 +16396,15 @@
           <a:lstStyle/>
           <a:p>
             <a:r>
-              <a:rPr lang="en-US" dirty="0"/>
+              <a:rPr lang="en-US" dirty="0">
+                <a:hlinkClick r:id="rId5"/>
+              </a:rPr>
               <a:t>https://dev.to/matteojoliveau/microservices-communications-why-you-should-switch-to-message-queues--48ia</a:t>
             </a:r>
+            <a:endParaRPr lang="en-US" dirty="0"/>
+          </a:p>
+          <a:p>
+            <a:endParaRPr lang="en-US" dirty="0"/>
           </a:p>
         </p:txBody>
       </p:sp>
@@ -14778,8 +16422,8 @@
         </p:nvSpPr>
         <p:spPr>
           <a:xfrm>
-            <a:off x="357051" y="2917371"/>
-            <a:ext cx="6588663" cy="307777"/>
+            <a:off x="1469561" y="2217910"/>
+            <a:ext cx="6588663" cy="523220"/>
           </a:xfrm>
           <a:prstGeom prst="rect">
             <a:avLst/>
@@ -14793,9 +16437,15 @@
           <a:lstStyle/>
           <a:p>
             <a:r>
-              <a:rPr lang="en-US" dirty="0"/>
+              <a:rPr lang="en-US" dirty="0">
+                <a:hlinkClick r:id="rId6"/>
+              </a:rPr>
               <a:t>https://docs.microsoft.com/en-us/azure/architecture/patterns/category/messaging</a:t>
             </a:r>
+            <a:endParaRPr lang="en-US" dirty="0"/>
+          </a:p>
+          <a:p>
+            <a:endParaRPr lang="en-US" dirty="0"/>
           </a:p>
         </p:txBody>
       </p:sp>
@@ -14813,7 +16463,7 @@
 </file>
 
 <file path=ppt/slides/slide5.xml><?xml version="1.0" encoding="utf-8"?>
-<p:sld xmlns:a="http://schemas.openxmlformats.org/drawingml/2006/main" xmlns:r="http://schemas.openxmlformats.org/officeDocument/2006/relationships" xmlns:p="http://schemas.openxmlformats.org/presentationml/2006/main">
+<p:sld xmlns:a="http://schemas.openxmlformats.org/drawingml/2006/main" xmlns:r="http://schemas.openxmlformats.org/officeDocument/2006/relationships" xmlns:p="http://schemas.openxmlformats.org/presentationml/2006/main" show="0">
   <p:cSld>
     <p:spTree>
       <p:nvGrpSpPr>
@@ -14829,10 +16479,51 @@
           <a:chExt cx="0" cy="0"/>
         </a:xfrm>
       </p:grpSpPr>
+      <p:sp>
+        <p:nvSpPr>
+          <p:cNvPr id="13" name="標題 12"/>
+          <p:cNvSpPr>
+            <a:spLocks noGrp="1"/>
+          </p:cNvSpPr>
+          <p:nvPr>
+            <p:ph type="ctrTitle"/>
+          </p:nvPr>
+        </p:nvSpPr>
+        <p:spPr/>
+        <p:txBody>
+          <a:bodyPr/>
+          <a:lstStyle/>
+          <a:p>
+            <a:br>
+              <a:rPr lang="en-US" sz="6000" b="0" dirty="0"/>
+            </a:br>
+            <a:endParaRPr lang="en-US" b="0" dirty="0"/>
+          </a:p>
+        </p:txBody>
+      </p:sp>
+      <p:sp>
+        <p:nvSpPr>
+          <p:cNvPr id="14" name="副標題 13"/>
+          <p:cNvSpPr>
+            <a:spLocks noGrp="1"/>
+          </p:cNvSpPr>
+          <p:nvPr>
+            <p:ph type="subTitle" idx="1"/>
+          </p:nvPr>
+        </p:nvSpPr>
+        <p:spPr/>
+        <p:txBody>
+          <a:bodyPr/>
+          <a:lstStyle/>
+          <a:p>
+            <a:endParaRPr lang="en-US" sz="3600" dirty="0"/>
+          </a:p>
+        </p:txBody>
+      </p:sp>
     </p:spTree>
     <p:extLst>
       <p:ext uri="{BB962C8B-B14F-4D97-AF65-F5344CB8AC3E}">
-        <p14:creationId xmlns:p14="http://schemas.microsoft.com/office/powerpoint/2010/main" val="57263911"/>
+        <p14:creationId xmlns:p14="http://schemas.microsoft.com/office/powerpoint/2010/main" val="3151825453"/>
       </p:ext>
     </p:extLst>
   </p:cSld>
@@ -14861,12 +16552,18 @@
       </p:grpSpPr>
       <p:sp>
         <p:nvSpPr>
-          <p:cNvPr id="13" name="標題 12"/>
+          <p:cNvPr id="2" name="標題 1">
+            <a:extLst>
+              <a:ext uri="{FF2B5EF4-FFF2-40B4-BE49-F238E27FC236}">
+                <a16:creationId xmlns:a16="http://schemas.microsoft.com/office/drawing/2014/main" id="{DB5B5698-D192-4A1E-835F-0FC7DF509C52}"/>
+              </a:ext>
+            </a:extLst>
+          </p:cNvPr>
           <p:cNvSpPr>
             <a:spLocks noGrp="1"/>
           </p:cNvSpPr>
           <p:nvPr>
-            <p:ph type="ctrTitle"/>
+            <p:ph type="title"/>
           </p:nvPr>
         </p:nvSpPr>
         <p:spPr/>
@@ -14874,21 +16571,27 @@
           <a:bodyPr/>
           <a:lstStyle/>
           <a:p>
-            <a:br>
-              <a:rPr lang="en-US" sz="6000" b="0" dirty="0"/>
-            </a:br>
-            <a:endParaRPr lang="en-US" b="0" dirty="0"/>
-          </a:p>
-        </p:txBody>
-      </p:sp>
-      <p:sp>
-        <p:nvSpPr>
-          <p:cNvPr id="14" name="副標題 13"/>
+            <a:r>
+              <a:rPr lang="en-US" dirty="0"/>
+              <a:t>What is a Message Queue?</a:t>
+            </a:r>
+          </a:p>
+        </p:txBody>
+      </p:sp>
+      <p:sp>
+        <p:nvSpPr>
+          <p:cNvPr id="3" name="文字版面配置區 2">
+            <a:extLst>
+              <a:ext uri="{FF2B5EF4-FFF2-40B4-BE49-F238E27FC236}">
+                <a16:creationId xmlns:a16="http://schemas.microsoft.com/office/drawing/2014/main" id="{B8676860-710D-4198-95EE-CB74EA0243A8}"/>
+              </a:ext>
+            </a:extLst>
+          </p:cNvPr>
           <p:cNvSpPr>
             <a:spLocks noGrp="1"/>
           </p:cNvSpPr>
           <p:nvPr>
-            <p:ph type="subTitle" idx="1"/>
+            <p:ph type="body" idx="1"/>
           </p:nvPr>
         </p:nvSpPr>
         <p:spPr/>
@@ -14896,14 +16599,282 @@
           <a:bodyPr/>
           <a:lstStyle/>
           <a:p>
-            <a:endParaRPr lang="en-US" sz="3600" dirty="0"/>
+            <a:endParaRPr lang="en-US"/>
+          </a:p>
+        </p:txBody>
+      </p:sp>
+      <p:pic>
+        <p:nvPicPr>
+          <p:cNvPr id="1026" name="Picture 2" descr="message queue">
+            <a:extLst>
+              <a:ext uri="{FF2B5EF4-FFF2-40B4-BE49-F238E27FC236}">
+                <a16:creationId xmlns:a16="http://schemas.microsoft.com/office/drawing/2014/main" id="{EEFD664A-2DA2-4E14-9C0F-295F51D21733}"/>
+              </a:ext>
+            </a:extLst>
+          </p:cNvPr>
+          <p:cNvPicPr>
+            <a:picLocks noChangeAspect="1" noChangeArrowheads="1"/>
+          </p:cNvPicPr>
+          <p:nvPr/>
+        </p:nvPicPr>
+        <p:blipFill>
+          <a:blip r:embed="rId3">
+            <a:extLst>
+              <a:ext uri="{28A0092B-C50C-407E-A947-70E740481C1C}">
+                <a14:useLocalDpi xmlns:a14="http://schemas.microsoft.com/office/drawing/2010/main" val="0"/>
+              </a:ext>
+            </a:extLst>
+          </a:blip>
+          <a:srcRect/>
+          <a:stretch>
+            <a:fillRect/>
+          </a:stretch>
+        </p:blipFill>
+        <p:spPr bwMode="auto">
+          <a:xfrm>
+            <a:off x="0" y="1945693"/>
+            <a:ext cx="9144000" cy="1819275"/>
+          </a:xfrm>
+          <a:prstGeom prst="rect">
+            <a:avLst/>
+          </a:prstGeom>
+          <a:noFill/>
+          <a:extLst>
+            <a:ext uri="{909E8E84-426E-40DD-AFC4-6F175D3DCCD1}">
+              <a14:hiddenFill xmlns:a14="http://schemas.microsoft.com/office/drawing/2010/main">
+                <a:solidFill>
+                  <a:srgbClr val="FFFFFF"/>
+                </a:solidFill>
+              </a14:hiddenFill>
+            </a:ext>
+          </a:extLst>
+        </p:spPr>
+      </p:pic>
+      <p:pic>
+        <p:nvPicPr>
+          <p:cNvPr id="5" name="Picture 2" descr="message queue">
+            <a:extLst>
+              <a:ext uri="{FF2B5EF4-FFF2-40B4-BE49-F238E27FC236}">
+                <a16:creationId xmlns:a16="http://schemas.microsoft.com/office/drawing/2014/main" id="{A3E6900E-78D7-46F9-BE34-A4D49433C05C}"/>
+              </a:ext>
+            </a:extLst>
+          </p:cNvPr>
+          <p:cNvPicPr>
+            <a:picLocks noChangeAspect="1" noChangeArrowheads="1"/>
+          </p:cNvPicPr>
+          <p:nvPr/>
+        </p:nvPicPr>
+        <p:blipFill rotWithShape="1">
+          <a:blip r:embed="rId3">
+            <a:extLst>
+              <a:ext uri="{28A0092B-C50C-407E-A947-70E740481C1C}">
+                <a14:useLocalDpi xmlns:a14="http://schemas.microsoft.com/office/drawing/2010/main" val="0"/>
+              </a:ext>
+            </a:extLst>
+          </a:blip>
+          <a:srcRect l="4219" t="30050" r="86477" b="17142"/>
+          <a:stretch/>
+        </p:blipFill>
+        <p:spPr bwMode="auto">
+          <a:xfrm>
+            <a:off x="387750" y="1360801"/>
+            <a:ext cx="850739" cy="960699"/>
+          </a:xfrm>
+          <a:prstGeom prst="rect">
+            <a:avLst/>
+          </a:prstGeom>
+          <a:noFill/>
+          <a:extLst>
+            <a:ext uri="{909E8E84-426E-40DD-AFC4-6F175D3DCCD1}">
+              <a14:hiddenFill xmlns:a14="http://schemas.microsoft.com/office/drawing/2010/main">
+                <a:solidFill>
+                  <a:srgbClr val="FFFFFF"/>
+                </a:solidFill>
+              </a14:hiddenFill>
+            </a:ext>
+          </a:extLst>
+        </p:spPr>
+      </p:pic>
+      <p:pic>
+        <p:nvPicPr>
+          <p:cNvPr id="6" name="Picture 2" descr="message queue">
+            <a:extLst>
+              <a:ext uri="{FF2B5EF4-FFF2-40B4-BE49-F238E27FC236}">
+                <a16:creationId xmlns:a16="http://schemas.microsoft.com/office/drawing/2014/main" id="{C0F9B112-E19F-4BF5-B023-7345D588A63D}"/>
+              </a:ext>
+            </a:extLst>
+          </p:cNvPr>
+          <p:cNvPicPr>
+            <a:picLocks noChangeAspect="1" noChangeArrowheads="1"/>
+          </p:cNvPicPr>
+          <p:nvPr/>
+        </p:nvPicPr>
+        <p:blipFill rotWithShape="1">
+          <a:blip r:embed="rId3">
+            <a:extLst>
+              <a:ext uri="{28A0092B-C50C-407E-A947-70E740481C1C}">
+                <a14:useLocalDpi xmlns:a14="http://schemas.microsoft.com/office/drawing/2010/main" val="0"/>
+              </a:ext>
+            </a:extLst>
+          </a:blip>
+          <a:srcRect l="4219" t="30050" r="86477" b="17142"/>
+          <a:stretch/>
+        </p:blipFill>
+        <p:spPr bwMode="auto">
+          <a:xfrm>
+            <a:off x="387751" y="3636659"/>
+            <a:ext cx="850739" cy="960699"/>
+          </a:xfrm>
+          <a:prstGeom prst="rect">
+            <a:avLst/>
+          </a:prstGeom>
+          <a:noFill/>
+          <a:extLst>
+            <a:ext uri="{909E8E84-426E-40DD-AFC4-6F175D3DCCD1}">
+              <a14:hiddenFill xmlns:a14="http://schemas.microsoft.com/office/drawing/2010/main">
+                <a:solidFill>
+                  <a:srgbClr val="FFFFFF"/>
+                </a:solidFill>
+              </a14:hiddenFill>
+            </a:ext>
+          </a:extLst>
+        </p:spPr>
+      </p:pic>
+      <p:pic>
+        <p:nvPicPr>
+          <p:cNvPr id="7" name="Picture 2" descr="message queue">
+            <a:extLst>
+              <a:ext uri="{FF2B5EF4-FFF2-40B4-BE49-F238E27FC236}">
+                <a16:creationId xmlns:a16="http://schemas.microsoft.com/office/drawing/2014/main" id="{61FAF1E8-5452-4DF6-9A97-59155A5DE6B8}"/>
+              </a:ext>
+            </a:extLst>
+          </p:cNvPr>
+          <p:cNvPicPr>
+            <a:picLocks noChangeAspect="1" noChangeArrowheads="1"/>
+          </p:cNvPicPr>
+          <p:nvPr/>
+        </p:nvPicPr>
+        <p:blipFill rotWithShape="1">
+          <a:blip r:embed="rId3">
+            <a:extLst>
+              <a:ext uri="{28A0092B-C50C-407E-A947-70E740481C1C}">
+                <a14:useLocalDpi xmlns:a14="http://schemas.microsoft.com/office/drawing/2010/main" val="0"/>
+              </a:ext>
+            </a:extLst>
+          </a:blip>
+          <a:srcRect l="86688" t="26035" r="4641" b="20641"/>
+          <a:stretch/>
+        </p:blipFill>
+        <p:spPr bwMode="auto">
+          <a:xfrm>
+            <a:off x="7951803" y="1460641"/>
+            <a:ext cx="792867" cy="970104"/>
+          </a:xfrm>
+          <a:prstGeom prst="rect">
+            <a:avLst/>
+          </a:prstGeom>
+          <a:noFill/>
+          <a:extLst>
+            <a:ext uri="{909E8E84-426E-40DD-AFC4-6F175D3DCCD1}">
+              <a14:hiddenFill xmlns:a14="http://schemas.microsoft.com/office/drawing/2010/main">
+                <a:solidFill>
+                  <a:srgbClr val="FFFFFF"/>
+                </a:solidFill>
+              </a14:hiddenFill>
+            </a:ext>
+          </a:extLst>
+        </p:spPr>
+      </p:pic>
+      <p:pic>
+        <p:nvPicPr>
+          <p:cNvPr id="8" name="Picture 2" descr="message queue">
+            <a:extLst>
+              <a:ext uri="{FF2B5EF4-FFF2-40B4-BE49-F238E27FC236}">
+                <a16:creationId xmlns:a16="http://schemas.microsoft.com/office/drawing/2014/main" id="{03E92700-95DB-4378-A41E-C4B18CB463FD}"/>
+              </a:ext>
+            </a:extLst>
+          </p:cNvPr>
+          <p:cNvPicPr>
+            <a:picLocks noChangeAspect="1" noChangeArrowheads="1"/>
+          </p:cNvPicPr>
+          <p:nvPr/>
+        </p:nvPicPr>
+        <p:blipFill rotWithShape="1">
+          <a:blip r:embed="rId3">
+            <a:extLst>
+              <a:ext uri="{28A0092B-C50C-407E-A947-70E740481C1C}">
+                <a14:useLocalDpi xmlns:a14="http://schemas.microsoft.com/office/drawing/2010/main" val="0"/>
+              </a:ext>
+            </a:extLst>
+          </a:blip>
+          <a:srcRect l="86688" t="26035" r="4641" b="20641"/>
+          <a:stretch/>
+        </p:blipFill>
+        <p:spPr bwMode="auto">
+          <a:xfrm>
+            <a:off x="7951803" y="3416688"/>
+            <a:ext cx="792867" cy="970104"/>
+          </a:xfrm>
+          <a:prstGeom prst="rect">
+            <a:avLst/>
+          </a:prstGeom>
+          <a:noFill/>
+          <a:extLst>
+            <a:ext uri="{909E8E84-426E-40DD-AFC4-6F175D3DCCD1}">
+              <a14:hiddenFill xmlns:a14="http://schemas.microsoft.com/office/drawing/2010/main">
+                <a:solidFill>
+                  <a:srgbClr val="FFFFFF"/>
+                </a:solidFill>
+              </a14:hiddenFill>
+            </a:ext>
+          </a:extLst>
+        </p:spPr>
+      </p:pic>
+      <p:sp>
+        <p:nvSpPr>
+          <p:cNvPr id="4" name="文字方塊 3">
+            <a:extLst>
+              <a:ext uri="{FF2B5EF4-FFF2-40B4-BE49-F238E27FC236}">
+                <a16:creationId xmlns:a16="http://schemas.microsoft.com/office/drawing/2014/main" id="{411F3380-E598-4993-948B-9B965CDE1291}"/>
+              </a:ext>
+            </a:extLst>
+          </p:cNvPr>
+          <p:cNvSpPr txBox="1"/>
+          <p:nvPr/>
+        </p:nvSpPr>
+        <p:spPr>
+          <a:xfrm>
+            <a:off x="457200" y="4714336"/>
+            <a:ext cx="3496470" cy="523220"/>
+          </a:xfrm>
+          <a:prstGeom prst="rect">
+            <a:avLst/>
+          </a:prstGeom>
+          <a:noFill/>
+        </p:spPr>
+        <p:txBody>
+          <a:bodyPr wrap="none" rtlCol="0">
+            <a:spAutoFit/>
+          </a:bodyPr>
+          <a:lstStyle/>
+          <a:p>
+            <a:r>
+              <a:rPr lang="en-US" dirty="0">
+                <a:hlinkClick r:id="rId4"/>
+              </a:rPr>
+              <a:t>https://aws.amazon.com/message-queue/</a:t>
+            </a:r>
+            <a:endParaRPr lang="en-US" dirty="0"/>
+          </a:p>
+          <a:p>
+            <a:endParaRPr lang="en-US" dirty="0"/>
           </a:p>
         </p:txBody>
       </p:sp>
     </p:spTree>
     <p:extLst>
       <p:ext uri="{BB962C8B-B14F-4D97-AF65-F5344CB8AC3E}">
-        <p14:creationId xmlns:p14="http://schemas.microsoft.com/office/powerpoint/2010/main" val="3151825453"/>
+        <p14:creationId xmlns:p14="http://schemas.microsoft.com/office/powerpoint/2010/main" val="250939690"/>
       </p:ext>
     </p:extLst>
   </p:cSld>
@@ -14930,10 +16901,395 @@
           <a:chExt cx="0" cy="0"/>
         </a:xfrm>
       </p:grpSpPr>
+      <p:pic>
+        <p:nvPicPr>
+          <p:cNvPr id="2054" name="Picture 6" descr="sqs_img_performance">
+            <a:extLst>
+              <a:ext uri="{FF2B5EF4-FFF2-40B4-BE49-F238E27FC236}">
+                <a16:creationId xmlns:a16="http://schemas.microsoft.com/office/drawing/2014/main" id="{9F4992FF-1AFF-447C-8AFD-67E70A6BC455}"/>
+              </a:ext>
+            </a:extLst>
+          </p:cNvPr>
+          <p:cNvPicPr>
+            <a:picLocks noChangeAspect="1" noChangeArrowheads="1"/>
+          </p:cNvPicPr>
+          <p:nvPr/>
+        </p:nvPicPr>
+        <p:blipFill rotWithShape="1">
+          <a:blip r:embed="rId2">
+            <a:extLst>
+              <a:ext uri="{28A0092B-C50C-407E-A947-70E740481C1C}">
+                <a14:useLocalDpi xmlns:a14="http://schemas.microsoft.com/office/drawing/2010/main" val="0"/>
+              </a:ext>
+            </a:extLst>
+          </a:blip>
+          <a:srcRect t="20817" b="21481"/>
+          <a:stretch/>
+        </p:blipFill>
+        <p:spPr bwMode="auto">
+          <a:xfrm>
+            <a:off x="5334000" y="1294800"/>
+            <a:ext cx="3810000" cy="857400"/>
+          </a:xfrm>
+          <a:prstGeom prst="rect">
+            <a:avLst/>
+          </a:prstGeom>
+          <a:noFill/>
+          <a:extLst>
+            <a:ext uri="{909E8E84-426E-40DD-AFC4-6F175D3DCCD1}">
+              <a14:hiddenFill xmlns:a14="http://schemas.microsoft.com/office/drawing/2010/main">
+                <a:solidFill>
+                  <a:srgbClr val="FFFFFF"/>
+                </a:solidFill>
+              </a14:hiddenFill>
+            </a:ext>
+          </a:extLst>
+        </p:spPr>
+      </p:pic>
+      <p:sp>
+        <p:nvSpPr>
+          <p:cNvPr id="4" name="標題 3">
+            <a:extLst>
+              <a:ext uri="{FF2B5EF4-FFF2-40B4-BE49-F238E27FC236}">
+                <a16:creationId xmlns:a16="http://schemas.microsoft.com/office/drawing/2014/main" id="{FCC9E96F-A363-4B30-A965-69407B024C9E}"/>
+              </a:ext>
+            </a:extLst>
+          </p:cNvPr>
+          <p:cNvSpPr>
+            <a:spLocks noGrp="1"/>
+          </p:cNvSpPr>
+          <p:nvPr>
+            <p:ph type="title"/>
+          </p:nvPr>
+        </p:nvSpPr>
+        <p:spPr/>
+        <p:txBody>
+          <a:bodyPr/>
+          <a:lstStyle/>
+          <a:p>
+            <a:r>
+              <a:rPr lang="en-US" dirty="0"/>
+              <a:t>Benefits of Message Queues</a:t>
+            </a:r>
+          </a:p>
+        </p:txBody>
+      </p:sp>
+      <p:sp>
+        <p:nvSpPr>
+          <p:cNvPr id="5" name="文字版面配置區 4">
+            <a:extLst>
+              <a:ext uri="{FF2B5EF4-FFF2-40B4-BE49-F238E27FC236}">
+                <a16:creationId xmlns:a16="http://schemas.microsoft.com/office/drawing/2014/main" id="{6ACEE47A-E4F9-481E-A044-F30FCD9A7510}"/>
+              </a:ext>
+            </a:extLst>
+          </p:cNvPr>
+          <p:cNvSpPr>
+            <a:spLocks noGrp="1"/>
+          </p:cNvSpPr>
+          <p:nvPr>
+            <p:ph type="body" idx="1"/>
+          </p:nvPr>
+        </p:nvSpPr>
+        <p:spPr/>
+        <p:txBody>
+          <a:bodyPr/>
+          <a:lstStyle/>
+          <a:p>
+            <a:r>
+              <a:rPr lang="en-US" dirty="0"/>
+              <a:t>Better Performance</a:t>
+            </a:r>
+          </a:p>
+          <a:p>
+            <a:endParaRPr lang="en-US" dirty="0"/>
+          </a:p>
+          <a:p>
+            <a:r>
+              <a:rPr lang="en-US" dirty="0"/>
+              <a:t>Increased Reliability</a:t>
+            </a:r>
+          </a:p>
+          <a:p>
+            <a:endParaRPr lang="en-US" dirty="0"/>
+          </a:p>
+          <a:p>
+            <a:r>
+              <a:rPr lang="en-US" dirty="0"/>
+              <a:t>Granular Scalability</a:t>
+            </a:r>
+          </a:p>
+          <a:p>
+            <a:endParaRPr lang="en-US" dirty="0"/>
+          </a:p>
+        </p:txBody>
+      </p:sp>
+      <p:sp>
+        <p:nvSpPr>
+          <p:cNvPr id="6" name="矩形 5">
+            <a:extLst>
+              <a:ext uri="{FF2B5EF4-FFF2-40B4-BE49-F238E27FC236}">
+                <a16:creationId xmlns:a16="http://schemas.microsoft.com/office/drawing/2014/main" id="{7EC6DF91-4ED7-44B0-93EC-99C28090B5D2}"/>
+              </a:ext>
+            </a:extLst>
+          </p:cNvPr>
+          <p:cNvSpPr/>
+          <p:nvPr/>
+        </p:nvSpPr>
+        <p:spPr>
+          <a:xfrm>
+            <a:off x="399063" y="4675912"/>
+            <a:ext cx="4172937" cy="523220"/>
+          </a:xfrm>
+          <a:prstGeom prst="rect">
+            <a:avLst/>
+          </a:prstGeom>
+        </p:spPr>
+        <p:txBody>
+          <a:bodyPr wrap="none">
+            <a:spAutoFit/>
+          </a:bodyPr>
+          <a:lstStyle/>
+          <a:p>
+            <a:r>
+              <a:rPr lang="en-US" dirty="0">
+                <a:hlinkClick r:id="rId3"/>
+              </a:rPr>
+              <a:t>https://aws.amazon.com/message-queue/benefits/</a:t>
+            </a:r>
+            <a:endParaRPr lang="en-US" dirty="0"/>
+          </a:p>
+          <a:p>
+            <a:endParaRPr lang="en-US" dirty="0"/>
+          </a:p>
+        </p:txBody>
+      </p:sp>
+      <p:pic>
+        <p:nvPicPr>
+          <p:cNvPr id="2052" name="Picture 4" descr="sqs_seo_reliability">
+            <a:extLst>
+              <a:ext uri="{FF2B5EF4-FFF2-40B4-BE49-F238E27FC236}">
+                <a16:creationId xmlns:a16="http://schemas.microsoft.com/office/drawing/2014/main" id="{B185B6E3-0503-483B-BC5B-5B7DFC4E43CA}"/>
+              </a:ext>
+            </a:extLst>
+          </p:cNvPr>
+          <p:cNvPicPr>
+            <a:picLocks noChangeAspect="1" noChangeArrowheads="1"/>
+          </p:cNvPicPr>
+          <p:nvPr/>
+        </p:nvPicPr>
+        <p:blipFill>
+          <a:blip r:embed="rId4">
+            <a:extLst>
+              <a:ext uri="{28A0092B-C50C-407E-A947-70E740481C1C}">
+                <a14:useLocalDpi xmlns:a14="http://schemas.microsoft.com/office/drawing/2010/main" val="0"/>
+              </a:ext>
+            </a:extLst>
+          </a:blip>
+          <a:srcRect/>
+          <a:stretch>
+            <a:fillRect/>
+          </a:stretch>
+        </p:blipFill>
+        <p:spPr bwMode="auto">
+          <a:xfrm>
+            <a:off x="5477719" y="1827292"/>
+            <a:ext cx="3810000" cy="1905000"/>
+          </a:xfrm>
+          <a:prstGeom prst="rect">
+            <a:avLst/>
+          </a:prstGeom>
+          <a:noFill/>
+          <a:extLst>
+            <a:ext uri="{909E8E84-426E-40DD-AFC4-6F175D3DCCD1}">
+              <a14:hiddenFill xmlns:a14="http://schemas.microsoft.com/office/drawing/2010/main">
+                <a:solidFill>
+                  <a:srgbClr val="FFFFFF"/>
+                </a:solidFill>
+              </a14:hiddenFill>
+            </a:ext>
+          </a:extLst>
+        </p:spPr>
+      </p:pic>
+      <p:pic>
+        <p:nvPicPr>
+          <p:cNvPr id="2056" name="Picture 8" descr="sqs_seo_scalability">
+            <a:extLst>
+              <a:ext uri="{FF2B5EF4-FFF2-40B4-BE49-F238E27FC236}">
+                <a16:creationId xmlns:a16="http://schemas.microsoft.com/office/drawing/2014/main" id="{1C9788CB-18CA-4B39-8A4F-CB90AAEC87F9}"/>
+              </a:ext>
+            </a:extLst>
+          </p:cNvPr>
+          <p:cNvPicPr>
+            <a:picLocks noChangeAspect="1" noChangeArrowheads="1"/>
+          </p:cNvPicPr>
+          <p:nvPr/>
+        </p:nvPicPr>
+        <p:blipFill>
+          <a:blip r:embed="rId5">
+            <a:extLst>
+              <a:ext uri="{28A0092B-C50C-407E-A947-70E740481C1C}">
+                <a14:useLocalDpi xmlns:a14="http://schemas.microsoft.com/office/drawing/2010/main" val="0"/>
+              </a:ext>
+            </a:extLst>
+          </a:blip>
+          <a:srcRect/>
+          <a:stretch>
+            <a:fillRect/>
+          </a:stretch>
+        </p:blipFill>
+        <p:spPr bwMode="auto">
+          <a:xfrm>
+            <a:off x="5573770" y="2848178"/>
+            <a:ext cx="3810000" cy="1905000"/>
+          </a:xfrm>
+          <a:prstGeom prst="rect">
+            <a:avLst/>
+          </a:prstGeom>
+          <a:noFill/>
+          <a:extLst>
+            <a:ext uri="{909E8E84-426E-40DD-AFC4-6F175D3DCCD1}">
+              <a14:hiddenFill xmlns:a14="http://schemas.microsoft.com/office/drawing/2010/main">
+                <a:solidFill>
+                  <a:srgbClr val="FFFFFF"/>
+                </a:solidFill>
+              </a14:hiddenFill>
+            </a:ext>
+          </a:extLst>
+        </p:spPr>
+      </p:pic>
+      <p:sp>
+        <p:nvSpPr>
+          <p:cNvPr id="7" name="文字方塊 6">
+            <a:extLst>
+              <a:ext uri="{FF2B5EF4-FFF2-40B4-BE49-F238E27FC236}">
+                <a16:creationId xmlns:a16="http://schemas.microsoft.com/office/drawing/2014/main" id="{7D9A595E-468D-4EA9-8C30-6FF7AA6AC07C}"/>
+              </a:ext>
+            </a:extLst>
+          </p:cNvPr>
+          <p:cNvSpPr txBox="1"/>
+          <p:nvPr/>
+        </p:nvSpPr>
+        <p:spPr>
+          <a:xfrm>
+            <a:off x="511434" y="1714822"/>
+            <a:ext cx="5000087" cy="523220"/>
+          </a:xfrm>
+          <a:prstGeom prst="rect">
+            <a:avLst/>
+          </a:prstGeom>
+          <a:noFill/>
+        </p:spPr>
+        <p:txBody>
+          <a:bodyPr wrap="none" rtlCol="0">
+            <a:spAutoFit/>
+          </a:bodyPr>
+          <a:lstStyle/>
+          <a:p>
+            <a:r>
+              <a:rPr lang="en-US" dirty="0"/>
+              <a:t>Asynchronous communication, optimizing data flow.</a:t>
+            </a:r>
+          </a:p>
+          <a:p>
+            <a:r>
+              <a:rPr lang="en-US" dirty="0"/>
+              <a:t>Consumers process messages only when they are available.</a:t>
+            </a:r>
+          </a:p>
+        </p:txBody>
+      </p:sp>
+      <p:sp>
+        <p:nvSpPr>
+          <p:cNvPr id="8" name="文字方塊 7">
+            <a:extLst>
+              <a:ext uri="{FF2B5EF4-FFF2-40B4-BE49-F238E27FC236}">
+                <a16:creationId xmlns:a16="http://schemas.microsoft.com/office/drawing/2014/main" id="{18DCAB05-15AF-4272-970D-F0301D8B1C87}"/>
+              </a:ext>
+            </a:extLst>
+          </p:cNvPr>
+          <p:cNvSpPr txBox="1"/>
+          <p:nvPr/>
+        </p:nvSpPr>
+        <p:spPr>
+          <a:xfrm>
+            <a:off x="511434" y="2847785"/>
+            <a:ext cx="4788490" cy="523220"/>
+          </a:xfrm>
+          <a:prstGeom prst="rect">
+            <a:avLst/>
+          </a:prstGeom>
+          <a:noFill/>
+        </p:spPr>
+        <p:txBody>
+          <a:bodyPr wrap="none" rtlCol="0">
+            <a:spAutoFit/>
+          </a:bodyPr>
+          <a:lstStyle/>
+          <a:p>
+            <a:r>
+              <a:rPr lang="en-US" dirty="0"/>
+              <a:t>Queues make your data persistent, and reduce the errors</a:t>
+            </a:r>
+          </a:p>
+          <a:p>
+            <a:r>
+              <a:rPr lang="en-US" dirty="0"/>
+              <a:t>that happen when different parts of your system go offline.</a:t>
+            </a:r>
+          </a:p>
+        </p:txBody>
+      </p:sp>
+      <p:sp>
+        <p:nvSpPr>
+          <p:cNvPr id="9" name="文字方塊 8">
+            <a:extLst>
+              <a:ext uri="{FF2B5EF4-FFF2-40B4-BE49-F238E27FC236}">
+                <a16:creationId xmlns:a16="http://schemas.microsoft.com/office/drawing/2014/main" id="{75D4AA31-9F93-4842-B63B-6517BF8E80AF}"/>
+              </a:ext>
+            </a:extLst>
+          </p:cNvPr>
+          <p:cNvSpPr txBox="1"/>
+          <p:nvPr/>
+        </p:nvSpPr>
+        <p:spPr>
+          <a:xfrm>
+            <a:off x="511434" y="3905562"/>
+            <a:ext cx="5008102" cy="738664"/>
+          </a:xfrm>
+          <a:prstGeom prst="rect">
+            <a:avLst/>
+          </a:prstGeom>
+          <a:noFill/>
+        </p:spPr>
+        <p:txBody>
+          <a:bodyPr wrap="none" rtlCol="0">
+            <a:spAutoFit/>
+          </a:bodyPr>
+          <a:lstStyle/>
+          <a:p>
+            <a:r>
+              <a:rPr lang="en-US" dirty="0"/>
+              <a:t>Message queues make it possible to scale precisely where </a:t>
+            </a:r>
+          </a:p>
+          <a:p>
+            <a:r>
+              <a:rPr lang="en-US" dirty="0"/>
+              <a:t>you need to. Producers, consumers and the queue itself can </a:t>
+            </a:r>
+          </a:p>
+          <a:p>
+            <a:r>
+              <a:rPr lang="en-US" dirty="0"/>
+              <a:t>all grow and shrink on demand.</a:t>
+            </a:r>
+          </a:p>
+        </p:txBody>
+      </p:sp>
     </p:spTree>
     <p:extLst>
       <p:ext uri="{BB962C8B-B14F-4D97-AF65-F5344CB8AC3E}">
-        <p14:creationId xmlns:p14="http://schemas.microsoft.com/office/powerpoint/2010/main" val="250939690"/>
+        <p14:creationId xmlns:p14="http://schemas.microsoft.com/office/powerpoint/2010/main" val="1385444604"/>
       </p:ext>
     </p:extLst>
   </p:cSld>
@@ -14960,10 +17316,224 @@
           <a:chExt cx="0" cy="0"/>
         </a:xfrm>
       </p:grpSpPr>
+      <p:sp>
+        <p:nvSpPr>
+          <p:cNvPr id="4" name="標題 3">
+            <a:extLst>
+              <a:ext uri="{FF2B5EF4-FFF2-40B4-BE49-F238E27FC236}">
+                <a16:creationId xmlns:a16="http://schemas.microsoft.com/office/drawing/2014/main" id="{3806B6DB-D39B-42F1-BCE7-27FE2566F4B3}"/>
+              </a:ext>
+            </a:extLst>
+          </p:cNvPr>
+          <p:cNvSpPr>
+            <a:spLocks noGrp="1"/>
+          </p:cNvSpPr>
+          <p:nvPr>
+            <p:ph type="title"/>
+          </p:nvPr>
+        </p:nvSpPr>
+        <p:spPr/>
+        <p:txBody>
+          <a:bodyPr/>
+          <a:lstStyle/>
+          <a:p>
+            <a:endParaRPr lang="en-US"/>
+          </a:p>
+        </p:txBody>
+      </p:sp>
+      <p:sp>
+        <p:nvSpPr>
+          <p:cNvPr id="5" name="文字版面配置區 4">
+            <a:extLst>
+              <a:ext uri="{FF2B5EF4-FFF2-40B4-BE49-F238E27FC236}">
+                <a16:creationId xmlns:a16="http://schemas.microsoft.com/office/drawing/2014/main" id="{01093ED1-D110-4D56-8BC1-77558755C3C1}"/>
+              </a:ext>
+            </a:extLst>
+          </p:cNvPr>
+          <p:cNvSpPr>
+            <a:spLocks noGrp="1"/>
+          </p:cNvSpPr>
+          <p:nvPr>
+            <p:ph type="body" idx="1"/>
+          </p:nvPr>
+        </p:nvSpPr>
+        <p:spPr/>
+        <p:txBody>
+          <a:bodyPr/>
+          <a:lstStyle/>
+          <a:p>
+            <a:r>
+              <a:rPr lang="en-US" dirty="0"/>
+              <a:t>Simplified Decoupling</a:t>
+            </a:r>
+          </a:p>
+          <a:p>
+            <a:pPr lvl="1"/>
+            <a:endParaRPr lang="en-US" dirty="0"/>
+          </a:p>
+          <a:p>
+            <a:pPr lvl="1"/>
+            <a:endParaRPr lang="en-US" dirty="0"/>
+          </a:p>
+          <a:p>
+            <a:pPr lvl="1"/>
+            <a:r>
+              <a:rPr lang="en-US" dirty="0"/>
+              <a:t>Break Up Apps</a:t>
+            </a:r>
+          </a:p>
+          <a:p>
+            <a:pPr lvl="1"/>
+            <a:r>
+              <a:rPr lang="en-US" dirty="0"/>
+              <a:t>Migrate to Microservices</a:t>
+            </a:r>
+          </a:p>
+          <a:p>
+            <a:pPr lvl="1"/>
+            <a:endParaRPr lang="en-US" dirty="0"/>
+          </a:p>
+          <a:p>
+            <a:pPr lvl="1"/>
+            <a:endParaRPr lang="en-US" dirty="0"/>
+          </a:p>
+          <a:p>
+            <a:pPr lvl="1"/>
+            <a:endParaRPr lang="en-US" dirty="0"/>
+          </a:p>
+          <a:p>
+            <a:pPr lvl="1"/>
+            <a:r>
+              <a:rPr lang="en-US" dirty="0"/>
+              <a:t>Shift to Serverless</a:t>
+            </a:r>
+          </a:p>
+        </p:txBody>
+      </p:sp>
+      <p:sp>
+        <p:nvSpPr>
+          <p:cNvPr id="6" name="文字方塊 5">
+            <a:extLst>
+              <a:ext uri="{FF2B5EF4-FFF2-40B4-BE49-F238E27FC236}">
+                <a16:creationId xmlns:a16="http://schemas.microsoft.com/office/drawing/2014/main" id="{4B1AB8C2-BFA8-45FA-B908-1A30D58BDB3D}"/>
+              </a:ext>
+            </a:extLst>
+          </p:cNvPr>
+          <p:cNvSpPr txBox="1"/>
+          <p:nvPr/>
+        </p:nvSpPr>
+        <p:spPr>
+          <a:xfrm>
+            <a:off x="503501" y="1770927"/>
+            <a:ext cx="8704627" cy="738664"/>
+          </a:xfrm>
+          <a:prstGeom prst="rect">
+            <a:avLst/>
+          </a:prstGeom>
+          <a:noFill/>
+        </p:spPr>
+        <p:txBody>
+          <a:bodyPr wrap="none" rtlCol="0">
+            <a:spAutoFit/>
+          </a:bodyPr>
+          <a:lstStyle/>
+          <a:p>
+            <a:r>
+              <a:rPr lang="en-US" dirty="0"/>
+              <a:t>Message queues remove dependencies between components and significantly simplify </a:t>
+            </a:r>
+          </a:p>
+          <a:p>
+            <a:r>
+              <a:rPr lang="en-US" dirty="0"/>
+              <a:t>the coding of decoupled applications. </a:t>
+            </a:r>
+            <a:r>
+              <a:rPr lang="en-US" dirty="0">
+                <a:hlinkClick r:id="rId2"/>
+              </a:rPr>
+              <a:t>Message queues</a:t>
+            </a:r>
+            <a:r>
+              <a:rPr lang="en-US" dirty="0"/>
+              <a:t> are an elegantly simple way to decouple </a:t>
+            </a:r>
+          </a:p>
+          <a:p>
+            <a:r>
+              <a:rPr lang="en-US" dirty="0"/>
+              <a:t>distributed systems, whether you're using monolithic applications, microservices or serverless architectures.</a:t>
+            </a:r>
+          </a:p>
+        </p:txBody>
+      </p:sp>
+      <p:sp>
+        <p:nvSpPr>
+          <p:cNvPr id="8" name="文字方塊 7">
+            <a:extLst>
+              <a:ext uri="{FF2B5EF4-FFF2-40B4-BE49-F238E27FC236}">
+                <a16:creationId xmlns:a16="http://schemas.microsoft.com/office/drawing/2014/main" id="{B61CF139-52C0-42DA-95BC-1C4D96158825}"/>
+              </a:ext>
+            </a:extLst>
+          </p:cNvPr>
+          <p:cNvSpPr txBox="1"/>
+          <p:nvPr/>
+        </p:nvSpPr>
+        <p:spPr>
+          <a:xfrm>
+            <a:off x="1006997" y="3240667"/>
+            <a:ext cx="7475123" cy="954107"/>
+          </a:xfrm>
+          <a:prstGeom prst="rect">
+            <a:avLst/>
+          </a:prstGeom>
+          <a:noFill/>
+        </p:spPr>
+        <p:txBody>
+          <a:bodyPr wrap="none" rtlCol="0">
+            <a:spAutoFit/>
+          </a:bodyPr>
+          <a:lstStyle/>
+          <a:p>
+            <a:r>
+              <a:rPr lang="en-US" dirty="0"/>
+              <a:t>Microservices integration patterns that are based on events and asynchronous messaging </a:t>
+            </a:r>
+          </a:p>
+          <a:p>
+            <a:r>
+              <a:rPr lang="en-US" dirty="0"/>
+              <a:t>optimize scalability and resiliency. Use </a:t>
+            </a:r>
+            <a:r>
+              <a:rPr lang="en-US" dirty="0">
+                <a:hlinkClick r:id="rId3"/>
+              </a:rPr>
+              <a:t>message queuing services</a:t>
+            </a:r>
+            <a:r>
+              <a:rPr lang="en-US" dirty="0"/>
+              <a:t> to coordinate multiple </a:t>
+            </a:r>
+          </a:p>
+          <a:p>
+            <a:r>
+              <a:rPr lang="en-US" dirty="0"/>
+              <a:t>microservices, notify microservices of data changes, or as an event firehose to process IoT, </a:t>
+            </a:r>
+          </a:p>
+          <a:p>
+            <a:r>
+              <a:rPr lang="en-US" dirty="0"/>
+              <a:t>social and real-time data.</a:t>
+            </a:r>
+          </a:p>
+        </p:txBody>
+      </p:sp>
     </p:spTree>
     <p:extLst>
       <p:ext uri="{BB962C8B-B14F-4D97-AF65-F5344CB8AC3E}">
-        <p14:creationId xmlns:p14="http://schemas.microsoft.com/office/powerpoint/2010/main" val="3239525781"/>
+        <p14:creationId xmlns:p14="http://schemas.microsoft.com/office/powerpoint/2010/main" val="1648449129"/>
       </p:ext>
     </p:extLst>
   </p:cSld>
@@ -14992,7 +17562,13 @@
       </p:grpSpPr>
       <p:sp>
         <p:nvSpPr>
-          <p:cNvPr id="2" name="標題 1"/>
+          <p:cNvPr id="6" name="標題 5">
+            <a:extLst>
+              <a:ext uri="{FF2B5EF4-FFF2-40B4-BE49-F238E27FC236}">
+                <a16:creationId xmlns:a16="http://schemas.microsoft.com/office/drawing/2014/main" id="{209013C9-A701-4B95-BA07-10C354A62A7E}"/>
+              </a:ext>
+            </a:extLst>
+          </p:cNvPr>
           <p:cNvSpPr>
             <a:spLocks noGrp="1"/>
           </p:cNvSpPr>
@@ -15008,13 +17584,22 @@
             <a:br>
               <a:rPr lang="en-US" dirty="0"/>
             </a:br>
-            <a:endParaRPr lang="en-US" dirty="0"/>
-          </a:p>
-        </p:txBody>
-      </p:sp>
-      <p:sp>
-        <p:nvSpPr>
-          <p:cNvPr id="3" name="副標題 2"/>
+            <a:r>
+              <a:rPr lang="en-US" dirty="0"/>
+              <a:t>DEMO</a:t>
+            </a:r>
+          </a:p>
+        </p:txBody>
+      </p:sp>
+      <p:sp>
+        <p:nvSpPr>
+          <p:cNvPr id="7" name="副標題 6">
+            <a:extLst>
+              <a:ext uri="{FF2B5EF4-FFF2-40B4-BE49-F238E27FC236}">
+                <a16:creationId xmlns:a16="http://schemas.microsoft.com/office/drawing/2014/main" id="{21967A67-66D2-4776-AB17-A2B292A73915}"/>
+              </a:ext>
+            </a:extLst>
+          </p:cNvPr>
           <p:cNvSpPr>
             <a:spLocks noGrp="1"/>
           </p:cNvSpPr>
@@ -15022,19 +17607,27 @@
             <p:ph type="subTitle" idx="1"/>
           </p:nvPr>
         </p:nvSpPr>
-        <p:spPr/>
+        <p:spPr>
+          <a:xfrm>
+            <a:off x="457199" y="3716392"/>
+            <a:ext cx="8466881" cy="1232700"/>
+          </a:xfrm>
+        </p:spPr>
         <p:txBody>
           <a:bodyPr/>
           <a:lstStyle/>
           <a:p>
-            <a:endParaRPr lang="en-US"/>
+            <a:r>
+              <a:rPr lang="en-US" dirty="0"/>
+              <a:t>NineYi.Msa.Infra.Messaging.*</a:t>
+            </a:r>
           </a:p>
         </p:txBody>
       </p:sp>
     </p:spTree>
     <p:extLst>
       <p:ext uri="{BB962C8B-B14F-4D97-AF65-F5344CB8AC3E}">
-        <p14:creationId xmlns:p14="http://schemas.microsoft.com/office/powerpoint/2010/main" val="2176435399"/>
+        <p14:creationId xmlns:p14="http://schemas.microsoft.com/office/powerpoint/2010/main" val="3269030266"/>
       </p:ext>
     </p:extLst>
   </p:cSld>

--- a/20190123.MessageQueueRPC/91APP-MessageQueueRPC-20190123.pptx
+++ b/20190123.MessageQueueRPC/91APP-MessageQueueRPC-20190123.pptx
@@ -8,23 +8,37 @@
     <p:sldMasterId id="2147483690" r:id="rId4"/>
   </p:sldMasterIdLst>
   <p:notesMasterIdLst>
-    <p:notesMasterId r:id="rId19"/>
+    <p:notesMasterId r:id="rId33"/>
   </p:notesMasterIdLst>
   <p:sldIdLst>
     <p:sldId id="447" r:id="rId5"/>
     <p:sldId id="527" r:id="rId6"/>
-    <p:sldId id="449" r:id="rId7"/>
-    <p:sldId id="529" r:id="rId8"/>
-    <p:sldId id="454" r:id="rId9"/>
-    <p:sldId id="451" r:id="rId10"/>
-    <p:sldId id="530" r:id="rId11"/>
-    <p:sldId id="533" r:id="rId12"/>
-    <p:sldId id="531" r:id="rId13"/>
-    <p:sldId id="532" r:id="rId14"/>
-    <p:sldId id="534" r:id="rId15"/>
-    <p:sldId id="487" r:id="rId16"/>
-    <p:sldId id="526" r:id="rId17"/>
-    <p:sldId id="448" r:id="rId18"/>
+    <p:sldId id="535" r:id="rId7"/>
+    <p:sldId id="449" r:id="rId8"/>
+    <p:sldId id="529" r:id="rId9"/>
+    <p:sldId id="454" r:id="rId10"/>
+    <p:sldId id="451" r:id="rId11"/>
+    <p:sldId id="530" r:id="rId12"/>
+    <p:sldId id="533" r:id="rId13"/>
+    <p:sldId id="537" r:id="rId14"/>
+    <p:sldId id="531" r:id="rId15"/>
+    <p:sldId id="532" r:id="rId16"/>
+    <p:sldId id="534" r:id="rId17"/>
+    <p:sldId id="487" r:id="rId18"/>
+    <p:sldId id="538" r:id="rId19"/>
+    <p:sldId id="539" r:id="rId20"/>
+    <p:sldId id="540" r:id="rId21"/>
+    <p:sldId id="536" r:id="rId22"/>
+    <p:sldId id="526" r:id="rId23"/>
+    <p:sldId id="541" r:id="rId24"/>
+    <p:sldId id="542" r:id="rId25"/>
+    <p:sldId id="543" r:id="rId26"/>
+    <p:sldId id="544" r:id="rId27"/>
+    <p:sldId id="545" r:id="rId28"/>
+    <p:sldId id="546" r:id="rId29"/>
+    <p:sldId id="547" r:id="rId30"/>
+    <p:sldId id="548" r:id="rId31"/>
+    <p:sldId id="448" r:id="rId32"/>
   </p:sldIdLst>
   <p:sldSz cx="9144000" cy="5143500" type="screen16x9"/>
   <p:notesSz cx="6858000" cy="9144000"/>
@@ -13443,6 +13457,561 @@
           <p:cNvPr id="4" name="標題 3">
             <a:extLst>
               <a:ext uri="{FF2B5EF4-FFF2-40B4-BE49-F238E27FC236}">
+                <a16:creationId xmlns:a16="http://schemas.microsoft.com/office/drawing/2014/main" id="{DD5C6D7E-CC73-47D5-8062-105C489541F2}"/>
+              </a:ext>
+            </a:extLst>
+          </p:cNvPr>
+          <p:cNvSpPr>
+            <a:spLocks noGrp="1"/>
+          </p:cNvSpPr>
+          <p:nvPr>
+            <p:ph type="title"/>
+          </p:nvPr>
+        </p:nvSpPr>
+        <p:spPr/>
+        <p:txBody>
+          <a:bodyPr/>
+          <a:lstStyle/>
+          <a:p>
+            <a:r>
+              <a:rPr lang="en-US" dirty="0"/>
+              <a:t>Rabbit MQ: Queue + Exchange</a:t>
+            </a:r>
+          </a:p>
+        </p:txBody>
+      </p:sp>
+      <p:pic>
+        <p:nvPicPr>
+          <p:cNvPr id="6" name="圖片 5">
+            <a:extLst>
+              <a:ext uri="{FF2B5EF4-FFF2-40B4-BE49-F238E27FC236}">
+                <a16:creationId xmlns:a16="http://schemas.microsoft.com/office/drawing/2014/main" id="{98FFE9DC-4AA4-4387-A932-D33E9B5C2189}"/>
+              </a:ext>
+            </a:extLst>
+          </p:cNvPr>
+          <p:cNvPicPr>
+            <a:picLocks noChangeAspect="1"/>
+          </p:cNvPicPr>
+          <p:nvPr/>
+        </p:nvPicPr>
+        <p:blipFill rotWithShape="1">
+          <a:blip r:embed="rId2"/>
+          <a:srcRect t="13518"/>
+          <a:stretch/>
+        </p:blipFill>
+        <p:spPr>
+          <a:xfrm>
+            <a:off x="359665" y="1237488"/>
+            <a:ext cx="8229600" cy="2036208"/>
+          </a:xfrm>
+          <a:prstGeom prst="rect">
+            <a:avLst/>
+          </a:prstGeom>
+        </p:spPr>
+      </p:pic>
+      <p:pic>
+        <p:nvPicPr>
+          <p:cNvPr id="7" name="圖片 6">
+            <a:extLst>
+              <a:ext uri="{FF2B5EF4-FFF2-40B4-BE49-F238E27FC236}">
+                <a16:creationId xmlns:a16="http://schemas.microsoft.com/office/drawing/2014/main" id="{AFCBD874-D431-48C0-9305-A71286C61C50}"/>
+              </a:ext>
+            </a:extLst>
+          </p:cNvPr>
+          <p:cNvPicPr>
+            <a:picLocks noChangeAspect="1"/>
+          </p:cNvPicPr>
+          <p:nvPr/>
+        </p:nvPicPr>
+        <p:blipFill>
+          <a:blip r:embed="rId3"/>
+          <a:stretch>
+            <a:fillRect/>
+          </a:stretch>
+        </p:blipFill>
+        <p:spPr>
+          <a:xfrm>
+            <a:off x="488219" y="3036463"/>
+            <a:ext cx="7942549" cy="1687699"/>
+          </a:xfrm>
+          <a:prstGeom prst="rect">
+            <a:avLst/>
+          </a:prstGeom>
+        </p:spPr>
+      </p:pic>
+      <p:sp>
+        <p:nvSpPr>
+          <p:cNvPr id="8" name="矩形 7">
+            <a:extLst>
+              <a:ext uri="{FF2B5EF4-FFF2-40B4-BE49-F238E27FC236}">
+                <a16:creationId xmlns:a16="http://schemas.microsoft.com/office/drawing/2014/main" id="{11B17364-DE21-4CE1-B126-98C0D449A7AF}"/>
+              </a:ext>
+            </a:extLst>
+          </p:cNvPr>
+          <p:cNvSpPr/>
+          <p:nvPr/>
+        </p:nvSpPr>
+        <p:spPr bwMode="auto">
+          <a:xfrm>
+            <a:off x="3178089" y="1237488"/>
+            <a:ext cx="2582632" cy="1786128"/>
+          </a:xfrm>
+          <a:prstGeom prst="rect">
+            <a:avLst/>
+          </a:prstGeom>
+          <a:noFill/>
+          <a:ln w="76200">
+            <a:solidFill>
+              <a:srgbClr val="FF0000"/>
+            </a:solidFill>
+            <a:headEnd type="none" w="med" len="med"/>
+            <a:tailEnd type="none" w="med" len="med"/>
+          </a:ln>
+          <a:effectLst/>
+        </p:spPr>
+        <p:style>
+          <a:lnRef idx="1">
+            <a:schemeClr val="accent2"/>
+          </a:lnRef>
+          <a:fillRef idx="3">
+            <a:schemeClr val="accent2"/>
+          </a:fillRef>
+          <a:effectRef idx="2">
+            <a:schemeClr val="accent2"/>
+          </a:effectRef>
+          <a:fontRef idx="minor">
+            <a:schemeClr val="lt1"/>
+          </a:fontRef>
+        </p:style>
+        <p:txBody>
+          <a:bodyPr rot="0" spcFirstLastPara="0" vertOverflow="overflow" horzOverflow="overflow" vert="horz" wrap="square" lIns="182880" tIns="146304" rIns="182880" bIns="146304" numCol="1" spcCol="0" rtlCol="0" fromWordArt="0" anchor="t" anchorCtr="0" forceAA="0" compatLnSpc="1">
+            <a:prstTxWarp prst="textNoShape">
+              <a:avLst/>
+            </a:prstTxWarp>
+            <a:noAutofit/>
+          </a:bodyPr>
+          <a:lstStyle/>
+          <a:p>
+            <a:pPr algn="ctr" defTabSz="932472" fontAlgn="base">
+              <a:lnSpc>
+                <a:spcPct val="90000"/>
+              </a:lnSpc>
+              <a:spcBef>
+                <a:spcPct val="0"/>
+              </a:spcBef>
+              <a:spcAft>
+                <a:spcPct val="0"/>
+              </a:spcAft>
+            </a:pPr>
+            <a:endParaRPr lang="zh-TW" altLang="en-US" sz="2400" dirty="0" err="1">
+              <a:gradFill>
+                <a:gsLst>
+                  <a:gs pos="0">
+                    <a:srgbClr val="FFFFFF"/>
+                  </a:gs>
+                  <a:gs pos="100000">
+                    <a:srgbClr val="FFFFFF"/>
+                  </a:gs>
+                </a:gsLst>
+                <a:lin ang="5400000" scaled="0"/>
+              </a:gradFill>
+              <a:ea typeface="Segoe UI" pitchFamily="34" charset="0"/>
+              <a:cs typeface="Segoe UI" pitchFamily="34" charset="0"/>
+            </a:endParaRPr>
+          </a:p>
+        </p:txBody>
+      </p:sp>
+      <p:sp>
+        <p:nvSpPr>
+          <p:cNvPr id="9" name="矩形 8">
+            <a:extLst>
+              <a:ext uri="{FF2B5EF4-FFF2-40B4-BE49-F238E27FC236}">
+                <a16:creationId xmlns:a16="http://schemas.microsoft.com/office/drawing/2014/main" id="{A90AE743-7AD4-4D43-B262-64CF29B78FF4}"/>
+              </a:ext>
+            </a:extLst>
+          </p:cNvPr>
+          <p:cNvSpPr/>
+          <p:nvPr/>
+        </p:nvSpPr>
+        <p:spPr bwMode="auto">
+          <a:xfrm>
+            <a:off x="5874190" y="3011568"/>
+            <a:ext cx="2587598" cy="1662869"/>
+          </a:xfrm>
+          <a:prstGeom prst="rect">
+            <a:avLst/>
+          </a:prstGeom>
+          <a:noFill/>
+          <a:ln w="76200">
+            <a:solidFill>
+              <a:srgbClr val="FF0000"/>
+            </a:solidFill>
+            <a:headEnd type="none" w="med" len="med"/>
+            <a:tailEnd type="none" w="med" len="med"/>
+          </a:ln>
+          <a:effectLst/>
+        </p:spPr>
+        <p:style>
+          <a:lnRef idx="1">
+            <a:schemeClr val="accent2"/>
+          </a:lnRef>
+          <a:fillRef idx="3">
+            <a:schemeClr val="accent2"/>
+          </a:fillRef>
+          <a:effectRef idx="2">
+            <a:schemeClr val="accent2"/>
+          </a:effectRef>
+          <a:fontRef idx="minor">
+            <a:schemeClr val="lt1"/>
+          </a:fontRef>
+        </p:style>
+        <p:txBody>
+          <a:bodyPr rot="0" spcFirstLastPara="0" vertOverflow="overflow" horzOverflow="overflow" vert="horz" wrap="square" lIns="182880" tIns="146304" rIns="182880" bIns="146304" numCol="1" spcCol="0" rtlCol="0" fromWordArt="0" anchor="t" anchorCtr="0" forceAA="0" compatLnSpc="1">
+            <a:prstTxWarp prst="textNoShape">
+              <a:avLst/>
+            </a:prstTxWarp>
+            <a:noAutofit/>
+          </a:bodyPr>
+          <a:lstStyle/>
+          <a:p>
+            <a:pPr algn="ctr" defTabSz="932472" fontAlgn="base">
+              <a:lnSpc>
+                <a:spcPct val="90000"/>
+              </a:lnSpc>
+              <a:spcBef>
+                <a:spcPct val="0"/>
+              </a:spcBef>
+              <a:spcAft>
+                <a:spcPct val="0"/>
+              </a:spcAft>
+            </a:pPr>
+            <a:endParaRPr lang="zh-TW" altLang="en-US" sz="2400" dirty="0" err="1">
+              <a:gradFill>
+                <a:gsLst>
+                  <a:gs pos="0">
+                    <a:srgbClr val="FFFFFF"/>
+                  </a:gs>
+                  <a:gs pos="100000">
+                    <a:srgbClr val="FFFFFF"/>
+                  </a:gs>
+                </a:gsLst>
+                <a:lin ang="5400000" scaled="0"/>
+              </a:gradFill>
+              <a:ea typeface="Segoe UI" pitchFamily="34" charset="0"/>
+              <a:cs typeface="Segoe UI" pitchFamily="34" charset="0"/>
+            </a:endParaRPr>
+          </a:p>
+        </p:txBody>
+      </p:sp>
+      <p:sp>
+        <p:nvSpPr>
+          <p:cNvPr id="10" name="矩形 9">
+            <a:extLst>
+              <a:ext uri="{FF2B5EF4-FFF2-40B4-BE49-F238E27FC236}">
+                <a16:creationId xmlns:a16="http://schemas.microsoft.com/office/drawing/2014/main" id="{8C9CBCA8-5284-4970-816F-7A60BD3D4D0D}"/>
+              </a:ext>
+            </a:extLst>
+          </p:cNvPr>
+          <p:cNvSpPr/>
+          <p:nvPr/>
+        </p:nvSpPr>
+        <p:spPr>
+          <a:xfrm>
+            <a:off x="409044" y="4674437"/>
+            <a:ext cx="4456476" cy="646331"/>
+          </a:xfrm>
+          <a:prstGeom prst="rect">
+            <a:avLst/>
+          </a:prstGeom>
+        </p:spPr>
+        <p:txBody>
+          <a:bodyPr wrap="none">
+            <a:spAutoFit/>
+          </a:bodyPr>
+          <a:lstStyle/>
+          <a:p>
+            <a:r>
+              <a:rPr lang="zh-TW" altLang="en-US" dirty="0">
+                <a:hlinkClick r:id="rId4"/>
+              </a:rPr>
+              <a:t>http://www.rabbitmq.com/getstarted.html</a:t>
+            </a:r>
+            <a:endParaRPr lang="en-US" altLang="zh-TW" dirty="0"/>
+          </a:p>
+          <a:p>
+            <a:endParaRPr lang="zh-TW" altLang="en-US" dirty="0"/>
+          </a:p>
+        </p:txBody>
+      </p:sp>
+    </p:spTree>
+    <p:extLst>
+      <p:ext uri="{BB962C8B-B14F-4D97-AF65-F5344CB8AC3E}">
+        <p14:creationId xmlns:p14="http://schemas.microsoft.com/office/powerpoint/2010/main" val="1787472997"/>
+      </p:ext>
+    </p:extLst>
+  </p:cSld>
+  <p:clrMapOvr>
+    <a:masterClrMapping/>
+  </p:clrMapOvr>
+  <p:timing>
+    <p:tnLst>
+      <p:par>
+        <p:cTn id="1" dur="indefinite" restart="never" nodeType="tmRoot">
+          <p:childTnLst>
+            <p:seq concurrent="1" nextAc="seek">
+              <p:cTn id="2" dur="indefinite" nodeType="mainSeq">
+                <p:childTnLst>
+                  <p:par>
+                    <p:cTn id="3" fill="hold">
+                      <p:stCondLst>
+                        <p:cond delay="indefinite"/>
+                      </p:stCondLst>
+                      <p:childTnLst>
+                        <p:par>
+                          <p:cTn id="4" fill="hold">
+                            <p:stCondLst>
+                              <p:cond delay="0"/>
+                            </p:stCondLst>
+                            <p:childTnLst>
+                              <p:par>
+                                <p:cTn id="5" presetID="10" presetClass="entr" presetSubtype="0" fill="hold" grpId="0" nodeType="clickEffect">
+                                  <p:stCondLst>
+                                    <p:cond delay="0"/>
+                                  </p:stCondLst>
+                                  <p:childTnLst>
+                                    <p:set>
+                                      <p:cBhvr>
+                                        <p:cTn id="6" dur="1" fill="hold">
+                                          <p:stCondLst>
+                                            <p:cond delay="0"/>
+                                          </p:stCondLst>
+                                        </p:cTn>
+                                        <p:tgtEl>
+                                          <p:spTgt spid="8"/>
+                                        </p:tgtEl>
+                                        <p:attrNameLst>
+                                          <p:attrName>style.visibility</p:attrName>
+                                        </p:attrNameLst>
+                                      </p:cBhvr>
+                                      <p:to>
+                                        <p:strVal val="visible"/>
+                                      </p:to>
+                                    </p:set>
+                                    <p:animEffect transition="in" filter="fade">
+                                      <p:cBhvr>
+                                        <p:cTn id="7" dur="500"/>
+                                        <p:tgtEl>
+                                          <p:spTgt spid="8"/>
+                                        </p:tgtEl>
+                                      </p:cBhvr>
+                                    </p:animEffect>
+                                  </p:childTnLst>
+                                </p:cTn>
+                              </p:par>
+                            </p:childTnLst>
+                          </p:cTn>
+                        </p:par>
+                      </p:childTnLst>
+                    </p:cTn>
+                  </p:par>
+                  <p:par>
+                    <p:cTn id="8" fill="hold">
+                      <p:stCondLst>
+                        <p:cond delay="indefinite"/>
+                      </p:stCondLst>
+                      <p:childTnLst>
+                        <p:par>
+                          <p:cTn id="9" fill="hold">
+                            <p:stCondLst>
+                              <p:cond delay="0"/>
+                            </p:stCondLst>
+                            <p:childTnLst>
+                              <p:par>
+                                <p:cTn id="10" presetID="10" presetClass="entr" presetSubtype="0" fill="hold" grpId="0" nodeType="clickEffect">
+                                  <p:stCondLst>
+                                    <p:cond delay="0"/>
+                                  </p:stCondLst>
+                                  <p:childTnLst>
+                                    <p:set>
+                                      <p:cBhvr>
+                                        <p:cTn id="11" dur="1" fill="hold">
+                                          <p:stCondLst>
+                                            <p:cond delay="0"/>
+                                          </p:stCondLst>
+                                        </p:cTn>
+                                        <p:tgtEl>
+                                          <p:spTgt spid="9"/>
+                                        </p:tgtEl>
+                                        <p:attrNameLst>
+                                          <p:attrName>style.visibility</p:attrName>
+                                        </p:attrNameLst>
+                                      </p:cBhvr>
+                                      <p:to>
+                                        <p:strVal val="visible"/>
+                                      </p:to>
+                                    </p:set>
+                                    <p:animEffect transition="in" filter="fade">
+                                      <p:cBhvr>
+                                        <p:cTn id="12" dur="500"/>
+                                        <p:tgtEl>
+                                          <p:spTgt spid="9"/>
+                                        </p:tgtEl>
+                                      </p:cBhvr>
+                                    </p:animEffect>
+                                  </p:childTnLst>
+                                </p:cTn>
+                              </p:par>
+                            </p:childTnLst>
+                          </p:cTn>
+                        </p:par>
+                      </p:childTnLst>
+                    </p:cTn>
+                  </p:par>
+                </p:childTnLst>
+              </p:cTn>
+              <p:prevCondLst>
+                <p:cond evt="onPrev" delay="0">
+                  <p:tgtEl>
+                    <p:sldTgt/>
+                  </p:tgtEl>
+                </p:cond>
+              </p:prevCondLst>
+              <p:nextCondLst>
+                <p:cond evt="onNext" delay="0">
+                  <p:tgtEl>
+                    <p:sldTgt/>
+                  </p:tgtEl>
+                </p:cond>
+              </p:nextCondLst>
+            </p:seq>
+          </p:childTnLst>
+        </p:cTn>
+      </p:par>
+    </p:tnLst>
+    <p:bldLst>
+      <p:bldP spid="8" grpId="0" animBg="1"/>
+      <p:bldP spid="9" grpId="0" animBg="1"/>
+    </p:bldLst>
+  </p:timing>
+</p:sld>
+</file>
+
+<file path=ppt/slides/slide11.xml><?xml version="1.0" encoding="utf-8"?>
+<p:sld xmlns:a="http://schemas.openxmlformats.org/drawingml/2006/main" xmlns:r="http://schemas.openxmlformats.org/officeDocument/2006/relationships" xmlns:p="http://schemas.openxmlformats.org/presentationml/2006/main">
+  <p:cSld>
+    <p:spTree>
+      <p:nvGrpSpPr>
+        <p:cNvPr id="1" name=""/>
+        <p:cNvGrpSpPr/>
+        <p:nvPr/>
+      </p:nvGrpSpPr>
+      <p:grpSpPr>
+        <a:xfrm>
+          <a:off x="0" y="0"/>
+          <a:ext cx="0" cy="0"/>
+          <a:chOff x="0" y="0"/>
+          <a:chExt cx="0" cy="0"/>
+        </a:xfrm>
+      </p:grpSpPr>
+      <p:sp>
+        <p:nvSpPr>
+          <p:cNvPr id="6" name="標題 5">
+            <a:extLst>
+              <a:ext uri="{FF2B5EF4-FFF2-40B4-BE49-F238E27FC236}">
+                <a16:creationId xmlns:a16="http://schemas.microsoft.com/office/drawing/2014/main" id="{209013C9-A701-4B95-BA07-10C354A62A7E}"/>
+              </a:ext>
+            </a:extLst>
+          </p:cNvPr>
+          <p:cNvSpPr>
+            <a:spLocks noGrp="1"/>
+          </p:cNvSpPr>
+          <p:nvPr>
+            <p:ph type="ctrTitle"/>
+          </p:nvPr>
+        </p:nvSpPr>
+        <p:spPr/>
+        <p:txBody>
+          <a:bodyPr/>
+          <a:lstStyle/>
+          <a:p>
+            <a:br>
+              <a:rPr lang="en-US" dirty="0"/>
+            </a:br>
+            <a:r>
+              <a:rPr lang="en-US" dirty="0"/>
+              <a:t>DEMO</a:t>
+            </a:r>
+          </a:p>
+        </p:txBody>
+      </p:sp>
+      <p:sp>
+        <p:nvSpPr>
+          <p:cNvPr id="7" name="副標題 6">
+            <a:extLst>
+              <a:ext uri="{FF2B5EF4-FFF2-40B4-BE49-F238E27FC236}">
+                <a16:creationId xmlns:a16="http://schemas.microsoft.com/office/drawing/2014/main" id="{21967A67-66D2-4776-AB17-A2B292A73915}"/>
+              </a:ext>
+            </a:extLst>
+          </p:cNvPr>
+          <p:cNvSpPr>
+            <a:spLocks noGrp="1"/>
+          </p:cNvSpPr>
+          <p:nvPr>
+            <p:ph type="subTitle" idx="1"/>
+          </p:nvPr>
+        </p:nvSpPr>
+        <p:spPr>
+          <a:xfrm>
+            <a:off x="457199" y="3716392"/>
+            <a:ext cx="8466881" cy="1232700"/>
+          </a:xfrm>
+        </p:spPr>
+        <p:txBody>
+          <a:bodyPr/>
+          <a:lstStyle/>
+          <a:p>
+            <a:r>
+              <a:rPr lang="en-US" dirty="0"/>
+              <a:t>NineYi.Msa.Infra.Messaging.*</a:t>
+            </a:r>
+          </a:p>
+        </p:txBody>
+      </p:sp>
+    </p:spTree>
+    <p:extLst>
+      <p:ext uri="{BB962C8B-B14F-4D97-AF65-F5344CB8AC3E}">
+        <p14:creationId xmlns:p14="http://schemas.microsoft.com/office/powerpoint/2010/main" val="3269030266"/>
+      </p:ext>
+    </p:extLst>
+  </p:cSld>
+  <p:clrMapOvr>
+    <a:masterClrMapping/>
+  </p:clrMapOvr>
+</p:sld>
+</file>
+
+<file path=ppt/slides/slide12.xml><?xml version="1.0" encoding="utf-8"?>
+<p:sld xmlns:a="http://schemas.openxmlformats.org/drawingml/2006/main" xmlns:r="http://schemas.openxmlformats.org/officeDocument/2006/relationships" xmlns:p="http://schemas.openxmlformats.org/presentationml/2006/main">
+  <p:cSld>
+    <p:spTree>
+      <p:nvGrpSpPr>
+        <p:cNvPr id="1" name=""/>
+        <p:cNvGrpSpPr/>
+        <p:nvPr/>
+      </p:nvGrpSpPr>
+      <p:grpSpPr>
+        <a:xfrm>
+          <a:off x="0" y="0"/>
+          <a:ext cx="0" cy="0"/>
+          <a:chOff x="0" y="0"/>
+          <a:chExt cx="0" cy="0"/>
+        </a:xfrm>
+      </p:grpSpPr>
+      <p:sp>
+        <p:nvSpPr>
+          <p:cNvPr id="4" name="標題 3">
+            <a:extLst>
+              <a:ext uri="{FF2B5EF4-FFF2-40B4-BE49-F238E27FC236}">
                 <a16:creationId xmlns:a16="http://schemas.microsoft.com/office/drawing/2014/main" id="{6D98F28D-FEEC-40F1-A296-234EE77A4338}"/>
               </a:ext>
             </a:extLst>
@@ -13976,7 +14545,7 @@
 </p:sld>
 </file>
 
-<file path=ppt/slides/slide11.xml><?xml version="1.0" encoding="utf-8"?>
+<file path=ppt/slides/slide13.xml><?xml version="1.0" encoding="utf-8"?>
 <p:sld xmlns:a="http://schemas.openxmlformats.org/drawingml/2006/main" xmlns:r="http://schemas.openxmlformats.org/officeDocument/2006/relationships" xmlns:p="http://schemas.openxmlformats.org/presentationml/2006/main">
   <p:cSld>
     <p:spTree>
@@ -14944,7 +15513,7 @@
 </p:sld>
 </file>
 
-<file path=ppt/slides/slide12.xml><?xml version="1.0" encoding="utf-8"?>
+<file path=ppt/slides/slide14.xml><?xml version="1.0" encoding="utf-8"?>
 <p:sld xmlns:a="http://schemas.openxmlformats.org/drawingml/2006/main" xmlns:r="http://schemas.openxmlformats.org/officeDocument/2006/relationships" xmlns:p="http://schemas.openxmlformats.org/presentationml/2006/main">
   <p:cSld>
     <p:spTree>
@@ -15099,7 +15668,7 @@
 </p:sld>
 </file>
 
-<file path=ppt/slides/slide13.xml><?xml version="1.0" encoding="utf-8"?>
+<file path=ppt/slides/slide15.xml><?xml version="1.0" encoding="utf-8"?>
 <p:sld xmlns:a="http://schemas.openxmlformats.org/drawingml/2006/main" xmlns:r="http://schemas.openxmlformats.org/officeDocument/2006/relationships" xmlns:p="http://schemas.openxmlformats.org/presentationml/2006/main">
   <p:cSld>
     <p:spTree>
@@ -15118,6 +15687,435 @@
       </p:grpSpPr>
       <p:sp>
         <p:nvSpPr>
+          <p:cNvPr id="2" name="標題 1">
+            <a:extLst>
+              <a:ext uri="{FF2B5EF4-FFF2-40B4-BE49-F238E27FC236}">
+                <a16:creationId xmlns:a16="http://schemas.microsoft.com/office/drawing/2014/main" id="{F6894B35-80BD-4F9E-949A-C3552FCE3600}"/>
+              </a:ext>
+            </a:extLst>
+          </p:cNvPr>
+          <p:cNvSpPr>
+            <a:spLocks noGrp="1"/>
+          </p:cNvSpPr>
+          <p:nvPr>
+            <p:ph type="ctrTitle"/>
+          </p:nvPr>
+        </p:nvSpPr>
+        <p:spPr/>
+        <p:txBody>
+          <a:bodyPr/>
+          <a:lstStyle/>
+          <a:p>
+            <a:r>
+              <a:rPr lang="en-US" dirty="0"/>
+              <a:t>DEMO #1</a:t>
+            </a:r>
+          </a:p>
+        </p:txBody>
+      </p:sp>
+      <p:sp>
+        <p:nvSpPr>
+          <p:cNvPr id="3" name="副標題 2">
+            <a:extLst>
+              <a:ext uri="{FF2B5EF4-FFF2-40B4-BE49-F238E27FC236}">
+                <a16:creationId xmlns:a16="http://schemas.microsoft.com/office/drawing/2014/main" id="{CE225EF1-321E-4D8A-88DA-AD5050A426C9}"/>
+              </a:ext>
+            </a:extLst>
+          </p:cNvPr>
+          <p:cNvSpPr>
+            <a:spLocks noGrp="1"/>
+          </p:cNvSpPr>
+          <p:nvPr>
+            <p:ph type="subTitle" idx="1"/>
+          </p:nvPr>
+        </p:nvSpPr>
+        <p:spPr/>
+        <p:txBody>
+          <a:bodyPr/>
+          <a:lstStyle/>
+          <a:p>
+            <a:r>
+              <a:rPr lang="en-US" dirty="0"/>
+              <a:t>Basic Work Queue(s)</a:t>
+            </a:r>
+          </a:p>
+        </p:txBody>
+      </p:sp>
+      <p:pic>
+        <p:nvPicPr>
+          <p:cNvPr id="4098" name="Picture 2" descr="http://www.rabbitmq.com/img/tutorials/python-two.png">
+            <a:extLst>
+              <a:ext uri="{FF2B5EF4-FFF2-40B4-BE49-F238E27FC236}">
+                <a16:creationId xmlns:a16="http://schemas.microsoft.com/office/drawing/2014/main" id="{EA77453D-1C49-48D7-8A2A-5463D383303B}"/>
+              </a:ext>
+            </a:extLst>
+          </p:cNvPr>
+          <p:cNvPicPr>
+            <a:picLocks noChangeAspect="1" noChangeArrowheads="1"/>
+          </p:cNvPicPr>
+          <p:nvPr/>
+        </p:nvPicPr>
+        <p:blipFill>
+          <a:blip r:embed="rId2">
+            <a:extLst>
+              <a:ext uri="{28A0092B-C50C-407E-A947-70E740481C1C}">
+                <a14:useLocalDpi xmlns:a14="http://schemas.microsoft.com/office/drawing/2010/main" val="0"/>
+              </a:ext>
+            </a:extLst>
+          </a:blip>
+          <a:srcRect/>
+          <a:stretch>
+            <a:fillRect/>
+          </a:stretch>
+        </p:blipFill>
+        <p:spPr bwMode="auto">
+          <a:xfrm>
+            <a:off x="4154029" y="1572768"/>
+            <a:ext cx="4467418" cy="1796387"/>
+          </a:xfrm>
+          <a:prstGeom prst="rect">
+            <a:avLst/>
+          </a:prstGeom>
+          <a:noFill/>
+          <a:extLst>
+            <a:ext uri="{909E8E84-426E-40DD-AFC4-6F175D3DCCD1}">
+              <a14:hiddenFill xmlns:a14="http://schemas.microsoft.com/office/drawing/2010/main">
+                <a:solidFill>
+                  <a:srgbClr val="FFFFFF"/>
+                </a:solidFill>
+              </a14:hiddenFill>
+            </a:ext>
+          </a:extLst>
+        </p:spPr>
+      </p:pic>
+    </p:spTree>
+    <p:extLst>
+      <p:ext uri="{BB962C8B-B14F-4D97-AF65-F5344CB8AC3E}">
+        <p14:creationId xmlns:p14="http://schemas.microsoft.com/office/powerpoint/2010/main" val="1857934745"/>
+      </p:ext>
+    </p:extLst>
+  </p:cSld>
+  <p:clrMapOvr>
+    <a:masterClrMapping/>
+  </p:clrMapOvr>
+</p:sld>
+</file>
+
+<file path=ppt/slides/slide16.xml><?xml version="1.0" encoding="utf-8"?>
+<p:sld xmlns:a="http://schemas.openxmlformats.org/drawingml/2006/main" xmlns:r="http://schemas.openxmlformats.org/officeDocument/2006/relationships" xmlns:p="http://schemas.openxmlformats.org/presentationml/2006/main">
+  <p:cSld>
+    <p:spTree>
+      <p:nvGrpSpPr>
+        <p:cNvPr id="1" name=""/>
+        <p:cNvGrpSpPr/>
+        <p:nvPr/>
+      </p:nvGrpSpPr>
+      <p:grpSpPr>
+        <a:xfrm>
+          <a:off x="0" y="0"/>
+          <a:ext cx="0" cy="0"/>
+          <a:chOff x="0" y="0"/>
+          <a:chExt cx="0" cy="0"/>
+        </a:xfrm>
+      </p:grpSpPr>
+      <p:sp>
+        <p:nvSpPr>
+          <p:cNvPr id="2" name="標題 1">
+            <a:extLst>
+              <a:ext uri="{FF2B5EF4-FFF2-40B4-BE49-F238E27FC236}">
+                <a16:creationId xmlns:a16="http://schemas.microsoft.com/office/drawing/2014/main" id="{F6894B35-80BD-4F9E-949A-C3552FCE3600}"/>
+              </a:ext>
+            </a:extLst>
+          </p:cNvPr>
+          <p:cNvSpPr>
+            <a:spLocks noGrp="1"/>
+          </p:cNvSpPr>
+          <p:nvPr>
+            <p:ph type="ctrTitle"/>
+          </p:nvPr>
+        </p:nvSpPr>
+        <p:spPr/>
+        <p:txBody>
+          <a:bodyPr/>
+          <a:lstStyle/>
+          <a:p>
+            <a:r>
+              <a:rPr lang="en-US" dirty="0"/>
+              <a:t>DEMO #2</a:t>
+            </a:r>
+          </a:p>
+        </p:txBody>
+      </p:sp>
+      <p:sp>
+        <p:nvSpPr>
+          <p:cNvPr id="3" name="副標題 2">
+            <a:extLst>
+              <a:ext uri="{FF2B5EF4-FFF2-40B4-BE49-F238E27FC236}">
+                <a16:creationId xmlns:a16="http://schemas.microsoft.com/office/drawing/2014/main" id="{CE225EF1-321E-4D8A-88DA-AD5050A426C9}"/>
+              </a:ext>
+            </a:extLst>
+          </p:cNvPr>
+          <p:cNvSpPr>
+            <a:spLocks noGrp="1"/>
+          </p:cNvSpPr>
+          <p:nvPr>
+            <p:ph type="subTitle" idx="1"/>
+          </p:nvPr>
+        </p:nvSpPr>
+        <p:spPr/>
+        <p:txBody>
+          <a:bodyPr/>
+          <a:lstStyle/>
+          <a:p>
+            <a:r>
+              <a:rPr lang="en-US" dirty="0"/>
+              <a:t>Exchange Usage: Topic</a:t>
+            </a:r>
+          </a:p>
+        </p:txBody>
+      </p:sp>
+      <p:pic>
+        <p:nvPicPr>
+          <p:cNvPr id="5122" name="Picture 2" descr="http://www.rabbitmq.com/img/tutorials/python-five.png">
+            <a:extLst>
+              <a:ext uri="{FF2B5EF4-FFF2-40B4-BE49-F238E27FC236}">
+                <a16:creationId xmlns:a16="http://schemas.microsoft.com/office/drawing/2014/main" id="{67F989CC-3BF3-4137-B1DF-03E479971821}"/>
+              </a:ext>
+            </a:extLst>
+          </p:cNvPr>
+          <p:cNvPicPr>
+            <a:picLocks noChangeAspect="1" noChangeArrowheads="1"/>
+          </p:cNvPicPr>
+          <p:nvPr/>
+        </p:nvPicPr>
+        <p:blipFill>
+          <a:blip r:embed="rId2">
+            <a:extLst>
+              <a:ext uri="{28A0092B-C50C-407E-A947-70E740481C1C}">
+                <a14:useLocalDpi xmlns:a14="http://schemas.microsoft.com/office/drawing/2010/main" val="0"/>
+              </a:ext>
+            </a:extLst>
+          </a:blip>
+          <a:srcRect/>
+          <a:stretch>
+            <a:fillRect/>
+          </a:stretch>
+        </p:blipFill>
+        <p:spPr bwMode="auto">
+          <a:xfrm>
+            <a:off x="3901440" y="1496072"/>
+            <a:ext cx="4726840" cy="2151356"/>
+          </a:xfrm>
+          <a:prstGeom prst="rect">
+            <a:avLst/>
+          </a:prstGeom>
+          <a:noFill/>
+          <a:extLst>
+            <a:ext uri="{909E8E84-426E-40DD-AFC4-6F175D3DCCD1}">
+              <a14:hiddenFill xmlns:a14="http://schemas.microsoft.com/office/drawing/2010/main">
+                <a:solidFill>
+                  <a:srgbClr val="FFFFFF"/>
+                </a:solidFill>
+              </a14:hiddenFill>
+            </a:ext>
+          </a:extLst>
+        </p:spPr>
+      </p:pic>
+    </p:spTree>
+    <p:extLst>
+      <p:ext uri="{BB962C8B-B14F-4D97-AF65-F5344CB8AC3E}">
+        <p14:creationId xmlns:p14="http://schemas.microsoft.com/office/powerpoint/2010/main" val="3978282476"/>
+      </p:ext>
+    </p:extLst>
+  </p:cSld>
+  <p:clrMapOvr>
+    <a:masterClrMapping/>
+  </p:clrMapOvr>
+</p:sld>
+</file>
+
+<file path=ppt/slides/slide17.xml><?xml version="1.0" encoding="utf-8"?>
+<p:sld xmlns:a="http://schemas.openxmlformats.org/drawingml/2006/main" xmlns:r="http://schemas.openxmlformats.org/officeDocument/2006/relationships" xmlns:p="http://schemas.openxmlformats.org/presentationml/2006/main">
+  <p:cSld>
+    <p:spTree>
+      <p:nvGrpSpPr>
+        <p:cNvPr id="1" name=""/>
+        <p:cNvGrpSpPr/>
+        <p:nvPr/>
+      </p:nvGrpSpPr>
+      <p:grpSpPr>
+        <a:xfrm>
+          <a:off x="0" y="0"/>
+          <a:ext cx="0" cy="0"/>
+          <a:chOff x="0" y="0"/>
+          <a:chExt cx="0" cy="0"/>
+        </a:xfrm>
+      </p:grpSpPr>
+      <p:sp>
+        <p:nvSpPr>
+          <p:cNvPr id="2" name="標題 1">
+            <a:extLst>
+              <a:ext uri="{FF2B5EF4-FFF2-40B4-BE49-F238E27FC236}">
+                <a16:creationId xmlns:a16="http://schemas.microsoft.com/office/drawing/2014/main" id="{F6894B35-80BD-4F9E-949A-C3552FCE3600}"/>
+              </a:ext>
+            </a:extLst>
+          </p:cNvPr>
+          <p:cNvSpPr>
+            <a:spLocks noGrp="1"/>
+          </p:cNvSpPr>
+          <p:nvPr>
+            <p:ph type="ctrTitle"/>
+          </p:nvPr>
+        </p:nvSpPr>
+        <p:spPr/>
+        <p:txBody>
+          <a:bodyPr/>
+          <a:lstStyle/>
+          <a:p>
+            <a:r>
+              <a:rPr lang="en-US" dirty="0"/>
+              <a:t>DEMO #3</a:t>
+            </a:r>
+          </a:p>
+        </p:txBody>
+      </p:sp>
+      <p:sp>
+        <p:nvSpPr>
+          <p:cNvPr id="3" name="副標題 2">
+            <a:extLst>
+              <a:ext uri="{FF2B5EF4-FFF2-40B4-BE49-F238E27FC236}">
+                <a16:creationId xmlns:a16="http://schemas.microsoft.com/office/drawing/2014/main" id="{CE225EF1-321E-4D8A-88DA-AD5050A426C9}"/>
+              </a:ext>
+            </a:extLst>
+          </p:cNvPr>
+          <p:cNvSpPr>
+            <a:spLocks noGrp="1"/>
+          </p:cNvSpPr>
+          <p:nvPr>
+            <p:ph type="subTitle" idx="1"/>
+          </p:nvPr>
+        </p:nvSpPr>
+        <p:spPr/>
+        <p:txBody>
+          <a:bodyPr/>
+          <a:lstStyle/>
+          <a:p>
+            <a:r>
+              <a:rPr lang="en-US" dirty="0"/>
+              <a:t>RPC: Remote Procedure Call</a:t>
+            </a:r>
+          </a:p>
+        </p:txBody>
+      </p:sp>
+      <p:pic>
+        <p:nvPicPr>
+          <p:cNvPr id="6146" name="Picture 2" descr="http://www.rabbitmq.com/img/tutorials/python-six.png">
+            <a:extLst>
+              <a:ext uri="{FF2B5EF4-FFF2-40B4-BE49-F238E27FC236}">
+                <a16:creationId xmlns:a16="http://schemas.microsoft.com/office/drawing/2014/main" id="{653FF246-87CE-48DC-A865-A1A7AB4A6D3E}"/>
+              </a:ext>
+            </a:extLst>
+          </p:cNvPr>
+          <p:cNvPicPr>
+            <a:picLocks noChangeAspect="1" noChangeArrowheads="1"/>
+          </p:cNvPicPr>
+          <p:nvPr/>
+        </p:nvPicPr>
+        <p:blipFill>
+          <a:blip r:embed="rId2">
+            <a:extLst>
+              <a:ext uri="{28A0092B-C50C-407E-A947-70E740481C1C}">
+                <a14:useLocalDpi xmlns:a14="http://schemas.microsoft.com/office/drawing/2010/main" val="0"/>
+              </a:ext>
+            </a:extLst>
+          </a:blip>
+          <a:srcRect/>
+          <a:stretch>
+            <a:fillRect/>
+          </a:stretch>
+        </p:blipFill>
+        <p:spPr bwMode="auto">
+          <a:xfrm>
+            <a:off x="3200400" y="1267968"/>
+            <a:ext cx="5486400" cy="2256282"/>
+          </a:xfrm>
+          <a:prstGeom prst="rect">
+            <a:avLst/>
+          </a:prstGeom>
+          <a:noFill/>
+          <a:extLst>
+            <a:ext uri="{909E8E84-426E-40DD-AFC4-6F175D3DCCD1}">
+              <a14:hiddenFill xmlns:a14="http://schemas.microsoft.com/office/drawing/2010/main">
+                <a:solidFill>
+                  <a:srgbClr val="FFFFFF"/>
+                </a:solidFill>
+              </a14:hiddenFill>
+            </a:ext>
+          </a:extLst>
+        </p:spPr>
+      </p:pic>
+    </p:spTree>
+    <p:extLst>
+      <p:ext uri="{BB962C8B-B14F-4D97-AF65-F5344CB8AC3E}">
+        <p14:creationId xmlns:p14="http://schemas.microsoft.com/office/powerpoint/2010/main" val="2105443599"/>
+      </p:ext>
+    </p:extLst>
+  </p:cSld>
+  <p:clrMapOvr>
+    <a:masterClrMapping/>
+  </p:clrMapOvr>
+</p:sld>
+</file>
+
+<file path=ppt/slides/slide18.xml><?xml version="1.0" encoding="utf-8"?>
+<p:sld xmlns:a="http://schemas.openxmlformats.org/drawingml/2006/main" xmlns:r="http://schemas.openxmlformats.org/officeDocument/2006/relationships" xmlns:p="http://schemas.openxmlformats.org/presentationml/2006/main">
+  <p:cSld>
+    <p:spTree>
+      <p:nvGrpSpPr>
+        <p:cNvPr id="1" name=""/>
+        <p:cNvGrpSpPr/>
+        <p:nvPr/>
+      </p:nvGrpSpPr>
+      <p:grpSpPr>
+        <a:xfrm>
+          <a:off x="0" y="0"/>
+          <a:ext cx="0" cy="0"/>
+          <a:chOff x="0" y="0"/>
+          <a:chExt cx="0" cy="0"/>
+        </a:xfrm>
+      </p:grpSpPr>
+    </p:spTree>
+    <p:extLst>
+      <p:ext uri="{BB962C8B-B14F-4D97-AF65-F5344CB8AC3E}">
+        <p14:creationId xmlns:p14="http://schemas.microsoft.com/office/powerpoint/2010/main" val="2384992279"/>
+      </p:ext>
+    </p:extLst>
+  </p:cSld>
+  <p:clrMapOvr>
+    <a:masterClrMapping/>
+  </p:clrMapOvr>
+</p:sld>
+</file>
+
+<file path=ppt/slides/slide19.xml><?xml version="1.0" encoding="utf-8"?>
+<p:sld xmlns:a="http://schemas.openxmlformats.org/drawingml/2006/main" xmlns:r="http://schemas.openxmlformats.org/officeDocument/2006/relationships" xmlns:p="http://schemas.openxmlformats.org/presentationml/2006/main">
+  <p:cSld>
+    <p:spTree>
+      <p:nvGrpSpPr>
+        <p:cNvPr id="1" name=""/>
+        <p:cNvGrpSpPr/>
+        <p:nvPr/>
+      </p:nvGrpSpPr>
+      <p:grpSpPr>
+        <a:xfrm>
+          <a:off x="0" y="0"/>
+          <a:ext cx="0" cy="0"/>
+          <a:chOff x="0" y="0"/>
+          <a:chExt cx="0" cy="0"/>
+        </a:xfrm>
+      </p:grpSpPr>
+      <p:sp>
+        <p:nvSpPr>
           <p:cNvPr id="2" name="標題 1"/>
           <p:cNvSpPr>
             <a:spLocks noGrp="1"/>
@@ -15126,7 +16124,12 @@
             <p:ph type="ctrTitle"/>
           </p:nvPr>
         </p:nvSpPr>
-        <p:spPr/>
+        <p:spPr>
+          <a:xfrm>
+            <a:off x="256032" y="563760"/>
+            <a:ext cx="9009888" cy="3009600"/>
+          </a:xfrm>
+        </p:spPr>
         <p:txBody>
           <a:bodyPr/>
           <a:lstStyle/>
@@ -15134,13 +16137,22 @@
             <a:br>
               <a:rPr lang="en-US" dirty="0"/>
             </a:br>
-            <a:endParaRPr lang="en-US" dirty="0"/>
-          </a:p>
-        </p:txBody>
-      </p:sp>
-      <p:sp>
-        <p:nvSpPr>
-          <p:cNvPr id="3" name="副標題 2"/>
+            <a:r>
+              <a:rPr lang="en-US" dirty="0"/>
+              <a:t>Inside Messaging…</a:t>
+            </a:r>
+          </a:p>
+        </p:txBody>
+      </p:sp>
+      <p:sp>
+        <p:nvSpPr>
+          <p:cNvPr id="4" name="副標題 3">
+            <a:extLst>
+              <a:ext uri="{FF2B5EF4-FFF2-40B4-BE49-F238E27FC236}">
+                <a16:creationId xmlns:a16="http://schemas.microsoft.com/office/drawing/2014/main" id="{1CA1E6AA-536E-41E4-825D-C375FF8EB7B5}"/>
+              </a:ext>
+            </a:extLst>
+          </p:cNvPr>
           <p:cNvSpPr>
             <a:spLocks noGrp="1"/>
           </p:cNvSpPr>
@@ -15148,12 +16160,17 @@
             <p:ph type="subTitle" idx="1"/>
           </p:nvPr>
         </p:nvSpPr>
-        <p:spPr/>
+        <p:spPr>
+          <a:xfrm>
+            <a:off x="457200" y="3716392"/>
+            <a:ext cx="8229600" cy="1232700"/>
+          </a:xfrm>
+        </p:spPr>
         <p:txBody>
           <a:bodyPr/>
           <a:lstStyle/>
           <a:p>
-            <a:endParaRPr lang="en-US"/>
+            <a:endParaRPr lang="en-US" sz="4400" dirty="0"/>
           </a:p>
         </p:txBody>
       </p:sp>
@@ -15170,7 +16187,1062 @@
 </p:sld>
 </file>
 
-<file path=ppt/slides/slide14.xml><?xml version="1.0" encoding="utf-8"?>
+<file path=ppt/slides/slide2.xml><?xml version="1.0" encoding="utf-8"?>
+<p:sld xmlns:a="http://schemas.openxmlformats.org/drawingml/2006/main" xmlns:r="http://schemas.openxmlformats.org/officeDocument/2006/relationships" xmlns:p="http://schemas.openxmlformats.org/presentationml/2006/main">
+  <p:cSld>
+    <p:spTree>
+      <p:nvGrpSpPr>
+        <p:cNvPr id="1" name=""/>
+        <p:cNvGrpSpPr/>
+        <p:nvPr/>
+      </p:nvGrpSpPr>
+      <p:grpSpPr>
+        <a:xfrm>
+          <a:off x="0" y="0"/>
+          <a:ext cx="0" cy="0"/>
+          <a:chOff x="0" y="0"/>
+          <a:chExt cx="0" cy="0"/>
+        </a:xfrm>
+      </p:grpSpPr>
+      <p:sp>
+        <p:nvSpPr>
+          <p:cNvPr id="2" name="標題 1"/>
+          <p:cNvSpPr>
+            <a:spLocks noGrp="1"/>
+          </p:cNvSpPr>
+          <p:nvPr>
+            <p:ph type="title"/>
+          </p:nvPr>
+        </p:nvSpPr>
+        <p:spPr/>
+        <p:txBody>
+          <a:bodyPr/>
+          <a:lstStyle/>
+          <a:p>
+            <a:r>
+              <a:rPr lang="en-US" altLang="zh-TW" dirty="0"/>
+              <a:t>Andrew Wu</a:t>
+            </a:r>
+            <a:r>
+              <a:rPr lang="zh-TW" altLang="en-US" dirty="0"/>
+              <a:t> 是誰</a:t>
+            </a:r>
+            <a:r>
+              <a:rPr lang="en-US" altLang="zh-TW" dirty="0"/>
+              <a:t>?</a:t>
+            </a:r>
+            <a:endParaRPr lang="en-US" dirty="0"/>
+          </a:p>
+        </p:txBody>
+      </p:sp>
+      <p:sp>
+        <p:nvSpPr>
+          <p:cNvPr id="3" name="文字版面配置區 2"/>
+          <p:cNvSpPr>
+            <a:spLocks noGrp="1"/>
+          </p:cNvSpPr>
+          <p:nvPr>
+            <p:ph type="body" idx="1"/>
+          </p:nvPr>
+        </p:nvSpPr>
+        <p:spPr/>
+        <p:txBody>
+          <a:bodyPr/>
+          <a:lstStyle/>
+          <a:p>
+            <a:r>
+              <a:rPr lang="zh-TW" altLang="en-US" dirty="0"/>
+              <a:t>經歷</a:t>
+            </a:r>
+            <a:r>
+              <a:rPr lang="en-US" altLang="zh-TW" dirty="0"/>
+              <a:t>: 91APP, Chief Architect</a:t>
+            </a:r>
+          </a:p>
+          <a:p>
+            <a:pPr lvl="1"/>
+            <a:r>
+              <a:rPr lang="en-US" altLang="zh-TW" dirty="0"/>
+              <a:t>Microsoft MVP</a:t>
+            </a:r>
+          </a:p>
+          <a:p>
+            <a:pPr lvl="1"/>
+            <a:r>
+              <a:rPr lang="zh-TW" altLang="en-US" dirty="0"/>
+              <a:t>曾任</a:t>
+            </a:r>
+            <a:r>
+              <a:rPr lang="en-US" altLang="zh-TW" dirty="0"/>
+              <a:t>:</a:t>
+            </a:r>
+            <a:r>
+              <a:rPr lang="zh-TW" altLang="en-US" dirty="0"/>
+              <a:t> 一宇數位科技 技術長</a:t>
+            </a:r>
+            <a:endParaRPr lang="en-US" altLang="zh-TW" dirty="0"/>
+          </a:p>
+          <a:p>
+            <a:pPr lvl="1"/>
+            <a:r>
+              <a:rPr lang="zh-TW" altLang="en-US" dirty="0"/>
+              <a:t>資策會 雲端系列課程 </a:t>
+            </a:r>
+            <a:r>
+              <a:rPr lang="en-US" altLang="zh-TW" dirty="0"/>
+              <a:t>Azure PaaS </a:t>
+            </a:r>
+            <a:r>
+              <a:rPr lang="zh-TW" altLang="en-US" dirty="0"/>
+              <a:t>講師</a:t>
+            </a:r>
+            <a:endParaRPr lang="en-US" altLang="zh-TW" dirty="0"/>
+          </a:p>
+          <a:p>
+            <a:pPr lvl="1"/>
+            <a:r>
+              <a:rPr lang="en-US" altLang="zh-TW" dirty="0"/>
+              <a:t>Microsoft Azure Cafe, </a:t>
+            </a:r>
+            <a:r>
+              <a:rPr lang="en-US" altLang="zh-TW" dirty="0" err="1"/>
+              <a:t>TechDays</a:t>
+            </a:r>
+            <a:r>
+              <a:rPr lang="en-US" altLang="zh-TW" dirty="0"/>
+              <a:t>, TechEd </a:t>
+            </a:r>
+            <a:r>
+              <a:rPr lang="zh-TW" altLang="en-US" dirty="0"/>
+              <a:t>講師</a:t>
+            </a:r>
+            <a:endParaRPr lang="en-US" altLang="zh-TW" dirty="0"/>
+          </a:p>
+          <a:p>
+            <a:pPr lvl="1"/>
+            <a:r>
+              <a:rPr lang="zh-TW" altLang="en-US" dirty="0"/>
+              <a:t>專欄作家</a:t>
+            </a:r>
+            <a:endParaRPr lang="en-US" altLang="zh-TW" dirty="0"/>
+          </a:p>
+          <a:p>
+            <a:pPr marL="38100" indent="0">
+              <a:buNone/>
+            </a:pPr>
+            <a:endParaRPr lang="en-US" altLang="zh-TW" sz="1400" dirty="0"/>
+          </a:p>
+          <a:p>
+            <a:pPr marL="38100" indent="0">
+              <a:buNone/>
+            </a:pPr>
+            <a:r>
+              <a:rPr lang="zh-TW" altLang="en-US" sz="1400" dirty="0"/>
+              <a:t>談論各種軟體開發與設計的大小事，有 </a:t>
+            </a:r>
+            <a:r>
+              <a:rPr lang="en-US" altLang="zh-TW" sz="1400" dirty="0"/>
+              <a:t>20 </a:t>
+            </a:r>
+            <a:r>
+              <a:rPr lang="zh-TW" altLang="en-US" sz="1400" dirty="0"/>
+              <a:t>年的大型與雲端服務的開發經驗。喜歡研究各種技術背後的原理與實作細節，期許自己做個優秀的架構師。研究主題以</a:t>
+            </a:r>
+            <a:r>
+              <a:rPr lang="en-US" altLang="zh-TW" sz="1400" dirty="0"/>
+              <a:t>: .NET / C# / OOP / Container / </a:t>
+            </a:r>
+            <a:r>
+              <a:rPr lang="en-US" altLang="zh-TW" sz="1400" dirty="0" err="1"/>
+              <a:t>Microservices</a:t>
+            </a:r>
+            <a:r>
+              <a:rPr lang="en-US" altLang="zh-TW" sz="1400" dirty="0"/>
+              <a:t> / Distributed System </a:t>
+            </a:r>
+            <a:r>
+              <a:rPr lang="zh-TW" altLang="en-US" sz="1400" dirty="0"/>
+              <a:t>為主軸，同時在部落格上也持續分享相關主題的一系列文章。期許能將這些領域的實作經驗分享到社群。</a:t>
+            </a:r>
+          </a:p>
+          <a:p>
+            <a:pPr marL="38100" indent="0">
+              <a:buNone/>
+            </a:pPr>
+            <a:endParaRPr lang="en-US" altLang="zh-TW" dirty="0"/>
+          </a:p>
+        </p:txBody>
+      </p:sp>
+      <p:pic>
+        <p:nvPicPr>
+          <p:cNvPr id="1026" name="Picture 2" descr="https://t.kfs.io/organization_resource_files/635/12380/175811_1453349433828_4420805_o_original.jpg"/>
+          <p:cNvPicPr>
+            <a:picLocks noChangeAspect="1" noChangeArrowheads="1"/>
+          </p:cNvPicPr>
+          <p:nvPr/>
+        </p:nvPicPr>
+        <p:blipFill>
+          <a:blip r:embed="rId3">
+            <a:extLst>
+              <a:ext uri="{28A0092B-C50C-407E-A947-70E740481C1C}">
+                <a14:useLocalDpi xmlns:a14="http://schemas.microsoft.com/office/drawing/2010/main" val="0"/>
+              </a:ext>
+            </a:extLst>
+          </a:blip>
+          <a:srcRect/>
+          <a:stretch>
+            <a:fillRect/>
+          </a:stretch>
+        </p:blipFill>
+        <p:spPr bwMode="auto">
+          <a:xfrm>
+            <a:off x="6834487" y="975467"/>
+            <a:ext cx="1852313" cy="1852313"/>
+          </a:xfrm>
+          <a:prstGeom prst="rect">
+            <a:avLst/>
+          </a:prstGeom>
+          <a:noFill/>
+          <a:extLst>
+            <a:ext uri="{909E8E84-426E-40DD-AFC4-6F175D3DCCD1}">
+              <a14:hiddenFill xmlns:a14="http://schemas.microsoft.com/office/drawing/2010/main">
+                <a:solidFill>
+                  <a:srgbClr val="FFFFFF"/>
+                </a:solidFill>
+              </a14:hiddenFill>
+            </a:ext>
+          </a:extLst>
+        </p:spPr>
+      </p:pic>
+    </p:spTree>
+    <p:extLst>
+      <p:ext uri="{BB962C8B-B14F-4D97-AF65-F5344CB8AC3E}">
+        <p14:creationId xmlns:p14="http://schemas.microsoft.com/office/powerpoint/2010/main" val="2056749963"/>
+      </p:ext>
+    </p:extLst>
+  </p:cSld>
+  <p:clrMapOvr>
+    <a:masterClrMapping/>
+  </p:clrMapOvr>
+</p:sld>
+</file>
+
+<file path=ppt/slides/slide20.xml><?xml version="1.0" encoding="utf-8"?>
+<p:sld xmlns:a="http://schemas.openxmlformats.org/drawingml/2006/main" xmlns:r="http://schemas.openxmlformats.org/officeDocument/2006/relationships" xmlns:p="http://schemas.openxmlformats.org/presentationml/2006/main">
+  <p:cSld>
+    <p:spTree>
+      <p:nvGrpSpPr>
+        <p:cNvPr id="1" name=""/>
+        <p:cNvGrpSpPr/>
+        <p:nvPr/>
+      </p:nvGrpSpPr>
+      <p:grpSpPr>
+        <a:xfrm>
+          <a:off x="0" y="0"/>
+          <a:ext cx="0" cy="0"/>
+          <a:chOff x="0" y="0"/>
+          <a:chExt cx="0" cy="0"/>
+        </a:xfrm>
+      </p:grpSpPr>
+      <p:sp>
+        <p:nvSpPr>
+          <p:cNvPr id="4" name="標題 3">
+            <a:extLst>
+              <a:ext uri="{FF2B5EF4-FFF2-40B4-BE49-F238E27FC236}">
+                <a16:creationId xmlns:a16="http://schemas.microsoft.com/office/drawing/2014/main" id="{7DB22D88-1A93-4EC1-9D9A-996FB55606EA}"/>
+              </a:ext>
+            </a:extLst>
+          </p:cNvPr>
+          <p:cNvSpPr>
+            <a:spLocks noGrp="1"/>
+          </p:cNvSpPr>
+          <p:nvPr>
+            <p:ph type="title"/>
+          </p:nvPr>
+        </p:nvSpPr>
+        <p:spPr/>
+        <p:txBody>
+          <a:bodyPr/>
+          <a:lstStyle/>
+          <a:p>
+            <a:r>
+              <a:rPr lang="en-US" dirty="0"/>
+              <a:t>Async / Await &amp; Parallel Process…</a:t>
+            </a:r>
+          </a:p>
+        </p:txBody>
+      </p:sp>
+      <p:sp>
+        <p:nvSpPr>
+          <p:cNvPr id="5" name="文字版面配置區 4">
+            <a:extLst>
+              <a:ext uri="{FF2B5EF4-FFF2-40B4-BE49-F238E27FC236}">
+                <a16:creationId xmlns:a16="http://schemas.microsoft.com/office/drawing/2014/main" id="{D5E6A227-FFA5-4259-A31A-D3FFAE2305C9}"/>
+              </a:ext>
+            </a:extLst>
+          </p:cNvPr>
+          <p:cNvSpPr>
+            <a:spLocks noGrp="1"/>
+          </p:cNvSpPr>
+          <p:nvPr>
+            <p:ph type="body" idx="1"/>
+          </p:nvPr>
+        </p:nvSpPr>
+        <p:spPr/>
+        <p:txBody>
+          <a:bodyPr/>
+          <a:lstStyle/>
+          <a:p>
+            <a:r>
+              <a:rPr lang="en-US" dirty="0"/>
+              <a:t>Basic Skill: Thread Sync</a:t>
+            </a:r>
+          </a:p>
+          <a:p>
+            <a:pPr lvl="1"/>
+            <a:r>
+              <a:rPr lang="en-US" dirty="0" err="1"/>
+              <a:t>ManualResetEvent</a:t>
+            </a:r>
+            <a:endParaRPr lang="en-US" dirty="0"/>
+          </a:p>
+          <a:p>
+            <a:pPr lvl="1"/>
+            <a:r>
+              <a:rPr lang="en-US" dirty="0" err="1"/>
+              <a:t>AutoResetEvent</a:t>
+            </a:r>
+            <a:endParaRPr lang="en-US" dirty="0"/>
+          </a:p>
+          <a:p>
+            <a:r>
+              <a:rPr lang="en-US" dirty="0"/>
+              <a:t>C# Async Wrap</a:t>
+            </a:r>
+          </a:p>
+        </p:txBody>
+      </p:sp>
+    </p:spTree>
+    <p:extLst>
+      <p:ext uri="{BB962C8B-B14F-4D97-AF65-F5344CB8AC3E}">
+        <p14:creationId xmlns:p14="http://schemas.microsoft.com/office/powerpoint/2010/main" val="3561391479"/>
+      </p:ext>
+    </p:extLst>
+  </p:cSld>
+  <p:clrMapOvr>
+    <a:masterClrMapping/>
+  </p:clrMapOvr>
+</p:sld>
+</file>
+
+<file path=ppt/slides/slide21.xml><?xml version="1.0" encoding="utf-8"?>
+<p:sld xmlns:a="http://schemas.openxmlformats.org/drawingml/2006/main" xmlns:r="http://schemas.openxmlformats.org/officeDocument/2006/relationships" xmlns:p="http://schemas.openxmlformats.org/presentationml/2006/main">
+  <p:cSld>
+    <p:spTree>
+      <p:nvGrpSpPr>
+        <p:cNvPr id="1" name=""/>
+        <p:cNvGrpSpPr/>
+        <p:nvPr/>
+      </p:nvGrpSpPr>
+      <p:grpSpPr>
+        <a:xfrm>
+          <a:off x="0" y="0"/>
+          <a:ext cx="0" cy="0"/>
+          <a:chOff x="0" y="0"/>
+          <a:chExt cx="0" cy="0"/>
+        </a:xfrm>
+      </p:grpSpPr>
+      <p:sp>
+        <p:nvSpPr>
+          <p:cNvPr id="4" name="標題 3">
+            <a:extLst>
+              <a:ext uri="{FF2B5EF4-FFF2-40B4-BE49-F238E27FC236}">
+                <a16:creationId xmlns:a16="http://schemas.microsoft.com/office/drawing/2014/main" id="{7DB22D88-1A93-4EC1-9D9A-996FB55606EA}"/>
+              </a:ext>
+            </a:extLst>
+          </p:cNvPr>
+          <p:cNvSpPr>
+            <a:spLocks noGrp="1"/>
+          </p:cNvSpPr>
+          <p:nvPr>
+            <p:ph type="title"/>
+          </p:nvPr>
+        </p:nvSpPr>
+        <p:spPr/>
+        <p:txBody>
+          <a:bodyPr/>
+          <a:lstStyle/>
+          <a:p>
+            <a:r>
+              <a:rPr lang="en-US" dirty="0"/>
+              <a:t>Auto Scaling In Infra Way</a:t>
+            </a:r>
+          </a:p>
+        </p:txBody>
+      </p:sp>
+      <p:sp>
+        <p:nvSpPr>
+          <p:cNvPr id="5" name="文字版面配置區 4">
+            <a:extLst>
+              <a:ext uri="{FF2B5EF4-FFF2-40B4-BE49-F238E27FC236}">
+                <a16:creationId xmlns:a16="http://schemas.microsoft.com/office/drawing/2014/main" id="{D5E6A227-FFA5-4259-A31A-D3FFAE2305C9}"/>
+              </a:ext>
+            </a:extLst>
+          </p:cNvPr>
+          <p:cNvSpPr>
+            <a:spLocks noGrp="1"/>
+          </p:cNvSpPr>
+          <p:nvPr>
+            <p:ph type="body" idx="1"/>
+          </p:nvPr>
+        </p:nvSpPr>
+        <p:spPr/>
+        <p:txBody>
+          <a:bodyPr/>
+          <a:lstStyle/>
+          <a:p>
+            <a:r>
+              <a:rPr lang="en-US" dirty="0"/>
+              <a:t>Basic Concept: Scale In / Out Automation</a:t>
+            </a:r>
+          </a:p>
+          <a:p>
+            <a:r>
+              <a:rPr lang="en-US" dirty="0"/>
+              <a:t>Your Application Must (when Scale Out):</a:t>
+            </a:r>
+          </a:p>
+          <a:p>
+            <a:pPr lvl="1"/>
+            <a:r>
+              <a:rPr lang="en-US" dirty="0"/>
+              <a:t>Self Host</a:t>
+            </a:r>
+          </a:p>
+          <a:p>
+            <a:pPr lvl="1"/>
+            <a:r>
+              <a:rPr lang="en-US" dirty="0"/>
+              <a:t>Pull Config</a:t>
+            </a:r>
+          </a:p>
+          <a:p>
+            <a:pPr lvl="1"/>
+            <a:r>
+              <a:rPr lang="en-US" dirty="0"/>
+              <a:t>Pull Message</a:t>
+            </a:r>
+          </a:p>
+          <a:p>
+            <a:r>
+              <a:rPr lang="en-US" dirty="0"/>
+              <a:t>Your Application Must (when Scale In):</a:t>
+            </a:r>
+          </a:p>
+          <a:p>
+            <a:pPr lvl="1"/>
+            <a:r>
+              <a:rPr lang="en-US" dirty="0"/>
+              <a:t>Handle OS Shutdown Event / Signal</a:t>
+            </a:r>
+          </a:p>
+          <a:p>
+            <a:pPr lvl="1"/>
+            <a:r>
+              <a:rPr lang="en-US" dirty="0"/>
+              <a:t>Do Graceful Shutdown</a:t>
+            </a:r>
+          </a:p>
+        </p:txBody>
+      </p:sp>
+    </p:spTree>
+    <p:extLst>
+      <p:ext uri="{BB962C8B-B14F-4D97-AF65-F5344CB8AC3E}">
+        <p14:creationId xmlns:p14="http://schemas.microsoft.com/office/powerpoint/2010/main" val="2173243654"/>
+      </p:ext>
+    </p:extLst>
+  </p:cSld>
+  <p:clrMapOvr>
+    <a:masterClrMapping/>
+  </p:clrMapOvr>
+</p:sld>
+</file>
+
+<file path=ppt/slides/slide22.xml><?xml version="1.0" encoding="utf-8"?>
+<p:sld xmlns:a="http://schemas.openxmlformats.org/drawingml/2006/main" xmlns:r="http://schemas.openxmlformats.org/officeDocument/2006/relationships" xmlns:p="http://schemas.openxmlformats.org/presentationml/2006/main">
+  <p:cSld>
+    <p:spTree>
+      <p:nvGrpSpPr>
+        <p:cNvPr id="1" name=""/>
+        <p:cNvGrpSpPr/>
+        <p:nvPr/>
+      </p:nvGrpSpPr>
+      <p:grpSpPr>
+        <a:xfrm>
+          <a:off x="0" y="0"/>
+          <a:ext cx="0" cy="0"/>
+          <a:chOff x="0" y="0"/>
+          <a:chExt cx="0" cy="0"/>
+        </a:xfrm>
+      </p:grpSpPr>
+      <p:sp>
+        <p:nvSpPr>
+          <p:cNvPr id="4" name="標題 3">
+            <a:extLst>
+              <a:ext uri="{FF2B5EF4-FFF2-40B4-BE49-F238E27FC236}">
+                <a16:creationId xmlns:a16="http://schemas.microsoft.com/office/drawing/2014/main" id="{7DB22D88-1A93-4EC1-9D9A-996FB55606EA}"/>
+              </a:ext>
+            </a:extLst>
+          </p:cNvPr>
+          <p:cNvSpPr>
+            <a:spLocks noGrp="1"/>
+          </p:cNvSpPr>
+          <p:nvPr>
+            <p:ph type="title"/>
+          </p:nvPr>
+        </p:nvSpPr>
+        <p:spPr/>
+        <p:txBody>
+          <a:bodyPr/>
+          <a:lstStyle/>
+          <a:p>
+            <a:endParaRPr lang="en-US" dirty="0"/>
+          </a:p>
+        </p:txBody>
+      </p:sp>
+      <p:sp>
+        <p:nvSpPr>
+          <p:cNvPr id="5" name="文字版面配置區 4">
+            <a:extLst>
+              <a:ext uri="{FF2B5EF4-FFF2-40B4-BE49-F238E27FC236}">
+                <a16:creationId xmlns:a16="http://schemas.microsoft.com/office/drawing/2014/main" id="{D5E6A227-FFA5-4259-A31A-D3FFAE2305C9}"/>
+              </a:ext>
+            </a:extLst>
+          </p:cNvPr>
+          <p:cNvSpPr>
+            <a:spLocks noGrp="1"/>
+          </p:cNvSpPr>
+          <p:nvPr>
+            <p:ph type="body" idx="1"/>
+          </p:nvPr>
+        </p:nvSpPr>
+        <p:spPr/>
+        <p:txBody>
+          <a:bodyPr/>
+          <a:lstStyle/>
+          <a:p>
+            <a:endParaRPr lang="en-US"/>
+          </a:p>
+        </p:txBody>
+      </p:sp>
+      <p:pic>
+        <p:nvPicPr>
+          <p:cNvPr id="7170" name="Picture 2" descr="ASP.NET Core 1.x å 2.x éå° Web æç¨ç¨å¼ä¸­çèæ¯èçåºæ¯æ´ IWebHostï¼.NET Core 2.1 éå°ä½¿ç¨ä¸è¬ä¸»æ§å°æç¨ç¨å¼çèæ¯èçåºæ¯æ´ IHostã">
+            <a:extLst>
+              <a:ext uri="{FF2B5EF4-FFF2-40B4-BE49-F238E27FC236}">
+                <a16:creationId xmlns:a16="http://schemas.microsoft.com/office/drawing/2014/main" id="{05A985CD-3B2B-4BBE-AD7D-D10A4ECC47BD}"/>
+              </a:ext>
+            </a:extLst>
+          </p:cNvPr>
+          <p:cNvPicPr>
+            <a:picLocks noChangeAspect="1" noChangeArrowheads="1"/>
+          </p:cNvPicPr>
+          <p:nvPr/>
+        </p:nvPicPr>
+        <p:blipFill>
+          <a:blip r:embed="rId2">
+            <a:extLst>
+              <a:ext uri="{28A0092B-C50C-407E-A947-70E740481C1C}">
+                <a14:useLocalDpi xmlns:a14="http://schemas.microsoft.com/office/drawing/2010/main" val="0"/>
+              </a:ext>
+            </a:extLst>
+          </a:blip>
+          <a:srcRect/>
+          <a:stretch>
+            <a:fillRect/>
+          </a:stretch>
+        </p:blipFill>
+        <p:spPr bwMode="auto">
+          <a:xfrm>
+            <a:off x="0" y="205978"/>
+            <a:ext cx="9144000" cy="4452937"/>
+          </a:xfrm>
+          <a:prstGeom prst="rect">
+            <a:avLst/>
+          </a:prstGeom>
+          <a:noFill/>
+          <a:extLst>
+            <a:ext uri="{909E8E84-426E-40DD-AFC4-6F175D3DCCD1}">
+              <a14:hiddenFill xmlns:a14="http://schemas.microsoft.com/office/drawing/2010/main">
+                <a:solidFill>
+                  <a:srgbClr val="FFFFFF"/>
+                </a:solidFill>
+              </a14:hiddenFill>
+            </a:ext>
+          </a:extLst>
+        </p:spPr>
+      </p:pic>
+    </p:spTree>
+    <p:extLst>
+      <p:ext uri="{BB962C8B-B14F-4D97-AF65-F5344CB8AC3E}">
+        <p14:creationId xmlns:p14="http://schemas.microsoft.com/office/powerpoint/2010/main" val="615592683"/>
+      </p:ext>
+    </p:extLst>
+  </p:cSld>
+  <p:clrMapOvr>
+    <a:masterClrMapping/>
+  </p:clrMapOvr>
+</p:sld>
+</file>
+
+<file path=ppt/slides/slide23.xml><?xml version="1.0" encoding="utf-8"?>
+<p:sld xmlns:a="http://schemas.openxmlformats.org/drawingml/2006/main" xmlns:r="http://schemas.openxmlformats.org/officeDocument/2006/relationships" xmlns:p="http://schemas.openxmlformats.org/presentationml/2006/main">
+  <p:cSld>
+    <p:spTree>
+      <p:nvGrpSpPr>
+        <p:cNvPr id="1" name=""/>
+        <p:cNvGrpSpPr/>
+        <p:nvPr/>
+      </p:nvGrpSpPr>
+      <p:grpSpPr>
+        <a:xfrm>
+          <a:off x="0" y="0"/>
+          <a:ext cx="0" cy="0"/>
+          <a:chOff x="0" y="0"/>
+          <a:chExt cx="0" cy="0"/>
+        </a:xfrm>
+      </p:grpSpPr>
+      <p:sp>
+        <p:nvSpPr>
+          <p:cNvPr id="4" name="標題 3">
+            <a:extLst>
+              <a:ext uri="{FF2B5EF4-FFF2-40B4-BE49-F238E27FC236}">
+                <a16:creationId xmlns:a16="http://schemas.microsoft.com/office/drawing/2014/main" id="{7DB22D88-1A93-4EC1-9D9A-996FB55606EA}"/>
+              </a:ext>
+            </a:extLst>
+          </p:cNvPr>
+          <p:cNvSpPr>
+            <a:spLocks noGrp="1"/>
+          </p:cNvSpPr>
+          <p:nvPr>
+            <p:ph type="title"/>
+          </p:nvPr>
+        </p:nvSpPr>
+        <p:spPr/>
+        <p:txBody>
+          <a:bodyPr/>
+          <a:lstStyle/>
+          <a:p>
+            <a:endParaRPr lang="en-US"/>
+          </a:p>
+        </p:txBody>
+      </p:sp>
+      <p:sp>
+        <p:nvSpPr>
+          <p:cNvPr id="5" name="文字版面配置區 4">
+            <a:extLst>
+              <a:ext uri="{FF2B5EF4-FFF2-40B4-BE49-F238E27FC236}">
+                <a16:creationId xmlns:a16="http://schemas.microsoft.com/office/drawing/2014/main" id="{D5E6A227-FFA5-4259-A31A-D3FFAE2305C9}"/>
+              </a:ext>
+            </a:extLst>
+          </p:cNvPr>
+          <p:cNvSpPr>
+            <a:spLocks noGrp="1"/>
+          </p:cNvSpPr>
+          <p:nvPr>
+            <p:ph type="body" idx="1"/>
+          </p:nvPr>
+        </p:nvSpPr>
+        <p:spPr/>
+        <p:txBody>
+          <a:bodyPr/>
+          <a:lstStyle/>
+          <a:p>
+            <a:endParaRPr lang="en-US"/>
+          </a:p>
+        </p:txBody>
+      </p:sp>
+      <p:pic>
+        <p:nvPicPr>
+          <p:cNvPr id="8194" name="Picture 2" descr="é¡å¥åè¡¨ï¼IWebHost å IHost å¯ä»¥è£è¼è¨±å¤æåï¼å®åç¹¼æ¿èª BackgroundServiceï¼è BackgroundService å¯¦ä½ IHostedServiceã">
+            <a:extLst>
+              <a:ext uri="{FF2B5EF4-FFF2-40B4-BE49-F238E27FC236}">
+                <a16:creationId xmlns:a16="http://schemas.microsoft.com/office/drawing/2014/main" id="{EC77A0D1-2459-47FE-82BE-27183AC651BD}"/>
+              </a:ext>
+            </a:extLst>
+          </p:cNvPr>
+          <p:cNvPicPr>
+            <a:picLocks noChangeAspect="1" noChangeArrowheads="1"/>
+          </p:cNvPicPr>
+          <p:nvPr/>
+        </p:nvPicPr>
+        <p:blipFill>
+          <a:blip r:embed="rId2">
+            <a:extLst>
+              <a:ext uri="{28A0092B-C50C-407E-A947-70E740481C1C}">
+                <a14:useLocalDpi xmlns:a14="http://schemas.microsoft.com/office/drawing/2010/main" val="0"/>
+              </a:ext>
+            </a:extLst>
+          </a:blip>
+          <a:srcRect/>
+          <a:stretch>
+            <a:fillRect/>
+          </a:stretch>
+        </p:blipFill>
+        <p:spPr bwMode="auto">
+          <a:xfrm>
+            <a:off x="0" y="277813"/>
+            <a:ext cx="9144000" cy="4586287"/>
+          </a:xfrm>
+          <a:prstGeom prst="rect">
+            <a:avLst/>
+          </a:prstGeom>
+          <a:noFill/>
+          <a:extLst>
+            <a:ext uri="{909E8E84-426E-40DD-AFC4-6F175D3DCCD1}">
+              <a14:hiddenFill xmlns:a14="http://schemas.microsoft.com/office/drawing/2010/main">
+                <a:solidFill>
+                  <a:srgbClr val="FFFFFF"/>
+                </a:solidFill>
+              </a14:hiddenFill>
+            </a:ext>
+          </a:extLst>
+        </p:spPr>
+      </p:pic>
+    </p:spTree>
+    <p:extLst>
+      <p:ext uri="{BB962C8B-B14F-4D97-AF65-F5344CB8AC3E}">
+        <p14:creationId xmlns:p14="http://schemas.microsoft.com/office/powerpoint/2010/main" val="87258416"/>
+      </p:ext>
+    </p:extLst>
+  </p:cSld>
+  <p:clrMapOvr>
+    <a:masterClrMapping/>
+  </p:clrMapOvr>
+</p:sld>
+</file>
+
+<file path=ppt/slides/slide24.xml><?xml version="1.0" encoding="utf-8"?>
+<p:sld xmlns:a="http://schemas.openxmlformats.org/drawingml/2006/main" xmlns:r="http://schemas.openxmlformats.org/officeDocument/2006/relationships" xmlns:p="http://schemas.openxmlformats.org/presentationml/2006/main">
+  <p:cSld>
+    <p:spTree>
+      <p:nvGrpSpPr>
+        <p:cNvPr id="1" name=""/>
+        <p:cNvGrpSpPr/>
+        <p:nvPr/>
+      </p:nvGrpSpPr>
+      <p:grpSpPr>
+        <a:xfrm>
+          <a:off x="0" y="0"/>
+          <a:ext cx="0" cy="0"/>
+          <a:chOff x="0" y="0"/>
+          <a:chExt cx="0" cy="0"/>
+        </a:xfrm>
+      </p:grpSpPr>
+      <p:sp>
+        <p:nvSpPr>
+          <p:cNvPr id="4" name="標題 3">
+            <a:extLst>
+              <a:ext uri="{FF2B5EF4-FFF2-40B4-BE49-F238E27FC236}">
+                <a16:creationId xmlns:a16="http://schemas.microsoft.com/office/drawing/2014/main" id="{7DB22D88-1A93-4EC1-9D9A-996FB55606EA}"/>
+              </a:ext>
+            </a:extLst>
+          </p:cNvPr>
+          <p:cNvSpPr>
+            <a:spLocks noGrp="1"/>
+          </p:cNvSpPr>
+          <p:nvPr>
+            <p:ph type="title"/>
+          </p:nvPr>
+        </p:nvSpPr>
+        <p:spPr/>
+        <p:txBody>
+          <a:bodyPr/>
+          <a:lstStyle/>
+          <a:p>
+            <a:endParaRPr lang="en-US"/>
+          </a:p>
+        </p:txBody>
+      </p:sp>
+      <p:sp>
+        <p:nvSpPr>
+          <p:cNvPr id="5" name="文字版面配置區 4">
+            <a:extLst>
+              <a:ext uri="{FF2B5EF4-FFF2-40B4-BE49-F238E27FC236}">
+                <a16:creationId xmlns:a16="http://schemas.microsoft.com/office/drawing/2014/main" id="{D5E6A227-FFA5-4259-A31A-D3FFAE2305C9}"/>
+              </a:ext>
+            </a:extLst>
+          </p:cNvPr>
+          <p:cNvSpPr>
+            <a:spLocks noGrp="1"/>
+          </p:cNvSpPr>
+          <p:nvPr>
+            <p:ph type="body" idx="1"/>
+          </p:nvPr>
+        </p:nvSpPr>
+        <p:spPr/>
+        <p:txBody>
+          <a:bodyPr/>
+          <a:lstStyle/>
+          <a:p>
+            <a:endParaRPr lang="en-US"/>
+          </a:p>
+        </p:txBody>
+      </p:sp>
+    </p:spTree>
+    <p:extLst>
+      <p:ext uri="{BB962C8B-B14F-4D97-AF65-F5344CB8AC3E}">
+        <p14:creationId xmlns:p14="http://schemas.microsoft.com/office/powerpoint/2010/main" val="3440614590"/>
+      </p:ext>
+    </p:extLst>
+  </p:cSld>
+  <p:clrMapOvr>
+    <a:masterClrMapping/>
+  </p:clrMapOvr>
+</p:sld>
+</file>
+
+<file path=ppt/slides/slide25.xml><?xml version="1.0" encoding="utf-8"?>
+<p:sld xmlns:a="http://schemas.openxmlformats.org/drawingml/2006/main" xmlns:r="http://schemas.openxmlformats.org/officeDocument/2006/relationships" xmlns:p="http://schemas.openxmlformats.org/presentationml/2006/main">
+  <p:cSld>
+    <p:spTree>
+      <p:nvGrpSpPr>
+        <p:cNvPr id="1" name=""/>
+        <p:cNvGrpSpPr/>
+        <p:nvPr/>
+      </p:nvGrpSpPr>
+      <p:grpSpPr>
+        <a:xfrm>
+          <a:off x="0" y="0"/>
+          <a:ext cx="0" cy="0"/>
+          <a:chOff x="0" y="0"/>
+          <a:chExt cx="0" cy="0"/>
+        </a:xfrm>
+      </p:grpSpPr>
+      <p:sp>
+        <p:nvSpPr>
+          <p:cNvPr id="4" name="標題 3">
+            <a:extLst>
+              <a:ext uri="{FF2B5EF4-FFF2-40B4-BE49-F238E27FC236}">
+                <a16:creationId xmlns:a16="http://schemas.microsoft.com/office/drawing/2014/main" id="{7DB22D88-1A93-4EC1-9D9A-996FB55606EA}"/>
+              </a:ext>
+            </a:extLst>
+          </p:cNvPr>
+          <p:cNvSpPr>
+            <a:spLocks noGrp="1"/>
+          </p:cNvSpPr>
+          <p:nvPr>
+            <p:ph type="title"/>
+          </p:nvPr>
+        </p:nvSpPr>
+        <p:spPr/>
+        <p:txBody>
+          <a:bodyPr/>
+          <a:lstStyle/>
+          <a:p>
+            <a:endParaRPr lang="en-US"/>
+          </a:p>
+        </p:txBody>
+      </p:sp>
+      <p:sp>
+        <p:nvSpPr>
+          <p:cNvPr id="5" name="文字版面配置區 4">
+            <a:extLst>
+              <a:ext uri="{FF2B5EF4-FFF2-40B4-BE49-F238E27FC236}">
+                <a16:creationId xmlns:a16="http://schemas.microsoft.com/office/drawing/2014/main" id="{D5E6A227-FFA5-4259-A31A-D3FFAE2305C9}"/>
+              </a:ext>
+            </a:extLst>
+          </p:cNvPr>
+          <p:cNvSpPr>
+            <a:spLocks noGrp="1"/>
+          </p:cNvSpPr>
+          <p:nvPr>
+            <p:ph type="body" idx="1"/>
+          </p:nvPr>
+        </p:nvSpPr>
+        <p:spPr/>
+        <p:txBody>
+          <a:bodyPr/>
+          <a:lstStyle/>
+          <a:p>
+            <a:endParaRPr lang="en-US"/>
+          </a:p>
+        </p:txBody>
+      </p:sp>
+    </p:spTree>
+    <p:extLst>
+      <p:ext uri="{BB962C8B-B14F-4D97-AF65-F5344CB8AC3E}">
+        <p14:creationId xmlns:p14="http://schemas.microsoft.com/office/powerpoint/2010/main" val="1886558902"/>
+      </p:ext>
+    </p:extLst>
+  </p:cSld>
+  <p:clrMapOvr>
+    <a:masterClrMapping/>
+  </p:clrMapOvr>
+</p:sld>
+</file>
+
+<file path=ppt/slides/slide26.xml><?xml version="1.0" encoding="utf-8"?>
+<p:sld xmlns:a="http://schemas.openxmlformats.org/drawingml/2006/main" xmlns:r="http://schemas.openxmlformats.org/officeDocument/2006/relationships" xmlns:p="http://schemas.openxmlformats.org/presentationml/2006/main">
+  <p:cSld>
+    <p:spTree>
+      <p:nvGrpSpPr>
+        <p:cNvPr id="1" name=""/>
+        <p:cNvGrpSpPr/>
+        <p:nvPr/>
+      </p:nvGrpSpPr>
+      <p:grpSpPr>
+        <a:xfrm>
+          <a:off x="0" y="0"/>
+          <a:ext cx="0" cy="0"/>
+          <a:chOff x="0" y="0"/>
+          <a:chExt cx="0" cy="0"/>
+        </a:xfrm>
+      </p:grpSpPr>
+      <p:sp>
+        <p:nvSpPr>
+          <p:cNvPr id="4" name="標題 3">
+            <a:extLst>
+              <a:ext uri="{FF2B5EF4-FFF2-40B4-BE49-F238E27FC236}">
+                <a16:creationId xmlns:a16="http://schemas.microsoft.com/office/drawing/2014/main" id="{7DB22D88-1A93-4EC1-9D9A-996FB55606EA}"/>
+              </a:ext>
+            </a:extLst>
+          </p:cNvPr>
+          <p:cNvSpPr>
+            <a:spLocks noGrp="1"/>
+          </p:cNvSpPr>
+          <p:nvPr>
+            <p:ph type="title"/>
+          </p:nvPr>
+        </p:nvSpPr>
+        <p:spPr/>
+        <p:txBody>
+          <a:bodyPr/>
+          <a:lstStyle/>
+          <a:p>
+            <a:endParaRPr lang="en-US"/>
+          </a:p>
+        </p:txBody>
+      </p:sp>
+      <p:sp>
+        <p:nvSpPr>
+          <p:cNvPr id="5" name="文字版面配置區 4">
+            <a:extLst>
+              <a:ext uri="{FF2B5EF4-FFF2-40B4-BE49-F238E27FC236}">
+                <a16:creationId xmlns:a16="http://schemas.microsoft.com/office/drawing/2014/main" id="{D5E6A227-FFA5-4259-A31A-D3FFAE2305C9}"/>
+              </a:ext>
+            </a:extLst>
+          </p:cNvPr>
+          <p:cNvSpPr>
+            <a:spLocks noGrp="1"/>
+          </p:cNvSpPr>
+          <p:nvPr>
+            <p:ph type="body" idx="1"/>
+          </p:nvPr>
+        </p:nvSpPr>
+        <p:spPr/>
+        <p:txBody>
+          <a:bodyPr/>
+          <a:lstStyle/>
+          <a:p>
+            <a:endParaRPr lang="en-US"/>
+          </a:p>
+        </p:txBody>
+      </p:sp>
+    </p:spTree>
+    <p:extLst>
+      <p:ext uri="{BB962C8B-B14F-4D97-AF65-F5344CB8AC3E}">
+        <p14:creationId xmlns:p14="http://schemas.microsoft.com/office/powerpoint/2010/main" val="3269942683"/>
+      </p:ext>
+    </p:extLst>
+  </p:cSld>
+  <p:clrMapOvr>
+    <a:masterClrMapping/>
+  </p:clrMapOvr>
+</p:sld>
+</file>
+
+<file path=ppt/slides/slide27.xml><?xml version="1.0" encoding="utf-8"?>
+<p:sld xmlns:a="http://schemas.openxmlformats.org/drawingml/2006/main" xmlns:r="http://schemas.openxmlformats.org/officeDocument/2006/relationships" xmlns:p="http://schemas.openxmlformats.org/presentationml/2006/main">
+  <p:cSld>
+    <p:spTree>
+      <p:nvGrpSpPr>
+        <p:cNvPr id="1" name=""/>
+        <p:cNvGrpSpPr/>
+        <p:nvPr/>
+      </p:nvGrpSpPr>
+      <p:grpSpPr>
+        <a:xfrm>
+          <a:off x="0" y="0"/>
+          <a:ext cx="0" cy="0"/>
+          <a:chOff x="0" y="0"/>
+          <a:chExt cx="0" cy="0"/>
+        </a:xfrm>
+      </p:grpSpPr>
+      <p:sp>
+        <p:nvSpPr>
+          <p:cNvPr id="4" name="標題 3">
+            <a:extLst>
+              <a:ext uri="{FF2B5EF4-FFF2-40B4-BE49-F238E27FC236}">
+                <a16:creationId xmlns:a16="http://schemas.microsoft.com/office/drawing/2014/main" id="{7DB22D88-1A93-4EC1-9D9A-996FB55606EA}"/>
+              </a:ext>
+            </a:extLst>
+          </p:cNvPr>
+          <p:cNvSpPr>
+            <a:spLocks noGrp="1"/>
+          </p:cNvSpPr>
+          <p:nvPr>
+            <p:ph type="title"/>
+          </p:nvPr>
+        </p:nvSpPr>
+        <p:spPr/>
+        <p:txBody>
+          <a:bodyPr/>
+          <a:lstStyle/>
+          <a:p>
+            <a:endParaRPr lang="en-US"/>
+          </a:p>
+        </p:txBody>
+      </p:sp>
+      <p:sp>
+        <p:nvSpPr>
+          <p:cNvPr id="5" name="文字版面配置區 4">
+            <a:extLst>
+              <a:ext uri="{FF2B5EF4-FFF2-40B4-BE49-F238E27FC236}">
+                <a16:creationId xmlns:a16="http://schemas.microsoft.com/office/drawing/2014/main" id="{D5E6A227-FFA5-4259-A31A-D3FFAE2305C9}"/>
+              </a:ext>
+            </a:extLst>
+          </p:cNvPr>
+          <p:cNvSpPr>
+            <a:spLocks noGrp="1"/>
+          </p:cNvSpPr>
+          <p:nvPr>
+            <p:ph type="body" idx="1"/>
+          </p:nvPr>
+        </p:nvSpPr>
+        <p:spPr/>
+        <p:txBody>
+          <a:bodyPr/>
+          <a:lstStyle/>
+          <a:p>
+            <a:endParaRPr lang="en-US"/>
+          </a:p>
+        </p:txBody>
+      </p:sp>
+    </p:spTree>
+    <p:extLst>
+      <p:ext uri="{BB962C8B-B14F-4D97-AF65-F5344CB8AC3E}">
+        <p14:creationId xmlns:p14="http://schemas.microsoft.com/office/powerpoint/2010/main" val="3088221770"/>
+      </p:ext>
+    </p:extLst>
+  </p:cSld>
+  <p:clrMapOvr>
+    <a:masterClrMapping/>
+  </p:clrMapOvr>
+</p:sld>
+</file>
+
+<file path=ppt/slides/slide28.xml><?xml version="1.0" encoding="utf-8"?>
 <p:sld xmlns:a="http://schemas.openxmlformats.org/drawingml/2006/main" xmlns:r="http://schemas.openxmlformats.org/officeDocument/2006/relationships" xmlns:p="http://schemas.openxmlformats.org/presentationml/2006/main">
   <p:cSld>
     <p:bg>
@@ -15778,246 +17850,6 @@
 </p:sld>
 </file>
 
-<file path=ppt/slides/slide2.xml><?xml version="1.0" encoding="utf-8"?>
-<p:sld xmlns:a="http://schemas.openxmlformats.org/drawingml/2006/main" xmlns:r="http://schemas.openxmlformats.org/officeDocument/2006/relationships" xmlns:p="http://schemas.openxmlformats.org/presentationml/2006/main">
-  <p:cSld>
-    <p:spTree>
-      <p:nvGrpSpPr>
-        <p:cNvPr id="1" name=""/>
-        <p:cNvGrpSpPr/>
-        <p:nvPr/>
-      </p:nvGrpSpPr>
-      <p:grpSpPr>
-        <a:xfrm>
-          <a:off x="0" y="0"/>
-          <a:ext cx="0" cy="0"/>
-          <a:chOff x="0" y="0"/>
-          <a:chExt cx="0" cy="0"/>
-        </a:xfrm>
-      </p:grpSpPr>
-      <p:sp>
-        <p:nvSpPr>
-          <p:cNvPr id="2" name="標題 1"/>
-          <p:cNvSpPr>
-            <a:spLocks noGrp="1"/>
-          </p:cNvSpPr>
-          <p:nvPr>
-            <p:ph type="title"/>
-          </p:nvPr>
-        </p:nvSpPr>
-        <p:spPr/>
-        <p:txBody>
-          <a:bodyPr/>
-          <a:lstStyle/>
-          <a:p>
-            <a:r>
-              <a:rPr lang="en-US" altLang="zh-TW" dirty="0"/>
-              <a:t>Andrew Wu</a:t>
-            </a:r>
-            <a:r>
-              <a:rPr lang="zh-TW" altLang="en-US" dirty="0"/>
-              <a:t> 是誰</a:t>
-            </a:r>
-            <a:r>
-              <a:rPr lang="en-US" altLang="zh-TW" dirty="0"/>
-              <a:t>?</a:t>
-            </a:r>
-            <a:endParaRPr lang="en-US" dirty="0"/>
-          </a:p>
-        </p:txBody>
-      </p:sp>
-      <p:sp>
-        <p:nvSpPr>
-          <p:cNvPr id="3" name="文字版面配置區 2"/>
-          <p:cNvSpPr>
-            <a:spLocks noGrp="1"/>
-          </p:cNvSpPr>
-          <p:nvPr>
-            <p:ph type="body" idx="1"/>
-          </p:nvPr>
-        </p:nvSpPr>
-        <p:spPr/>
-        <p:txBody>
-          <a:bodyPr/>
-          <a:lstStyle/>
-          <a:p>
-            <a:r>
-              <a:rPr lang="zh-TW" altLang="en-US" dirty="0"/>
-              <a:t>經歷</a:t>
-            </a:r>
-            <a:r>
-              <a:rPr lang="en-US" altLang="zh-TW" dirty="0"/>
-              <a:t>: 91APP, Chief Architect</a:t>
-            </a:r>
-          </a:p>
-          <a:p>
-            <a:pPr lvl="1"/>
-            <a:r>
-              <a:rPr lang="en-US" altLang="zh-TW" dirty="0"/>
-              <a:t>Microsoft MVP</a:t>
-            </a:r>
-          </a:p>
-          <a:p>
-            <a:pPr lvl="1"/>
-            <a:r>
-              <a:rPr lang="zh-TW" altLang="en-US" dirty="0"/>
-              <a:t>曾任</a:t>
-            </a:r>
-            <a:r>
-              <a:rPr lang="en-US" altLang="zh-TW" dirty="0"/>
-              <a:t>:</a:t>
-            </a:r>
-            <a:r>
-              <a:rPr lang="zh-TW" altLang="en-US" dirty="0"/>
-              <a:t> 一宇數位科技 技術長</a:t>
-            </a:r>
-            <a:endParaRPr lang="en-US" altLang="zh-TW" dirty="0"/>
-          </a:p>
-          <a:p>
-            <a:pPr lvl="1"/>
-            <a:r>
-              <a:rPr lang="zh-TW" altLang="en-US" dirty="0"/>
-              <a:t>資策會 雲端系列課程 </a:t>
-            </a:r>
-            <a:r>
-              <a:rPr lang="en-US" altLang="zh-TW" dirty="0"/>
-              <a:t>Azure PaaS </a:t>
-            </a:r>
-            <a:r>
-              <a:rPr lang="zh-TW" altLang="en-US" dirty="0"/>
-              <a:t>講師</a:t>
-            </a:r>
-            <a:endParaRPr lang="en-US" altLang="zh-TW" dirty="0"/>
-          </a:p>
-          <a:p>
-            <a:pPr lvl="1"/>
-            <a:r>
-              <a:rPr lang="en-US" altLang="zh-TW" dirty="0"/>
-              <a:t>Microsoft Azure Cafe, </a:t>
-            </a:r>
-            <a:r>
-              <a:rPr lang="en-US" altLang="zh-TW" dirty="0" err="1"/>
-              <a:t>TechDays</a:t>
-            </a:r>
-            <a:r>
-              <a:rPr lang="en-US" altLang="zh-TW" dirty="0"/>
-              <a:t>, TechEd </a:t>
-            </a:r>
-            <a:r>
-              <a:rPr lang="zh-TW" altLang="en-US" dirty="0"/>
-              <a:t>講師</a:t>
-            </a:r>
-            <a:endParaRPr lang="en-US" altLang="zh-TW" dirty="0"/>
-          </a:p>
-          <a:p>
-            <a:pPr lvl="1"/>
-            <a:r>
-              <a:rPr lang="zh-TW" altLang="en-US" dirty="0"/>
-              <a:t>專欄作家</a:t>
-            </a:r>
-            <a:endParaRPr lang="en-US" altLang="zh-TW" dirty="0"/>
-          </a:p>
-          <a:p>
-            <a:pPr marL="38100" indent="0">
-              <a:buNone/>
-            </a:pPr>
-            <a:endParaRPr lang="en-US" altLang="zh-TW" sz="1400" dirty="0"/>
-          </a:p>
-          <a:p>
-            <a:pPr marL="38100" indent="0">
-              <a:buNone/>
-            </a:pPr>
-            <a:r>
-              <a:rPr lang="zh-TW" altLang="en-US" sz="1400" dirty="0"/>
-              <a:t>談論各種軟體開發與設計的大小事，有 </a:t>
-            </a:r>
-            <a:r>
-              <a:rPr lang="en-US" altLang="zh-TW" sz="1400" dirty="0"/>
-              <a:t>20 </a:t>
-            </a:r>
-            <a:r>
-              <a:rPr lang="zh-TW" altLang="en-US" sz="1400" dirty="0"/>
-              <a:t>年的大型與雲端服務的開發經驗。喜歡研究各種技術背後的原理與實作細節，期許自己做個優秀的架構師。研究主題以</a:t>
-            </a:r>
-            <a:r>
-              <a:rPr lang="en-US" altLang="zh-TW" sz="1400" dirty="0"/>
-              <a:t>: .NET / C# / OOP / Container / </a:t>
-            </a:r>
-            <a:r>
-              <a:rPr lang="en-US" altLang="zh-TW" sz="1400" dirty="0" err="1"/>
-              <a:t>Microservices</a:t>
-            </a:r>
-            <a:r>
-              <a:rPr lang="en-US" altLang="zh-TW" sz="1400" dirty="0"/>
-              <a:t> / Distributed System </a:t>
-            </a:r>
-            <a:r>
-              <a:rPr lang="zh-TW" altLang="en-US" sz="1400" dirty="0"/>
-              <a:t>為主軸，同時在部落格上也持續分享相關主題的一系列文章。期許能將這些領域的實作經驗分享到社群。</a:t>
-            </a:r>
-          </a:p>
-          <a:p>
-            <a:pPr marL="38100" indent="0">
-              <a:buNone/>
-            </a:pPr>
-            <a:endParaRPr lang="en-US" altLang="zh-TW" dirty="0"/>
-          </a:p>
-        </p:txBody>
-      </p:sp>
-      <p:pic>
-        <p:nvPicPr>
-          <p:cNvPr id="1026" name="Picture 2" descr="https://t.kfs.io/organization_resource_files/635/12380/175811_1453349433828_4420805_o_original.jpg"/>
-          <p:cNvPicPr>
-            <a:picLocks noChangeAspect="1" noChangeArrowheads="1"/>
-          </p:cNvPicPr>
-          <p:nvPr/>
-        </p:nvPicPr>
-        <p:blipFill>
-          <a:blip r:embed="rId3">
-            <a:extLst>
-              <a:ext uri="{28A0092B-C50C-407E-A947-70E740481C1C}">
-                <a14:useLocalDpi xmlns:a14="http://schemas.microsoft.com/office/drawing/2010/main" val="0"/>
-              </a:ext>
-            </a:extLst>
-          </a:blip>
-          <a:srcRect/>
-          <a:stretch>
-            <a:fillRect/>
-          </a:stretch>
-        </p:blipFill>
-        <p:spPr bwMode="auto">
-          <a:xfrm>
-            <a:off x="6834487" y="975467"/>
-            <a:ext cx="1852313" cy="1852313"/>
-          </a:xfrm>
-          <a:prstGeom prst="rect">
-            <a:avLst/>
-          </a:prstGeom>
-          <a:noFill/>
-          <a:extLst>
-            <a:ext uri="{909E8E84-426E-40DD-AFC4-6F175D3DCCD1}">
-              <a14:hiddenFill xmlns:a14="http://schemas.microsoft.com/office/drawing/2010/main">
-                <a:solidFill>
-                  <a:srgbClr val="FFFFFF"/>
-                </a:solidFill>
-              </a14:hiddenFill>
-            </a:ext>
-          </a:extLst>
-        </p:spPr>
-      </p:pic>
-    </p:spTree>
-    <p:extLst>
-      <p:ext uri="{BB962C8B-B14F-4D97-AF65-F5344CB8AC3E}">
-        <p14:creationId xmlns:p14="http://schemas.microsoft.com/office/powerpoint/2010/main" val="2056749963"/>
-      </p:ext>
-    </p:extLst>
-  </p:cSld>
-  <p:clrMapOvr>
-    <a:masterClrMapping/>
-  </p:clrMapOvr>
-</p:sld>
-</file>
-
 <file path=ppt/slides/slide3.xml><?xml version="1.0" encoding="utf-8"?>
 <p:sld xmlns:a="http://schemas.openxmlformats.org/drawingml/2006/main" xmlns:r="http://schemas.openxmlformats.org/officeDocument/2006/relationships" xmlns:p="http://schemas.openxmlformats.org/presentationml/2006/main">
   <p:cSld>
@@ -16037,7 +17869,13 @@
       </p:grpSpPr>
       <p:sp>
         <p:nvSpPr>
-          <p:cNvPr id="2" name="標題 1"/>
+          <p:cNvPr id="4" name="標題 3">
+            <a:extLst>
+              <a:ext uri="{FF2B5EF4-FFF2-40B4-BE49-F238E27FC236}">
+                <a16:creationId xmlns:a16="http://schemas.microsoft.com/office/drawing/2014/main" id="{35CCDDFD-F728-4A0B-89D6-D80A3CFAE7E5}"/>
+              </a:ext>
+            </a:extLst>
+          </p:cNvPr>
           <p:cNvSpPr>
             <a:spLocks noGrp="1"/>
           </p:cNvSpPr>
@@ -16052,79 +17890,91 @@
           <a:p>
             <a:r>
               <a:rPr lang="en-US" dirty="0"/>
-              <a:t>AGENDA</a:t>
-            </a:r>
-          </a:p>
-        </p:txBody>
-      </p:sp>
-      <p:sp>
-        <p:nvSpPr>
-          <p:cNvPr id="3" name="文字版面配置區 2"/>
-          <p:cNvSpPr>
-            <a:spLocks noGrp="1"/>
-          </p:cNvSpPr>
-          <p:nvPr>
-            <p:ph type="body" idx="1"/>
-          </p:nvPr>
-        </p:nvSpPr>
-        <p:spPr/>
-        <p:txBody>
-          <a:bodyPr/>
-          <a:lstStyle/>
-          <a:p>
-            <a:r>
-              <a:rPr lang="en-US" altLang="zh-TW" dirty="0"/>
-              <a:t>Message Queue Concepts</a:t>
-            </a:r>
-          </a:p>
-          <a:p>
-            <a:r>
-              <a:rPr lang="en-US" altLang="zh-TW" dirty="0"/>
-              <a:t>NineYi.Msa.Infra.Messaging.*</a:t>
-            </a:r>
-          </a:p>
-          <a:p>
-            <a:r>
-              <a:rPr lang="en-US" altLang="zh-TW" dirty="0"/>
-              <a:t>Inside Messaging:</a:t>
-            </a:r>
-          </a:p>
-          <a:p>
-            <a:pPr lvl="1"/>
-            <a:r>
-              <a:rPr lang="en-US" altLang="zh-TW" dirty="0"/>
-              <a:t>Thread Sync Basic</a:t>
-            </a:r>
-          </a:p>
-          <a:p>
-            <a:pPr lvl="1"/>
-            <a:r>
-              <a:rPr lang="en-US" altLang="zh-TW" dirty="0"/>
-              <a:t>Cloud Native Concept: Auto Scaling</a:t>
-            </a:r>
-          </a:p>
-          <a:p>
-            <a:pPr lvl="1"/>
-            <a:r>
-              <a:rPr lang="en-US" altLang="zh-TW" dirty="0"/>
-              <a:t>Auto Scaling In Infra Way, Not In Developer Way</a:t>
-            </a:r>
-          </a:p>
-          <a:p>
-            <a:r>
-              <a:rPr lang="en-US" altLang="zh-TW" dirty="0"/>
-              <a:t>DEMO</a:t>
-            </a:r>
-          </a:p>
-          <a:p>
-            <a:endParaRPr lang="en-US" altLang="zh-TW" dirty="0"/>
-          </a:p>
-        </p:txBody>
-      </p:sp>
+              <a:t>.NET Microservices</a:t>
+            </a:r>
+          </a:p>
+        </p:txBody>
+      </p:sp>
+      <p:pic>
+        <p:nvPicPr>
+          <p:cNvPr id="3074" name="Picture 2" descr="æ¸ç±å°é¢">
+            <a:extLst>
+              <a:ext uri="{FF2B5EF4-FFF2-40B4-BE49-F238E27FC236}">
+                <a16:creationId xmlns:a16="http://schemas.microsoft.com/office/drawing/2014/main" id="{ED20BB43-9698-4A94-8AE6-EE7250533D14}"/>
+              </a:ext>
+            </a:extLst>
+          </p:cNvPr>
+          <p:cNvPicPr>
+            <a:picLocks noChangeAspect="1" noChangeArrowheads="1"/>
+          </p:cNvPicPr>
+          <p:nvPr/>
+        </p:nvPicPr>
+        <p:blipFill>
+          <a:blip r:embed="rId2">
+            <a:extLst>
+              <a:ext uri="{28A0092B-C50C-407E-A947-70E740481C1C}">
+                <a14:useLocalDpi xmlns:a14="http://schemas.microsoft.com/office/drawing/2010/main" val="0"/>
+              </a:ext>
+            </a:extLst>
+          </a:blip>
+          <a:srcRect/>
+          <a:stretch>
+            <a:fillRect/>
+          </a:stretch>
+        </p:blipFill>
+        <p:spPr bwMode="auto">
+          <a:xfrm>
+            <a:off x="799980" y="1350816"/>
+            <a:ext cx="2647950" cy="3429000"/>
+          </a:xfrm>
+          <a:prstGeom prst="rect">
+            <a:avLst/>
+          </a:prstGeom>
+          <a:noFill/>
+          <a:extLst>
+            <a:ext uri="{909E8E84-426E-40DD-AFC4-6F175D3DCCD1}">
+              <a14:hiddenFill xmlns:a14="http://schemas.microsoft.com/office/drawing/2010/main">
+                <a:solidFill>
+                  <a:srgbClr val="FFFFFF"/>
+                </a:solidFill>
+              </a14:hiddenFill>
+            </a:ext>
+          </a:extLst>
+        </p:spPr>
+      </p:pic>
+      <p:pic>
+        <p:nvPicPr>
+          <p:cNvPr id="6" name="圖片 5">
+            <a:extLst>
+              <a:ext uri="{FF2B5EF4-FFF2-40B4-BE49-F238E27FC236}">
+                <a16:creationId xmlns:a16="http://schemas.microsoft.com/office/drawing/2014/main" id="{5E342272-D16A-4FD3-A99A-59F25B32D304}"/>
+              </a:ext>
+            </a:extLst>
+          </p:cNvPr>
+          <p:cNvPicPr>
+            <a:picLocks noChangeAspect="1"/>
+          </p:cNvPicPr>
+          <p:nvPr/>
+        </p:nvPicPr>
+        <p:blipFill rotWithShape="1">
+          <a:blip r:embed="rId3"/>
+          <a:srcRect b="29142"/>
+          <a:stretch/>
+        </p:blipFill>
+        <p:spPr>
+          <a:xfrm>
+            <a:off x="4347622" y="1243027"/>
+            <a:ext cx="3082247" cy="3644579"/>
+          </a:xfrm>
+          <a:prstGeom prst="rect">
+            <a:avLst/>
+          </a:prstGeom>
+        </p:spPr>
+      </p:pic>
     </p:spTree>
     <p:extLst>
       <p:ext uri="{BB962C8B-B14F-4D97-AF65-F5344CB8AC3E}">
-        <p14:creationId xmlns:p14="http://schemas.microsoft.com/office/powerpoint/2010/main" val="2151037500"/>
+        <p14:creationId xmlns:p14="http://schemas.microsoft.com/office/powerpoint/2010/main" val="2371577746"/>
       </p:ext>
     </p:extLst>
   </p:cSld>
@@ -16135,7 +17985,7 @@
 </file>
 
 <file path=ppt/slides/slide4.xml><?xml version="1.0" encoding="utf-8"?>
-<p:sld xmlns:a="http://schemas.openxmlformats.org/drawingml/2006/main" xmlns:r="http://schemas.openxmlformats.org/officeDocument/2006/relationships" xmlns:p="http://schemas.openxmlformats.org/presentationml/2006/main" show="0">
+<p:sld xmlns:a="http://schemas.openxmlformats.org/drawingml/2006/main" xmlns:r="http://schemas.openxmlformats.org/officeDocument/2006/relationships" xmlns:p="http://schemas.openxmlformats.org/presentationml/2006/main">
   <p:cSld>
     <p:spTree>
       <p:nvGrpSpPr>
@@ -16153,13 +18003,7 @@
       </p:grpSpPr>
       <p:sp>
         <p:nvSpPr>
-          <p:cNvPr id="4" name="標題 3">
-            <a:extLst>
-              <a:ext uri="{FF2B5EF4-FFF2-40B4-BE49-F238E27FC236}">
-                <a16:creationId xmlns:a16="http://schemas.microsoft.com/office/drawing/2014/main" id="{C75BE676-D860-468D-9311-DAEA660C59AD}"/>
-              </a:ext>
-            </a:extLst>
-          </p:cNvPr>
+          <p:cNvPr id="2" name="標題 1"/>
           <p:cNvSpPr>
             <a:spLocks noGrp="1"/>
           </p:cNvSpPr>
@@ -16174,20 +18018,14 @@
           <a:p>
             <a:r>
               <a:rPr lang="en-US" dirty="0"/>
-              <a:t>References:</a:t>
-            </a:r>
-          </a:p>
-        </p:txBody>
-      </p:sp>
-      <p:sp>
-        <p:nvSpPr>
-          <p:cNvPr id="5" name="文字版面配置區 4">
-            <a:extLst>
-              <a:ext uri="{FF2B5EF4-FFF2-40B4-BE49-F238E27FC236}">
-                <a16:creationId xmlns:a16="http://schemas.microsoft.com/office/drawing/2014/main" id="{5921E39A-B199-406C-9A63-E91493405B4F}"/>
-              </a:ext>
-            </a:extLst>
-          </p:cNvPr>
+              <a:t>AGENDA</a:t>
+            </a:r>
+          </a:p>
+        </p:txBody>
+      </p:sp>
+      <p:sp>
+        <p:nvSpPr>
+          <p:cNvPr id="3" name="文字版面配置區 2"/>
           <p:cNvSpPr>
             <a:spLocks noGrp="1"/>
           </p:cNvSpPr>
@@ -16201,258 +18039,58 @@
           <a:lstStyle/>
           <a:p>
             <a:r>
-              <a:rPr lang="en-US" b="1" dirty="0"/>
-              <a:t>Web-Queue-Worker architecture style</a:t>
-            </a:r>
-          </a:p>
-          <a:p>
-            <a:r>
-              <a:rPr lang="en-US" b="1" dirty="0"/>
-              <a:t>Messaging patterns</a:t>
-            </a:r>
-          </a:p>
-          <a:p>
-            <a:r>
-              <a:rPr lang="en-US" b="1" dirty="0"/>
-              <a:t>Microservices communications. Why you should switch to message queues</a:t>
-            </a:r>
-            <a:r>
-              <a:rPr lang="en-US" dirty="0"/>
-              <a:t>.</a:t>
-            </a:r>
-          </a:p>
-          <a:p>
-            <a:r>
-              <a:rPr lang="en-US" b="1" dirty="0"/>
-              <a:t>Benefits of Message Queues</a:t>
-            </a:r>
-          </a:p>
-          <a:p>
-            <a:r>
-              <a:rPr lang="en-US" b="1" dirty="0"/>
-              <a:t>What is a Message Queue?</a:t>
-            </a:r>
-          </a:p>
-          <a:p>
-            <a:endParaRPr lang="en-US" b="1" dirty="0"/>
-          </a:p>
-          <a:p>
-            <a:endParaRPr lang="en-US" b="1" dirty="0"/>
-          </a:p>
-          <a:p>
-            <a:endParaRPr lang="en-US" dirty="0"/>
-          </a:p>
-        </p:txBody>
-      </p:sp>
-      <p:sp>
-        <p:nvSpPr>
-          <p:cNvPr id="6" name="文字方塊 5">
-            <a:extLst>
-              <a:ext uri="{FF2B5EF4-FFF2-40B4-BE49-F238E27FC236}">
-                <a16:creationId xmlns:a16="http://schemas.microsoft.com/office/drawing/2014/main" id="{E0D7F50A-7C48-4362-BE02-CA763A62742F}"/>
-              </a:ext>
-            </a:extLst>
-          </p:cNvPr>
-          <p:cNvSpPr txBox="1"/>
-          <p:nvPr/>
-        </p:nvSpPr>
-        <p:spPr>
-          <a:xfrm>
-            <a:off x="1469561" y="1709030"/>
-            <a:ext cx="7762061" cy="523220"/>
-          </a:xfrm>
-          <a:prstGeom prst="rect">
-            <a:avLst/>
-          </a:prstGeom>
-          <a:noFill/>
-        </p:spPr>
-        <p:txBody>
-          <a:bodyPr wrap="none" rtlCol="0">
-            <a:spAutoFit/>
-          </a:bodyPr>
-          <a:lstStyle/>
-          <a:p>
-            <a:r>
-              <a:rPr lang="en-US" dirty="0">
-                <a:hlinkClick r:id="rId2"/>
-              </a:rPr>
-              <a:t>https://docs.microsoft.com/en-us/azure/architecture/guide/architecture-styles/web-queue-worker</a:t>
-            </a:r>
-            <a:endParaRPr lang="en-US" dirty="0"/>
-          </a:p>
-          <a:p>
-            <a:endParaRPr lang="en-US" dirty="0"/>
-          </a:p>
-        </p:txBody>
-      </p:sp>
-      <p:sp>
-        <p:nvSpPr>
-          <p:cNvPr id="7" name="文字方塊 6">
-            <a:extLst>
-              <a:ext uri="{FF2B5EF4-FFF2-40B4-BE49-F238E27FC236}">
-                <a16:creationId xmlns:a16="http://schemas.microsoft.com/office/drawing/2014/main" id="{75D965A3-4598-4155-81EE-C167D6196BC9}"/>
-              </a:ext>
-            </a:extLst>
-          </p:cNvPr>
-          <p:cNvSpPr txBox="1"/>
-          <p:nvPr/>
-        </p:nvSpPr>
-        <p:spPr>
-          <a:xfrm>
-            <a:off x="1469561" y="4294695"/>
-            <a:ext cx="3496470" cy="523220"/>
-          </a:xfrm>
-          <a:prstGeom prst="rect">
-            <a:avLst/>
-          </a:prstGeom>
-          <a:noFill/>
-        </p:spPr>
-        <p:txBody>
-          <a:bodyPr wrap="none" rtlCol="0">
-            <a:spAutoFit/>
-          </a:bodyPr>
-          <a:lstStyle/>
-          <a:p>
-            <a:r>
-              <a:rPr lang="en-US" dirty="0">
-                <a:hlinkClick r:id="rId3"/>
-              </a:rPr>
-              <a:t>https://aws.amazon.com/message-queue/</a:t>
-            </a:r>
-            <a:endParaRPr lang="en-US" dirty="0"/>
-          </a:p>
-          <a:p>
-            <a:endParaRPr lang="en-US" dirty="0"/>
-          </a:p>
-        </p:txBody>
-      </p:sp>
-      <p:sp>
-        <p:nvSpPr>
-          <p:cNvPr id="8" name="文字方塊 7">
-            <a:extLst>
-              <a:ext uri="{FF2B5EF4-FFF2-40B4-BE49-F238E27FC236}">
-                <a16:creationId xmlns:a16="http://schemas.microsoft.com/office/drawing/2014/main" id="{8936E493-4404-4E58-82D0-D22AB55D68EB}"/>
-              </a:ext>
-            </a:extLst>
-          </p:cNvPr>
-          <p:cNvSpPr txBox="1"/>
-          <p:nvPr/>
-        </p:nvSpPr>
-        <p:spPr>
-          <a:xfrm>
-            <a:off x="1469561" y="3753870"/>
-            <a:ext cx="4172937" cy="523220"/>
-          </a:xfrm>
-          <a:prstGeom prst="rect">
-            <a:avLst/>
-          </a:prstGeom>
-          <a:noFill/>
-        </p:spPr>
-        <p:txBody>
-          <a:bodyPr wrap="none" rtlCol="0">
-            <a:spAutoFit/>
-          </a:bodyPr>
-          <a:lstStyle/>
-          <a:p>
-            <a:r>
-              <a:rPr lang="en-US" dirty="0">
-                <a:hlinkClick r:id="rId4"/>
-              </a:rPr>
-              <a:t>https://aws.amazon.com/message-queue/benefits/</a:t>
-            </a:r>
-            <a:endParaRPr lang="en-US" dirty="0"/>
-          </a:p>
-          <a:p>
-            <a:endParaRPr lang="en-US" dirty="0"/>
-          </a:p>
-        </p:txBody>
-      </p:sp>
-      <p:sp>
-        <p:nvSpPr>
-          <p:cNvPr id="9" name="文字方塊 8">
-            <a:extLst>
-              <a:ext uri="{FF2B5EF4-FFF2-40B4-BE49-F238E27FC236}">
-                <a16:creationId xmlns:a16="http://schemas.microsoft.com/office/drawing/2014/main" id="{5CBF4261-1FE5-4057-8D6F-77199D3B53D8}"/>
-              </a:ext>
-            </a:extLst>
-          </p:cNvPr>
-          <p:cNvSpPr txBox="1"/>
-          <p:nvPr/>
-        </p:nvSpPr>
-        <p:spPr>
-          <a:xfrm>
-            <a:off x="1469561" y="3250010"/>
-            <a:ext cx="8877751" cy="523220"/>
-          </a:xfrm>
-          <a:prstGeom prst="rect">
-            <a:avLst/>
-          </a:prstGeom>
-          <a:noFill/>
-        </p:spPr>
-        <p:txBody>
-          <a:bodyPr wrap="none" rtlCol="0">
-            <a:spAutoFit/>
-          </a:bodyPr>
-          <a:lstStyle/>
-          <a:p>
-            <a:r>
-              <a:rPr lang="en-US" dirty="0">
-                <a:hlinkClick r:id="rId5"/>
-              </a:rPr>
-              <a:t>https://dev.to/matteojoliveau/microservices-communications-why-you-should-switch-to-message-queues--48ia</a:t>
-            </a:r>
-            <a:endParaRPr lang="en-US" dirty="0"/>
-          </a:p>
-          <a:p>
-            <a:endParaRPr lang="en-US" dirty="0"/>
-          </a:p>
-        </p:txBody>
-      </p:sp>
-      <p:sp>
-        <p:nvSpPr>
-          <p:cNvPr id="10" name="文字方塊 9">
-            <a:extLst>
-              <a:ext uri="{FF2B5EF4-FFF2-40B4-BE49-F238E27FC236}">
-                <a16:creationId xmlns:a16="http://schemas.microsoft.com/office/drawing/2014/main" id="{3FF63C29-CE1F-456C-87B2-2C25AB601898}"/>
-              </a:ext>
-            </a:extLst>
-          </p:cNvPr>
-          <p:cNvSpPr txBox="1"/>
-          <p:nvPr/>
-        </p:nvSpPr>
-        <p:spPr>
-          <a:xfrm>
-            <a:off x="1469561" y="2217910"/>
-            <a:ext cx="6588663" cy="523220"/>
-          </a:xfrm>
-          <a:prstGeom prst="rect">
-            <a:avLst/>
-          </a:prstGeom>
-          <a:noFill/>
-        </p:spPr>
-        <p:txBody>
-          <a:bodyPr wrap="none" rtlCol="0">
-            <a:spAutoFit/>
-          </a:bodyPr>
-          <a:lstStyle/>
-          <a:p>
-            <a:r>
-              <a:rPr lang="en-US" dirty="0">
-                <a:hlinkClick r:id="rId6"/>
-              </a:rPr>
-              <a:t>https://docs.microsoft.com/en-us/azure/architecture/patterns/category/messaging</a:t>
-            </a:r>
-            <a:endParaRPr lang="en-US" dirty="0"/>
-          </a:p>
-          <a:p>
-            <a:endParaRPr lang="en-US" dirty="0"/>
+              <a:rPr lang="en-US" altLang="zh-TW" dirty="0"/>
+              <a:t>Message Queue Concepts</a:t>
+            </a:r>
+          </a:p>
+          <a:p>
+            <a:r>
+              <a:rPr lang="en-US" altLang="zh-TW" dirty="0"/>
+              <a:t>NineYi.Msa.Infra.Messaging.*</a:t>
+            </a:r>
+          </a:p>
+          <a:p>
+            <a:r>
+              <a:rPr lang="en-US" altLang="zh-TW" dirty="0"/>
+              <a:t>Inside Messaging:</a:t>
+            </a:r>
+          </a:p>
+          <a:p>
+            <a:pPr lvl="1"/>
+            <a:r>
+              <a:rPr lang="en-US" altLang="zh-TW" dirty="0"/>
+              <a:t>Thread Sync Basic</a:t>
+            </a:r>
+          </a:p>
+          <a:p>
+            <a:pPr lvl="1"/>
+            <a:r>
+              <a:rPr lang="en-US" altLang="zh-TW" dirty="0"/>
+              <a:t>Cloud Native Concept: Auto Scaling</a:t>
+            </a:r>
+          </a:p>
+          <a:p>
+            <a:pPr lvl="1"/>
+            <a:r>
+              <a:rPr lang="en-US" altLang="zh-TW" dirty="0"/>
+              <a:t>Auto Scaling In Infra Way, Not In Developer Way</a:t>
+            </a:r>
+          </a:p>
+          <a:p>
+            <a:r>
+              <a:rPr lang="en-US" altLang="zh-TW" dirty="0"/>
+              <a:t>DEMO</a:t>
+            </a:r>
+          </a:p>
+          <a:p>
+            <a:endParaRPr lang="en-US" altLang="zh-TW" dirty="0"/>
           </a:p>
         </p:txBody>
       </p:sp>
     </p:spTree>
     <p:extLst>
       <p:ext uri="{BB962C8B-B14F-4D97-AF65-F5344CB8AC3E}">
-        <p14:creationId xmlns:p14="http://schemas.microsoft.com/office/powerpoint/2010/main" val="2680772232"/>
+        <p14:creationId xmlns:p14="http://schemas.microsoft.com/office/powerpoint/2010/main" val="2151037500"/>
       </p:ext>
     </p:extLst>
   </p:cSld>
@@ -16481,6 +18119,334 @@
       </p:grpSpPr>
       <p:sp>
         <p:nvSpPr>
+          <p:cNvPr id="4" name="標題 3">
+            <a:extLst>
+              <a:ext uri="{FF2B5EF4-FFF2-40B4-BE49-F238E27FC236}">
+                <a16:creationId xmlns:a16="http://schemas.microsoft.com/office/drawing/2014/main" id="{C75BE676-D860-468D-9311-DAEA660C59AD}"/>
+              </a:ext>
+            </a:extLst>
+          </p:cNvPr>
+          <p:cNvSpPr>
+            <a:spLocks noGrp="1"/>
+          </p:cNvSpPr>
+          <p:nvPr>
+            <p:ph type="title"/>
+          </p:nvPr>
+        </p:nvSpPr>
+        <p:spPr/>
+        <p:txBody>
+          <a:bodyPr/>
+          <a:lstStyle/>
+          <a:p>
+            <a:r>
+              <a:rPr lang="en-US" dirty="0"/>
+              <a:t>References:</a:t>
+            </a:r>
+          </a:p>
+        </p:txBody>
+      </p:sp>
+      <p:sp>
+        <p:nvSpPr>
+          <p:cNvPr id="5" name="文字版面配置區 4">
+            <a:extLst>
+              <a:ext uri="{FF2B5EF4-FFF2-40B4-BE49-F238E27FC236}">
+                <a16:creationId xmlns:a16="http://schemas.microsoft.com/office/drawing/2014/main" id="{5921E39A-B199-406C-9A63-E91493405B4F}"/>
+              </a:ext>
+            </a:extLst>
+          </p:cNvPr>
+          <p:cNvSpPr>
+            <a:spLocks noGrp="1"/>
+          </p:cNvSpPr>
+          <p:nvPr>
+            <p:ph type="body" idx="1"/>
+          </p:nvPr>
+        </p:nvSpPr>
+        <p:spPr/>
+        <p:txBody>
+          <a:bodyPr/>
+          <a:lstStyle/>
+          <a:p>
+            <a:r>
+              <a:rPr lang="en-US" b="1" dirty="0"/>
+              <a:t>Web-Queue-Worker architecture style</a:t>
+            </a:r>
+          </a:p>
+          <a:p>
+            <a:r>
+              <a:rPr lang="en-US" b="1" dirty="0"/>
+              <a:t>Messaging patterns</a:t>
+            </a:r>
+          </a:p>
+          <a:p>
+            <a:r>
+              <a:rPr lang="en-US" b="1" dirty="0"/>
+              <a:t>Microservices communications. Why you should switch to message queues</a:t>
+            </a:r>
+            <a:r>
+              <a:rPr lang="en-US" dirty="0"/>
+              <a:t>.</a:t>
+            </a:r>
+          </a:p>
+          <a:p>
+            <a:r>
+              <a:rPr lang="en-US" b="1" dirty="0"/>
+              <a:t>Benefits of Message Queues</a:t>
+            </a:r>
+          </a:p>
+          <a:p>
+            <a:r>
+              <a:rPr lang="en-US" b="1" dirty="0"/>
+              <a:t>What is a Message Queue?</a:t>
+            </a:r>
+          </a:p>
+          <a:p>
+            <a:endParaRPr lang="en-US" b="1" dirty="0"/>
+          </a:p>
+          <a:p>
+            <a:endParaRPr lang="en-US" b="1" dirty="0"/>
+          </a:p>
+          <a:p>
+            <a:endParaRPr lang="en-US" dirty="0"/>
+          </a:p>
+        </p:txBody>
+      </p:sp>
+      <p:sp>
+        <p:nvSpPr>
+          <p:cNvPr id="6" name="文字方塊 5">
+            <a:extLst>
+              <a:ext uri="{FF2B5EF4-FFF2-40B4-BE49-F238E27FC236}">
+                <a16:creationId xmlns:a16="http://schemas.microsoft.com/office/drawing/2014/main" id="{E0D7F50A-7C48-4362-BE02-CA763A62742F}"/>
+              </a:ext>
+            </a:extLst>
+          </p:cNvPr>
+          <p:cNvSpPr txBox="1"/>
+          <p:nvPr/>
+        </p:nvSpPr>
+        <p:spPr>
+          <a:xfrm>
+            <a:off x="1469561" y="1709030"/>
+            <a:ext cx="7762061" cy="523220"/>
+          </a:xfrm>
+          <a:prstGeom prst="rect">
+            <a:avLst/>
+          </a:prstGeom>
+          <a:noFill/>
+        </p:spPr>
+        <p:txBody>
+          <a:bodyPr wrap="none" rtlCol="0">
+            <a:spAutoFit/>
+          </a:bodyPr>
+          <a:lstStyle/>
+          <a:p>
+            <a:r>
+              <a:rPr lang="en-US" dirty="0">
+                <a:hlinkClick r:id="rId2"/>
+              </a:rPr>
+              <a:t>https://docs.microsoft.com/en-us/azure/architecture/guide/architecture-styles/web-queue-worker</a:t>
+            </a:r>
+            <a:endParaRPr lang="en-US" dirty="0"/>
+          </a:p>
+          <a:p>
+            <a:endParaRPr lang="en-US" dirty="0"/>
+          </a:p>
+        </p:txBody>
+      </p:sp>
+      <p:sp>
+        <p:nvSpPr>
+          <p:cNvPr id="7" name="文字方塊 6">
+            <a:extLst>
+              <a:ext uri="{FF2B5EF4-FFF2-40B4-BE49-F238E27FC236}">
+                <a16:creationId xmlns:a16="http://schemas.microsoft.com/office/drawing/2014/main" id="{75D965A3-4598-4155-81EE-C167D6196BC9}"/>
+              </a:ext>
+            </a:extLst>
+          </p:cNvPr>
+          <p:cNvSpPr txBox="1"/>
+          <p:nvPr/>
+        </p:nvSpPr>
+        <p:spPr>
+          <a:xfrm>
+            <a:off x="1469561" y="4294695"/>
+            <a:ext cx="3496470" cy="523220"/>
+          </a:xfrm>
+          <a:prstGeom prst="rect">
+            <a:avLst/>
+          </a:prstGeom>
+          <a:noFill/>
+        </p:spPr>
+        <p:txBody>
+          <a:bodyPr wrap="none" rtlCol="0">
+            <a:spAutoFit/>
+          </a:bodyPr>
+          <a:lstStyle/>
+          <a:p>
+            <a:r>
+              <a:rPr lang="en-US" dirty="0">
+                <a:hlinkClick r:id="rId3"/>
+              </a:rPr>
+              <a:t>https://aws.amazon.com/message-queue/</a:t>
+            </a:r>
+            <a:endParaRPr lang="en-US" dirty="0"/>
+          </a:p>
+          <a:p>
+            <a:endParaRPr lang="en-US" dirty="0"/>
+          </a:p>
+        </p:txBody>
+      </p:sp>
+      <p:sp>
+        <p:nvSpPr>
+          <p:cNvPr id="8" name="文字方塊 7">
+            <a:extLst>
+              <a:ext uri="{FF2B5EF4-FFF2-40B4-BE49-F238E27FC236}">
+                <a16:creationId xmlns:a16="http://schemas.microsoft.com/office/drawing/2014/main" id="{8936E493-4404-4E58-82D0-D22AB55D68EB}"/>
+              </a:ext>
+            </a:extLst>
+          </p:cNvPr>
+          <p:cNvSpPr txBox="1"/>
+          <p:nvPr/>
+        </p:nvSpPr>
+        <p:spPr>
+          <a:xfrm>
+            <a:off x="1469561" y="3753870"/>
+            <a:ext cx="4172937" cy="523220"/>
+          </a:xfrm>
+          <a:prstGeom prst="rect">
+            <a:avLst/>
+          </a:prstGeom>
+          <a:noFill/>
+        </p:spPr>
+        <p:txBody>
+          <a:bodyPr wrap="none" rtlCol="0">
+            <a:spAutoFit/>
+          </a:bodyPr>
+          <a:lstStyle/>
+          <a:p>
+            <a:r>
+              <a:rPr lang="en-US" dirty="0">
+                <a:hlinkClick r:id="rId4"/>
+              </a:rPr>
+              <a:t>https://aws.amazon.com/message-queue/benefits/</a:t>
+            </a:r>
+            <a:endParaRPr lang="en-US" dirty="0"/>
+          </a:p>
+          <a:p>
+            <a:endParaRPr lang="en-US" dirty="0"/>
+          </a:p>
+        </p:txBody>
+      </p:sp>
+      <p:sp>
+        <p:nvSpPr>
+          <p:cNvPr id="9" name="文字方塊 8">
+            <a:extLst>
+              <a:ext uri="{FF2B5EF4-FFF2-40B4-BE49-F238E27FC236}">
+                <a16:creationId xmlns:a16="http://schemas.microsoft.com/office/drawing/2014/main" id="{5CBF4261-1FE5-4057-8D6F-77199D3B53D8}"/>
+              </a:ext>
+            </a:extLst>
+          </p:cNvPr>
+          <p:cNvSpPr txBox="1"/>
+          <p:nvPr/>
+        </p:nvSpPr>
+        <p:spPr>
+          <a:xfrm>
+            <a:off x="1469561" y="3250010"/>
+            <a:ext cx="8877751" cy="523220"/>
+          </a:xfrm>
+          <a:prstGeom prst="rect">
+            <a:avLst/>
+          </a:prstGeom>
+          <a:noFill/>
+        </p:spPr>
+        <p:txBody>
+          <a:bodyPr wrap="none" rtlCol="0">
+            <a:spAutoFit/>
+          </a:bodyPr>
+          <a:lstStyle/>
+          <a:p>
+            <a:r>
+              <a:rPr lang="en-US" dirty="0">
+                <a:hlinkClick r:id="rId5"/>
+              </a:rPr>
+              <a:t>https://dev.to/matteojoliveau/microservices-communications-why-you-should-switch-to-message-queues--48ia</a:t>
+            </a:r>
+            <a:endParaRPr lang="en-US" dirty="0"/>
+          </a:p>
+          <a:p>
+            <a:endParaRPr lang="en-US" dirty="0"/>
+          </a:p>
+        </p:txBody>
+      </p:sp>
+      <p:sp>
+        <p:nvSpPr>
+          <p:cNvPr id="10" name="文字方塊 9">
+            <a:extLst>
+              <a:ext uri="{FF2B5EF4-FFF2-40B4-BE49-F238E27FC236}">
+                <a16:creationId xmlns:a16="http://schemas.microsoft.com/office/drawing/2014/main" id="{3FF63C29-CE1F-456C-87B2-2C25AB601898}"/>
+              </a:ext>
+            </a:extLst>
+          </p:cNvPr>
+          <p:cNvSpPr txBox="1"/>
+          <p:nvPr/>
+        </p:nvSpPr>
+        <p:spPr>
+          <a:xfrm>
+            <a:off x="1469561" y="2217910"/>
+            <a:ext cx="6588663" cy="523220"/>
+          </a:xfrm>
+          <a:prstGeom prst="rect">
+            <a:avLst/>
+          </a:prstGeom>
+          <a:noFill/>
+        </p:spPr>
+        <p:txBody>
+          <a:bodyPr wrap="none" rtlCol="0">
+            <a:spAutoFit/>
+          </a:bodyPr>
+          <a:lstStyle/>
+          <a:p>
+            <a:r>
+              <a:rPr lang="en-US" dirty="0">
+                <a:hlinkClick r:id="rId6"/>
+              </a:rPr>
+              <a:t>https://docs.microsoft.com/en-us/azure/architecture/patterns/category/messaging</a:t>
+            </a:r>
+            <a:endParaRPr lang="en-US" dirty="0"/>
+          </a:p>
+          <a:p>
+            <a:endParaRPr lang="en-US" dirty="0"/>
+          </a:p>
+        </p:txBody>
+      </p:sp>
+    </p:spTree>
+    <p:extLst>
+      <p:ext uri="{BB962C8B-B14F-4D97-AF65-F5344CB8AC3E}">
+        <p14:creationId xmlns:p14="http://schemas.microsoft.com/office/powerpoint/2010/main" val="2680772232"/>
+      </p:ext>
+    </p:extLst>
+  </p:cSld>
+  <p:clrMapOvr>
+    <a:masterClrMapping/>
+  </p:clrMapOvr>
+</p:sld>
+</file>
+
+<file path=ppt/slides/slide6.xml><?xml version="1.0" encoding="utf-8"?>
+<p:sld xmlns:a="http://schemas.openxmlformats.org/drawingml/2006/main" xmlns:r="http://schemas.openxmlformats.org/officeDocument/2006/relationships" xmlns:p="http://schemas.openxmlformats.org/presentationml/2006/main" show="0">
+  <p:cSld>
+    <p:spTree>
+      <p:nvGrpSpPr>
+        <p:cNvPr id="1" name=""/>
+        <p:cNvGrpSpPr/>
+        <p:nvPr/>
+      </p:nvGrpSpPr>
+      <p:grpSpPr>
+        <a:xfrm>
+          <a:off x="0" y="0"/>
+          <a:ext cx="0" cy="0"/>
+          <a:chOff x="0" y="0"/>
+          <a:chExt cx="0" cy="0"/>
+        </a:xfrm>
+      </p:grpSpPr>
+      <p:sp>
+        <p:nvSpPr>
           <p:cNvPr id="13" name="標題 12"/>
           <p:cNvSpPr>
             <a:spLocks noGrp="1"/>
@@ -16533,7 +18499,7 @@
 </p:sld>
 </file>
 
-<file path=ppt/slides/slide6.xml><?xml version="1.0" encoding="utf-8"?>
+<file path=ppt/slides/slide7.xml><?xml version="1.0" encoding="utf-8"?>
 <p:sld xmlns:a="http://schemas.openxmlformats.org/drawingml/2006/main" xmlns:r="http://schemas.openxmlformats.org/officeDocument/2006/relationships" xmlns:p="http://schemas.openxmlformats.org/presentationml/2006/main">
   <p:cSld>
     <p:spTree>
@@ -16884,7 +18850,7 @@
 </p:sld>
 </file>
 
-<file path=ppt/slides/slide7.xml><?xml version="1.0" encoding="utf-8"?>
+<file path=ppt/slides/slide8.xml><?xml version="1.0" encoding="utf-8"?>
 <p:sld xmlns:a="http://schemas.openxmlformats.org/drawingml/2006/main" xmlns:r="http://schemas.openxmlformats.org/officeDocument/2006/relationships" xmlns:p="http://schemas.openxmlformats.org/presentationml/2006/main">
   <p:cSld>
     <p:spTree>
@@ -17299,250 +19265,6 @@
 </p:sld>
 </file>
 
-<file path=ppt/slides/slide8.xml><?xml version="1.0" encoding="utf-8"?>
-<p:sld xmlns:a="http://schemas.openxmlformats.org/drawingml/2006/main" xmlns:r="http://schemas.openxmlformats.org/officeDocument/2006/relationships" xmlns:p="http://schemas.openxmlformats.org/presentationml/2006/main">
-  <p:cSld>
-    <p:spTree>
-      <p:nvGrpSpPr>
-        <p:cNvPr id="1" name=""/>
-        <p:cNvGrpSpPr/>
-        <p:nvPr/>
-      </p:nvGrpSpPr>
-      <p:grpSpPr>
-        <a:xfrm>
-          <a:off x="0" y="0"/>
-          <a:ext cx="0" cy="0"/>
-          <a:chOff x="0" y="0"/>
-          <a:chExt cx="0" cy="0"/>
-        </a:xfrm>
-      </p:grpSpPr>
-      <p:sp>
-        <p:nvSpPr>
-          <p:cNvPr id="4" name="標題 3">
-            <a:extLst>
-              <a:ext uri="{FF2B5EF4-FFF2-40B4-BE49-F238E27FC236}">
-                <a16:creationId xmlns:a16="http://schemas.microsoft.com/office/drawing/2014/main" id="{3806B6DB-D39B-42F1-BCE7-27FE2566F4B3}"/>
-              </a:ext>
-            </a:extLst>
-          </p:cNvPr>
-          <p:cNvSpPr>
-            <a:spLocks noGrp="1"/>
-          </p:cNvSpPr>
-          <p:nvPr>
-            <p:ph type="title"/>
-          </p:nvPr>
-        </p:nvSpPr>
-        <p:spPr/>
-        <p:txBody>
-          <a:bodyPr/>
-          <a:lstStyle/>
-          <a:p>
-            <a:endParaRPr lang="en-US"/>
-          </a:p>
-        </p:txBody>
-      </p:sp>
-      <p:sp>
-        <p:nvSpPr>
-          <p:cNvPr id="5" name="文字版面配置區 4">
-            <a:extLst>
-              <a:ext uri="{FF2B5EF4-FFF2-40B4-BE49-F238E27FC236}">
-                <a16:creationId xmlns:a16="http://schemas.microsoft.com/office/drawing/2014/main" id="{01093ED1-D110-4D56-8BC1-77558755C3C1}"/>
-              </a:ext>
-            </a:extLst>
-          </p:cNvPr>
-          <p:cNvSpPr>
-            <a:spLocks noGrp="1"/>
-          </p:cNvSpPr>
-          <p:nvPr>
-            <p:ph type="body" idx="1"/>
-          </p:nvPr>
-        </p:nvSpPr>
-        <p:spPr/>
-        <p:txBody>
-          <a:bodyPr/>
-          <a:lstStyle/>
-          <a:p>
-            <a:r>
-              <a:rPr lang="en-US" dirty="0"/>
-              <a:t>Simplified Decoupling</a:t>
-            </a:r>
-          </a:p>
-          <a:p>
-            <a:pPr lvl="1"/>
-            <a:endParaRPr lang="en-US" dirty="0"/>
-          </a:p>
-          <a:p>
-            <a:pPr lvl="1"/>
-            <a:endParaRPr lang="en-US" dirty="0"/>
-          </a:p>
-          <a:p>
-            <a:pPr lvl="1"/>
-            <a:r>
-              <a:rPr lang="en-US" dirty="0"/>
-              <a:t>Break Up Apps</a:t>
-            </a:r>
-          </a:p>
-          <a:p>
-            <a:pPr lvl="1"/>
-            <a:r>
-              <a:rPr lang="en-US" dirty="0"/>
-              <a:t>Migrate to Microservices</a:t>
-            </a:r>
-          </a:p>
-          <a:p>
-            <a:pPr lvl="1"/>
-            <a:endParaRPr lang="en-US" dirty="0"/>
-          </a:p>
-          <a:p>
-            <a:pPr lvl="1"/>
-            <a:endParaRPr lang="en-US" dirty="0"/>
-          </a:p>
-          <a:p>
-            <a:pPr lvl="1"/>
-            <a:endParaRPr lang="en-US" dirty="0"/>
-          </a:p>
-          <a:p>
-            <a:pPr lvl="1"/>
-            <a:r>
-              <a:rPr lang="en-US" dirty="0"/>
-              <a:t>Shift to Serverless</a:t>
-            </a:r>
-          </a:p>
-        </p:txBody>
-      </p:sp>
-      <p:sp>
-        <p:nvSpPr>
-          <p:cNvPr id="6" name="文字方塊 5">
-            <a:extLst>
-              <a:ext uri="{FF2B5EF4-FFF2-40B4-BE49-F238E27FC236}">
-                <a16:creationId xmlns:a16="http://schemas.microsoft.com/office/drawing/2014/main" id="{4B1AB8C2-BFA8-45FA-B908-1A30D58BDB3D}"/>
-              </a:ext>
-            </a:extLst>
-          </p:cNvPr>
-          <p:cNvSpPr txBox="1"/>
-          <p:nvPr/>
-        </p:nvSpPr>
-        <p:spPr>
-          <a:xfrm>
-            <a:off x="503501" y="1770927"/>
-            <a:ext cx="8704627" cy="738664"/>
-          </a:xfrm>
-          <a:prstGeom prst="rect">
-            <a:avLst/>
-          </a:prstGeom>
-          <a:noFill/>
-        </p:spPr>
-        <p:txBody>
-          <a:bodyPr wrap="none" rtlCol="0">
-            <a:spAutoFit/>
-          </a:bodyPr>
-          <a:lstStyle/>
-          <a:p>
-            <a:r>
-              <a:rPr lang="en-US" dirty="0"/>
-              <a:t>Message queues remove dependencies between components and significantly simplify </a:t>
-            </a:r>
-          </a:p>
-          <a:p>
-            <a:r>
-              <a:rPr lang="en-US" dirty="0"/>
-              <a:t>the coding of decoupled applications. </a:t>
-            </a:r>
-            <a:r>
-              <a:rPr lang="en-US" dirty="0">
-                <a:hlinkClick r:id="rId2"/>
-              </a:rPr>
-              <a:t>Message queues</a:t>
-            </a:r>
-            <a:r>
-              <a:rPr lang="en-US" dirty="0"/>
-              <a:t> are an elegantly simple way to decouple </a:t>
-            </a:r>
-          </a:p>
-          <a:p>
-            <a:r>
-              <a:rPr lang="en-US" dirty="0"/>
-              <a:t>distributed systems, whether you're using monolithic applications, microservices or serverless architectures.</a:t>
-            </a:r>
-          </a:p>
-        </p:txBody>
-      </p:sp>
-      <p:sp>
-        <p:nvSpPr>
-          <p:cNvPr id="8" name="文字方塊 7">
-            <a:extLst>
-              <a:ext uri="{FF2B5EF4-FFF2-40B4-BE49-F238E27FC236}">
-                <a16:creationId xmlns:a16="http://schemas.microsoft.com/office/drawing/2014/main" id="{B61CF139-52C0-42DA-95BC-1C4D96158825}"/>
-              </a:ext>
-            </a:extLst>
-          </p:cNvPr>
-          <p:cNvSpPr txBox="1"/>
-          <p:nvPr/>
-        </p:nvSpPr>
-        <p:spPr>
-          <a:xfrm>
-            <a:off x="1006997" y="3240667"/>
-            <a:ext cx="7475123" cy="954107"/>
-          </a:xfrm>
-          <a:prstGeom prst="rect">
-            <a:avLst/>
-          </a:prstGeom>
-          <a:noFill/>
-        </p:spPr>
-        <p:txBody>
-          <a:bodyPr wrap="none" rtlCol="0">
-            <a:spAutoFit/>
-          </a:bodyPr>
-          <a:lstStyle/>
-          <a:p>
-            <a:r>
-              <a:rPr lang="en-US" dirty="0"/>
-              <a:t>Microservices integration patterns that are based on events and asynchronous messaging </a:t>
-            </a:r>
-          </a:p>
-          <a:p>
-            <a:r>
-              <a:rPr lang="en-US" dirty="0"/>
-              <a:t>optimize scalability and resiliency. Use </a:t>
-            </a:r>
-            <a:r>
-              <a:rPr lang="en-US" dirty="0">
-                <a:hlinkClick r:id="rId3"/>
-              </a:rPr>
-              <a:t>message queuing services</a:t>
-            </a:r>
-            <a:r>
-              <a:rPr lang="en-US" dirty="0"/>
-              <a:t> to coordinate multiple </a:t>
-            </a:r>
-          </a:p>
-          <a:p>
-            <a:r>
-              <a:rPr lang="en-US" dirty="0"/>
-              <a:t>microservices, notify microservices of data changes, or as an event firehose to process IoT, </a:t>
-            </a:r>
-          </a:p>
-          <a:p>
-            <a:r>
-              <a:rPr lang="en-US" dirty="0"/>
-              <a:t>social and real-time data.</a:t>
-            </a:r>
-          </a:p>
-        </p:txBody>
-      </p:sp>
-    </p:spTree>
-    <p:extLst>
-      <p:ext uri="{BB962C8B-B14F-4D97-AF65-F5344CB8AC3E}">
-        <p14:creationId xmlns:p14="http://schemas.microsoft.com/office/powerpoint/2010/main" val="1648449129"/>
-      </p:ext>
-    </p:extLst>
-  </p:cSld>
-  <p:clrMapOvr>
-    <a:masterClrMapping/>
-  </p:clrMapOvr>
-</p:sld>
-</file>
-
 <file path=ppt/slides/slide9.xml><?xml version="1.0" encoding="utf-8"?>
 <p:sld xmlns:a="http://schemas.openxmlformats.org/drawingml/2006/main" xmlns:r="http://schemas.openxmlformats.org/officeDocument/2006/relationships" xmlns:p="http://schemas.openxmlformats.org/presentationml/2006/main">
   <p:cSld>
@@ -17562,10 +19284,10 @@
       </p:grpSpPr>
       <p:sp>
         <p:nvSpPr>
-          <p:cNvPr id="6" name="標題 5">
-            <a:extLst>
-              <a:ext uri="{FF2B5EF4-FFF2-40B4-BE49-F238E27FC236}">
-                <a16:creationId xmlns:a16="http://schemas.microsoft.com/office/drawing/2014/main" id="{209013C9-A701-4B95-BA07-10C354A62A7E}"/>
+          <p:cNvPr id="4" name="標題 3">
+            <a:extLst>
+              <a:ext uri="{FF2B5EF4-FFF2-40B4-BE49-F238E27FC236}">
+                <a16:creationId xmlns:a16="http://schemas.microsoft.com/office/drawing/2014/main" id="{3806B6DB-D39B-42F1-BCE7-27FE2566F4B3}"/>
               </a:ext>
             </a:extLst>
           </p:cNvPr>
@@ -17573,7 +19295,7 @@
             <a:spLocks noGrp="1"/>
           </p:cNvSpPr>
           <p:nvPr>
-            <p:ph type="ctrTitle"/>
+            <p:ph type="title"/>
           </p:nvPr>
         </p:nvSpPr>
         <p:spPr/>
@@ -17581,22 +19303,19 @@
           <a:bodyPr/>
           <a:lstStyle/>
           <a:p>
-            <a:br>
+            <a:r>
               <a:rPr lang="en-US" dirty="0"/>
-            </a:br>
-            <a:r>
-              <a:rPr lang="en-US" dirty="0"/>
-              <a:t>DEMO</a:t>
-            </a:r>
-          </a:p>
-        </p:txBody>
-      </p:sp>
-      <p:sp>
-        <p:nvSpPr>
-          <p:cNvPr id="7" name="副標題 6">
-            <a:extLst>
-              <a:ext uri="{FF2B5EF4-FFF2-40B4-BE49-F238E27FC236}">
-                <a16:creationId xmlns:a16="http://schemas.microsoft.com/office/drawing/2014/main" id="{21967A67-66D2-4776-AB17-A2B292A73915}"/>
+              <a:t>Benefits of Message Queues</a:t>
+            </a:r>
+          </a:p>
+        </p:txBody>
+      </p:sp>
+      <p:sp>
+        <p:nvSpPr>
+          <p:cNvPr id="5" name="文字版面配置區 4">
+            <a:extLst>
+              <a:ext uri="{FF2B5EF4-FFF2-40B4-BE49-F238E27FC236}">
+                <a16:creationId xmlns:a16="http://schemas.microsoft.com/office/drawing/2014/main" id="{01093ED1-D110-4D56-8BC1-77558755C3C1}"/>
               </a:ext>
             </a:extLst>
           </p:cNvPr>
@@ -17604,22 +19323,178 @@
             <a:spLocks noGrp="1"/>
           </p:cNvSpPr>
           <p:nvPr>
-            <p:ph type="subTitle" idx="1"/>
+            <p:ph type="body" idx="1"/>
           </p:nvPr>
+        </p:nvSpPr>
+        <p:spPr/>
+        <p:txBody>
+          <a:bodyPr/>
+          <a:lstStyle/>
+          <a:p>
+            <a:r>
+              <a:rPr lang="en-US" dirty="0"/>
+              <a:t>Simplified Decoupling</a:t>
+            </a:r>
+          </a:p>
+          <a:p>
+            <a:pPr lvl="1"/>
+            <a:endParaRPr lang="en-US" dirty="0"/>
+          </a:p>
+          <a:p>
+            <a:pPr lvl="1"/>
+            <a:endParaRPr lang="en-US" dirty="0"/>
+          </a:p>
+          <a:p>
+            <a:pPr lvl="1"/>
+            <a:r>
+              <a:rPr lang="en-US" dirty="0"/>
+              <a:t>Break Up Apps</a:t>
+            </a:r>
+          </a:p>
+          <a:p>
+            <a:pPr lvl="1"/>
+            <a:r>
+              <a:rPr lang="en-US" dirty="0"/>
+              <a:t>Migrate to Microservices</a:t>
+            </a:r>
+          </a:p>
+          <a:p>
+            <a:pPr lvl="1"/>
+            <a:endParaRPr lang="en-US" dirty="0"/>
+          </a:p>
+          <a:p>
+            <a:pPr lvl="1"/>
+            <a:endParaRPr lang="en-US" dirty="0"/>
+          </a:p>
+          <a:p>
+            <a:pPr lvl="1"/>
+            <a:endParaRPr lang="en-US" dirty="0"/>
+          </a:p>
+          <a:p>
+            <a:pPr lvl="1"/>
+            <a:r>
+              <a:rPr lang="en-US" dirty="0"/>
+              <a:t>Shift to Serverless</a:t>
+            </a:r>
+          </a:p>
+        </p:txBody>
+      </p:sp>
+      <p:sp>
+        <p:nvSpPr>
+          <p:cNvPr id="6" name="文字方塊 5">
+            <a:extLst>
+              <a:ext uri="{FF2B5EF4-FFF2-40B4-BE49-F238E27FC236}">
+                <a16:creationId xmlns:a16="http://schemas.microsoft.com/office/drawing/2014/main" id="{4B1AB8C2-BFA8-45FA-B908-1A30D58BDB3D}"/>
+              </a:ext>
+            </a:extLst>
+          </p:cNvPr>
+          <p:cNvSpPr txBox="1"/>
+          <p:nvPr/>
         </p:nvSpPr>
         <p:spPr>
           <a:xfrm>
-            <a:off x="457199" y="3716392"/>
-            <a:ext cx="8466881" cy="1232700"/>
+            <a:off x="503501" y="1770927"/>
+            <a:ext cx="8704627" cy="738664"/>
           </a:xfrm>
+          <a:prstGeom prst="rect">
+            <a:avLst/>
+          </a:prstGeom>
+          <a:noFill/>
         </p:spPr>
         <p:txBody>
-          <a:bodyPr/>
+          <a:bodyPr wrap="none" rtlCol="0">
+            <a:spAutoFit/>
+          </a:bodyPr>
           <a:lstStyle/>
           <a:p>
             <a:r>
               <a:rPr lang="en-US" dirty="0"/>
-              <a:t>NineYi.Msa.Infra.Messaging.*</a:t>
+              <a:t>Message queues remove dependencies between components and significantly simplify </a:t>
+            </a:r>
+          </a:p>
+          <a:p>
+            <a:r>
+              <a:rPr lang="en-US" dirty="0"/>
+              <a:t>the coding of decoupled applications. </a:t>
+            </a:r>
+            <a:r>
+              <a:rPr lang="en-US" dirty="0">
+                <a:hlinkClick r:id="rId2"/>
+              </a:rPr>
+              <a:t>Message queues</a:t>
+            </a:r>
+            <a:r>
+              <a:rPr lang="en-US" dirty="0"/>
+              <a:t> are an elegantly simple way to decouple </a:t>
+            </a:r>
+          </a:p>
+          <a:p>
+            <a:r>
+              <a:rPr lang="en-US" dirty="0"/>
+              <a:t>distributed systems, whether you're using monolithic applications, microservices or serverless architectures.</a:t>
+            </a:r>
+          </a:p>
+        </p:txBody>
+      </p:sp>
+      <p:sp>
+        <p:nvSpPr>
+          <p:cNvPr id="8" name="文字方塊 7">
+            <a:extLst>
+              <a:ext uri="{FF2B5EF4-FFF2-40B4-BE49-F238E27FC236}">
+                <a16:creationId xmlns:a16="http://schemas.microsoft.com/office/drawing/2014/main" id="{B61CF139-52C0-42DA-95BC-1C4D96158825}"/>
+              </a:ext>
+            </a:extLst>
+          </p:cNvPr>
+          <p:cNvSpPr txBox="1"/>
+          <p:nvPr/>
+        </p:nvSpPr>
+        <p:spPr>
+          <a:xfrm>
+            <a:off x="1006997" y="3240667"/>
+            <a:ext cx="7475123" cy="954107"/>
+          </a:xfrm>
+          <a:prstGeom prst="rect">
+            <a:avLst/>
+          </a:prstGeom>
+          <a:noFill/>
+        </p:spPr>
+        <p:txBody>
+          <a:bodyPr wrap="none" rtlCol="0">
+            <a:spAutoFit/>
+          </a:bodyPr>
+          <a:lstStyle/>
+          <a:p>
+            <a:r>
+              <a:rPr lang="en-US" dirty="0"/>
+              <a:t>Microservices integration patterns that are based on events and asynchronous messaging </a:t>
+            </a:r>
+          </a:p>
+          <a:p>
+            <a:r>
+              <a:rPr lang="en-US" dirty="0"/>
+              <a:t>optimize scalability and resiliency. Use </a:t>
+            </a:r>
+            <a:r>
+              <a:rPr lang="en-US" dirty="0">
+                <a:hlinkClick r:id="rId3"/>
+              </a:rPr>
+              <a:t>message queuing services</a:t>
+            </a:r>
+            <a:r>
+              <a:rPr lang="en-US" dirty="0"/>
+              <a:t> to coordinate multiple </a:t>
+            </a:r>
+          </a:p>
+          <a:p>
+            <a:r>
+              <a:rPr lang="en-US" dirty="0"/>
+              <a:t>microservices, notify microservices of data changes, or as an event firehose to process IoT, </a:t>
+            </a:r>
+          </a:p>
+          <a:p>
+            <a:r>
+              <a:rPr lang="en-US" dirty="0"/>
+              <a:t>social and real-time data.</a:t>
             </a:r>
           </a:p>
         </p:txBody>
@@ -17627,7 +19502,7 @@
     </p:spTree>
     <p:extLst>
       <p:ext uri="{BB962C8B-B14F-4D97-AF65-F5344CB8AC3E}">
-        <p14:creationId xmlns:p14="http://schemas.microsoft.com/office/powerpoint/2010/main" val="3269030266"/>
+        <p14:creationId xmlns:p14="http://schemas.microsoft.com/office/powerpoint/2010/main" val="1648449129"/>
       </p:ext>
     </p:extLst>
   </p:cSld>

--- a/20190123.MessageQueueRPC/91APP-MessageQueueRPC-20190123.pptx
+++ b/20190123.MessageQueueRPC/91APP-MessageQueueRPC-20190123.pptx
@@ -1037,6 +1037,58 @@
             <a:pPr marL="139700" indent="0">
               <a:buNone/>
             </a:pPr>
+            <a:r>
+              <a:rPr lang="en-US" dirty="0"/>
+              <a:t>Notes:</a:t>
+            </a:r>
+          </a:p>
+          <a:p>
+            <a:pPr marL="139700" indent="0">
+              <a:buNone/>
+            </a:pPr>
+            <a:endParaRPr lang="en-US" dirty="0"/>
+          </a:p>
+          <a:p>
+            <a:pPr marL="139700" indent="0">
+              <a:buNone/>
+            </a:pPr>
+            <a:r>
+              <a:rPr lang="en-US" dirty="0"/>
+              <a:t>Cloud Service / Cloud native  / Container / Microservices ….</a:t>
+            </a:r>
+          </a:p>
+          <a:p>
+            <a:pPr marL="139700" indent="0">
+              <a:buNone/>
+            </a:pPr>
+            <a:endParaRPr lang="en-US" dirty="0"/>
+          </a:p>
+          <a:p>
+            <a:pPr marL="139700" indent="0">
+              <a:buNone/>
+            </a:pPr>
+            <a:r>
+              <a:rPr lang="zh-TW" altLang="en-US" dirty="0"/>
+              <a:t>線上服務的複雜度越來越高，服務數量變多，服務的 </a:t>
+            </a:r>
+            <a:r>
+              <a:rPr lang="en-US" altLang="zh-TW" dirty="0"/>
+              <a:t>instance</a:t>
+            </a:r>
+            <a:r>
+              <a:rPr lang="zh-TW" altLang="en-US" dirty="0"/>
+              <a:t> 也變多</a:t>
+            </a:r>
+            <a:endParaRPr lang="en-US" altLang="zh-TW" dirty="0"/>
+          </a:p>
+          <a:p>
+            <a:pPr marL="139700" indent="0">
+              <a:buNone/>
+            </a:pPr>
+            <a:r>
+              <a:rPr lang="zh-TW" altLang="en-US" dirty="0"/>
+              <a:t>管理的挑戰也變大</a:t>
+            </a:r>
             <a:endParaRPr lang="en-US" dirty="0"/>
           </a:p>
         </p:txBody>
@@ -1073,7 +1125,7 @@
       </p:grpSpPr>
       <p:sp>
         <p:nvSpPr>
-          <p:cNvPr id="2" name="投影片圖像版面配置區 1"/>
+          <p:cNvPr id="2" name="投影片影像版面配置區 1"/>
           <p:cNvSpPr>
             <a:spLocks noGrp="1" noRot="1" noChangeAspect="1"/>
           </p:cNvSpPr>
@@ -1103,65 +1155,13 @@
           <a:bodyPr/>
           <a:lstStyle/>
           <a:p>
-            <a:pPr marL="139700" indent="0">
-              <a:buNone/>
-            </a:pPr>
+            <a:r>
+              <a:rPr lang="en-US" dirty="0"/>
+              <a:t>Granular </a:t>
+            </a:r>
             <a:r>
               <a:rPr lang="zh-TW" altLang="en-US" dirty="0"/>
-              <a:t>除了數量之外，複雜度也隨之升高。</a:t>
-            </a:r>
-            <a:endParaRPr lang="en-US" altLang="zh-TW" dirty="0"/>
-          </a:p>
-          <a:p>
-            <a:pPr marL="139700" indent="0">
-              <a:buNone/>
-            </a:pPr>
-            <a:endParaRPr lang="en-US" dirty="0"/>
-          </a:p>
-          <a:p>
-            <a:pPr marL="139700" indent="0">
-              <a:buNone/>
-            </a:pPr>
-            <a:r>
-              <a:rPr lang="zh-TW" altLang="en-US" dirty="0"/>
-              <a:t>每個服務 </a:t>
-            </a:r>
-            <a:r>
-              <a:rPr lang="en-US" altLang="zh-TW" dirty="0"/>
-              <a:t>(service) </a:t>
-            </a:r>
-            <a:r>
-              <a:rPr lang="zh-TW" altLang="en-US" dirty="0"/>
-              <a:t>及每個個體 </a:t>
-            </a:r>
-            <a:r>
-              <a:rPr lang="en-US" altLang="zh-TW" dirty="0"/>
-              <a:t>(instance) </a:t>
-            </a:r>
-            <a:r>
-              <a:rPr lang="zh-TW" altLang="en-US" dirty="0"/>
-              <a:t>都必須更精準的掌握其他服務的狀態 </a:t>
-            </a:r>
-            <a:r>
-              <a:rPr lang="en-US" altLang="zh-TW" dirty="0"/>
-              <a:t>(availability, </a:t>
-            </a:r>
-            <a:r>
-              <a:rPr lang="en-US" altLang="zh-TW" dirty="0" err="1"/>
-              <a:t>endpoitns</a:t>
-            </a:r>
-            <a:r>
-              <a:rPr lang="en-US" altLang="zh-TW" dirty="0"/>
-              <a:t>)</a:t>
-            </a:r>
-          </a:p>
-          <a:p>
-            <a:pPr marL="139700" indent="0">
-              <a:buNone/>
-            </a:pPr>
-            <a:r>
-              <a:rPr lang="zh-TW" altLang="en-US" dirty="0"/>
-              <a:t>服務之間的通訊也越來越複雜</a:t>
+              <a:t>粒狀的</a:t>
             </a:r>
             <a:endParaRPr lang="en-US" dirty="0"/>
           </a:p>
@@ -1170,7 +1170,7 @@
     </p:spTree>
     <p:extLst>
       <p:ext uri="{BB962C8B-B14F-4D97-AF65-F5344CB8AC3E}">
-        <p14:creationId xmlns:p14="http://schemas.microsoft.com/office/powerpoint/2010/main" val="33392739"/>
+        <p14:creationId xmlns:p14="http://schemas.microsoft.com/office/powerpoint/2010/main" val="1235985558"/>
       </p:ext>
     </p:extLst>
   </p:cSld>
@@ -1199,6 +1199,132 @@
       </p:grpSpPr>
       <p:sp>
         <p:nvSpPr>
+          <p:cNvPr id="2" name="投影片圖像版面配置區 1"/>
+          <p:cNvSpPr>
+            <a:spLocks noGrp="1" noRot="1" noChangeAspect="1"/>
+          </p:cNvSpPr>
+          <p:nvPr>
+            <p:ph type="sldImg"/>
+          </p:nvPr>
+        </p:nvSpPr>
+        <p:spPr>
+          <a:xfrm>
+            <a:off x="381000" y="685800"/>
+            <a:ext cx="6096000" cy="3429000"/>
+          </a:xfrm>
+        </p:spPr>
+      </p:sp>
+      <p:sp>
+        <p:nvSpPr>
+          <p:cNvPr id="3" name="備忘稿版面配置區 2"/>
+          <p:cNvSpPr>
+            <a:spLocks noGrp="1"/>
+          </p:cNvSpPr>
+          <p:nvPr>
+            <p:ph type="body" idx="1"/>
+          </p:nvPr>
+        </p:nvSpPr>
+        <p:spPr/>
+        <p:txBody>
+          <a:bodyPr/>
+          <a:lstStyle/>
+          <a:p>
+            <a:pPr marL="139700" indent="0">
+              <a:buNone/>
+            </a:pPr>
+            <a:r>
+              <a:rPr lang="zh-TW" altLang="en-US" dirty="0"/>
+              <a:t>除了數量之外，複雜度也隨之升高。</a:t>
+            </a:r>
+            <a:endParaRPr lang="en-US" altLang="zh-TW" dirty="0"/>
+          </a:p>
+          <a:p>
+            <a:pPr marL="139700" indent="0">
+              <a:buNone/>
+            </a:pPr>
+            <a:endParaRPr lang="en-US" dirty="0"/>
+          </a:p>
+          <a:p>
+            <a:pPr marL="139700" indent="0">
+              <a:buNone/>
+            </a:pPr>
+            <a:r>
+              <a:rPr lang="zh-TW" altLang="en-US" dirty="0"/>
+              <a:t>每個服務 </a:t>
+            </a:r>
+            <a:r>
+              <a:rPr lang="en-US" altLang="zh-TW" dirty="0"/>
+              <a:t>(service) </a:t>
+            </a:r>
+            <a:r>
+              <a:rPr lang="zh-TW" altLang="en-US" dirty="0"/>
+              <a:t>及每個個體 </a:t>
+            </a:r>
+            <a:r>
+              <a:rPr lang="en-US" altLang="zh-TW" dirty="0"/>
+              <a:t>(instance) </a:t>
+            </a:r>
+            <a:r>
+              <a:rPr lang="zh-TW" altLang="en-US" dirty="0"/>
+              <a:t>都必須更精準的掌握其他服務的狀態 </a:t>
+            </a:r>
+            <a:r>
+              <a:rPr lang="en-US" altLang="zh-TW" dirty="0"/>
+              <a:t>(availability, </a:t>
+            </a:r>
+            <a:r>
+              <a:rPr lang="en-US" altLang="zh-TW" dirty="0" err="1"/>
+              <a:t>endpoitns</a:t>
+            </a:r>
+            <a:r>
+              <a:rPr lang="en-US" altLang="zh-TW" dirty="0"/>
+              <a:t>)</a:t>
+            </a:r>
+          </a:p>
+          <a:p>
+            <a:pPr marL="139700" indent="0">
+              <a:buNone/>
+            </a:pPr>
+            <a:r>
+              <a:rPr lang="zh-TW" altLang="en-US" dirty="0"/>
+              <a:t>服務之間的通訊也越來越複雜</a:t>
+            </a:r>
+            <a:endParaRPr lang="en-US" dirty="0"/>
+          </a:p>
+        </p:txBody>
+      </p:sp>
+    </p:spTree>
+    <p:extLst>
+      <p:ext uri="{BB962C8B-B14F-4D97-AF65-F5344CB8AC3E}">
+        <p14:creationId xmlns:p14="http://schemas.microsoft.com/office/powerpoint/2010/main" val="33392739"/>
+      </p:ext>
+    </p:extLst>
+  </p:cSld>
+  <p:clrMapOvr>
+    <a:masterClrMapping/>
+  </p:clrMapOvr>
+</p:notes>
+</file>
+
+<file path=ppt/notesSlides/notesSlide8.xml><?xml version="1.0" encoding="utf-8"?>
+<p:notes xmlns:a="http://schemas.openxmlformats.org/drawingml/2006/main" xmlns:r="http://schemas.openxmlformats.org/officeDocument/2006/relationships" xmlns:p="http://schemas.openxmlformats.org/presentationml/2006/main">
+  <p:cSld>
+    <p:spTree>
+      <p:nvGrpSpPr>
+        <p:cNvPr id="1" name=""/>
+        <p:cNvGrpSpPr/>
+        <p:nvPr/>
+      </p:nvGrpSpPr>
+      <p:grpSpPr>
+        <a:xfrm>
+          <a:off x="0" y="0"/>
+          <a:ext cx="0" cy="0"/>
+          <a:chOff x="0" y="0"/>
+          <a:chExt cx="0" cy="0"/>
+        </a:xfrm>
+      </p:grpSpPr>
+      <p:sp>
+        <p:nvSpPr>
           <p:cNvPr id="2" name="投影片影像版面配置區 1"/>
           <p:cNvSpPr>
             <a:spLocks noGrp="1" noRot="1" noChangeAspect="1"/>
@@ -1246,7 +1372,7 @@
 </p:notes>
 </file>
 
-<file path=ppt/notesSlides/notesSlide8.xml><?xml version="1.0" encoding="utf-8"?>
+<file path=ppt/notesSlides/notesSlide9.xml><?xml version="1.0" encoding="utf-8"?>
 <p:notes xmlns:a="http://schemas.openxmlformats.org/drawingml/2006/main" xmlns:r="http://schemas.openxmlformats.org/officeDocument/2006/relationships" xmlns:p="http://schemas.openxmlformats.org/presentationml/2006/main">
   <p:cSld>
     <p:spTree>
@@ -1980,7 +2106,7 @@
               <a:pPr defTabSz="685800">
                 <a:buClrTx/>
               </a:pPr>
-              <a:t>2019/1/16</a:t>
+              <a:t>2019/1/22</a:t>
             </a:fld>
             <a:endParaRPr lang="zh-TW" altLang="en-US" kern="1200">
               <a:solidFill>
@@ -2328,7 +2454,7 @@
               <a:pPr defTabSz="685800">
                 <a:buClrTx/>
               </a:pPr>
-              <a:t>2019/1/16</a:t>
+              <a:t>2019/1/22</a:t>
             </a:fld>
             <a:endParaRPr lang="zh-TW" altLang="en-US" kern="1200">
               <a:solidFill>
@@ -2586,7 +2712,7 @@
               <a:pPr defTabSz="685800">
                 <a:buClrTx/>
               </a:pPr>
-              <a:t>2019/1/16</a:t>
+              <a:t>2019/1/22</a:t>
             </a:fld>
             <a:endParaRPr lang="zh-TW" altLang="en-US" kern="1200">
               <a:solidFill>
@@ -2854,7 +2980,7 @@
               <a:pPr defTabSz="685800">
                 <a:buClrTx/>
               </a:pPr>
-              <a:t>2019/1/16</a:t>
+              <a:t>2019/1/22</a:t>
             </a:fld>
             <a:endParaRPr lang="zh-TW" altLang="en-US" kern="1200">
               <a:solidFill>
@@ -3134,7 +3260,7 @@
               <a:pPr defTabSz="685800">
                 <a:buClrTx/>
               </a:pPr>
-              <a:t>2019/1/16</a:t>
+              <a:t>2019/1/22</a:t>
             </a:fld>
             <a:endParaRPr lang="zh-TW" altLang="en-US" kern="1200">
               <a:solidFill>
@@ -3392,7 +3518,7 @@
               <a:pPr defTabSz="685800">
                 <a:buClrTx/>
               </a:pPr>
-              <a:t>2019/1/16</a:t>
+              <a:t>2019/1/22</a:t>
             </a:fld>
             <a:endParaRPr lang="zh-TW" altLang="en-US" kern="1200">
               <a:solidFill>
@@ -3727,7 +3853,7 @@
               <a:pPr defTabSz="685800">
                 <a:buClrTx/>
               </a:pPr>
-              <a:t>2019/1/16</a:t>
+              <a:t>2019/1/22</a:t>
             </a:fld>
             <a:endParaRPr lang="zh-TW" altLang="en-US" kern="1200">
               <a:solidFill>
@@ -4052,7 +4178,7 @@
               <a:pPr defTabSz="685800">
                 <a:buClrTx/>
               </a:pPr>
-              <a:t>2019/1/16</a:t>
+              <a:t>2019/1/22</a:t>
             </a:fld>
             <a:endParaRPr lang="zh-TW" altLang="en-US" kern="1200">
               <a:solidFill>
@@ -4524,7 +4650,7 @@
               <a:pPr defTabSz="685800">
                 <a:buClrTx/>
               </a:pPr>
-              <a:t>2019/1/16</a:t>
+              <a:t>2019/1/22</a:t>
             </a:fld>
             <a:endParaRPr lang="zh-TW" altLang="en-US" kern="1200">
               <a:solidFill>
@@ -4725,7 +4851,7 @@
               <a:pPr defTabSz="685800">
                 <a:buClrTx/>
               </a:pPr>
-              <a:t>2019/1/16</a:t>
+              <a:t>2019/1/22</a:t>
             </a:fld>
             <a:endParaRPr lang="zh-TW" altLang="en-US" kern="1200">
               <a:solidFill>
@@ -5297,7 +5423,7 @@
               <a:pPr defTabSz="685800">
                 <a:buClrTx/>
               </a:pPr>
-              <a:t>2019/1/16</a:t>
+              <a:t>2019/1/22</a:t>
             </a:fld>
             <a:endParaRPr lang="zh-TW" altLang="en-US" kern="1200">
               <a:solidFill>
@@ -5668,7 +5794,7 @@
               <a:pPr defTabSz="685800">
                 <a:buClrTx/>
               </a:pPr>
-              <a:t>2019/1/16</a:t>
+              <a:t>2019/1/22</a:t>
             </a:fld>
             <a:endParaRPr lang="zh-TW" altLang="en-US" kern="1200">
               <a:solidFill>
@@ -6016,7 +6142,7 @@
               <a:pPr defTabSz="685800">
                 <a:buClrTx/>
               </a:pPr>
-              <a:t>2019/1/16</a:t>
+              <a:t>2019/1/22</a:t>
             </a:fld>
             <a:endParaRPr lang="zh-TW" altLang="en-US" kern="1200">
               <a:solidFill>
@@ -6274,7 +6400,7 @@
               <a:pPr defTabSz="685800">
                 <a:buClrTx/>
               </a:pPr>
-              <a:t>2019/1/16</a:t>
+              <a:t>2019/1/22</a:t>
             </a:fld>
             <a:endParaRPr lang="zh-TW" altLang="en-US" kern="1200">
               <a:solidFill>
@@ -6542,7 +6668,7 @@
               <a:pPr defTabSz="685800">
                 <a:buClrTx/>
               </a:pPr>
-              <a:t>2019/1/16</a:t>
+              <a:t>2019/1/22</a:t>
             </a:fld>
             <a:endParaRPr lang="zh-TW" altLang="en-US" kern="1200">
               <a:solidFill>
@@ -7411,7 +7537,7 @@
               <a:pPr defTabSz="685800">
                 <a:buClrTx/>
               </a:pPr>
-              <a:t>2019/1/16</a:t>
+              <a:t>2019/1/22</a:t>
             </a:fld>
             <a:endParaRPr lang="zh-TW" altLang="en-US" kern="1200">
               <a:solidFill>
@@ -7669,7 +7795,7 @@
               <a:pPr defTabSz="685800">
                 <a:buClrTx/>
               </a:pPr>
-              <a:t>2019/1/16</a:t>
+              <a:t>2019/1/22</a:t>
             </a:fld>
             <a:endParaRPr lang="zh-TW" altLang="en-US" kern="1200">
               <a:solidFill>
@@ -8004,7 +8130,7 @@
               <a:pPr defTabSz="685800">
                 <a:buClrTx/>
               </a:pPr>
-              <a:t>2019/1/16</a:t>
+              <a:t>2019/1/22</a:t>
             </a:fld>
             <a:endParaRPr lang="zh-TW" altLang="en-US" kern="1200">
               <a:solidFill>
@@ -8329,7 +8455,7 @@
               <a:pPr defTabSz="685800">
                 <a:buClrTx/>
               </a:pPr>
-              <a:t>2019/1/16</a:t>
+              <a:t>2019/1/22</a:t>
             </a:fld>
             <a:endParaRPr lang="zh-TW" altLang="en-US" kern="1200">
               <a:solidFill>
@@ -8801,7 +8927,7 @@
               <a:pPr defTabSz="685800">
                 <a:buClrTx/>
               </a:pPr>
-              <a:t>2019/1/16</a:t>
+              <a:t>2019/1/22</a:t>
             </a:fld>
             <a:endParaRPr lang="zh-TW" altLang="en-US" kern="1200">
               <a:solidFill>
@@ -9002,7 +9128,7 @@
               <a:pPr defTabSz="685800">
                 <a:buClrTx/>
               </a:pPr>
-              <a:t>2019/1/16</a:t>
+              <a:t>2019/1/22</a:t>
             </a:fld>
             <a:endParaRPr lang="zh-TW" altLang="en-US" kern="1200">
               <a:solidFill>
@@ -9175,7 +9301,7 @@
               <a:pPr defTabSz="685800">
                 <a:buClrTx/>
               </a:pPr>
-              <a:t>2019/1/16</a:t>
+              <a:t>2019/1/22</a:t>
             </a:fld>
             <a:endParaRPr lang="zh-TW" altLang="en-US" kern="1200">
               <a:solidFill>
@@ -10762,7 +10888,7 @@
               <a:pPr defTabSz="685800">
                 <a:buClrTx/>
               </a:pPr>
-              <a:t>2019/1/16</a:t>
+              <a:t>2019/1/22</a:t>
             </a:fld>
             <a:endParaRPr lang="zh-TW" altLang="en-US" kern="1200">
               <a:solidFill>
@@ -11390,7 +11516,7 @@
               <a:pPr defTabSz="685800">
                 <a:buClrTx/>
               </a:pPr>
-              <a:t>2019/1/16</a:t>
+              <a:t>2019/1/22</a:t>
             </a:fld>
             <a:endParaRPr lang="zh-TW" altLang="en-US" kern="1200">
               <a:solidFill>
@@ -13531,8 +13657,8 @@
         </p:blipFill>
         <p:spPr>
           <a:xfrm>
-            <a:off x="488219" y="3036463"/>
-            <a:ext cx="7942549" cy="1687699"/>
+            <a:off x="479503" y="3029873"/>
+            <a:ext cx="7973568" cy="1694290"/>
           </a:xfrm>
           <a:prstGeom prst="rect">
             <a:avLst/>
@@ -15974,7 +16100,7 @@
           <a:p>
             <a:r>
               <a:rPr lang="en-US" dirty="0"/>
-              <a:t>DEMO #3</a:t>
+              <a:t>DEMO #2</a:t>
             </a:r>
           </a:p>
         </p:txBody>
@@ -16939,56 +17065,6 @@
           <a:chExt cx="0" cy="0"/>
         </a:xfrm>
       </p:grpSpPr>
-      <p:sp>
-        <p:nvSpPr>
-          <p:cNvPr id="4" name="標題 3">
-            <a:extLst>
-              <a:ext uri="{FF2B5EF4-FFF2-40B4-BE49-F238E27FC236}">
-                <a16:creationId xmlns:a16="http://schemas.microsoft.com/office/drawing/2014/main" id="{7DB22D88-1A93-4EC1-9D9A-996FB55606EA}"/>
-              </a:ext>
-            </a:extLst>
-          </p:cNvPr>
-          <p:cNvSpPr>
-            <a:spLocks noGrp="1"/>
-          </p:cNvSpPr>
-          <p:nvPr>
-            <p:ph type="title"/>
-          </p:nvPr>
-        </p:nvSpPr>
-        <p:spPr/>
-        <p:txBody>
-          <a:bodyPr/>
-          <a:lstStyle/>
-          <a:p>
-            <a:endParaRPr lang="en-US"/>
-          </a:p>
-        </p:txBody>
-      </p:sp>
-      <p:sp>
-        <p:nvSpPr>
-          <p:cNvPr id="5" name="文字版面配置區 4">
-            <a:extLst>
-              <a:ext uri="{FF2B5EF4-FFF2-40B4-BE49-F238E27FC236}">
-                <a16:creationId xmlns:a16="http://schemas.microsoft.com/office/drawing/2014/main" id="{D5E6A227-FFA5-4259-A31A-D3FFAE2305C9}"/>
-              </a:ext>
-            </a:extLst>
-          </p:cNvPr>
-          <p:cNvSpPr>
-            <a:spLocks noGrp="1"/>
-          </p:cNvSpPr>
-          <p:nvPr>
-            <p:ph type="body" idx="1"/>
-          </p:nvPr>
-        </p:nvSpPr>
-        <p:spPr/>
-        <p:txBody>
-          <a:bodyPr/>
-          <a:lstStyle/>
-          <a:p>
-            <a:endParaRPr lang="en-US"/>
-          </a:p>
-        </p:txBody>
-      </p:sp>
     </p:spTree>
     <p:extLst>
       <p:ext uri="{BB962C8B-B14F-4D97-AF65-F5344CB8AC3E}">
@@ -18847,6 +18923,212 @@
   <p:clrMapOvr>
     <a:masterClrMapping/>
   </p:clrMapOvr>
+  <p:timing>
+    <p:tnLst>
+      <p:par>
+        <p:cTn id="1" dur="indefinite" restart="never" nodeType="tmRoot">
+          <p:childTnLst>
+            <p:seq concurrent="1" nextAc="seek">
+              <p:cTn id="2" dur="indefinite" nodeType="mainSeq">
+                <p:childTnLst>
+                  <p:par>
+                    <p:cTn id="3" fill="hold">
+                      <p:stCondLst>
+                        <p:cond delay="indefinite"/>
+                      </p:stCondLst>
+                      <p:childTnLst>
+                        <p:par>
+                          <p:cTn id="4" fill="hold">
+                            <p:stCondLst>
+                              <p:cond delay="0"/>
+                            </p:stCondLst>
+                            <p:childTnLst>
+                              <p:par>
+                                <p:cTn id="5" presetID="10" presetClass="entr" presetSubtype="0" fill="hold" nodeType="clickEffect">
+                                  <p:stCondLst>
+                                    <p:cond delay="0"/>
+                                  </p:stCondLst>
+                                  <p:childTnLst>
+                                    <p:set>
+                                      <p:cBhvr>
+                                        <p:cTn id="6" dur="1" fill="hold">
+                                          <p:stCondLst>
+                                            <p:cond delay="0"/>
+                                          </p:stCondLst>
+                                        </p:cTn>
+                                        <p:tgtEl>
+                                          <p:spTgt spid="5"/>
+                                        </p:tgtEl>
+                                        <p:attrNameLst>
+                                          <p:attrName>style.visibility</p:attrName>
+                                        </p:attrNameLst>
+                                      </p:cBhvr>
+                                      <p:to>
+                                        <p:strVal val="visible"/>
+                                      </p:to>
+                                    </p:set>
+                                    <p:animEffect transition="in" filter="fade">
+                                      <p:cBhvr>
+                                        <p:cTn id="7" dur="500"/>
+                                        <p:tgtEl>
+                                          <p:spTgt spid="5"/>
+                                        </p:tgtEl>
+                                      </p:cBhvr>
+                                    </p:animEffect>
+                                  </p:childTnLst>
+                                </p:cTn>
+                              </p:par>
+                              <p:par>
+                                <p:cTn id="8" presetID="10" presetClass="entr" presetSubtype="0" fill="hold" nodeType="withEffect">
+                                  <p:stCondLst>
+                                    <p:cond delay="0"/>
+                                  </p:stCondLst>
+                                  <p:childTnLst>
+                                    <p:set>
+                                      <p:cBhvr>
+                                        <p:cTn id="9" dur="1" fill="hold">
+                                          <p:stCondLst>
+                                            <p:cond delay="0"/>
+                                          </p:stCondLst>
+                                        </p:cTn>
+                                        <p:tgtEl>
+                                          <p:spTgt spid="6"/>
+                                        </p:tgtEl>
+                                        <p:attrNameLst>
+                                          <p:attrName>style.visibility</p:attrName>
+                                        </p:attrNameLst>
+                                      </p:cBhvr>
+                                      <p:to>
+                                        <p:strVal val="visible"/>
+                                      </p:to>
+                                    </p:set>
+                                    <p:animEffect transition="in" filter="fade">
+                                      <p:cBhvr>
+                                        <p:cTn id="10" dur="500"/>
+                                        <p:tgtEl>
+                                          <p:spTgt spid="6"/>
+                                        </p:tgtEl>
+                                      </p:cBhvr>
+                                    </p:animEffect>
+                                  </p:childTnLst>
+                                </p:cTn>
+                              </p:par>
+                            </p:childTnLst>
+                          </p:cTn>
+                        </p:par>
+                      </p:childTnLst>
+                    </p:cTn>
+                  </p:par>
+                  <p:par>
+                    <p:cTn id="11" fill="hold">
+                      <p:stCondLst>
+                        <p:cond delay="indefinite"/>
+                      </p:stCondLst>
+                      <p:childTnLst>
+                        <p:par>
+                          <p:cTn id="12" fill="hold">
+                            <p:stCondLst>
+                              <p:cond delay="0"/>
+                            </p:stCondLst>
+                            <p:childTnLst>
+                              <p:par>
+                                <p:cTn id="13" presetID="10" presetClass="entr" presetSubtype="0" fill="hold" nodeType="clickEffect">
+                                  <p:stCondLst>
+                                    <p:cond delay="0"/>
+                                  </p:stCondLst>
+                                  <p:childTnLst>
+                                    <p:set>
+                                      <p:cBhvr>
+                                        <p:cTn id="14" dur="1" fill="hold">
+                                          <p:stCondLst>
+                                            <p:cond delay="0"/>
+                                          </p:stCondLst>
+                                        </p:cTn>
+                                        <p:tgtEl>
+                                          <p:spTgt spid="7"/>
+                                        </p:tgtEl>
+                                        <p:attrNameLst>
+                                          <p:attrName>style.visibility</p:attrName>
+                                        </p:attrNameLst>
+                                      </p:cBhvr>
+                                      <p:to>
+                                        <p:strVal val="visible"/>
+                                      </p:to>
+                                    </p:set>
+                                    <p:animEffect transition="in" filter="fade">
+                                      <p:cBhvr>
+                                        <p:cTn id="15" dur="500"/>
+                                        <p:tgtEl>
+                                          <p:spTgt spid="7"/>
+                                        </p:tgtEl>
+                                      </p:cBhvr>
+                                    </p:animEffect>
+                                  </p:childTnLst>
+                                </p:cTn>
+                              </p:par>
+                              <p:par>
+                                <p:cTn id="16" presetID="10" presetClass="entr" presetSubtype="0" fill="hold" nodeType="withEffect">
+                                  <p:stCondLst>
+                                    <p:cond delay="0"/>
+                                  </p:stCondLst>
+                                  <p:childTnLst>
+                                    <p:set>
+                                      <p:cBhvr>
+                                        <p:cTn id="17" dur="1" fill="hold">
+                                          <p:stCondLst>
+                                            <p:cond delay="0"/>
+                                          </p:stCondLst>
+                                        </p:cTn>
+                                        <p:tgtEl>
+                                          <p:spTgt spid="8"/>
+                                        </p:tgtEl>
+                                        <p:attrNameLst>
+                                          <p:attrName>style.visibility</p:attrName>
+                                        </p:attrNameLst>
+                                      </p:cBhvr>
+                                      <p:to>
+                                        <p:strVal val="visible"/>
+                                      </p:to>
+                                    </p:set>
+                                    <p:animEffect transition="in" filter="fade">
+                                      <p:cBhvr>
+                                        <p:cTn id="18" dur="500"/>
+                                        <p:tgtEl>
+                                          <p:spTgt spid="8"/>
+                                        </p:tgtEl>
+                                      </p:cBhvr>
+                                    </p:animEffect>
+                                  </p:childTnLst>
+                                </p:cTn>
+                              </p:par>
+                            </p:childTnLst>
+                          </p:cTn>
+                        </p:par>
+                      </p:childTnLst>
+                    </p:cTn>
+                  </p:par>
+                </p:childTnLst>
+              </p:cTn>
+              <p:prevCondLst>
+                <p:cond evt="onPrev" delay="0">
+                  <p:tgtEl>
+                    <p:sldTgt/>
+                  </p:tgtEl>
+                </p:cond>
+              </p:prevCondLst>
+              <p:nextCondLst>
+                <p:cond evt="onNext" delay="0">
+                  <p:tgtEl>
+                    <p:sldTgt/>
+                  </p:tgtEl>
+                </p:cond>
+              </p:nextCondLst>
+            </p:seq>
+          </p:childTnLst>
+        </p:cTn>
+      </p:par>
+    </p:tnLst>
+  </p:timing>
 </p:sld>
 </file>
 
@@ -18882,7 +19164,7 @@
           <p:nvPr/>
         </p:nvPicPr>
         <p:blipFill rotWithShape="1">
-          <a:blip r:embed="rId2">
+          <a:blip r:embed="rId3">
             <a:extLst>
               <a:ext uri="{28A0092B-C50C-407E-A947-70E740481C1C}">
                 <a14:useLocalDpi xmlns:a14="http://schemas.microsoft.com/office/drawing/2010/main" val="0"/>
@@ -19018,7 +19300,7 @@
           <a:p>
             <a:r>
               <a:rPr lang="en-US" dirty="0">
-                <a:hlinkClick r:id="rId3"/>
+                <a:hlinkClick r:id="rId4"/>
               </a:rPr>
               <a:t>https://aws.amazon.com/message-queue/benefits/</a:t>
             </a:r>
@@ -19044,7 +19326,7 @@
           <p:nvPr/>
         </p:nvPicPr>
         <p:blipFill>
-          <a:blip r:embed="rId4">
+          <a:blip r:embed="rId5">
             <a:extLst>
               <a:ext uri="{28A0092B-C50C-407E-A947-70E740481C1C}">
                 <a14:useLocalDpi xmlns:a14="http://schemas.microsoft.com/office/drawing/2010/main" val="0"/>
@@ -19091,7 +19373,7 @@
           <p:nvPr/>
         </p:nvPicPr>
         <p:blipFill>
-          <a:blip r:embed="rId5">
+          <a:blip r:embed="rId6">
             <a:extLst>
               <a:ext uri="{28A0092B-C50C-407E-A947-70E740481C1C}">
                 <a14:useLocalDpi xmlns:a14="http://schemas.microsoft.com/office/drawing/2010/main" val="0"/>

--- a/20190123.MessageQueueRPC/91APP-MessageQueueRPC-20190123.pptx
+++ b/20190123.MessageQueueRPC/91APP-MessageQueueRPC-20190123.pptx
@@ -8,7 +8,7 @@
     <p:sldMasterId id="2147483690" r:id="rId4"/>
   </p:sldMasterIdLst>
   <p:notesMasterIdLst>
-    <p:notesMasterId r:id="rId33"/>
+    <p:notesMasterId r:id="rId40"/>
   </p:notesMasterIdLst>
   <p:sldIdLst>
     <p:sldId id="447" r:id="rId5"/>
@@ -30,15 +30,22 @@
     <p:sldId id="540" r:id="rId21"/>
     <p:sldId id="536" r:id="rId22"/>
     <p:sldId id="526" r:id="rId23"/>
-    <p:sldId id="541" r:id="rId24"/>
-    <p:sldId id="542" r:id="rId25"/>
-    <p:sldId id="543" r:id="rId26"/>
-    <p:sldId id="544" r:id="rId27"/>
-    <p:sldId id="545" r:id="rId28"/>
+    <p:sldId id="550" r:id="rId24"/>
+    <p:sldId id="551" r:id="rId25"/>
+    <p:sldId id="552" r:id="rId26"/>
+    <p:sldId id="541" r:id="rId27"/>
+    <p:sldId id="542" r:id="rId28"/>
     <p:sldId id="546" r:id="rId29"/>
-    <p:sldId id="547" r:id="rId30"/>
-    <p:sldId id="548" r:id="rId31"/>
-    <p:sldId id="448" r:id="rId32"/>
+    <p:sldId id="543" r:id="rId30"/>
+    <p:sldId id="544" r:id="rId31"/>
+    <p:sldId id="545" r:id="rId32"/>
+    <p:sldId id="554" r:id="rId33"/>
+    <p:sldId id="553" r:id="rId34"/>
+    <p:sldId id="555" r:id="rId35"/>
+    <p:sldId id="548" r:id="rId36"/>
+    <p:sldId id="556" r:id="rId37"/>
+    <p:sldId id="557" r:id="rId38"/>
+    <p:sldId id="448" r:id="rId39"/>
   </p:sldIdLst>
   <p:sldSz cx="9144000" cy="5143500" type="screen16x9"/>
   <p:notesSz cx="6858000" cy="9144000"/>
@@ -784,6 +791,67 @@
 </p:notes>
 </file>
 
+<file path=ppt/notesSlides/notesSlide10.xml><?xml version="1.0" encoding="utf-8"?>
+<p:notes xmlns:a="http://schemas.openxmlformats.org/drawingml/2006/main" xmlns:r="http://schemas.openxmlformats.org/officeDocument/2006/relationships" xmlns:p="http://schemas.openxmlformats.org/presentationml/2006/main">
+  <p:cSld>
+    <p:spTree>
+      <p:nvGrpSpPr>
+        <p:cNvPr id="1" name=""/>
+        <p:cNvGrpSpPr/>
+        <p:nvPr/>
+      </p:nvGrpSpPr>
+      <p:grpSpPr>
+        <a:xfrm>
+          <a:off x="0" y="0"/>
+          <a:ext cx="0" cy="0"/>
+          <a:chOff x="0" y="0"/>
+          <a:chExt cx="0" cy="0"/>
+        </a:xfrm>
+      </p:grpSpPr>
+      <p:sp>
+        <p:nvSpPr>
+          <p:cNvPr id="2" name="投影片影像版面配置區 1"/>
+          <p:cNvSpPr>
+            <a:spLocks noGrp="1" noRot="1" noChangeAspect="1"/>
+          </p:cNvSpPr>
+          <p:nvPr>
+            <p:ph type="sldImg"/>
+          </p:nvPr>
+        </p:nvSpPr>
+        <p:spPr/>
+      </p:sp>
+      <p:sp>
+        <p:nvSpPr>
+          <p:cNvPr id="3" name="備忘稿版面配置區 2"/>
+          <p:cNvSpPr>
+            <a:spLocks noGrp="1"/>
+          </p:cNvSpPr>
+          <p:nvPr>
+            <p:ph type="body" idx="1"/>
+          </p:nvPr>
+        </p:nvSpPr>
+        <p:spPr/>
+        <p:txBody>
+          <a:bodyPr/>
+          <a:lstStyle/>
+          <a:p>
+            <a:endParaRPr lang="zh-TW" altLang="en-US"/>
+          </a:p>
+        </p:txBody>
+      </p:sp>
+    </p:spTree>
+    <p:extLst>
+      <p:ext uri="{BB962C8B-B14F-4D97-AF65-F5344CB8AC3E}">
+        <p14:creationId xmlns:p14="http://schemas.microsoft.com/office/powerpoint/2010/main" val="206863554"/>
+      </p:ext>
+    </p:extLst>
+  </p:cSld>
+  <p:clrMapOvr>
+    <a:masterClrMapping/>
+  </p:clrMapOvr>
+</p:notes>
+</file>
+
 <file path=ppt/notesSlides/notesSlide2.xml><?xml version="1.0" encoding="utf-8"?>
 <p:notes xmlns:a="http://schemas.openxmlformats.org/drawingml/2006/main" xmlns:r="http://schemas.openxmlformats.org/officeDocument/2006/relationships" xmlns:p="http://schemas.openxmlformats.org/presentationml/2006/main">
   <p:cSld>
@@ -1399,7 +1467,12 @@
             <p:ph type="sldImg"/>
           </p:nvPr>
         </p:nvSpPr>
-        <p:spPr/>
+        <p:spPr>
+          <a:xfrm>
+            <a:off x="381000" y="685800"/>
+            <a:ext cx="6096000" cy="3429000"/>
+          </a:xfrm>
+        </p:spPr>
       </p:sp>
       <p:sp>
         <p:nvSpPr>
@@ -1416,14 +1489,24 @@
           <a:bodyPr/>
           <a:lstStyle/>
           <a:p>
-            <a:endParaRPr lang="zh-TW" altLang="en-US"/>
+            <a:r>
+              <a:rPr lang="en-US" altLang="zh-TW" dirty="0"/>
+              <a:t>DEMO worker thread count effect</a:t>
+            </a:r>
+          </a:p>
+          <a:p>
+            <a:r>
+              <a:rPr lang="en-US" altLang="zh-TW" dirty="0"/>
+              <a:t>DEMO manual / auto reset event</a:t>
+            </a:r>
+            <a:endParaRPr lang="zh-TW" altLang="en-US" dirty="0"/>
           </a:p>
         </p:txBody>
       </p:sp>
     </p:spTree>
     <p:extLst>
       <p:ext uri="{BB962C8B-B14F-4D97-AF65-F5344CB8AC3E}">
-        <p14:creationId xmlns:p14="http://schemas.microsoft.com/office/powerpoint/2010/main" val="206863554"/>
+        <p14:creationId xmlns:p14="http://schemas.microsoft.com/office/powerpoint/2010/main" val="2344158448"/>
       </p:ext>
     </p:extLst>
   </p:cSld>
@@ -16575,7 +16658,7 @@
           <p:cNvPr id="4" name="標題 3">
             <a:extLst>
               <a:ext uri="{FF2B5EF4-FFF2-40B4-BE49-F238E27FC236}">
-                <a16:creationId xmlns:a16="http://schemas.microsoft.com/office/drawing/2014/main" id="{7DB22D88-1A93-4EC1-9D9A-996FB55606EA}"/>
+                <a16:creationId xmlns:a16="http://schemas.microsoft.com/office/drawing/2014/main" id="{27507480-CCCA-4F58-AF49-32DD02145879}"/>
               </a:ext>
             </a:extLst>
           </p:cNvPr>
@@ -16592,9 +16675,10 @@
           <a:lstStyle/>
           <a:p>
             <a:r>
-              <a:rPr lang="en-US" dirty="0"/>
-              <a:t>Async / Await &amp; Parallel Process…</a:t>
-            </a:r>
+              <a:rPr lang="en-US" altLang="zh-TW" dirty="0"/>
+              <a:t>What Architect Thinks…</a:t>
+            </a:r>
+            <a:endParaRPr lang="zh-TW" altLang="en-US" dirty="0"/>
           </a:p>
         </p:txBody>
       </p:sp>
@@ -16603,7 +16687,7 @@
           <p:cNvPr id="5" name="文字版面配置區 4">
             <a:extLst>
               <a:ext uri="{FF2B5EF4-FFF2-40B4-BE49-F238E27FC236}">
-                <a16:creationId xmlns:a16="http://schemas.microsoft.com/office/drawing/2014/main" id="{D5E6A227-FFA5-4259-A31A-D3FFAE2305C9}"/>
+                <a16:creationId xmlns:a16="http://schemas.microsoft.com/office/drawing/2014/main" id="{86DAF298-0875-43C1-89F8-B52893228D8D}"/>
               </a:ext>
             </a:extLst>
           </p:cNvPr>
@@ -16620,30 +16704,31 @@
           <a:lstStyle/>
           <a:p>
             <a:r>
-              <a:rPr lang="en-US" dirty="0"/>
-              <a:t>Basic Skill: Thread Sync</a:t>
+              <a:rPr lang="en-US" altLang="zh-TW" dirty="0"/>
+              <a:t>Async (Notify, not Pooling)</a:t>
+            </a:r>
+          </a:p>
+          <a:p>
+            <a:endParaRPr lang="en-US" altLang="zh-TW" dirty="0"/>
+          </a:p>
+          <a:p>
+            <a:r>
+              <a:rPr lang="en-US" altLang="zh-TW" dirty="0"/>
+              <a:t>Parallel Processing</a:t>
             </a:r>
           </a:p>
           <a:p>
             <a:pPr lvl="1"/>
             <a:r>
-              <a:rPr lang="en-US" dirty="0" err="1"/>
-              <a:t>ManualResetEvent</a:t>
-            </a:r>
-            <a:endParaRPr lang="en-US" dirty="0"/>
+              <a:rPr lang="en-US" altLang="zh-TW" dirty="0"/>
+              <a:t>Inside Worker – threading, synchronize</a:t>
+            </a:r>
           </a:p>
           <a:p>
             <a:pPr lvl="1"/>
             <a:r>
-              <a:rPr lang="en-US" dirty="0" err="1"/>
-              <a:t>AutoResetEvent</a:t>
-            </a:r>
-            <a:endParaRPr lang="en-US" dirty="0"/>
-          </a:p>
-          <a:p>
-            <a:r>
-              <a:rPr lang="en-US" dirty="0"/>
-              <a:t>C# Async Wrap</a:t>
+              <a:rPr lang="en-US" altLang="zh-TW" dirty="0"/>
+              <a:t>Outside Worker – graceful shutdown &amp; auto scaling</a:t>
             </a:r>
           </a:p>
         </p:txBody>
@@ -16651,7 +16736,7 @@
     </p:spTree>
     <p:extLst>
       <p:ext uri="{BB962C8B-B14F-4D97-AF65-F5344CB8AC3E}">
-        <p14:creationId xmlns:p14="http://schemas.microsoft.com/office/powerpoint/2010/main" val="3561391479"/>
+        <p14:creationId xmlns:p14="http://schemas.microsoft.com/office/powerpoint/2010/main" val="2190119806"/>
       </p:ext>
     </p:extLst>
   </p:cSld>
@@ -16683,6 +16768,354 @@
           <p:cNvPr id="4" name="標題 3">
             <a:extLst>
               <a:ext uri="{FF2B5EF4-FFF2-40B4-BE49-F238E27FC236}">
+                <a16:creationId xmlns:a16="http://schemas.microsoft.com/office/drawing/2014/main" id="{27507480-CCCA-4F58-AF49-32DD02145879}"/>
+              </a:ext>
+            </a:extLst>
+          </p:cNvPr>
+          <p:cNvSpPr>
+            <a:spLocks noGrp="1"/>
+          </p:cNvSpPr>
+          <p:nvPr>
+            <p:ph type="title"/>
+          </p:nvPr>
+        </p:nvSpPr>
+        <p:spPr/>
+        <p:txBody>
+          <a:bodyPr/>
+          <a:lstStyle/>
+          <a:p>
+            <a:r>
+              <a:rPr lang="en-US" altLang="zh-TW" dirty="0"/>
+              <a:t>Synchronize Basic:</a:t>
+            </a:r>
+            <a:endParaRPr lang="zh-TW" altLang="en-US" dirty="0"/>
+          </a:p>
+        </p:txBody>
+      </p:sp>
+      <p:sp>
+        <p:nvSpPr>
+          <p:cNvPr id="5" name="文字版面配置區 4">
+            <a:extLst>
+              <a:ext uri="{FF2B5EF4-FFF2-40B4-BE49-F238E27FC236}">
+                <a16:creationId xmlns:a16="http://schemas.microsoft.com/office/drawing/2014/main" id="{86DAF298-0875-43C1-89F8-B52893228D8D}"/>
+              </a:ext>
+            </a:extLst>
+          </p:cNvPr>
+          <p:cNvSpPr>
+            <a:spLocks noGrp="1"/>
+          </p:cNvSpPr>
+          <p:nvPr>
+            <p:ph type="body" idx="1"/>
+          </p:nvPr>
+        </p:nvSpPr>
+        <p:spPr/>
+        <p:txBody>
+          <a:bodyPr/>
+          <a:lstStyle/>
+          <a:p>
+            <a:r>
+              <a:rPr lang="en-US" altLang="zh-TW" dirty="0" err="1"/>
+              <a:t>WaitHandle</a:t>
+            </a:r>
+            <a:r>
+              <a:rPr lang="en-US" altLang="zh-TW" dirty="0"/>
+              <a:t> [</a:t>
+            </a:r>
+            <a:r>
+              <a:rPr lang="en-US" altLang="zh-TW" dirty="0">
+                <a:hlinkClick r:id="rId2"/>
+              </a:rPr>
+              <a:t>docs</a:t>
+            </a:r>
+            <a:r>
+              <a:rPr lang="en-US" altLang="zh-TW" dirty="0"/>
+              <a:t>]</a:t>
+            </a:r>
+          </a:p>
+        </p:txBody>
+      </p:sp>
+      <p:pic>
+        <p:nvPicPr>
+          <p:cNvPr id="2" name="圖片 1">
+            <a:extLst>
+              <a:ext uri="{FF2B5EF4-FFF2-40B4-BE49-F238E27FC236}">
+                <a16:creationId xmlns:a16="http://schemas.microsoft.com/office/drawing/2014/main" id="{065C5146-1D6B-4477-8EF0-3D4423EA4AE1}"/>
+              </a:ext>
+            </a:extLst>
+          </p:cNvPr>
+          <p:cNvPicPr>
+            <a:picLocks noChangeAspect="1"/>
+          </p:cNvPicPr>
+          <p:nvPr/>
+        </p:nvPicPr>
+        <p:blipFill>
+          <a:blip r:embed="rId3"/>
+          <a:stretch>
+            <a:fillRect/>
+          </a:stretch>
+        </p:blipFill>
+        <p:spPr>
+          <a:xfrm>
+            <a:off x="457200" y="1255416"/>
+            <a:ext cx="5631811" cy="3682106"/>
+          </a:xfrm>
+          <a:prstGeom prst="rect">
+            <a:avLst/>
+          </a:prstGeom>
+        </p:spPr>
+      </p:pic>
+      <p:sp>
+        <p:nvSpPr>
+          <p:cNvPr id="3" name="矩形 2">
+            <a:extLst>
+              <a:ext uri="{FF2B5EF4-FFF2-40B4-BE49-F238E27FC236}">
+                <a16:creationId xmlns:a16="http://schemas.microsoft.com/office/drawing/2014/main" id="{75ED5241-4976-4D26-9BCC-47FD0E4E0744}"/>
+              </a:ext>
+            </a:extLst>
+          </p:cNvPr>
+          <p:cNvSpPr/>
+          <p:nvPr/>
+        </p:nvSpPr>
+        <p:spPr>
+          <a:xfrm>
+            <a:off x="-77491" y="4881890"/>
+            <a:ext cx="8841783" cy="523220"/>
+          </a:xfrm>
+          <a:prstGeom prst="rect">
+            <a:avLst/>
+          </a:prstGeom>
+        </p:spPr>
+        <p:txBody>
+          <a:bodyPr wrap="square">
+            <a:spAutoFit/>
+          </a:bodyPr>
+          <a:lstStyle/>
+          <a:p>
+            <a:r>
+              <a:rPr lang="zh-TW" altLang="en-US" dirty="0">
+                <a:hlinkClick r:id="rId2"/>
+              </a:rPr>
+              <a:t>https://docs.microsoft.com/zh-tw/dotnet/api/system.threading.waithandle?view=netframework-4.7.2</a:t>
+            </a:r>
+            <a:endParaRPr lang="en-US" altLang="zh-TW" dirty="0"/>
+          </a:p>
+          <a:p>
+            <a:endParaRPr lang="zh-TW" altLang="en-US" dirty="0"/>
+          </a:p>
+        </p:txBody>
+      </p:sp>
+    </p:spTree>
+    <p:extLst>
+      <p:ext uri="{BB962C8B-B14F-4D97-AF65-F5344CB8AC3E}">
+        <p14:creationId xmlns:p14="http://schemas.microsoft.com/office/powerpoint/2010/main" val="4167995745"/>
+      </p:ext>
+    </p:extLst>
+  </p:cSld>
+  <p:clrMapOvr>
+    <a:masterClrMapping/>
+  </p:clrMapOvr>
+</p:sld>
+</file>
+
+<file path=ppt/slides/slide22.xml><?xml version="1.0" encoding="utf-8"?>
+<p:sld xmlns:a="http://schemas.openxmlformats.org/drawingml/2006/main" xmlns:r="http://schemas.openxmlformats.org/officeDocument/2006/relationships" xmlns:p="http://schemas.openxmlformats.org/presentationml/2006/main">
+  <p:cSld>
+    <p:spTree>
+      <p:nvGrpSpPr>
+        <p:cNvPr id="1" name=""/>
+        <p:cNvGrpSpPr/>
+        <p:nvPr/>
+      </p:nvGrpSpPr>
+      <p:grpSpPr>
+        <a:xfrm>
+          <a:off x="0" y="0"/>
+          <a:ext cx="0" cy="0"/>
+          <a:chOff x="0" y="0"/>
+          <a:chExt cx="0" cy="0"/>
+        </a:xfrm>
+      </p:grpSpPr>
+      <p:sp>
+        <p:nvSpPr>
+          <p:cNvPr id="2" name="標題 1">
+            <a:extLst>
+              <a:ext uri="{FF2B5EF4-FFF2-40B4-BE49-F238E27FC236}">
+                <a16:creationId xmlns:a16="http://schemas.microsoft.com/office/drawing/2014/main" id="{D7B22318-03C7-42EB-A654-0549C0638542}"/>
+              </a:ext>
+            </a:extLst>
+          </p:cNvPr>
+          <p:cNvSpPr>
+            <a:spLocks noGrp="1"/>
+          </p:cNvSpPr>
+          <p:nvPr>
+            <p:ph type="ctrTitle"/>
+          </p:nvPr>
+        </p:nvSpPr>
+        <p:spPr/>
+        <p:txBody>
+          <a:bodyPr/>
+          <a:lstStyle/>
+          <a:p>
+            <a:r>
+              <a:rPr lang="en-US" altLang="zh-TW" dirty="0"/>
+              <a:t>Demo #3</a:t>
+            </a:r>
+            <a:endParaRPr lang="zh-TW" altLang="en-US" dirty="0"/>
+          </a:p>
+        </p:txBody>
+      </p:sp>
+      <p:sp>
+        <p:nvSpPr>
+          <p:cNvPr id="3" name="副標題 2">
+            <a:extLst>
+              <a:ext uri="{FF2B5EF4-FFF2-40B4-BE49-F238E27FC236}">
+                <a16:creationId xmlns:a16="http://schemas.microsoft.com/office/drawing/2014/main" id="{564BFE7D-4A65-418C-97B8-CB5A74CABC17}"/>
+              </a:ext>
+            </a:extLst>
+          </p:cNvPr>
+          <p:cNvSpPr>
+            <a:spLocks noGrp="1"/>
+          </p:cNvSpPr>
+          <p:nvPr>
+            <p:ph type="subTitle" idx="1"/>
+          </p:nvPr>
+        </p:nvSpPr>
+        <p:spPr/>
+        <p:txBody>
+          <a:bodyPr/>
+          <a:lstStyle/>
+          <a:p>
+            <a:r>
+              <a:rPr lang="en-US" altLang="zh-TW" dirty="0" err="1"/>
+              <a:t>ThreadSyncDemo</a:t>
+            </a:r>
+            <a:endParaRPr lang="zh-TW" altLang="en-US" dirty="0"/>
+          </a:p>
+        </p:txBody>
+      </p:sp>
+    </p:spTree>
+    <p:extLst>
+      <p:ext uri="{BB962C8B-B14F-4D97-AF65-F5344CB8AC3E}">
+        <p14:creationId xmlns:p14="http://schemas.microsoft.com/office/powerpoint/2010/main" val="804983065"/>
+      </p:ext>
+    </p:extLst>
+  </p:cSld>
+  <p:clrMapOvr>
+    <a:masterClrMapping/>
+  </p:clrMapOvr>
+</p:sld>
+</file>
+
+<file path=ppt/slides/slide23.xml><?xml version="1.0" encoding="utf-8"?>
+<p:sld xmlns:a="http://schemas.openxmlformats.org/drawingml/2006/main" xmlns:r="http://schemas.openxmlformats.org/officeDocument/2006/relationships" xmlns:p="http://schemas.openxmlformats.org/presentationml/2006/main">
+  <p:cSld>
+    <p:spTree>
+      <p:nvGrpSpPr>
+        <p:cNvPr id="1" name=""/>
+        <p:cNvGrpSpPr/>
+        <p:nvPr/>
+      </p:nvGrpSpPr>
+      <p:grpSpPr>
+        <a:xfrm>
+          <a:off x="0" y="0"/>
+          <a:ext cx="0" cy="0"/>
+          <a:chOff x="0" y="0"/>
+          <a:chExt cx="0" cy="0"/>
+        </a:xfrm>
+      </p:grpSpPr>
+      <p:sp>
+        <p:nvSpPr>
+          <p:cNvPr id="4" name="標題 3">
+            <a:extLst>
+              <a:ext uri="{FF2B5EF4-FFF2-40B4-BE49-F238E27FC236}">
+                <a16:creationId xmlns:a16="http://schemas.microsoft.com/office/drawing/2014/main" id="{7DB22D88-1A93-4EC1-9D9A-996FB55606EA}"/>
+              </a:ext>
+            </a:extLst>
+          </p:cNvPr>
+          <p:cNvSpPr>
+            <a:spLocks noGrp="1"/>
+          </p:cNvSpPr>
+          <p:nvPr>
+            <p:ph type="title"/>
+          </p:nvPr>
+        </p:nvSpPr>
+        <p:spPr/>
+        <p:txBody>
+          <a:bodyPr/>
+          <a:lstStyle/>
+          <a:p>
+            <a:r>
+              <a:rPr lang="en-US" dirty="0"/>
+              <a:t>Async / Await</a:t>
+            </a:r>
+          </a:p>
+        </p:txBody>
+      </p:sp>
+      <p:sp>
+        <p:nvSpPr>
+          <p:cNvPr id="5" name="文字版面配置區 4">
+            <a:extLst>
+              <a:ext uri="{FF2B5EF4-FFF2-40B4-BE49-F238E27FC236}">
+                <a16:creationId xmlns:a16="http://schemas.microsoft.com/office/drawing/2014/main" id="{D5E6A227-FFA5-4259-A31A-D3FFAE2305C9}"/>
+              </a:ext>
+            </a:extLst>
+          </p:cNvPr>
+          <p:cNvSpPr>
+            <a:spLocks noGrp="1"/>
+          </p:cNvSpPr>
+          <p:nvPr>
+            <p:ph type="body" idx="1"/>
+          </p:nvPr>
+        </p:nvSpPr>
+        <p:spPr/>
+        <p:txBody>
+          <a:bodyPr/>
+          <a:lstStyle/>
+          <a:p>
+            <a:r>
+              <a:rPr lang="en-US" dirty="0"/>
+              <a:t>Wrap Async Call In Separate Process…</a:t>
+            </a:r>
+          </a:p>
+          <a:p>
+            <a:endParaRPr lang="en-US" dirty="0"/>
+          </a:p>
+        </p:txBody>
+      </p:sp>
+    </p:spTree>
+    <p:extLst>
+      <p:ext uri="{BB962C8B-B14F-4D97-AF65-F5344CB8AC3E}">
+        <p14:creationId xmlns:p14="http://schemas.microsoft.com/office/powerpoint/2010/main" val="3561391479"/>
+      </p:ext>
+    </p:extLst>
+  </p:cSld>
+  <p:clrMapOvr>
+    <a:masterClrMapping/>
+  </p:clrMapOvr>
+</p:sld>
+</file>
+
+<file path=ppt/slides/slide24.xml><?xml version="1.0" encoding="utf-8"?>
+<p:sld xmlns:a="http://schemas.openxmlformats.org/drawingml/2006/main" xmlns:r="http://schemas.openxmlformats.org/officeDocument/2006/relationships" xmlns:p="http://schemas.openxmlformats.org/presentationml/2006/main">
+  <p:cSld>
+    <p:spTree>
+      <p:nvGrpSpPr>
+        <p:cNvPr id="1" name=""/>
+        <p:cNvGrpSpPr/>
+        <p:nvPr/>
+      </p:nvGrpSpPr>
+      <p:grpSpPr>
+        <a:xfrm>
+          <a:off x="0" y="0"/>
+          <a:ext cx="0" cy="0"/>
+          <a:chOff x="0" y="0"/>
+          <a:chExt cx="0" cy="0"/>
+        </a:xfrm>
+      </p:grpSpPr>
+      <p:sp>
+        <p:nvSpPr>
+          <p:cNvPr id="4" name="標題 3">
+            <a:extLst>
+              <a:ext uri="{FF2B5EF4-FFF2-40B4-BE49-F238E27FC236}">
                 <a16:creationId xmlns:a16="http://schemas.microsoft.com/office/drawing/2014/main" id="{7DB22D88-1A93-4EC1-9D9A-996FB55606EA}"/>
               </a:ext>
             </a:extLst>
@@ -16794,7 +17227,145 @@
 </p:sld>
 </file>
 
-<file path=ppt/slides/slide22.xml><?xml version="1.0" encoding="utf-8"?>
+<file path=ppt/slides/slide25.xml><?xml version="1.0" encoding="utf-8"?>
+<p:sld xmlns:a="http://schemas.openxmlformats.org/drawingml/2006/main" xmlns:r="http://schemas.openxmlformats.org/officeDocument/2006/relationships" xmlns:p="http://schemas.openxmlformats.org/presentationml/2006/main">
+  <p:cSld>
+    <p:spTree>
+      <p:nvGrpSpPr>
+        <p:cNvPr id="1" name=""/>
+        <p:cNvGrpSpPr/>
+        <p:nvPr/>
+      </p:nvGrpSpPr>
+      <p:grpSpPr>
+        <a:xfrm>
+          <a:off x="0" y="0"/>
+          <a:ext cx="0" cy="0"/>
+          <a:chOff x="0" y="0"/>
+          <a:chExt cx="0" cy="0"/>
+        </a:xfrm>
+      </p:grpSpPr>
+      <p:sp>
+        <p:nvSpPr>
+          <p:cNvPr id="4" name="標題 3">
+            <a:extLst>
+              <a:ext uri="{FF2B5EF4-FFF2-40B4-BE49-F238E27FC236}">
+                <a16:creationId xmlns:a16="http://schemas.microsoft.com/office/drawing/2014/main" id="{7DB22D88-1A93-4EC1-9D9A-996FB55606EA}"/>
+              </a:ext>
+            </a:extLst>
+          </p:cNvPr>
+          <p:cNvSpPr>
+            <a:spLocks noGrp="1"/>
+          </p:cNvSpPr>
+          <p:nvPr>
+            <p:ph type="title"/>
+          </p:nvPr>
+        </p:nvSpPr>
+        <p:spPr/>
+        <p:txBody>
+          <a:bodyPr/>
+          <a:lstStyle/>
+          <a:p>
+            <a:r>
+              <a:rPr lang="en-US" dirty="0"/>
+              <a:t>Graceful Shutdown</a:t>
+            </a:r>
+          </a:p>
+        </p:txBody>
+      </p:sp>
+      <p:sp>
+        <p:nvSpPr>
+          <p:cNvPr id="5" name="文字版面配置區 4">
+            <a:extLst>
+              <a:ext uri="{FF2B5EF4-FFF2-40B4-BE49-F238E27FC236}">
+                <a16:creationId xmlns:a16="http://schemas.microsoft.com/office/drawing/2014/main" id="{D5E6A227-FFA5-4259-A31A-D3FFAE2305C9}"/>
+              </a:ext>
+            </a:extLst>
+          </p:cNvPr>
+          <p:cNvSpPr>
+            <a:spLocks noGrp="1"/>
+          </p:cNvSpPr>
+          <p:nvPr>
+            <p:ph type="body" idx="1"/>
+          </p:nvPr>
+        </p:nvSpPr>
+        <p:spPr/>
+        <p:txBody>
+          <a:bodyPr/>
+          <a:lstStyle/>
+          <a:p>
+            <a:r>
+              <a:rPr lang="en-US" dirty="0"/>
+              <a:t>When VM / Container Being Shutdown…</a:t>
+            </a:r>
+          </a:p>
+          <a:p>
+            <a:pPr marL="38100" indent="0">
+              <a:buNone/>
+            </a:pPr>
+            <a:r>
+              <a:rPr lang="en-US" dirty="0"/>
+              <a:t>{</a:t>
+            </a:r>
+          </a:p>
+          <a:p>
+            <a:pPr lvl="1"/>
+            <a:r>
+              <a:rPr lang="en-US" dirty="0"/>
+              <a:t>Receive OS shutdown signal</a:t>
+            </a:r>
+          </a:p>
+          <a:p>
+            <a:pPr lvl="1"/>
+            <a:r>
+              <a:rPr lang="en-US" dirty="0"/>
+              <a:t>Stop Receive Newer Message</a:t>
+            </a:r>
+          </a:p>
+          <a:p>
+            <a:pPr lvl="1"/>
+            <a:r>
+              <a:rPr lang="en-US" dirty="0"/>
+              <a:t>Wait Until All Messages Ack</a:t>
+            </a:r>
+          </a:p>
+          <a:p>
+            <a:pPr lvl="1"/>
+            <a:r>
+              <a:rPr lang="en-US" dirty="0"/>
+              <a:t>Exit Process Normally</a:t>
+            </a:r>
+          </a:p>
+          <a:p>
+            <a:pPr marL="38100" indent="0">
+              <a:buNone/>
+            </a:pPr>
+            <a:r>
+              <a:rPr lang="en-US" dirty="0"/>
+              <a:t>}</a:t>
+            </a:r>
+          </a:p>
+          <a:p>
+            <a:r>
+              <a:rPr lang="en-US" dirty="0"/>
+              <a:t>Successful Shutdown VM / Container</a:t>
+            </a:r>
+          </a:p>
+        </p:txBody>
+      </p:sp>
+    </p:spTree>
+    <p:extLst>
+      <p:ext uri="{BB962C8B-B14F-4D97-AF65-F5344CB8AC3E}">
+        <p14:creationId xmlns:p14="http://schemas.microsoft.com/office/powerpoint/2010/main" val="1886558902"/>
+      </p:ext>
+    </p:extLst>
+  </p:cSld>
+  <p:clrMapOvr>
+    <a:masterClrMapping/>
+  </p:clrMapOvr>
+</p:sld>
+</file>
+
+<file path=ppt/slides/slide26.xml><?xml version="1.0" encoding="utf-8"?>
 <p:sld xmlns:a="http://schemas.openxmlformats.org/drawingml/2006/main" xmlns:r="http://schemas.openxmlformats.org/officeDocument/2006/relationships" xmlns:p="http://schemas.openxmlformats.org/presentationml/2006/main">
   <p:cSld>
     <p:spTree>
@@ -16921,7 +17492,7 @@
 </p:sld>
 </file>
 
-<file path=ppt/slides/slide23.xml><?xml version="1.0" encoding="utf-8"?>
+<file path=ppt/slides/slide27.xml><?xml version="1.0" encoding="utf-8"?>
 <p:sld xmlns:a="http://schemas.openxmlformats.org/drawingml/2006/main" xmlns:r="http://schemas.openxmlformats.org/officeDocument/2006/relationships" xmlns:p="http://schemas.openxmlformats.org/presentationml/2006/main">
   <p:cSld>
     <p:spTree>
@@ -17048,7 +17619,7 @@
 </p:sld>
 </file>
 
-<file path=ppt/slides/slide24.xml><?xml version="1.0" encoding="utf-8"?>
+<file path=ppt/slides/slide28.xml><?xml version="1.0" encoding="utf-8"?>
 <p:sld xmlns:a="http://schemas.openxmlformats.org/drawingml/2006/main" xmlns:r="http://schemas.openxmlformats.org/officeDocument/2006/relationships" xmlns:p="http://schemas.openxmlformats.org/presentationml/2006/main">
   <p:cSld>
     <p:spTree>
@@ -17065,6 +17636,336 @@
           <a:chExt cx="0" cy="0"/>
         </a:xfrm>
       </p:grpSpPr>
+      <p:pic>
+        <p:nvPicPr>
+          <p:cNvPr id="6" name="圖片 5">
+            <a:extLst>
+              <a:ext uri="{FF2B5EF4-FFF2-40B4-BE49-F238E27FC236}">
+                <a16:creationId xmlns:a16="http://schemas.microsoft.com/office/drawing/2014/main" id="{C27DB79F-0F67-4E8C-9280-D60103E5DB79}"/>
+              </a:ext>
+            </a:extLst>
+          </p:cNvPr>
+          <p:cNvPicPr>
+            <a:picLocks noChangeAspect="1"/>
+          </p:cNvPicPr>
+          <p:nvPr/>
+        </p:nvPicPr>
+        <p:blipFill>
+          <a:blip r:embed="rId2"/>
+          <a:stretch>
+            <a:fillRect/>
+          </a:stretch>
+        </p:blipFill>
+        <p:spPr>
+          <a:xfrm>
+            <a:off x="371146" y="0"/>
+            <a:ext cx="8401707" cy="5143500"/>
+          </a:xfrm>
+          <a:prstGeom prst="rect">
+            <a:avLst/>
+          </a:prstGeom>
+        </p:spPr>
+      </p:pic>
+      <p:sp>
+        <p:nvSpPr>
+          <p:cNvPr id="7" name="文字方塊 6">
+            <a:extLst>
+              <a:ext uri="{FF2B5EF4-FFF2-40B4-BE49-F238E27FC236}">
+                <a16:creationId xmlns:a16="http://schemas.microsoft.com/office/drawing/2014/main" id="{5CBEB6EA-7EE6-4E78-8EE0-E9CFF4AD86C0}"/>
+              </a:ext>
+            </a:extLst>
+          </p:cNvPr>
+          <p:cNvSpPr txBox="1"/>
+          <p:nvPr/>
+        </p:nvSpPr>
+        <p:spPr>
+          <a:xfrm>
+            <a:off x="7012992" y="1433596"/>
+            <a:ext cx="970137" cy="307777"/>
+          </a:xfrm>
+          <a:prstGeom prst="rect">
+            <a:avLst/>
+          </a:prstGeom>
+          <a:noFill/>
+        </p:spPr>
+        <p:txBody>
+          <a:bodyPr wrap="none" rtlCol="0">
+            <a:spAutoFit/>
+          </a:bodyPr>
+          <a:lstStyle/>
+          <a:p>
+            <a:r>
+              <a:rPr lang="en-US" altLang="zh-TW" dirty="0"/>
+              <a:t>first </a:t>
+            </a:r>
+            <a:r>
+              <a:rPr lang="en-US" altLang="zh-TW" b="1" dirty="0">
+                <a:solidFill>
+                  <a:srgbClr val="00B0F0"/>
+                </a:solidFill>
+              </a:rPr>
+              <a:t>await</a:t>
+            </a:r>
+            <a:endParaRPr lang="zh-TW" altLang="en-US" b="1" dirty="0">
+              <a:solidFill>
+                <a:srgbClr val="00B0F0"/>
+              </a:solidFill>
+            </a:endParaRPr>
+          </a:p>
+        </p:txBody>
+      </p:sp>
+      <p:sp>
+        <p:nvSpPr>
+          <p:cNvPr id="8" name="文字方塊 7">
+            <a:extLst>
+              <a:ext uri="{FF2B5EF4-FFF2-40B4-BE49-F238E27FC236}">
+                <a16:creationId xmlns:a16="http://schemas.microsoft.com/office/drawing/2014/main" id="{843C0018-94BB-4B07-9560-F3A9FFB1968E}"/>
+              </a:ext>
+            </a:extLst>
+          </p:cNvPr>
+          <p:cNvSpPr txBox="1"/>
+          <p:nvPr/>
+        </p:nvSpPr>
+        <p:spPr>
+          <a:xfrm>
+            <a:off x="7207524" y="2708455"/>
+            <a:ext cx="1837362" cy="307777"/>
+          </a:xfrm>
+          <a:prstGeom prst="rect">
+            <a:avLst/>
+          </a:prstGeom>
+          <a:noFill/>
+        </p:spPr>
+        <p:txBody>
+          <a:bodyPr wrap="none" rtlCol="0">
+            <a:spAutoFit/>
+          </a:bodyPr>
+          <a:lstStyle/>
+          <a:p>
+            <a:r>
+              <a:rPr lang="en-US" altLang="zh-TW" dirty="0"/>
+              <a:t>wait shutdown signal</a:t>
+            </a:r>
+            <a:endParaRPr lang="zh-TW" altLang="en-US" dirty="0"/>
+          </a:p>
+        </p:txBody>
+      </p:sp>
+      <p:sp>
+        <p:nvSpPr>
+          <p:cNvPr id="9" name="右大括弧 8">
+            <a:extLst>
+              <a:ext uri="{FF2B5EF4-FFF2-40B4-BE49-F238E27FC236}">
+                <a16:creationId xmlns:a16="http://schemas.microsoft.com/office/drawing/2014/main" id="{C264A318-E073-464B-B9FC-A3F0C7A70918}"/>
+              </a:ext>
+            </a:extLst>
+          </p:cNvPr>
+          <p:cNvSpPr/>
+          <p:nvPr/>
+        </p:nvSpPr>
+        <p:spPr>
+          <a:xfrm>
+            <a:off x="7074976" y="1800586"/>
+            <a:ext cx="162732" cy="2197977"/>
+          </a:xfrm>
+          <a:prstGeom prst="rightBrace">
+            <a:avLst/>
+          </a:prstGeom>
+        </p:spPr>
+        <p:style>
+          <a:lnRef idx="1">
+            <a:schemeClr val="accent1"/>
+          </a:lnRef>
+          <a:fillRef idx="0">
+            <a:schemeClr val="accent1"/>
+          </a:fillRef>
+          <a:effectRef idx="0">
+            <a:schemeClr val="accent1"/>
+          </a:effectRef>
+          <a:fontRef idx="minor">
+            <a:schemeClr val="tx1"/>
+          </a:fontRef>
+        </p:style>
+        <p:txBody>
+          <a:bodyPr rtlCol="0" anchor="ctr"/>
+          <a:lstStyle/>
+          <a:p>
+            <a:pPr algn="ctr"/>
+            <a:endParaRPr lang="zh-TW" altLang="en-US"/>
+          </a:p>
+        </p:txBody>
+      </p:sp>
+      <p:sp>
+        <p:nvSpPr>
+          <p:cNvPr id="10" name="右大括弧 9">
+            <a:extLst>
+              <a:ext uri="{FF2B5EF4-FFF2-40B4-BE49-F238E27FC236}">
+                <a16:creationId xmlns:a16="http://schemas.microsoft.com/office/drawing/2014/main" id="{B1940DC2-13DD-409C-9264-C884C0813154}"/>
+              </a:ext>
+            </a:extLst>
+          </p:cNvPr>
+          <p:cNvSpPr/>
+          <p:nvPr/>
+        </p:nvSpPr>
+        <p:spPr>
+          <a:xfrm>
+            <a:off x="7074976" y="4068305"/>
+            <a:ext cx="162732" cy="426204"/>
+          </a:xfrm>
+          <a:prstGeom prst="rightBrace">
+            <a:avLst/>
+          </a:prstGeom>
+        </p:spPr>
+        <p:style>
+          <a:lnRef idx="1">
+            <a:schemeClr val="accent1"/>
+          </a:lnRef>
+          <a:fillRef idx="0">
+            <a:schemeClr val="accent1"/>
+          </a:fillRef>
+          <a:effectRef idx="0">
+            <a:schemeClr val="accent1"/>
+          </a:effectRef>
+          <a:fontRef idx="minor">
+            <a:schemeClr val="tx1"/>
+          </a:fontRef>
+        </p:style>
+        <p:txBody>
+          <a:bodyPr rtlCol="0" anchor="ctr"/>
+          <a:lstStyle/>
+          <a:p>
+            <a:pPr algn="ctr"/>
+            <a:endParaRPr lang="zh-TW" altLang="en-US"/>
+          </a:p>
+        </p:txBody>
+      </p:sp>
+      <p:sp>
+        <p:nvSpPr>
+          <p:cNvPr id="11" name="文字方塊 10">
+            <a:extLst>
+              <a:ext uri="{FF2B5EF4-FFF2-40B4-BE49-F238E27FC236}">
+                <a16:creationId xmlns:a16="http://schemas.microsoft.com/office/drawing/2014/main" id="{6420A28A-AC27-43BC-BC5C-B92A8E3E1326}"/>
+              </a:ext>
+            </a:extLst>
+          </p:cNvPr>
+          <p:cNvSpPr txBox="1"/>
+          <p:nvPr/>
+        </p:nvSpPr>
+        <p:spPr>
+          <a:xfrm>
+            <a:off x="7207524" y="4127518"/>
+            <a:ext cx="1885453" cy="307777"/>
+          </a:xfrm>
+          <a:prstGeom prst="rect">
+            <a:avLst/>
+          </a:prstGeom>
+          <a:noFill/>
+        </p:spPr>
+        <p:txBody>
+          <a:bodyPr wrap="none" rtlCol="0">
+            <a:spAutoFit/>
+          </a:bodyPr>
+          <a:lstStyle/>
+          <a:p>
+            <a:r>
+              <a:rPr lang="en-US" altLang="zh-TW" dirty="0"/>
+              <a:t>do graceful shutdown</a:t>
+            </a:r>
+            <a:endParaRPr lang="zh-TW" altLang="en-US" dirty="0"/>
+          </a:p>
+        </p:txBody>
+      </p:sp>
+      <p:sp>
+        <p:nvSpPr>
+          <p:cNvPr id="12" name="矩形: 圓角 11">
+            <a:extLst>
+              <a:ext uri="{FF2B5EF4-FFF2-40B4-BE49-F238E27FC236}">
+                <a16:creationId xmlns:a16="http://schemas.microsoft.com/office/drawing/2014/main" id="{9CB87AAF-CB18-4649-B598-D369BF2DBF33}"/>
+              </a:ext>
+            </a:extLst>
+          </p:cNvPr>
+          <p:cNvSpPr/>
+          <p:nvPr/>
+        </p:nvSpPr>
+        <p:spPr>
+          <a:xfrm flipV="1">
+            <a:off x="6470542" y="271222"/>
+            <a:ext cx="1061634" cy="317714"/>
+          </a:xfrm>
+          <a:prstGeom prst="roundRect">
+            <a:avLst/>
+          </a:prstGeom>
+          <a:noFill/>
+          <a:ln w="38100"/>
+        </p:spPr>
+        <p:style>
+          <a:lnRef idx="2">
+            <a:schemeClr val="accent1"/>
+          </a:lnRef>
+          <a:fillRef idx="1">
+            <a:schemeClr val="lt1"/>
+          </a:fillRef>
+          <a:effectRef idx="0">
+            <a:schemeClr val="accent1"/>
+          </a:effectRef>
+          <a:fontRef idx="minor">
+            <a:schemeClr val="dk1"/>
+          </a:fontRef>
+        </p:style>
+        <p:txBody>
+          <a:bodyPr rtlCol="0" anchor="ctr"/>
+          <a:lstStyle/>
+          <a:p>
+            <a:pPr algn="ctr"/>
+            <a:endParaRPr lang="zh-TW" altLang="en-US"/>
+          </a:p>
+        </p:txBody>
+      </p:sp>
+      <p:sp>
+        <p:nvSpPr>
+          <p:cNvPr id="13" name="矩形: 圓角 12">
+            <a:extLst>
+              <a:ext uri="{FF2B5EF4-FFF2-40B4-BE49-F238E27FC236}">
+                <a16:creationId xmlns:a16="http://schemas.microsoft.com/office/drawing/2014/main" id="{2BB176AC-B415-4000-B8DC-45EE425E93DB}"/>
+              </a:ext>
+            </a:extLst>
+          </p:cNvPr>
+          <p:cNvSpPr/>
+          <p:nvPr/>
+        </p:nvSpPr>
+        <p:spPr>
+          <a:xfrm flipV="1">
+            <a:off x="550190" y="271222"/>
+            <a:ext cx="829159" cy="317714"/>
+          </a:xfrm>
+          <a:prstGeom prst="roundRect">
+            <a:avLst/>
+          </a:prstGeom>
+          <a:noFill/>
+          <a:ln w="38100"/>
+        </p:spPr>
+        <p:style>
+          <a:lnRef idx="2">
+            <a:schemeClr val="accent1"/>
+          </a:lnRef>
+          <a:fillRef idx="1">
+            <a:schemeClr val="lt1"/>
+          </a:fillRef>
+          <a:effectRef idx="0">
+            <a:schemeClr val="accent1"/>
+          </a:effectRef>
+          <a:fontRef idx="minor">
+            <a:schemeClr val="dk1"/>
+          </a:fontRef>
+        </p:style>
+        <p:txBody>
+          <a:bodyPr rtlCol="0" anchor="ctr"/>
+          <a:lstStyle/>
+          <a:p>
+            <a:pPr algn="ctr"/>
+            <a:endParaRPr lang="zh-TW" altLang="en-US"/>
+          </a:p>
+        </p:txBody>
+      </p:sp>
     </p:spTree>
     <p:extLst>
       <p:ext uri="{BB962C8B-B14F-4D97-AF65-F5344CB8AC3E}">
@@ -17078,7 +17979,7 @@
 </p:sld>
 </file>
 
-<file path=ppt/slides/slide25.xml><?xml version="1.0" encoding="utf-8"?>
+<file path=ppt/slides/slide29.xml><?xml version="1.0" encoding="utf-8"?>
 <p:sld xmlns:a="http://schemas.openxmlformats.org/drawingml/2006/main" xmlns:r="http://schemas.openxmlformats.org/officeDocument/2006/relationships" xmlns:p="http://schemas.openxmlformats.org/presentationml/2006/main">
   <p:cSld>
     <p:spTree>
@@ -17097,58 +17998,340 @@
       </p:grpSpPr>
       <p:sp>
         <p:nvSpPr>
-          <p:cNvPr id="4" name="標題 3">
-            <a:extLst>
-              <a:ext uri="{FF2B5EF4-FFF2-40B4-BE49-F238E27FC236}">
-                <a16:creationId xmlns:a16="http://schemas.microsoft.com/office/drawing/2014/main" id="{7DB22D88-1A93-4EC1-9D9A-996FB55606EA}"/>
-              </a:ext>
-            </a:extLst>
-          </p:cNvPr>
-          <p:cNvSpPr>
-            <a:spLocks noGrp="1"/>
+          <p:cNvPr id="4" name="標題 2">
+            <a:extLst>
+              <a:ext uri="{FF2B5EF4-FFF2-40B4-BE49-F238E27FC236}">
+                <a16:creationId xmlns:a16="http://schemas.microsoft.com/office/drawing/2014/main" id="{AE396F7F-C7D6-469A-8DA9-3D8F5EEADABE}"/>
+              </a:ext>
+            </a:extLst>
+          </p:cNvPr>
+          <p:cNvSpPr txBox="1">
+            <a:spLocks/>
           </p:cNvSpPr>
-          <p:nvPr>
-            <p:ph type="title"/>
-          </p:nvPr>
-        </p:nvSpPr>
-        <p:spPr/>
+          <p:nvPr/>
+        </p:nvSpPr>
+        <p:spPr>
+          <a:xfrm>
+            <a:off x="565670" y="-655884"/>
+            <a:ext cx="9214645" cy="749054"/>
+          </a:xfrm>
+          <a:prstGeom prst="rect">
+            <a:avLst/>
+          </a:prstGeom>
+        </p:spPr>
         <p:txBody>
           <a:bodyPr/>
+          <a:lstStyle>
+            <a:defPPr marR="0" lvl="0" algn="l" rtl="0">
+              <a:lnSpc>
+                <a:spcPct val="100000"/>
+              </a:lnSpc>
+              <a:spcBef>
+                <a:spcPts val="0"/>
+              </a:spcBef>
+              <a:spcAft>
+                <a:spcPts val="0"/>
+              </a:spcAft>
+            </a:defPPr>
+            <a:lvl1pPr marR="0" lvl="0" algn="l" rtl="0">
+              <a:lnSpc>
+                <a:spcPct val="100000"/>
+              </a:lnSpc>
+              <a:spcBef>
+                <a:spcPts val="0"/>
+              </a:spcBef>
+              <a:spcAft>
+                <a:spcPts val="0"/>
+              </a:spcAft>
+              <a:buClr>
+                <a:srgbClr val="000000"/>
+              </a:buClr>
+              <a:buFont typeface="Arial"/>
+              <a:defRPr sz="1400" b="0" i="0" u="none" strike="noStrike" cap="none">
+                <a:solidFill>
+                  <a:srgbClr val="000000"/>
+                </a:solidFill>
+                <a:latin typeface="Arial"/>
+                <a:ea typeface="Arial"/>
+                <a:cs typeface="Arial"/>
+                <a:sym typeface="Arial"/>
+              </a:defRPr>
+            </a:lvl1pPr>
+            <a:lvl2pPr marR="0" lvl="1" algn="l" rtl="0">
+              <a:lnSpc>
+                <a:spcPct val="100000"/>
+              </a:lnSpc>
+              <a:spcBef>
+                <a:spcPts val="0"/>
+              </a:spcBef>
+              <a:spcAft>
+                <a:spcPts val="0"/>
+              </a:spcAft>
+              <a:buClr>
+                <a:srgbClr val="000000"/>
+              </a:buClr>
+              <a:buFont typeface="Arial"/>
+              <a:defRPr sz="1400" b="0" i="0" u="none" strike="noStrike" cap="none">
+                <a:solidFill>
+                  <a:srgbClr val="000000"/>
+                </a:solidFill>
+                <a:latin typeface="Arial"/>
+                <a:ea typeface="Arial"/>
+                <a:cs typeface="Arial"/>
+                <a:sym typeface="Arial"/>
+              </a:defRPr>
+            </a:lvl2pPr>
+            <a:lvl3pPr marR="0" lvl="2" algn="l" rtl="0">
+              <a:lnSpc>
+                <a:spcPct val="100000"/>
+              </a:lnSpc>
+              <a:spcBef>
+                <a:spcPts val="0"/>
+              </a:spcBef>
+              <a:spcAft>
+                <a:spcPts val="0"/>
+              </a:spcAft>
+              <a:buClr>
+                <a:srgbClr val="000000"/>
+              </a:buClr>
+              <a:buFont typeface="Arial"/>
+              <a:defRPr sz="1400" b="0" i="0" u="none" strike="noStrike" cap="none">
+                <a:solidFill>
+                  <a:srgbClr val="000000"/>
+                </a:solidFill>
+                <a:latin typeface="Arial"/>
+                <a:ea typeface="Arial"/>
+                <a:cs typeface="Arial"/>
+                <a:sym typeface="Arial"/>
+              </a:defRPr>
+            </a:lvl3pPr>
+            <a:lvl4pPr marR="0" lvl="3" algn="l" rtl="0">
+              <a:lnSpc>
+                <a:spcPct val="100000"/>
+              </a:lnSpc>
+              <a:spcBef>
+                <a:spcPts val="0"/>
+              </a:spcBef>
+              <a:spcAft>
+                <a:spcPts val="0"/>
+              </a:spcAft>
+              <a:buClr>
+                <a:srgbClr val="000000"/>
+              </a:buClr>
+              <a:buFont typeface="Arial"/>
+              <a:defRPr sz="1400" b="0" i="0" u="none" strike="noStrike" cap="none">
+                <a:solidFill>
+                  <a:srgbClr val="000000"/>
+                </a:solidFill>
+                <a:latin typeface="Arial"/>
+                <a:ea typeface="Arial"/>
+                <a:cs typeface="Arial"/>
+                <a:sym typeface="Arial"/>
+              </a:defRPr>
+            </a:lvl4pPr>
+            <a:lvl5pPr marR="0" lvl="4" algn="l" rtl="0">
+              <a:lnSpc>
+                <a:spcPct val="100000"/>
+              </a:lnSpc>
+              <a:spcBef>
+                <a:spcPts val="0"/>
+              </a:spcBef>
+              <a:spcAft>
+                <a:spcPts val="0"/>
+              </a:spcAft>
+              <a:buClr>
+                <a:srgbClr val="000000"/>
+              </a:buClr>
+              <a:buFont typeface="Arial"/>
+              <a:defRPr sz="1400" b="0" i="0" u="none" strike="noStrike" cap="none">
+                <a:solidFill>
+                  <a:srgbClr val="000000"/>
+                </a:solidFill>
+                <a:latin typeface="Arial"/>
+                <a:ea typeface="Arial"/>
+                <a:cs typeface="Arial"/>
+                <a:sym typeface="Arial"/>
+              </a:defRPr>
+            </a:lvl5pPr>
+            <a:lvl6pPr marR="0" lvl="5" algn="l" rtl="0">
+              <a:lnSpc>
+                <a:spcPct val="100000"/>
+              </a:lnSpc>
+              <a:spcBef>
+                <a:spcPts val="0"/>
+              </a:spcBef>
+              <a:spcAft>
+                <a:spcPts val="0"/>
+              </a:spcAft>
+              <a:buClr>
+                <a:srgbClr val="000000"/>
+              </a:buClr>
+              <a:buFont typeface="Arial"/>
+              <a:defRPr sz="1400" b="0" i="0" u="none" strike="noStrike" cap="none">
+                <a:solidFill>
+                  <a:srgbClr val="000000"/>
+                </a:solidFill>
+                <a:latin typeface="Arial"/>
+                <a:ea typeface="Arial"/>
+                <a:cs typeface="Arial"/>
+                <a:sym typeface="Arial"/>
+              </a:defRPr>
+            </a:lvl6pPr>
+            <a:lvl7pPr marR="0" lvl="6" algn="l" rtl="0">
+              <a:lnSpc>
+                <a:spcPct val="100000"/>
+              </a:lnSpc>
+              <a:spcBef>
+                <a:spcPts val="0"/>
+              </a:spcBef>
+              <a:spcAft>
+                <a:spcPts val="0"/>
+              </a:spcAft>
+              <a:buClr>
+                <a:srgbClr val="000000"/>
+              </a:buClr>
+              <a:buFont typeface="Arial"/>
+              <a:defRPr sz="1400" b="0" i="0" u="none" strike="noStrike" cap="none">
+                <a:solidFill>
+                  <a:srgbClr val="000000"/>
+                </a:solidFill>
+                <a:latin typeface="Arial"/>
+                <a:ea typeface="Arial"/>
+                <a:cs typeface="Arial"/>
+                <a:sym typeface="Arial"/>
+              </a:defRPr>
+            </a:lvl7pPr>
+            <a:lvl8pPr marR="0" lvl="7" algn="l" rtl="0">
+              <a:lnSpc>
+                <a:spcPct val="100000"/>
+              </a:lnSpc>
+              <a:spcBef>
+                <a:spcPts val="0"/>
+              </a:spcBef>
+              <a:spcAft>
+                <a:spcPts val="0"/>
+              </a:spcAft>
+              <a:buClr>
+                <a:srgbClr val="000000"/>
+              </a:buClr>
+              <a:buFont typeface="Arial"/>
+              <a:defRPr sz="1400" b="0" i="0" u="none" strike="noStrike" cap="none">
+                <a:solidFill>
+                  <a:srgbClr val="000000"/>
+                </a:solidFill>
+                <a:latin typeface="Arial"/>
+                <a:ea typeface="Arial"/>
+                <a:cs typeface="Arial"/>
+                <a:sym typeface="Arial"/>
+              </a:defRPr>
+            </a:lvl8pPr>
+            <a:lvl9pPr marR="0" lvl="8" algn="l" rtl="0">
+              <a:lnSpc>
+                <a:spcPct val="100000"/>
+              </a:lnSpc>
+              <a:spcBef>
+                <a:spcPts val="0"/>
+              </a:spcBef>
+              <a:spcAft>
+                <a:spcPts val="0"/>
+              </a:spcAft>
+              <a:buClr>
+                <a:srgbClr val="000000"/>
+              </a:buClr>
+              <a:buFont typeface="Arial"/>
+              <a:defRPr sz="1400" b="0" i="0" u="none" strike="noStrike" cap="none">
+                <a:solidFill>
+                  <a:srgbClr val="000000"/>
+                </a:solidFill>
+                <a:latin typeface="Arial"/>
+                <a:ea typeface="Arial"/>
+                <a:cs typeface="Arial"/>
+                <a:sym typeface="Arial"/>
+              </a:defRPr>
+            </a:lvl9pPr>
+          </a:lstStyle>
+          <a:p>
+            <a:r>
+              <a:rPr lang="en-US" altLang="zh-TW"/>
+              <a:t>What Is “AutoResetEvent” ?</a:t>
+            </a:r>
+            <a:endParaRPr lang="zh-TW" altLang="en-US" dirty="0"/>
+          </a:p>
+        </p:txBody>
+      </p:sp>
+      <p:sp>
+        <p:nvSpPr>
+          <p:cNvPr id="5" name="矩形 4">
+            <a:extLst>
+              <a:ext uri="{FF2B5EF4-FFF2-40B4-BE49-F238E27FC236}">
+                <a16:creationId xmlns:a16="http://schemas.microsoft.com/office/drawing/2014/main" id="{236FE97D-D579-4C64-A4EB-B76F5A2D5964}"/>
+              </a:ext>
+            </a:extLst>
+          </p:cNvPr>
+          <p:cNvSpPr/>
+          <p:nvPr/>
+        </p:nvSpPr>
+        <p:spPr>
+          <a:xfrm>
+            <a:off x="171547" y="4095896"/>
+            <a:ext cx="11436684" cy="523220"/>
+          </a:xfrm>
+          <a:prstGeom prst="rect">
+            <a:avLst/>
+          </a:prstGeom>
+        </p:spPr>
+        <p:txBody>
+          <a:bodyPr wrap="square">
+            <a:spAutoFit/>
+          </a:bodyPr>
           <a:lstStyle/>
           <a:p>
-            <a:endParaRPr lang="en-US"/>
-          </a:p>
-        </p:txBody>
-      </p:sp>
-      <p:sp>
-        <p:nvSpPr>
-          <p:cNvPr id="5" name="文字版面配置區 4">
-            <a:extLst>
-              <a:ext uri="{FF2B5EF4-FFF2-40B4-BE49-F238E27FC236}">
-                <a16:creationId xmlns:a16="http://schemas.microsoft.com/office/drawing/2014/main" id="{D5E6A227-FFA5-4259-A31A-D3FFAE2305C9}"/>
-              </a:ext>
-            </a:extLst>
-          </p:cNvPr>
-          <p:cNvSpPr>
-            <a:spLocks noGrp="1"/>
-          </p:cNvSpPr>
-          <p:nvPr>
-            <p:ph type="body" idx="1"/>
-          </p:nvPr>
-        </p:nvSpPr>
-        <p:spPr/>
-        <p:txBody>
-          <a:bodyPr/>
-          <a:lstStyle/>
-          <a:p>
-            <a:endParaRPr lang="en-US"/>
-          </a:p>
-        </p:txBody>
-      </p:sp>
+            <a:r>
+              <a:rPr lang="zh-TW" altLang="en-US" dirty="0">
+                <a:hlinkClick r:id="rId2"/>
+              </a:rPr>
+              <a:t>https://columns.chicken-house.net/2007/12/17/threadpool-%E5%AF%A6%E4%BD%9C-3-autoresetevent-manualresetevent/</a:t>
+            </a:r>
+            <a:endParaRPr lang="en-US" altLang="zh-TW" dirty="0"/>
+          </a:p>
+          <a:p>
+            <a:endParaRPr lang="zh-TW" altLang="en-US" dirty="0"/>
+          </a:p>
+        </p:txBody>
+      </p:sp>
+      <p:pic>
+        <p:nvPicPr>
+          <p:cNvPr id="6" name="圖片 5">
+            <a:extLst>
+              <a:ext uri="{FF2B5EF4-FFF2-40B4-BE49-F238E27FC236}">
+                <a16:creationId xmlns:a16="http://schemas.microsoft.com/office/drawing/2014/main" id="{A0AFDBB5-8974-4582-9F05-9D5F442F802B}"/>
+              </a:ext>
+            </a:extLst>
+          </p:cNvPr>
+          <p:cNvPicPr>
+            <a:picLocks noChangeAspect="1"/>
+          </p:cNvPicPr>
+          <p:nvPr/>
+        </p:nvPicPr>
+        <p:blipFill rotWithShape="1">
+          <a:blip r:embed="rId3"/>
+          <a:srcRect t="-159" b="32381"/>
+          <a:stretch/>
+        </p:blipFill>
+        <p:spPr>
+          <a:xfrm>
+            <a:off x="171547" y="159505"/>
+            <a:ext cx="8800906" cy="3870056"/>
+          </a:xfrm>
+          <a:prstGeom prst="rect">
+            <a:avLst/>
+          </a:prstGeom>
+        </p:spPr>
+      </p:pic>
     </p:spTree>
     <p:extLst>
       <p:ext uri="{BB962C8B-B14F-4D97-AF65-F5344CB8AC3E}">
-        <p14:creationId xmlns:p14="http://schemas.microsoft.com/office/powerpoint/2010/main" val="1886558902"/>
+        <p14:creationId xmlns:p14="http://schemas.microsoft.com/office/powerpoint/2010/main" val="1164270202"/>
       </p:ext>
     </p:extLst>
   </p:cSld>
@@ -17158,7 +18341,7 @@
 </p:sld>
 </file>
 
-<file path=ppt/slides/slide26.xml><?xml version="1.0" encoding="utf-8"?>
+<file path=ppt/slides/slide3.xml><?xml version="1.0" encoding="utf-8"?>
 <p:sld xmlns:a="http://schemas.openxmlformats.org/drawingml/2006/main" xmlns:r="http://schemas.openxmlformats.org/officeDocument/2006/relationships" xmlns:p="http://schemas.openxmlformats.org/presentationml/2006/main">
   <p:cSld>
     <p:spTree>
@@ -17180,7 +18363,7 @@
           <p:cNvPr id="4" name="標題 3">
             <a:extLst>
               <a:ext uri="{FF2B5EF4-FFF2-40B4-BE49-F238E27FC236}">
-                <a16:creationId xmlns:a16="http://schemas.microsoft.com/office/drawing/2014/main" id="{7DB22D88-1A93-4EC1-9D9A-996FB55606EA}"/>
+                <a16:creationId xmlns:a16="http://schemas.microsoft.com/office/drawing/2014/main" id="{35CCDDFD-F728-4A0B-89D6-D80A3CFAE7E5}"/>
               </a:ext>
             </a:extLst>
           </p:cNvPr>
@@ -17196,39 +18379,93 @@
           <a:bodyPr/>
           <a:lstStyle/>
           <a:p>
-            <a:endParaRPr lang="en-US"/>
-          </a:p>
-        </p:txBody>
-      </p:sp>
-      <p:sp>
-        <p:nvSpPr>
-          <p:cNvPr id="5" name="文字版面配置區 4">
-            <a:extLst>
-              <a:ext uri="{FF2B5EF4-FFF2-40B4-BE49-F238E27FC236}">
-                <a16:creationId xmlns:a16="http://schemas.microsoft.com/office/drawing/2014/main" id="{D5E6A227-FFA5-4259-A31A-D3FFAE2305C9}"/>
-              </a:ext>
-            </a:extLst>
-          </p:cNvPr>
-          <p:cNvSpPr>
-            <a:spLocks noGrp="1"/>
-          </p:cNvSpPr>
-          <p:nvPr>
-            <p:ph type="body" idx="1"/>
-          </p:nvPr>
-        </p:nvSpPr>
-        <p:spPr/>
-        <p:txBody>
-          <a:bodyPr/>
-          <a:lstStyle/>
-          <a:p>
-            <a:endParaRPr lang="en-US"/>
-          </a:p>
-        </p:txBody>
-      </p:sp>
+            <a:r>
+              <a:rPr lang="en-US" dirty="0"/>
+              <a:t>.NET Microservices</a:t>
+            </a:r>
+          </a:p>
+        </p:txBody>
+      </p:sp>
+      <p:pic>
+        <p:nvPicPr>
+          <p:cNvPr id="3074" name="Picture 2" descr="æ¸ç±å°é¢">
+            <a:extLst>
+              <a:ext uri="{FF2B5EF4-FFF2-40B4-BE49-F238E27FC236}">
+                <a16:creationId xmlns:a16="http://schemas.microsoft.com/office/drawing/2014/main" id="{ED20BB43-9698-4A94-8AE6-EE7250533D14}"/>
+              </a:ext>
+            </a:extLst>
+          </p:cNvPr>
+          <p:cNvPicPr>
+            <a:picLocks noChangeAspect="1" noChangeArrowheads="1"/>
+          </p:cNvPicPr>
+          <p:nvPr/>
+        </p:nvPicPr>
+        <p:blipFill>
+          <a:blip r:embed="rId2">
+            <a:extLst>
+              <a:ext uri="{28A0092B-C50C-407E-A947-70E740481C1C}">
+                <a14:useLocalDpi xmlns:a14="http://schemas.microsoft.com/office/drawing/2010/main" val="0"/>
+              </a:ext>
+            </a:extLst>
+          </a:blip>
+          <a:srcRect/>
+          <a:stretch>
+            <a:fillRect/>
+          </a:stretch>
+        </p:blipFill>
+        <p:spPr bwMode="auto">
+          <a:xfrm>
+            <a:off x="799980" y="1350816"/>
+            <a:ext cx="2647950" cy="3429000"/>
+          </a:xfrm>
+          <a:prstGeom prst="rect">
+            <a:avLst/>
+          </a:prstGeom>
+          <a:noFill/>
+          <a:extLst>
+            <a:ext uri="{909E8E84-426E-40DD-AFC4-6F175D3DCCD1}">
+              <a14:hiddenFill xmlns:a14="http://schemas.microsoft.com/office/drawing/2010/main">
+                <a:solidFill>
+                  <a:srgbClr val="FFFFFF"/>
+                </a:solidFill>
+              </a14:hiddenFill>
+            </a:ext>
+          </a:extLst>
+        </p:spPr>
+      </p:pic>
+      <p:pic>
+        <p:nvPicPr>
+          <p:cNvPr id="6" name="圖片 5">
+            <a:extLst>
+              <a:ext uri="{FF2B5EF4-FFF2-40B4-BE49-F238E27FC236}">
+                <a16:creationId xmlns:a16="http://schemas.microsoft.com/office/drawing/2014/main" id="{5E342272-D16A-4FD3-A99A-59F25B32D304}"/>
+              </a:ext>
+            </a:extLst>
+          </p:cNvPr>
+          <p:cNvPicPr>
+            <a:picLocks noChangeAspect="1"/>
+          </p:cNvPicPr>
+          <p:nvPr/>
+        </p:nvPicPr>
+        <p:blipFill rotWithShape="1">
+          <a:blip r:embed="rId3"/>
+          <a:srcRect b="29142"/>
+          <a:stretch/>
+        </p:blipFill>
+        <p:spPr>
+          <a:xfrm>
+            <a:off x="4347622" y="1243027"/>
+            <a:ext cx="3082247" cy="3644579"/>
+          </a:xfrm>
+          <a:prstGeom prst="rect">
+            <a:avLst/>
+          </a:prstGeom>
+        </p:spPr>
+      </p:pic>
     </p:spTree>
     <p:extLst>
       <p:ext uri="{BB962C8B-B14F-4D97-AF65-F5344CB8AC3E}">
-        <p14:creationId xmlns:p14="http://schemas.microsoft.com/office/powerpoint/2010/main" val="3269942683"/>
+        <p14:creationId xmlns:p14="http://schemas.microsoft.com/office/powerpoint/2010/main" val="2371577746"/>
       </p:ext>
     </p:extLst>
   </p:cSld>
@@ -17238,7 +18475,7 @@
 </p:sld>
 </file>
 
-<file path=ppt/slides/slide27.xml><?xml version="1.0" encoding="utf-8"?>
+<file path=ppt/slides/slide30.xml><?xml version="1.0" encoding="utf-8"?>
 <p:sld xmlns:a="http://schemas.openxmlformats.org/drawingml/2006/main" xmlns:r="http://schemas.openxmlformats.org/officeDocument/2006/relationships" xmlns:p="http://schemas.openxmlformats.org/presentationml/2006/main">
   <p:cSld>
     <p:spTree>
@@ -17257,6 +18494,525 @@
       </p:grpSpPr>
       <p:sp>
         <p:nvSpPr>
+          <p:cNvPr id="4" name="標題 2">
+            <a:extLst>
+              <a:ext uri="{FF2B5EF4-FFF2-40B4-BE49-F238E27FC236}">
+                <a16:creationId xmlns:a16="http://schemas.microsoft.com/office/drawing/2014/main" id="{399515DD-8C0A-4AFE-92C0-6C95410AE57C}"/>
+              </a:ext>
+            </a:extLst>
+          </p:cNvPr>
+          <p:cNvSpPr txBox="1">
+            <a:spLocks/>
+          </p:cNvSpPr>
+          <p:nvPr/>
+        </p:nvSpPr>
+        <p:spPr>
+          <a:xfrm>
+            <a:off x="-210785" y="-557253"/>
+            <a:ext cx="10466754" cy="786717"/>
+          </a:xfrm>
+          <a:prstGeom prst="rect">
+            <a:avLst/>
+          </a:prstGeom>
+        </p:spPr>
+        <p:txBody>
+          <a:bodyPr/>
+          <a:lstStyle>
+            <a:defPPr marR="0" lvl="0" algn="l" rtl="0">
+              <a:lnSpc>
+                <a:spcPct val="100000"/>
+              </a:lnSpc>
+              <a:spcBef>
+                <a:spcPts val="0"/>
+              </a:spcBef>
+              <a:spcAft>
+                <a:spcPts val="0"/>
+              </a:spcAft>
+            </a:defPPr>
+            <a:lvl1pPr marR="0" lvl="0" algn="l" rtl="0">
+              <a:lnSpc>
+                <a:spcPct val="100000"/>
+              </a:lnSpc>
+              <a:spcBef>
+                <a:spcPts val="0"/>
+              </a:spcBef>
+              <a:spcAft>
+                <a:spcPts val="0"/>
+              </a:spcAft>
+              <a:buClr>
+                <a:srgbClr val="000000"/>
+              </a:buClr>
+              <a:buFont typeface="Arial"/>
+              <a:defRPr sz="1400" b="0" i="0" u="none" strike="noStrike" cap="none">
+                <a:solidFill>
+                  <a:srgbClr val="000000"/>
+                </a:solidFill>
+                <a:latin typeface="Arial"/>
+                <a:ea typeface="Arial"/>
+                <a:cs typeface="Arial"/>
+                <a:sym typeface="Arial"/>
+              </a:defRPr>
+            </a:lvl1pPr>
+            <a:lvl2pPr marR="0" lvl="1" algn="l" rtl="0">
+              <a:lnSpc>
+                <a:spcPct val="100000"/>
+              </a:lnSpc>
+              <a:spcBef>
+                <a:spcPts val="0"/>
+              </a:spcBef>
+              <a:spcAft>
+                <a:spcPts val="0"/>
+              </a:spcAft>
+              <a:buClr>
+                <a:srgbClr val="000000"/>
+              </a:buClr>
+              <a:buFont typeface="Arial"/>
+              <a:defRPr sz="1400" b="0" i="0" u="none" strike="noStrike" cap="none">
+                <a:solidFill>
+                  <a:srgbClr val="000000"/>
+                </a:solidFill>
+                <a:latin typeface="Arial"/>
+                <a:ea typeface="Arial"/>
+                <a:cs typeface="Arial"/>
+                <a:sym typeface="Arial"/>
+              </a:defRPr>
+            </a:lvl2pPr>
+            <a:lvl3pPr marR="0" lvl="2" algn="l" rtl="0">
+              <a:lnSpc>
+                <a:spcPct val="100000"/>
+              </a:lnSpc>
+              <a:spcBef>
+                <a:spcPts val="0"/>
+              </a:spcBef>
+              <a:spcAft>
+                <a:spcPts val="0"/>
+              </a:spcAft>
+              <a:buClr>
+                <a:srgbClr val="000000"/>
+              </a:buClr>
+              <a:buFont typeface="Arial"/>
+              <a:defRPr sz="1400" b="0" i="0" u="none" strike="noStrike" cap="none">
+                <a:solidFill>
+                  <a:srgbClr val="000000"/>
+                </a:solidFill>
+                <a:latin typeface="Arial"/>
+                <a:ea typeface="Arial"/>
+                <a:cs typeface="Arial"/>
+                <a:sym typeface="Arial"/>
+              </a:defRPr>
+            </a:lvl3pPr>
+            <a:lvl4pPr marR="0" lvl="3" algn="l" rtl="0">
+              <a:lnSpc>
+                <a:spcPct val="100000"/>
+              </a:lnSpc>
+              <a:spcBef>
+                <a:spcPts val="0"/>
+              </a:spcBef>
+              <a:spcAft>
+                <a:spcPts val="0"/>
+              </a:spcAft>
+              <a:buClr>
+                <a:srgbClr val="000000"/>
+              </a:buClr>
+              <a:buFont typeface="Arial"/>
+              <a:defRPr sz="1400" b="0" i="0" u="none" strike="noStrike" cap="none">
+                <a:solidFill>
+                  <a:srgbClr val="000000"/>
+                </a:solidFill>
+                <a:latin typeface="Arial"/>
+                <a:ea typeface="Arial"/>
+                <a:cs typeface="Arial"/>
+                <a:sym typeface="Arial"/>
+              </a:defRPr>
+            </a:lvl4pPr>
+            <a:lvl5pPr marR="0" lvl="4" algn="l" rtl="0">
+              <a:lnSpc>
+                <a:spcPct val="100000"/>
+              </a:lnSpc>
+              <a:spcBef>
+                <a:spcPts val="0"/>
+              </a:spcBef>
+              <a:spcAft>
+                <a:spcPts val="0"/>
+              </a:spcAft>
+              <a:buClr>
+                <a:srgbClr val="000000"/>
+              </a:buClr>
+              <a:buFont typeface="Arial"/>
+              <a:defRPr sz="1400" b="0" i="0" u="none" strike="noStrike" cap="none">
+                <a:solidFill>
+                  <a:srgbClr val="000000"/>
+                </a:solidFill>
+                <a:latin typeface="Arial"/>
+                <a:ea typeface="Arial"/>
+                <a:cs typeface="Arial"/>
+                <a:sym typeface="Arial"/>
+              </a:defRPr>
+            </a:lvl5pPr>
+            <a:lvl6pPr marR="0" lvl="5" algn="l" rtl="0">
+              <a:lnSpc>
+                <a:spcPct val="100000"/>
+              </a:lnSpc>
+              <a:spcBef>
+                <a:spcPts val="0"/>
+              </a:spcBef>
+              <a:spcAft>
+                <a:spcPts val="0"/>
+              </a:spcAft>
+              <a:buClr>
+                <a:srgbClr val="000000"/>
+              </a:buClr>
+              <a:buFont typeface="Arial"/>
+              <a:defRPr sz="1400" b="0" i="0" u="none" strike="noStrike" cap="none">
+                <a:solidFill>
+                  <a:srgbClr val="000000"/>
+                </a:solidFill>
+                <a:latin typeface="Arial"/>
+                <a:ea typeface="Arial"/>
+                <a:cs typeface="Arial"/>
+                <a:sym typeface="Arial"/>
+              </a:defRPr>
+            </a:lvl6pPr>
+            <a:lvl7pPr marR="0" lvl="6" algn="l" rtl="0">
+              <a:lnSpc>
+                <a:spcPct val="100000"/>
+              </a:lnSpc>
+              <a:spcBef>
+                <a:spcPts val="0"/>
+              </a:spcBef>
+              <a:spcAft>
+                <a:spcPts val="0"/>
+              </a:spcAft>
+              <a:buClr>
+                <a:srgbClr val="000000"/>
+              </a:buClr>
+              <a:buFont typeface="Arial"/>
+              <a:defRPr sz="1400" b="0" i="0" u="none" strike="noStrike" cap="none">
+                <a:solidFill>
+                  <a:srgbClr val="000000"/>
+                </a:solidFill>
+                <a:latin typeface="Arial"/>
+                <a:ea typeface="Arial"/>
+                <a:cs typeface="Arial"/>
+                <a:sym typeface="Arial"/>
+              </a:defRPr>
+            </a:lvl7pPr>
+            <a:lvl8pPr marR="0" lvl="7" algn="l" rtl="0">
+              <a:lnSpc>
+                <a:spcPct val="100000"/>
+              </a:lnSpc>
+              <a:spcBef>
+                <a:spcPts val="0"/>
+              </a:spcBef>
+              <a:spcAft>
+                <a:spcPts val="0"/>
+              </a:spcAft>
+              <a:buClr>
+                <a:srgbClr val="000000"/>
+              </a:buClr>
+              <a:buFont typeface="Arial"/>
+              <a:defRPr sz="1400" b="0" i="0" u="none" strike="noStrike" cap="none">
+                <a:solidFill>
+                  <a:srgbClr val="000000"/>
+                </a:solidFill>
+                <a:latin typeface="Arial"/>
+                <a:ea typeface="Arial"/>
+                <a:cs typeface="Arial"/>
+                <a:sym typeface="Arial"/>
+              </a:defRPr>
+            </a:lvl8pPr>
+            <a:lvl9pPr marR="0" lvl="8" algn="l" rtl="0">
+              <a:lnSpc>
+                <a:spcPct val="100000"/>
+              </a:lnSpc>
+              <a:spcBef>
+                <a:spcPts val="0"/>
+              </a:spcBef>
+              <a:spcAft>
+                <a:spcPts val="0"/>
+              </a:spcAft>
+              <a:buClr>
+                <a:srgbClr val="000000"/>
+              </a:buClr>
+              <a:buFont typeface="Arial"/>
+              <a:defRPr sz="1400" b="0" i="0" u="none" strike="noStrike" cap="none">
+                <a:solidFill>
+                  <a:srgbClr val="000000"/>
+                </a:solidFill>
+                <a:latin typeface="Arial"/>
+                <a:ea typeface="Arial"/>
+                <a:cs typeface="Arial"/>
+                <a:sym typeface="Arial"/>
+              </a:defRPr>
+            </a:lvl9pPr>
+          </a:lstStyle>
+          <a:p>
+            <a:r>
+              <a:rPr lang="en-US" altLang="zh-TW"/>
+              <a:t>Tips: </a:t>
+            </a:r>
+            <a:r>
+              <a:rPr lang="zh-TW" altLang="en-US"/>
+              <a:t>如何處理 </a:t>
+            </a:r>
+            <a:r>
+              <a:rPr lang="en-US" altLang="zh-TW"/>
+              <a:t>Windows </a:t>
+            </a:r>
+            <a:r>
+              <a:rPr lang="zh-TW" altLang="en-US"/>
+              <a:t>關機事件</a:t>
+            </a:r>
+            <a:r>
+              <a:rPr lang="en-US" altLang="zh-TW"/>
+              <a:t>?</a:t>
+            </a:r>
+            <a:endParaRPr lang="zh-TW" altLang="en-US" dirty="0"/>
+          </a:p>
+        </p:txBody>
+      </p:sp>
+      <p:pic>
+        <p:nvPicPr>
+          <p:cNvPr id="5" name="圖片 4">
+            <a:extLst>
+              <a:ext uri="{FF2B5EF4-FFF2-40B4-BE49-F238E27FC236}">
+                <a16:creationId xmlns:a16="http://schemas.microsoft.com/office/drawing/2014/main" id="{3992DD95-9313-4023-B873-187F7F6C4D0A}"/>
+              </a:ext>
+            </a:extLst>
+          </p:cNvPr>
+          <p:cNvPicPr>
+            <a:picLocks noChangeAspect="1"/>
+          </p:cNvPicPr>
+          <p:nvPr/>
+        </p:nvPicPr>
+        <p:blipFill>
+          <a:blip r:embed="rId2"/>
+          <a:stretch>
+            <a:fillRect/>
+          </a:stretch>
+        </p:blipFill>
+        <p:spPr>
+          <a:xfrm>
+            <a:off x="907110" y="222637"/>
+            <a:ext cx="7329779" cy="4237763"/>
+          </a:xfrm>
+          <a:prstGeom prst="rect">
+            <a:avLst/>
+          </a:prstGeom>
+        </p:spPr>
+      </p:pic>
+      <p:sp>
+        <p:nvSpPr>
+          <p:cNvPr id="6" name="文字方塊 5">
+            <a:extLst>
+              <a:ext uri="{FF2B5EF4-FFF2-40B4-BE49-F238E27FC236}">
+                <a16:creationId xmlns:a16="http://schemas.microsoft.com/office/drawing/2014/main" id="{03FBC0D9-3D51-4F9B-84CA-095275ED825F}"/>
+              </a:ext>
+            </a:extLst>
+          </p:cNvPr>
+          <p:cNvSpPr txBox="1"/>
+          <p:nvPr/>
+        </p:nvSpPr>
+        <p:spPr>
+          <a:xfrm>
+            <a:off x="150042" y="4542043"/>
+            <a:ext cx="9745100" cy="871008"/>
+          </a:xfrm>
+          <a:prstGeom prst="rect">
+            <a:avLst/>
+          </a:prstGeom>
+          <a:noFill/>
+        </p:spPr>
+        <p:txBody>
+          <a:bodyPr wrap="square" lIns="182880" tIns="146304" rIns="182880" bIns="146304" rtlCol="0">
+            <a:spAutoFit/>
+          </a:bodyPr>
+          <a:lstStyle/>
+          <a:p>
+            <a:pPr>
+              <a:lnSpc>
+                <a:spcPct val="90000"/>
+              </a:lnSpc>
+              <a:spcAft>
+                <a:spcPts val="600"/>
+              </a:spcAft>
+            </a:pPr>
+            <a:r>
+              <a:rPr lang="en-US" altLang="zh-TW" sz="1800" dirty="0">
+                <a:gradFill>
+                  <a:gsLst>
+                    <a:gs pos="2917">
+                      <a:schemeClr val="tx1"/>
+                    </a:gs>
+                    <a:gs pos="30000">
+                      <a:schemeClr val="tx1"/>
+                    </a:gs>
+                  </a:gsLst>
+                  <a:lin ang="5400000" scaled="0"/>
+                </a:gradFill>
+                <a:hlinkClick r:id="rId3"/>
+              </a:rPr>
+              <a:t>https://columns.chicken-house.net/2018/05/10/tips-handle-shutdown-event/</a:t>
+            </a:r>
+            <a:endParaRPr lang="en-US" altLang="zh-TW" sz="1800" dirty="0">
+              <a:gradFill>
+                <a:gsLst>
+                  <a:gs pos="2917">
+                    <a:schemeClr val="tx1"/>
+                  </a:gs>
+                  <a:gs pos="30000">
+                    <a:schemeClr val="tx1"/>
+                  </a:gs>
+                </a:gsLst>
+                <a:lin ang="5400000" scaled="0"/>
+              </a:gradFill>
+            </a:endParaRPr>
+          </a:p>
+          <a:p>
+            <a:pPr>
+              <a:lnSpc>
+                <a:spcPct val="90000"/>
+              </a:lnSpc>
+              <a:spcAft>
+                <a:spcPts val="600"/>
+              </a:spcAft>
+            </a:pPr>
+            <a:endParaRPr lang="zh-TW" altLang="en-US" sz="1800" dirty="0" err="1">
+              <a:gradFill>
+                <a:gsLst>
+                  <a:gs pos="2917">
+                    <a:schemeClr val="tx1"/>
+                  </a:gs>
+                  <a:gs pos="30000">
+                    <a:schemeClr val="tx1"/>
+                  </a:gs>
+                </a:gsLst>
+                <a:lin ang="5400000" scaled="0"/>
+              </a:gradFill>
+            </a:endParaRPr>
+          </a:p>
+        </p:txBody>
+      </p:sp>
+    </p:spTree>
+    <p:extLst>
+      <p:ext uri="{BB962C8B-B14F-4D97-AF65-F5344CB8AC3E}">
+        <p14:creationId xmlns:p14="http://schemas.microsoft.com/office/powerpoint/2010/main" val="89386886"/>
+      </p:ext>
+    </p:extLst>
+  </p:cSld>
+  <p:clrMapOvr>
+    <a:masterClrMapping/>
+  </p:clrMapOvr>
+</p:sld>
+</file>
+
+<file path=ppt/slides/slide31.xml><?xml version="1.0" encoding="utf-8"?>
+<p:sld xmlns:a="http://schemas.openxmlformats.org/drawingml/2006/main" xmlns:r="http://schemas.openxmlformats.org/officeDocument/2006/relationships" xmlns:p="http://schemas.openxmlformats.org/presentationml/2006/main">
+  <p:cSld>
+    <p:spTree>
+      <p:nvGrpSpPr>
+        <p:cNvPr id="1" name=""/>
+        <p:cNvGrpSpPr/>
+        <p:nvPr/>
+      </p:nvGrpSpPr>
+      <p:grpSpPr>
+        <a:xfrm>
+          <a:off x="0" y="0"/>
+          <a:ext cx="0" cy="0"/>
+          <a:chOff x="0" y="0"/>
+          <a:chExt cx="0" cy="0"/>
+        </a:xfrm>
+      </p:grpSpPr>
+      <p:sp>
+        <p:nvSpPr>
+          <p:cNvPr id="2" name="標題 1">
+            <a:extLst>
+              <a:ext uri="{FF2B5EF4-FFF2-40B4-BE49-F238E27FC236}">
+                <a16:creationId xmlns:a16="http://schemas.microsoft.com/office/drawing/2014/main" id="{D7B22318-03C7-42EB-A654-0549C0638542}"/>
+              </a:ext>
+            </a:extLst>
+          </p:cNvPr>
+          <p:cNvSpPr>
+            <a:spLocks noGrp="1"/>
+          </p:cNvSpPr>
+          <p:nvPr>
+            <p:ph type="ctrTitle"/>
+          </p:nvPr>
+        </p:nvSpPr>
+        <p:spPr/>
+        <p:txBody>
+          <a:bodyPr/>
+          <a:lstStyle/>
+          <a:p>
+            <a:r>
+              <a:rPr lang="en-US" altLang="zh-TW" dirty="0"/>
+              <a:t>Demo #4</a:t>
+            </a:r>
+            <a:endParaRPr lang="zh-TW" altLang="en-US" dirty="0"/>
+          </a:p>
+        </p:txBody>
+      </p:sp>
+      <p:sp>
+        <p:nvSpPr>
+          <p:cNvPr id="3" name="副標題 2">
+            <a:extLst>
+              <a:ext uri="{FF2B5EF4-FFF2-40B4-BE49-F238E27FC236}">
+                <a16:creationId xmlns:a16="http://schemas.microsoft.com/office/drawing/2014/main" id="{564BFE7D-4A65-418C-97B8-CB5A74CABC17}"/>
+              </a:ext>
+            </a:extLst>
+          </p:cNvPr>
+          <p:cNvSpPr>
+            <a:spLocks noGrp="1"/>
+          </p:cNvSpPr>
+          <p:nvPr>
+            <p:ph type="subTitle" idx="1"/>
+          </p:nvPr>
+        </p:nvSpPr>
+        <p:spPr/>
+        <p:txBody>
+          <a:bodyPr/>
+          <a:lstStyle/>
+          <a:p>
+            <a:r>
+              <a:rPr lang="en-US" altLang="zh-TW" dirty="0"/>
+              <a:t>Using Docker-Compose</a:t>
+            </a:r>
+            <a:endParaRPr lang="zh-TW" altLang="en-US" dirty="0"/>
+          </a:p>
+        </p:txBody>
+      </p:sp>
+    </p:spTree>
+    <p:extLst>
+      <p:ext uri="{BB962C8B-B14F-4D97-AF65-F5344CB8AC3E}">
+        <p14:creationId xmlns:p14="http://schemas.microsoft.com/office/powerpoint/2010/main" val="341096423"/>
+      </p:ext>
+    </p:extLst>
+  </p:cSld>
+  <p:clrMapOvr>
+    <a:masterClrMapping/>
+  </p:clrMapOvr>
+</p:sld>
+</file>
+
+<file path=ppt/slides/slide32.xml><?xml version="1.0" encoding="utf-8"?>
+<p:sld xmlns:a="http://schemas.openxmlformats.org/drawingml/2006/main" xmlns:r="http://schemas.openxmlformats.org/officeDocument/2006/relationships" xmlns:p="http://schemas.openxmlformats.org/presentationml/2006/main">
+  <p:cSld>
+    <p:spTree>
+      <p:nvGrpSpPr>
+        <p:cNvPr id="1" name=""/>
+        <p:cNvGrpSpPr/>
+        <p:nvPr/>
+      </p:nvGrpSpPr>
+      <p:grpSpPr>
+        <a:xfrm>
+          <a:off x="0" y="0"/>
+          <a:ext cx="0" cy="0"/>
+          <a:chOff x="0" y="0"/>
+          <a:chExt cx="0" cy="0"/>
+        </a:xfrm>
+      </p:grpSpPr>
+      <p:sp>
+        <p:nvSpPr>
           <p:cNvPr id="4" name="標題 3">
             <a:extLst>
               <a:ext uri="{FF2B5EF4-FFF2-40B4-BE49-F238E27FC236}">
@@ -17318,7 +19074,383 @@
 </p:sld>
 </file>
 
-<file path=ppt/slides/slide28.xml><?xml version="1.0" encoding="utf-8"?>
+<file path=ppt/slides/slide33.xml><?xml version="1.0" encoding="utf-8"?>
+<p:sld xmlns:a="http://schemas.openxmlformats.org/drawingml/2006/main" xmlns:r="http://schemas.openxmlformats.org/officeDocument/2006/relationships" xmlns:p="http://schemas.openxmlformats.org/presentationml/2006/main">
+  <p:cSld>
+    <p:spTree>
+      <p:nvGrpSpPr>
+        <p:cNvPr id="1" name=""/>
+        <p:cNvGrpSpPr/>
+        <p:nvPr/>
+      </p:nvGrpSpPr>
+      <p:grpSpPr>
+        <a:xfrm>
+          <a:off x="0" y="0"/>
+          <a:ext cx="0" cy="0"/>
+          <a:chOff x="0" y="0"/>
+          <a:chExt cx="0" cy="0"/>
+        </a:xfrm>
+      </p:grpSpPr>
+      <p:sp>
+        <p:nvSpPr>
+          <p:cNvPr id="2" name="標題 1">
+            <a:extLst>
+              <a:ext uri="{FF2B5EF4-FFF2-40B4-BE49-F238E27FC236}">
+                <a16:creationId xmlns:a16="http://schemas.microsoft.com/office/drawing/2014/main" id="{3536115B-8089-49FD-AB72-1E2BEA47C5BE}"/>
+              </a:ext>
+            </a:extLst>
+          </p:cNvPr>
+          <p:cNvSpPr>
+            <a:spLocks noGrp="1"/>
+          </p:cNvSpPr>
+          <p:nvPr>
+            <p:ph type="ctrTitle"/>
+          </p:nvPr>
+        </p:nvSpPr>
+        <p:spPr/>
+        <p:txBody>
+          <a:bodyPr/>
+          <a:lstStyle/>
+          <a:p>
+            <a:br>
+              <a:rPr lang="en-US" altLang="zh-TW" dirty="0"/>
+            </a:br>
+            <a:r>
+              <a:rPr lang="en-US" altLang="zh-TW" dirty="0"/>
+              <a:t>Question?</a:t>
+            </a:r>
+            <a:endParaRPr lang="zh-TW" altLang="en-US" dirty="0"/>
+          </a:p>
+        </p:txBody>
+      </p:sp>
+      <p:sp>
+        <p:nvSpPr>
+          <p:cNvPr id="3" name="副標題 2">
+            <a:extLst>
+              <a:ext uri="{FF2B5EF4-FFF2-40B4-BE49-F238E27FC236}">
+                <a16:creationId xmlns:a16="http://schemas.microsoft.com/office/drawing/2014/main" id="{5BD6DF8B-1DDE-4009-ADC2-3F9386D7C2AF}"/>
+              </a:ext>
+            </a:extLst>
+          </p:cNvPr>
+          <p:cNvSpPr>
+            <a:spLocks noGrp="1"/>
+          </p:cNvSpPr>
+          <p:nvPr>
+            <p:ph type="subTitle" idx="1"/>
+          </p:nvPr>
+        </p:nvSpPr>
+        <p:spPr/>
+        <p:txBody>
+          <a:bodyPr/>
+          <a:lstStyle/>
+          <a:p>
+            <a:endParaRPr lang="zh-TW" altLang="en-US"/>
+          </a:p>
+        </p:txBody>
+      </p:sp>
+    </p:spTree>
+    <p:extLst>
+      <p:ext uri="{BB962C8B-B14F-4D97-AF65-F5344CB8AC3E}">
+        <p14:creationId xmlns:p14="http://schemas.microsoft.com/office/powerpoint/2010/main" val="1473027774"/>
+      </p:ext>
+    </p:extLst>
+  </p:cSld>
+  <p:clrMapOvr>
+    <a:masterClrMapping/>
+  </p:clrMapOvr>
+</p:sld>
+</file>
+
+<file path=ppt/slides/slide34.xml><?xml version="1.0" encoding="utf-8"?>
+<p:sld xmlns:a="http://schemas.openxmlformats.org/drawingml/2006/main" xmlns:r="http://schemas.openxmlformats.org/officeDocument/2006/relationships" xmlns:p="http://schemas.openxmlformats.org/presentationml/2006/main">
+  <p:cSld>
+    <p:spTree>
+      <p:nvGrpSpPr>
+        <p:cNvPr id="1" name=""/>
+        <p:cNvGrpSpPr/>
+        <p:nvPr/>
+      </p:nvGrpSpPr>
+      <p:grpSpPr>
+        <a:xfrm>
+          <a:off x="0" y="0"/>
+          <a:ext cx="0" cy="0"/>
+          <a:chOff x="0" y="0"/>
+          <a:chExt cx="0" cy="0"/>
+        </a:xfrm>
+      </p:grpSpPr>
+      <p:sp>
+        <p:nvSpPr>
+          <p:cNvPr id="4" name="文字方塊 3">
+            <a:extLst>
+              <a:ext uri="{FF2B5EF4-FFF2-40B4-BE49-F238E27FC236}">
+                <a16:creationId xmlns:a16="http://schemas.microsoft.com/office/drawing/2014/main" id="{DB617E54-C86B-4CC9-B2B9-9493F1901192}"/>
+              </a:ext>
+            </a:extLst>
+          </p:cNvPr>
+          <p:cNvSpPr txBox="1"/>
+          <p:nvPr/>
+        </p:nvSpPr>
+        <p:spPr>
+          <a:xfrm>
+            <a:off x="2526015" y="3301067"/>
+            <a:ext cx="8120916" cy="1822037"/>
+          </a:xfrm>
+          <a:prstGeom prst="rect">
+            <a:avLst/>
+          </a:prstGeom>
+          <a:noFill/>
+        </p:spPr>
+        <p:txBody>
+          <a:bodyPr wrap="square" lIns="182880" tIns="146304" rIns="182880" bIns="146304" rtlCol="0">
+            <a:spAutoFit/>
+          </a:bodyPr>
+          <a:lstStyle/>
+          <a:p>
+            <a:pPr lvl="0" eaLnBrk="0" fontAlgn="base" hangingPunct="0">
+              <a:spcBef>
+                <a:spcPct val="0"/>
+              </a:spcBef>
+              <a:spcAft>
+                <a:spcPct val="0"/>
+              </a:spcAft>
+            </a:pPr>
+            <a:r>
+              <a:rPr lang="zh-TW" altLang="zh-TW" sz="3200" b="1" dirty="0">
+                <a:solidFill>
+                  <a:srgbClr val="1D6682"/>
+                </a:solidFill>
+                <a:latin typeface="Arial" panose="020B0604020202020204" pitchFamily="34" charset="0"/>
+                <a:ea typeface="Open Sans"/>
+              </a:rPr>
+              <a:t>【我們正在招募】</a:t>
+            </a:r>
+            <a:endParaRPr lang="en-US" altLang="zh-TW" sz="2400" dirty="0">
+              <a:solidFill>
+                <a:srgbClr val="1D6682"/>
+              </a:solidFill>
+              <a:latin typeface="Arial" panose="020B0604020202020204" pitchFamily="34" charset="0"/>
+            </a:endParaRPr>
+          </a:p>
+          <a:p>
+            <a:pPr lvl="0" eaLnBrk="0" fontAlgn="base" hangingPunct="0">
+              <a:spcBef>
+                <a:spcPct val="0"/>
+              </a:spcBef>
+              <a:spcAft>
+                <a:spcPct val="0"/>
+              </a:spcAft>
+            </a:pPr>
+            <a:r>
+              <a:rPr lang="zh-TW" altLang="zh-TW" sz="2400" dirty="0">
+                <a:solidFill>
+                  <a:srgbClr val="1D6682"/>
+                </a:solidFill>
+                <a:latin typeface="Arial" panose="020B0604020202020204" pitchFamily="34" charset="0"/>
+              </a:rPr>
+              <a:t>● </a:t>
+            </a:r>
+            <a:r>
+              <a:rPr lang="zh-TW" altLang="zh-TW" sz="2400" dirty="0">
+                <a:solidFill>
+                  <a:srgbClr val="FF8C1D"/>
+                </a:solidFill>
+                <a:latin typeface="Arial" panose="020B0604020202020204" pitchFamily="34" charset="0"/>
+                <a:hlinkClick r:id="rId2"/>
+              </a:rPr>
+              <a:t>架構師</a:t>
+            </a:r>
+            <a:endParaRPr lang="zh-TW" altLang="zh-TW" sz="3600" dirty="0">
+              <a:latin typeface="Arial" panose="020B0604020202020204" pitchFamily="34" charset="0"/>
+            </a:endParaRPr>
+          </a:p>
+          <a:p>
+            <a:pPr>
+              <a:lnSpc>
+                <a:spcPct val="90000"/>
+              </a:lnSpc>
+              <a:spcAft>
+                <a:spcPts val="600"/>
+              </a:spcAft>
+            </a:pPr>
+            <a:r>
+              <a:rPr lang="zh-TW" altLang="zh-TW" sz="2400" dirty="0">
+                <a:solidFill>
+                  <a:srgbClr val="1D6682"/>
+                </a:solidFill>
+                <a:latin typeface="Arial" panose="020B0604020202020204" pitchFamily="34" charset="0"/>
+              </a:rPr>
+              <a:t>● </a:t>
+            </a:r>
+            <a:r>
+              <a:rPr lang="zh-TW" altLang="zh-TW" sz="2400" dirty="0">
+                <a:solidFill>
+                  <a:srgbClr val="FF8C1D"/>
+                </a:solidFill>
+                <a:latin typeface="Arial" panose="020B0604020202020204" pitchFamily="34" charset="0"/>
+                <a:hlinkClick r:id="rId3"/>
+              </a:rPr>
+              <a:t>C# Asp.Net MVC開發工程師</a:t>
+            </a:r>
+            <a:br>
+              <a:rPr lang="zh-TW" altLang="zh-TW" sz="2400" dirty="0">
+                <a:solidFill>
+                  <a:srgbClr val="1D6682"/>
+                </a:solidFill>
+                <a:latin typeface="Arial" panose="020B0604020202020204" pitchFamily="34" charset="0"/>
+              </a:rPr>
+            </a:br>
+            <a:endParaRPr lang="zh-TW" altLang="en-US" sz="2400" dirty="0">
+              <a:gradFill>
+                <a:gsLst>
+                  <a:gs pos="2917">
+                    <a:schemeClr val="tx1"/>
+                  </a:gs>
+                  <a:gs pos="30000">
+                    <a:schemeClr val="tx1"/>
+                  </a:gs>
+                </a:gsLst>
+                <a:lin ang="5400000" scaled="0"/>
+              </a:gradFill>
+            </a:endParaRPr>
+          </a:p>
+        </p:txBody>
+      </p:sp>
+      <p:sp>
+        <p:nvSpPr>
+          <p:cNvPr id="5" name="文字方塊 4">
+            <a:extLst>
+              <a:ext uri="{FF2B5EF4-FFF2-40B4-BE49-F238E27FC236}">
+                <a16:creationId xmlns:a16="http://schemas.microsoft.com/office/drawing/2014/main" id="{38E6C06F-8053-48B5-A38E-5A1AE5F6DDFB}"/>
+              </a:ext>
+            </a:extLst>
+          </p:cNvPr>
+          <p:cNvSpPr txBox="1"/>
+          <p:nvPr/>
+        </p:nvSpPr>
+        <p:spPr>
+          <a:xfrm>
+            <a:off x="0" y="4604500"/>
+            <a:ext cx="4803623" cy="1037207"/>
+          </a:xfrm>
+          <a:prstGeom prst="rect">
+            <a:avLst/>
+          </a:prstGeom>
+          <a:noFill/>
+        </p:spPr>
+        <p:txBody>
+          <a:bodyPr wrap="none" lIns="182880" tIns="146304" rIns="182880" bIns="146304" rtlCol="0">
+            <a:spAutoFit/>
+          </a:bodyPr>
+          <a:lstStyle/>
+          <a:p>
+            <a:pPr>
+              <a:lnSpc>
+                <a:spcPct val="90000"/>
+              </a:lnSpc>
+              <a:spcAft>
+                <a:spcPts val="600"/>
+              </a:spcAft>
+            </a:pPr>
+            <a:r>
+              <a:rPr lang="en-US" altLang="zh-TW" sz="2400" dirty="0">
+                <a:gradFill>
+                  <a:gsLst>
+                    <a:gs pos="2917">
+                      <a:schemeClr val="tx1"/>
+                    </a:gs>
+                    <a:gs pos="30000">
+                      <a:schemeClr val="tx1"/>
+                    </a:gs>
+                  </a:gsLst>
+                  <a:lin ang="5400000" scaled="0"/>
+                </a:gradFill>
+                <a:hlinkClick r:id="rId4"/>
+              </a:rPr>
+              <a:t>https://www.91app.com/careers/</a:t>
+            </a:r>
+            <a:endParaRPr lang="en-US" altLang="zh-TW" sz="2400" dirty="0">
+              <a:gradFill>
+                <a:gsLst>
+                  <a:gs pos="2917">
+                    <a:schemeClr val="tx1"/>
+                  </a:gs>
+                  <a:gs pos="30000">
+                    <a:schemeClr val="tx1"/>
+                  </a:gs>
+                </a:gsLst>
+                <a:lin ang="5400000" scaled="0"/>
+              </a:gradFill>
+            </a:endParaRPr>
+          </a:p>
+          <a:p>
+            <a:pPr>
+              <a:lnSpc>
+                <a:spcPct val="90000"/>
+              </a:lnSpc>
+              <a:spcAft>
+                <a:spcPts val="600"/>
+              </a:spcAft>
+            </a:pPr>
+            <a:endParaRPr lang="zh-TW" altLang="en-US" sz="2400" dirty="0" err="1">
+              <a:gradFill>
+                <a:gsLst>
+                  <a:gs pos="2917">
+                    <a:schemeClr val="tx1"/>
+                  </a:gs>
+                  <a:gs pos="30000">
+                    <a:schemeClr val="tx1"/>
+                  </a:gs>
+                </a:gsLst>
+                <a:lin ang="5400000" scaled="0"/>
+              </a:gradFill>
+            </a:endParaRPr>
+          </a:p>
+        </p:txBody>
+      </p:sp>
+      <p:pic>
+        <p:nvPicPr>
+          <p:cNvPr id="6" name="圖片 5">
+            <a:extLst>
+              <a:ext uri="{FF2B5EF4-FFF2-40B4-BE49-F238E27FC236}">
+                <a16:creationId xmlns:a16="http://schemas.microsoft.com/office/drawing/2014/main" id="{4F6C7FA2-20EB-4E5E-930C-878BA482AB4B}"/>
+              </a:ext>
+            </a:extLst>
+          </p:cNvPr>
+          <p:cNvPicPr>
+            <a:picLocks noChangeAspect="1"/>
+          </p:cNvPicPr>
+          <p:nvPr/>
+        </p:nvPicPr>
+        <p:blipFill>
+          <a:blip r:embed="rId5"/>
+          <a:stretch>
+            <a:fillRect/>
+          </a:stretch>
+        </p:blipFill>
+        <p:spPr>
+          <a:xfrm>
+            <a:off x="0" y="1"/>
+            <a:ext cx="9144000" cy="3301066"/>
+          </a:xfrm>
+          <a:prstGeom prst="rect">
+            <a:avLst/>
+          </a:prstGeom>
+        </p:spPr>
+      </p:pic>
+    </p:spTree>
+    <p:extLst>
+      <p:ext uri="{BB962C8B-B14F-4D97-AF65-F5344CB8AC3E}">
+        <p14:creationId xmlns:p14="http://schemas.microsoft.com/office/powerpoint/2010/main" val="1951645078"/>
+      </p:ext>
+    </p:extLst>
+  </p:cSld>
+  <p:clrMapOvr>
+    <a:masterClrMapping/>
+  </p:clrMapOvr>
+</p:sld>
+</file>
+
+<file path=ppt/slides/slide35.xml><?xml version="1.0" encoding="utf-8"?>
 <p:sld xmlns:a="http://schemas.openxmlformats.org/drawingml/2006/main" xmlns:r="http://schemas.openxmlformats.org/officeDocument/2006/relationships" xmlns:p="http://schemas.openxmlformats.org/presentationml/2006/main">
   <p:cSld>
     <p:bg>
@@ -17917,140 +20049,6 @@
     <p:extLst>
       <p:ext uri="{BB962C8B-B14F-4D97-AF65-F5344CB8AC3E}">
         <p14:creationId xmlns:p14="http://schemas.microsoft.com/office/powerpoint/2010/main" val="3435798180"/>
-      </p:ext>
-    </p:extLst>
-  </p:cSld>
-  <p:clrMapOvr>
-    <a:masterClrMapping/>
-  </p:clrMapOvr>
-</p:sld>
-</file>
-
-<file path=ppt/slides/slide3.xml><?xml version="1.0" encoding="utf-8"?>
-<p:sld xmlns:a="http://schemas.openxmlformats.org/drawingml/2006/main" xmlns:r="http://schemas.openxmlformats.org/officeDocument/2006/relationships" xmlns:p="http://schemas.openxmlformats.org/presentationml/2006/main">
-  <p:cSld>
-    <p:spTree>
-      <p:nvGrpSpPr>
-        <p:cNvPr id="1" name=""/>
-        <p:cNvGrpSpPr/>
-        <p:nvPr/>
-      </p:nvGrpSpPr>
-      <p:grpSpPr>
-        <a:xfrm>
-          <a:off x="0" y="0"/>
-          <a:ext cx="0" cy="0"/>
-          <a:chOff x="0" y="0"/>
-          <a:chExt cx="0" cy="0"/>
-        </a:xfrm>
-      </p:grpSpPr>
-      <p:sp>
-        <p:nvSpPr>
-          <p:cNvPr id="4" name="標題 3">
-            <a:extLst>
-              <a:ext uri="{FF2B5EF4-FFF2-40B4-BE49-F238E27FC236}">
-                <a16:creationId xmlns:a16="http://schemas.microsoft.com/office/drawing/2014/main" id="{35CCDDFD-F728-4A0B-89D6-D80A3CFAE7E5}"/>
-              </a:ext>
-            </a:extLst>
-          </p:cNvPr>
-          <p:cNvSpPr>
-            <a:spLocks noGrp="1"/>
-          </p:cNvSpPr>
-          <p:nvPr>
-            <p:ph type="title"/>
-          </p:nvPr>
-        </p:nvSpPr>
-        <p:spPr/>
-        <p:txBody>
-          <a:bodyPr/>
-          <a:lstStyle/>
-          <a:p>
-            <a:r>
-              <a:rPr lang="en-US" dirty="0"/>
-              <a:t>.NET Microservices</a:t>
-            </a:r>
-          </a:p>
-        </p:txBody>
-      </p:sp>
-      <p:pic>
-        <p:nvPicPr>
-          <p:cNvPr id="3074" name="Picture 2" descr="æ¸ç±å°é¢">
-            <a:extLst>
-              <a:ext uri="{FF2B5EF4-FFF2-40B4-BE49-F238E27FC236}">
-                <a16:creationId xmlns:a16="http://schemas.microsoft.com/office/drawing/2014/main" id="{ED20BB43-9698-4A94-8AE6-EE7250533D14}"/>
-              </a:ext>
-            </a:extLst>
-          </p:cNvPr>
-          <p:cNvPicPr>
-            <a:picLocks noChangeAspect="1" noChangeArrowheads="1"/>
-          </p:cNvPicPr>
-          <p:nvPr/>
-        </p:nvPicPr>
-        <p:blipFill>
-          <a:blip r:embed="rId2">
-            <a:extLst>
-              <a:ext uri="{28A0092B-C50C-407E-A947-70E740481C1C}">
-                <a14:useLocalDpi xmlns:a14="http://schemas.microsoft.com/office/drawing/2010/main" val="0"/>
-              </a:ext>
-            </a:extLst>
-          </a:blip>
-          <a:srcRect/>
-          <a:stretch>
-            <a:fillRect/>
-          </a:stretch>
-        </p:blipFill>
-        <p:spPr bwMode="auto">
-          <a:xfrm>
-            <a:off x="799980" y="1350816"/>
-            <a:ext cx="2647950" cy="3429000"/>
-          </a:xfrm>
-          <a:prstGeom prst="rect">
-            <a:avLst/>
-          </a:prstGeom>
-          <a:noFill/>
-          <a:extLst>
-            <a:ext uri="{909E8E84-426E-40DD-AFC4-6F175D3DCCD1}">
-              <a14:hiddenFill xmlns:a14="http://schemas.microsoft.com/office/drawing/2010/main">
-                <a:solidFill>
-                  <a:srgbClr val="FFFFFF"/>
-                </a:solidFill>
-              </a14:hiddenFill>
-            </a:ext>
-          </a:extLst>
-        </p:spPr>
-      </p:pic>
-      <p:pic>
-        <p:nvPicPr>
-          <p:cNvPr id="6" name="圖片 5">
-            <a:extLst>
-              <a:ext uri="{FF2B5EF4-FFF2-40B4-BE49-F238E27FC236}">
-                <a16:creationId xmlns:a16="http://schemas.microsoft.com/office/drawing/2014/main" id="{5E342272-D16A-4FD3-A99A-59F25B32D304}"/>
-              </a:ext>
-            </a:extLst>
-          </p:cNvPr>
-          <p:cNvPicPr>
-            <a:picLocks noChangeAspect="1"/>
-          </p:cNvPicPr>
-          <p:nvPr/>
-        </p:nvPicPr>
-        <p:blipFill rotWithShape="1">
-          <a:blip r:embed="rId3"/>
-          <a:srcRect b="29142"/>
-          <a:stretch/>
-        </p:blipFill>
-        <p:spPr>
-          <a:xfrm>
-            <a:off x="4347622" y="1243027"/>
-            <a:ext cx="3082247" cy="3644579"/>
-          </a:xfrm>
-          <a:prstGeom prst="rect">
-            <a:avLst/>
-          </a:prstGeom>
-        </p:spPr>
-      </p:pic>
-    </p:spTree>
-    <p:extLst>
-      <p:ext uri="{BB962C8B-B14F-4D97-AF65-F5344CB8AC3E}">
-        <p14:creationId xmlns:p14="http://schemas.microsoft.com/office/powerpoint/2010/main" val="2371577746"/>
       </p:ext>
     </p:extLst>
   </p:cSld>
